--- a/02.시스템기획/04.skill/[실습_09]20200121_system_design_skill_review_이경호_ver0.1.pptx
+++ b/02.시스템기획/04.skill/[실습_09]20200121_system_design_skill_review_이경호_ver0.1.pptx
@@ -5,16 +5,18 @@
     <p:sldMasterId id="2147483648" r:id="rId1"/>
   </p:sldMasterIdLst>
   <p:notesMasterIdLst>
-    <p:notesMasterId r:id="rId9"/>
+    <p:notesMasterId r:id="rId11"/>
   </p:notesMasterIdLst>
   <p:sldIdLst>
     <p:sldId id="256" r:id="rId2"/>
-    <p:sldId id="257" r:id="rId3"/>
-    <p:sldId id="258" r:id="rId4"/>
-    <p:sldId id="261" r:id="rId5"/>
-    <p:sldId id="262" r:id="rId6"/>
-    <p:sldId id="259" r:id="rId7"/>
-    <p:sldId id="260" r:id="rId8"/>
+    <p:sldId id="263" r:id="rId3"/>
+    <p:sldId id="257" r:id="rId4"/>
+    <p:sldId id="258" r:id="rId5"/>
+    <p:sldId id="261" r:id="rId6"/>
+    <p:sldId id="262" r:id="rId7"/>
+    <p:sldId id="259" r:id="rId8"/>
+    <p:sldId id="264" r:id="rId9"/>
+    <p:sldId id="260" r:id="rId10"/>
   </p:sldIdLst>
   <p:sldSz cx="12192000" cy="6858000"/>
   <p:notesSz cx="6858000" cy="9144000"/>
@@ -113,6 +115,11 @@
       </a:defRPr>
     </a:lvl9pPr>
   </p:defaultTextStyle>
+  <p:extLst>
+    <p:ext uri="{EFAFB233-063F-42B5-8137-9DF3F51BA10A}">
+      <p15:sldGuideLst xmlns:p15="http://schemas.microsoft.com/office/powerpoint/2012/main"/>
+    </p:ext>
+  </p:extLst>
 </p:presentation>
 </file>
 
@@ -914,7 +921,7 @@
       </dgm:t>
     </dgm:pt>
     <dgm:pt modelId="{57A84860-688F-4E8D-8B55-E7B556DEADA7}">
-      <dgm:prSet phldrT="[텍스트]"/>
+      <dgm:prSet phldrT="[텍스트]" custT="1"/>
       <dgm:spPr/>
       <dgm:t>
         <a:bodyPr/>
@@ -922,10 +929,10 @@
         <a:p>
           <a:pPr latinLnBrk="1"/>
           <a:r>
-            <a:rPr lang="en-US" altLang="ko-KR" dirty="0" smtClean="0"/>
+            <a:rPr lang="en-US" altLang="ko-KR" sz="2000" dirty="0" smtClean="0"/>
             <a:t>Skill</a:t>
           </a:r>
-          <a:endParaRPr lang="ko-KR" altLang="en-US" dirty="0"/>
+          <a:endParaRPr lang="ko-KR" altLang="en-US" sz="2000" dirty="0"/>
         </a:p>
       </dgm:t>
     </dgm:pt>
@@ -954,7 +961,7 @@
       </dgm:t>
     </dgm:pt>
     <dgm:pt modelId="{F1EDA677-E82E-4A5C-9AD2-F69BB42F8962}">
-      <dgm:prSet phldrT="[텍스트]"/>
+      <dgm:prSet phldrT="[텍스트]" custT="1"/>
       <dgm:spPr/>
       <dgm:t>
         <a:bodyPr/>
@@ -962,10 +969,10 @@
         <a:p>
           <a:pPr latinLnBrk="1"/>
           <a:r>
-            <a:rPr lang="en-US" altLang="ko-KR" dirty="0" smtClean="0"/>
+            <a:rPr lang="en-US" altLang="ko-KR" sz="1600" dirty="0" smtClean="0"/>
             <a:t>Active</a:t>
           </a:r>
-          <a:endParaRPr lang="ko-KR" altLang="en-US" dirty="0"/>
+          <a:endParaRPr lang="ko-KR" altLang="en-US" sz="1600" dirty="0"/>
         </a:p>
       </dgm:t>
     </dgm:pt>
@@ -994,7 +1001,7 @@
       </dgm:t>
     </dgm:pt>
     <dgm:pt modelId="{3BABD730-0151-451D-91AF-4964D1CF3BCE}">
-      <dgm:prSet phldrT="[텍스트]"/>
+      <dgm:prSet phldrT="[텍스트]" custT="1"/>
       <dgm:spPr/>
       <dgm:t>
         <a:bodyPr/>
@@ -1002,10 +1009,10 @@
         <a:p>
           <a:pPr latinLnBrk="1"/>
           <a:r>
-            <a:rPr lang="ko-KR" altLang="en-US" dirty="0" smtClean="0"/>
+            <a:rPr lang="ko-KR" altLang="en-US" sz="1200" dirty="0" smtClean="0"/>
             <a:t>휴식하기</a:t>
           </a:r>
-          <a:endParaRPr lang="ko-KR" altLang="en-US" dirty="0"/>
+          <a:endParaRPr lang="ko-KR" altLang="en-US" sz="1200" dirty="0"/>
         </a:p>
       </dgm:t>
     </dgm:pt>
@@ -1034,7 +1041,7 @@
       </dgm:t>
     </dgm:pt>
     <dgm:pt modelId="{688CA5AB-8918-4759-8501-4E57320AEDCC}">
-      <dgm:prSet phldrT="[텍스트]"/>
+      <dgm:prSet phldrT="[텍스트]" custT="1"/>
       <dgm:spPr/>
       <dgm:t>
         <a:bodyPr/>
@@ -1042,10 +1049,10 @@
         <a:p>
           <a:pPr latinLnBrk="1"/>
           <a:r>
-            <a:rPr lang="ko-KR" altLang="en-US" dirty="0" smtClean="0"/>
+            <a:rPr lang="ko-KR" altLang="en-US" sz="1200" dirty="0" smtClean="0"/>
             <a:t>채집하기</a:t>
           </a:r>
-          <a:endParaRPr lang="ko-KR" altLang="en-US" dirty="0"/>
+          <a:endParaRPr lang="ko-KR" altLang="en-US" sz="1200" dirty="0"/>
         </a:p>
       </dgm:t>
     </dgm:pt>
@@ -1074,7 +1081,7 @@
       </dgm:t>
     </dgm:pt>
     <dgm:pt modelId="{55ED6FBA-A43D-4AA7-87EC-8E398BDA0D32}">
-      <dgm:prSet phldrT="[텍스트]"/>
+      <dgm:prSet phldrT="[텍스트]" custT="1"/>
       <dgm:spPr/>
       <dgm:t>
         <a:bodyPr/>
@@ -1082,10 +1089,10 @@
         <a:p>
           <a:pPr latinLnBrk="1"/>
           <a:r>
-            <a:rPr lang="en-US" altLang="ko-KR" dirty="0" smtClean="0"/>
+            <a:rPr lang="en-US" altLang="ko-KR" sz="1600" dirty="0" smtClean="0"/>
             <a:t>Passive</a:t>
           </a:r>
-          <a:endParaRPr lang="ko-KR" altLang="en-US" dirty="0"/>
+          <a:endParaRPr lang="ko-KR" altLang="en-US" sz="1600" dirty="0"/>
         </a:p>
       </dgm:t>
     </dgm:pt>
@@ -1114,7 +1121,7 @@
       </dgm:t>
     </dgm:pt>
     <dgm:pt modelId="{013D2720-8FC9-482A-BD29-7F6C981DD34A}">
-      <dgm:prSet phldrT="[텍스트]"/>
+      <dgm:prSet phldrT="[텍스트]" custT="1"/>
       <dgm:spPr/>
       <dgm:t>
         <a:bodyPr/>
@@ -1122,10 +1129,10 @@
         <a:p>
           <a:pPr latinLnBrk="1"/>
           <a:r>
-            <a:rPr lang="ko-KR" altLang="en-US" dirty="0" smtClean="0"/>
+            <a:rPr lang="ko-KR" altLang="en-US" sz="1200" dirty="0" smtClean="0"/>
             <a:t>무기착용</a:t>
           </a:r>
-          <a:endParaRPr lang="ko-KR" altLang="en-US" dirty="0"/>
+          <a:endParaRPr lang="ko-KR" altLang="en-US" sz="1200" dirty="0"/>
         </a:p>
       </dgm:t>
     </dgm:pt>
@@ -1201,6 +1208,10 @@
         <a:lstStyle/>
         <a:p>
           <a:pPr latinLnBrk="1"/>
+          <a:r>
+            <a:rPr lang="en-US" altLang="ko-KR" dirty="0" smtClean="0"/>
+            <a:t>category</a:t>
+          </a:r>
           <a:endParaRPr lang="ko-KR" altLang="en-US" dirty="0"/>
         </a:p>
       </dgm:t>
@@ -1238,8 +1249,8 @@
         <a:p>
           <a:pPr latinLnBrk="1"/>
           <a:r>
-            <a:rPr lang="en-US" altLang="ko-KR" dirty="0" smtClean="0"/>
-            <a:t>action</a:t>
+            <a:rPr lang="en-US" altLang="ko-KR" smtClean="0"/>
+            <a:t>Action</a:t>
           </a:r>
           <a:endParaRPr lang="ko-KR" altLang="en-US" dirty="0"/>
         </a:p>
@@ -1270,7 +1281,7 @@
       </dgm:t>
     </dgm:pt>
     <dgm:pt modelId="{C8731773-3199-4B1A-B476-56B860D702D6}">
-      <dgm:prSet/>
+      <dgm:prSet custT="1"/>
       <dgm:spPr/>
       <dgm:t>
         <a:bodyPr/>
@@ -1278,10 +1289,10 @@
         <a:p>
           <a:pPr latinLnBrk="1"/>
           <a:r>
-            <a:rPr lang="ko-KR" altLang="en-US" dirty="0" smtClean="0"/>
+            <a:rPr lang="ko-KR" altLang="en-US" sz="1200" dirty="0" smtClean="0"/>
             <a:t>잠자기</a:t>
           </a:r>
-          <a:endParaRPr lang="ko-KR" altLang="en-US" dirty="0"/>
+          <a:endParaRPr lang="ko-KR" altLang="en-US" sz="1200" dirty="0"/>
         </a:p>
       </dgm:t>
     </dgm:pt>
@@ -1310,7 +1321,7 @@
       </dgm:t>
     </dgm:pt>
     <dgm:pt modelId="{C6124416-49A0-4371-B3E9-B86D709A012F}">
-      <dgm:prSet/>
+      <dgm:prSet custT="1"/>
       <dgm:spPr/>
       <dgm:t>
         <a:bodyPr/>
@@ -1318,10 +1329,10 @@
         <a:p>
           <a:pPr latinLnBrk="1"/>
           <a:r>
-            <a:rPr lang="ko-KR" altLang="en-US" dirty="0" err="1" smtClean="0"/>
+            <a:rPr lang="ko-KR" altLang="en-US" sz="1200" dirty="0" err="1" smtClean="0"/>
             <a:t>방어구착용</a:t>
           </a:r>
-          <a:endParaRPr lang="ko-KR" altLang="en-US" dirty="0"/>
+          <a:endParaRPr lang="ko-KR" altLang="en-US" sz="1200" dirty="0"/>
         </a:p>
       </dgm:t>
     </dgm:pt>
@@ -1338,6 +1349,530 @@
       </dgm:t>
     </dgm:pt>
     <dgm:pt modelId="{55908EB4-5AC3-4380-9E2F-8EBEA1540414}" type="sibTrans" cxnId="{7680E6BD-4075-47F1-8690-40BE3BEA3103}">
+      <dgm:prSet/>
+      <dgm:spPr/>
+      <dgm:t>
+        <a:bodyPr/>
+        <a:lstStyle/>
+        <a:p>
+          <a:pPr latinLnBrk="1"/>
+          <a:endParaRPr lang="ko-KR" altLang="en-US"/>
+        </a:p>
+      </dgm:t>
+    </dgm:pt>
+    <dgm:pt modelId="{4E9731B8-6DE9-4E6B-8060-FEFEBF974927}">
+      <dgm:prSet custT="1"/>
+      <dgm:spPr/>
+      <dgm:t>
+        <a:bodyPr/>
+        <a:lstStyle/>
+        <a:p>
+          <a:pPr latinLnBrk="1"/>
+          <a:r>
+            <a:rPr lang="ko-KR" altLang="en-US" sz="1200" dirty="0" smtClean="0"/>
+            <a:t>제작하기</a:t>
+          </a:r>
+          <a:endParaRPr lang="ko-KR" altLang="en-US" sz="1200" dirty="0"/>
+        </a:p>
+      </dgm:t>
+    </dgm:pt>
+    <dgm:pt modelId="{FBA79A74-6478-45DF-88F9-58E1F4C8693E}" type="parTrans" cxnId="{83B65E87-D2D5-4C08-A6D0-1301AE101DCD}">
+      <dgm:prSet/>
+      <dgm:spPr/>
+      <dgm:t>
+        <a:bodyPr/>
+        <a:lstStyle/>
+        <a:p>
+          <a:pPr latinLnBrk="1"/>
+          <a:endParaRPr lang="ko-KR" altLang="en-US"/>
+        </a:p>
+      </dgm:t>
+    </dgm:pt>
+    <dgm:pt modelId="{D9B2EEAA-407D-44BE-BE66-89879C170F7D}" type="sibTrans" cxnId="{83B65E87-D2D5-4C08-A6D0-1301AE101DCD}">
+      <dgm:prSet/>
+      <dgm:spPr/>
+      <dgm:t>
+        <a:bodyPr/>
+        <a:lstStyle/>
+        <a:p>
+          <a:pPr latinLnBrk="1"/>
+          <a:endParaRPr lang="ko-KR" altLang="en-US"/>
+        </a:p>
+      </dgm:t>
+    </dgm:pt>
+    <dgm:pt modelId="{DA4D4C92-8151-4D65-8583-E7BF9EF9D37D}">
+      <dgm:prSet custT="1"/>
+      <dgm:spPr/>
+      <dgm:t>
+        <a:bodyPr/>
+        <a:lstStyle/>
+        <a:p>
+          <a:pPr latinLnBrk="1"/>
+          <a:r>
+            <a:rPr lang="ko-KR" altLang="en-US" sz="1200" dirty="0" smtClean="0"/>
+            <a:t>특수장비</a:t>
+          </a:r>
+          <a:endParaRPr lang="ko-KR" altLang="en-US" sz="1200" dirty="0"/>
+        </a:p>
+      </dgm:t>
+    </dgm:pt>
+    <dgm:pt modelId="{60F02FE3-CD43-4789-BDA6-B333D1936063}" type="parTrans" cxnId="{1BFF56F7-72BC-487A-B130-6337791B8A8E}">
+      <dgm:prSet/>
+      <dgm:spPr/>
+      <dgm:t>
+        <a:bodyPr/>
+        <a:lstStyle/>
+        <a:p>
+          <a:pPr latinLnBrk="1"/>
+          <a:endParaRPr lang="ko-KR" altLang="en-US"/>
+        </a:p>
+      </dgm:t>
+    </dgm:pt>
+    <dgm:pt modelId="{511B332E-D500-4AFB-920F-DA2EE2E9E37C}" type="sibTrans" cxnId="{1BFF56F7-72BC-487A-B130-6337791B8A8E}">
+      <dgm:prSet/>
+      <dgm:spPr/>
+      <dgm:t>
+        <a:bodyPr/>
+        <a:lstStyle/>
+        <a:p>
+          <a:pPr latinLnBrk="1"/>
+          <a:endParaRPr lang="ko-KR" altLang="en-US"/>
+        </a:p>
+      </dgm:t>
+    </dgm:pt>
+    <dgm:pt modelId="{63967743-0ECE-460F-A2B6-4E5D68D6471D}">
+      <dgm:prSet custT="1"/>
+      <dgm:spPr/>
+      <dgm:t>
+        <a:bodyPr/>
+        <a:lstStyle/>
+        <a:p>
+          <a:pPr latinLnBrk="1"/>
+          <a:r>
+            <a:rPr lang="en-US" altLang="ko-KR" sz="1200" dirty="0" smtClean="0"/>
+            <a:t>NPC</a:t>
+          </a:r>
+          <a:r>
+            <a:rPr lang="ko-KR" altLang="en-US" sz="1200" dirty="0" smtClean="0"/>
+            <a:t>공격</a:t>
+          </a:r>
+          <a:endParaRPr lang="ko-KR" altLang="en-US" sz="1200" dirty="0"/>
+        </a:p>
+      </dgm:t>
+    </dgm:pt>
+    <dgm:pt modelId="{397E24FB-8CBE-47D9-8C44-3F1502DFB453}" type="parTrans" cxnId="{C79B9CA4-4883-425B-8D86-F8FAEDDF8FAD}">
+      <dgm:prSet/>
+      <dgm:spPr/>
+      <dgm:t>
+        <a:bodyPr/>
+        <a:lstStyle/>
+        <a:p>
+          <a:pPr latinLnBrk="1"/>
+          <a:endParaRPr lang="ko-KR" altLang="en-US"/>
+        </a:p>
+      </dgm:t>
+    </dgm:pt>
+    <dgm:pt modelId="{74AC65DA-6698-4FF4-893E-AC69AE71BB99}" type="sibTrans" cxnId="{C79B9CA4-4883-425B-8D86-F8FAEDDF8FAD}">
+      <dgm:prSet/>
+      <dgm:spPr/>
+      <dgm:t>
+        <a:bodyPr/>
+        <a:lstStyle/>
+        <a:p>
+          <a:pPr latinLnBrk="1"/>
+          <a:endParaRPr lang="ko-KR" altLang="en-US"/>
+        </a:p>
+      </dgm:t>
+    </dgm:pt>
+    <dgm:pt modelId="{AB9D2341-8AD0-49E1-9B45-7C37082502C3}">
+      <dgm:prSet/>
+      <dgm:spPr/>
+      <dgm:t>
+        <a:bodyPr/>
+        <a:lstStyle/>
+        <a:p>
+          <a:pPr latinLnBrk="1"/>
+          <a:r>
+            <a:rPr lang="ko-KR" altLang="en-US" dirty="0" err="1" smtClean="0"/>
+            <a:t>잠자기스킬</a:t>
+          </a:r>
+          <a:endParaRPr lang="ko-KR" altLang="en-US" dirty="0"/>
+        </a:p>
+      </dgm:t>
+    </dgm:pt>
+    <dgm:pt modelId="{749E0D33-2BA5-4EC6-99F5-157B978C32EF}" type="parTrans" cxnId="{428EE95E-1646-4769-841E-6D1C599F10A9}">
+      <dgm:prSet/>
+      <dgm:spPr/>
+      <dgm:t>
+        <a:bodyPr/>
+        <a:lstStyle/>
+        <a:p>
+          <a:pPr latinLnBrk="1"/>
+          <a:endParaRPr lang="ko-KR" altLang="en-US"/>
+        </a:p>
+      </dgm:t>
+    </dgm:pt>
+    <dgm:pt modelId="{C01E7191-405E-4AAC-8DAD-E2DAEBB9CA4F}" type="sibTrans" cxnId="{428EE95E-1646-4769-841E-6D1C599F10A9}">
+      <dgm:prSet/>
+      <dgm:spPr/>
+      <dgm:t>
+        <a:bodyPr/>
+        <a:lstStyle/>
+        <a:p>
+          <a:pPr latinLnBrk="1"/>
+          <a:endParaRPr lang="ko-KR" altLang="en-US"/>
+        </a:p>
+      </dgm:t>
+    </dgm:pt>
+    <dgm:pt modelId="{CA23C317-A772-472A-9011-B675F47A8EE5}">
+      <dgm:prSet/>
+      <dgm:spPr/>
+      <dgm:t>
+        <a:bodyPr/>
+        <a:lstStyle/>
+        <a:p>
+          <a:pPr latinLnBrk="1"/>
+          <a:r>
+            <a:rPr lang="ko-KR" altLang="en-US" dirty="0" smtClean="0"/>
+            <a:t>휴식스킬</a:t>
+          </a:r>
+          <a:endParaRPr lang="ko-KR" altLang="en-US" dirty="0"/>
+        </a:p>
+      </dgm:t>
+    </dgm:pt>
+    <dgm:pt modelId="{5D574998-B021-4DE2-A8D6-52A171FC65AE}" type="parTrans" cxnId="{F4B26D5E-E25F-4C92-8463-F5DD14473105}">
+      <dgm:prSet/>
+      <dgm:spPr/>
+      <dgm:t>
+        <a:bodyPr/>
+        <a:lstStyle/>
+        <a:p>
+          <a:pPr latinLnBrk="1"/>
+          <a:endParaRPr lang="ko-KR" altLang="en-US"/>
+        </a:p>
+      </dgm:t>
+    </dgm:pt>
+    <dgm:pt modelId="{71417935-40CC-4178-9093-7B7F518AC155}" type="sibTrans" cxnId="{F4B26D5E-E25F-4C92-8463-F5DD14473105}">
+      <dgm:prSet/>
+      <dgm:spPr/>
+      <dgm:t>
+        <a:bodyPr/>
+        <a:lstStyle/>
+        <a:p>
+          <a:pPr latinLnBrk="1"/>
+          <a:endParaRPr lang="ko-KR" altLang="en-US"/>
+        </a:p>
+      </dgm:t>
+    </dgm:pt>
+    <dgm:pt modelId="{27D538C5-6E7E-48BE-AD87-A5CA8C1FB3D0}">
+      <dgm:prSet/>
+      <dgm:spPr/>
+      <dgm:t>
+        <a:bodyPr/>
+        <a:lstStyle/>
+        <a:p>
+          <a:pPr latinLnBrk="1"/>
+          <a:r>
+            <a:rPr lang="ko-KR" altLang="en-US" dirty="0" smtClean="0"/>
+            <a:t>채집스킬</a:t>
+          </a:r>
+          <a:endParaRPr lang="ko-KR" altLang="en-US" dirty="0"/>
+        </a:p>
+      </dgm:t>
+    </dgm:pt>
+    <dgm:pt modelId="{1248DFCC-6B31-4B9B-9B51-836D7B548F62}" type="parTrans" cxnId="{289B9FCC-B6DC-4925-AEE6-7D6151C88945}">
+      <dgm:prSet/>
+      <dgm:spPr/>
+      <dgm:t>
+        <a:bodyPr/>
+        <a:lstStyle/>
+        <a:p>
+          <a:pPr latinLnBrk="1"/>
+          <a:endParaRPr lang="ko-KR" altLang="en-US"/>
+        </a:p>
+      </dgm:t>
+    </dgm:pt>
+    <dgm:pt modelId="{78DD8405-AC16-4B31-B693-8DCA7CA87927}" type="sibTrans" cxnId="{289B9FCC-B6DC-4925-AEE6-7D6151C88945}">
+      <dgm:prSet/>
+      <dgm:spPr/>
+      <dgm:t>
+        <a:bodyPr/>
+        <a:lstStyle/>
+        <a:p>
+          <a:pPr latinLnBrk="1"/>
+          <a:endParaRPr lang="ko-KR" altLang="en-US"/>
+        </a:p>
+      </dgm:t>
+    </dgm:pt>
+    <dgm:pt modelId="{9B5AF6B0-867A-40F5-9A55-DCD4C035253E}">
+      <dgm:prSet/>
+      <dgm:spPr/>
+      <dgm:t>
+        <a:bodyPr/>
+        <a:lstStyle/>
+        <a:p>
+          <a:pPr latinLnBrk="1"/>
+          <a:r>
+            <a:rPr lang="ko-KR" altLang="en-US" dirty="0" smtClean="0"/>
+            <a:t>제작스킬</a:t>
+          </a:r>
+          <a:endParaRPr lang="ko-KR" altLang="en-US" dirty="0"/>
+        </a:p>
+      </dgm:t>
+    </dgm:pt>
+    <dgm:pt modelId="{C37B82AA-CCB6-4B66-A991-3A835C424BA7}" type="parTrans" cxnId="{7C490F3C-8253-4A14-BAB7-FDC622891AFB}">
+      <dgm:prSet/>
+      <dgm:spPr/>
+      <dgm:t>
+        <a:bodyPr/>
+        <a:lstStyle/>
+        <a:p>
+          <a:pPr latinLnBrk="1"/>
+          <a:endParaRPr lang="ko-KR" altLang="en-US"/>
+        </a:p>
+      </dgm:t>
+    </dgm:pt>
+    <dgm:pt modelId="{604489AD-A1CD-4EC6-B2EA-257F5BEAD095}" type="sibTrans" cxnId="{7C490F3C-8253-4A14-BAB7-FDC622891AFB}">
+      <dgm:prSet/>
+      <dgm:spPr/>
+      <dgm:t>
+        <a:bodyPr/>
+        <a:lstStyle/>
+        <a:p>
+          <a:pPr latinLnBrk="1"/>
+          <a:endParaRPr lang="ko-KR" altLang="en-US"/>
+        </a:p>
+      </dgm:t>
+    </dgm:pt>
+    <dgm:pt modelId="{4A0B09AA-1C9B-4646-B3BD-A6F967B9DE9F}">
+      <dgm:prSet/>
+      <dgm:spPr/>
+      <dgm:t>
+        <a:bodyPr/>
+        <a:lstStyle/>
+        <a:p>
+          <a:pPr latinLnBrk="1"/>
+          <a:r>
+            <a:rPr lang="ko-KR" altLang="en-US" dirty="0" smtClean="0"/>
+            <a:t>방어스킬</a:t>
+          </a:r>
+          <a:endParaRPr lang="ko-KR" altLang="en-US" dirty="0"/>
+        </a:p>
+      </dgm:t>
+    </dgm:pt>
+    <dgm:pt modelId="{18BA2D9A-3722-4DC2-BA27-378A9300FF08}" type="parTrans" cxnId="{4FC24B7B-730B-4C9D-A5E3-F7CB92C83DD3}">
+      <dgm:prSet/>
+      <dgm:spPr/>
+      <dgm:t>
+        <a:bodyPr/>
+        <a:lstStyle/>
+        <a:p>
+          <a:pPr latinLnBrk="1"/>
+          <a:endParaRPr lang="ko-KR" altLang="en-US"/>
+        </a:p>
+      </dgm:t>
+    </dgm:pt>
+    <dgm:pt modelId="{18DA732F-9582-415B-8B7D-D1E4598C1C23}" type="sibTrans" cxnId="{4FC24B7B-730B-4C9D-A5E3-F7CB92C83DD3}">
+      <dgm:prSet/>
+      <dgm:spPr/>
+      <dgm:t>
+        <a:bodyPr/>
+        <a:lstStyle/>
+        <a:p>
+          <a:pPr latinLnBrk="1"/>
+          <a:endParaRPr lang="ko-KR" altLang="en-US"/>
+        </a:p>
+      </dgm:t>
+    </dgm:pt>
+    <dgm:pt modelId="{A12AE042-466A-4D56-864B-E2CA4396DDF6}">
+      <dgm:prSet/>
+      <dgm:spPr/>
+      <dgm:t>
+        <a:bodyPr/>
+        <a:lstStyle/>
+        <a:p>
+          <a:pPr latinLnBrk="1"/>
+          <a:r>
+            <a:rPr lang="ko-KR" altLang="en-US" dirty="0" err="1" smtClean="0"/>
+            <a:t>칼휘두르기</a:t>
+          </a:r>
+          <a:endParaRPr lang="ko-KR" altLang="en-US" dirty="0"/>
+        </a:p>
+      </dgm:t>
+    </dgm:pt>
+    <dgm:pt modelId="{3BEF898F-1CF4-4BB2-879C-AE894DAC75C6}" type="parTrans" cxnId="{3C2DA25B-B5F3-47D9-8966-ED8388D8775A}">
+      <dgm:prSet/>
+      <dgm:spPr/>
+      <dgm:t>
+        <a:bodyPr/>
+        <a:lstStyle/>
+        <a:p>
+          <a:pPr latinLnBrk="1"/>
+          <a:endParaRPr lang="ko-KR" altLang="en-US"/>
+        </a:p>
+      </dgm:t>
+    </dgm:pt>
+    <dgm:pt modelId="{8CCDCD01-32DC-44E3-82C5-27847F788E9D}" type="sibTrans" cxnId="{3C2DA25B-B5F3-47D9-8966-ED8388D8775A}">
+      <dgm:prSet/>
+      <dgm:spPr/>
+      <dgm:t>
+        <a:bodyPr/>
+        <a:lstStyle/>
+        <a:p>
+          <a:pPr latinLnBrk="1"/>
+          <a:endParaRPr lang="ko-KR" altLang="en-US"/>
+        </a:p>
+      </dgm:t>
+    </dgm:pt>
+    <dgm:pt modelId="{3DFC53C6-6EBB-4F30-BCEE-527B337538A6}">
+      <dgm:prSet phldrT="[텍스트]"/>
+      <dgm:spPr/>
+      <dgm:t>
+        <a:bodyPr/>
+        <a:lstStyle/>
+        <a:p>
+          <a:pPr latinLnBrk="1"/>
+          <a:r>
+            <a:rPr lang="en-US" altLang="ko-KR" dirty="0" smtClean="0"/>
+            <a:t>skill</a:t>
+          </a:r>
+          <a:endParaRPr lang="ko-KR" altLang="en-US" dirty="0"/>
+        </a:p>
+      </dgm:t>
+    </dgm:pt>
+    <dgm:pt modelId="{121FC1C7-FF72-444F-B57F-BA0C0F1A7923}" type="sibTrans" cxnId="{394B112D-BAEA-42A7-89F7-0641570253F1}">
+      <dgm:prSet/>
+      <dgm:spPr/>
+      <dgm:t>
+        <a:bodyPr/>
+        <a:lstStyle/>
+        <a:p>
+          <a:pPr latinLnBrk="1"/>
+          <a:endParaRPr lang="ko-KR" altLang="en-US"/>
+        </a:p>
+      </dgm:t>
+    </dgm:pt>
+    <dgm:pt modelId="{5E9A23E5-61A0-441B-B829-EF64A9A4937D}" type="parTrans" cxnId="{394B112D-BAEA-42A7-89F7-0641570253F1}">
+      <dgm:prSet/>
+      <dgm:spPr/>
+      <dgm:t>
+        <a:bodyPr/>
+        <a:lstStyle/>
+        <a:p>
+          <a:pPr latinLnBrk="1"/>
+          <a:endParaRPr lang="ko-KR" altLang="en-US"/>
+        </a:p>
+      </dgm:t>
+    </dgm:pt>
+    <dgm:pt modelId="{21C52EDF-4AC8-4A5A-9227-85133A7B2FBC}">
+      <dgm:prSet/>
+      <dgm:spPr/>
+      <dgm:t>
+        <a:bodyPr/>
+        <a:lstStyle/>
+        <a:p>
+          <a:pPr latinLnBrk="1"/>
+          <a:r>
+            <a:rPr lang="ko-KR" altLang="en-US" dirty="0" smtClean="0"/>
+            <a:t>물기공격</a:t>
+          </a:r>
+          <a:endParaRPr lang="ko-KR" altLang="en-US" dirty="0"/>
+        </a:p>
+      </dgm:t>
+    </dgm:pt>
+    <dgm:pt modelId="{30DFD3EB-9D94-4F5F-AE4E-74E408B31D4F}" type="parTrans" cxnId="{06E35786-976E-4C0C-BD34-D24EA7CBF47D}">
+      <dgm:prSet/>
+      <dgm:spPr/>
+      <dgm:t>
+        <a:bodyPr/>
+        <a:lstStyle/>
+        <a:p>
+          <a:pPr latinLnBrk="1"/>
+          <a:endParaRPr lang="ko-KR" altLang="en-US"/>
+        </a:p>
+      </dgm:t>
+    </dgm:pt>
+    <dgm:pt modelId="{473F9716-6EE5-45FE-AF65-EBBECCA086E4}" type="sibTrans" cxnId="{06E35786-976E-4C0C-BD34-D24EA7CBF47D}">
+      <dgm:prSet/>
+      <dgm:spPr/>
+      <dgm:t>
+        <a:bodyPr/>
+        <a:lstStyle/>
+        <a:p>
+          <a:pPr latinLnBrk="1"/>
+          <a:endParaRPr lang="ko-KR" altLang="en-US"/>
+        </a:p>
+      </dgm:t>
+    </dgm:pt>
+    <dgm:pt modelId="{72C64DE2-8620-4D97-B64F-A565B481875D}">
+      <dgm:prSet/>
+      <dgm:spPr/>
+      <dgm:t>
+        <a:bodyPr/>
+        <a:lstStyle/>
+        <a:p>
+          <a:pPr latinLnBrk="1"/>
+          <a:r>
+            <a:rPr lang="ko-KR" altLang="en-US" dirty="0" smtClean="0"/>
+            <a:t>출혈효과</a:t>
+          </a:r>
+          <a:endParaRPr lang="ko-KR" altLang="en-US" dirty="0"/>
+        </a:p>
+      </dgm:t>
+    </dgm:pt>
+    <dgm:pt modelId="{2D1D0D65-6B24-47D9-A1D7-0FCDC2C03392}" type="parTrans" cxnId="{1C8665F3-6339-4BC7-A74B-4E3B0C1EDB58}">
+      <dgm:prSet/>
+      <dgm:spPr/>
+      <dgm:t>
+        <a:bodyPr/>
+        <a:lstStyle/>
+        <a:p>
+          <a:pPr latinLnBrk="1"/>
+          <a:endParaRPr lang="ko-KR" altLang="en-US"/>
+        </a:p>
+      </dgm:t>
+    </dgm:pt>
+    <dgm:pt modelId="{9F9085FA-ACF2-48EA-9CF2-58BDB90175C0}" type="sibTrans" cxnId="{1C8665F3-6339-4BC7-A74B-4E3B0C1EDB58}">
+      <dgm:prSet/>
+      <dgm:spPr/>
+      <dgm:t>
+        <a:bodyPr/>
+        <a:lstStyle/>
+        <a:p>
+          <a:pPr latinLnBrk="1"/>
+          <a:endParaRPr lang="ko-KR" altLang="en-US"/>
+        </a:p>
+      </dgm:t>
+    </dgm:pt>
+    <dgm:pt modelId="{644D6472-F0B9-4A4D-9566-9FEBA7CA3D7A}">
+      <dgm:prSet/>
+      <dgm:spPr/>
+      <dgm:t>
+        <a:bodyPr/>
+        <a:lstStyle/>
+        <a:p>
+          <a:pPr latinLnBrk="1"/>
+          <a:r>
+            <a:rPr lang="ko-KR" altLang="en-US" dirty="0" smtClean="0"/>
+            <a:t>속성증가</a:t>
+          </a:r>
+          <a:endParaRPr lang="ko-KR" altLang="en-US" dirty="0"/>
+        </a:p>
+      </dgm:t>
+    </dgm:pt>
+    <dgm:pt modelId="{1DF4E37C-0DD9-4038-BFD4-CED48C486E4D}" type="parTrans" cxnId="{54EF02DA-4340-400B-B255-2385DAEBF6DB}">
+      <dgm:prSet/>
+      <dgm:spPr/>
+      <dgm:t>
+        <a:bodyPr/>
+        <a:lstStyle/>
+        <a:p>
+          <a:pPr latinLnBrk="1"/>
+          <a:endParaRPr lang="ko-KR" altLang="en-US"/>
+        </a:p>
+      </dgm:t>
+    </dgm:pt>
+    <dgm:pt modelId="{78D035F5-8407-4422-9383-86D3E9FBCFC0}" type="sibTrans" cxnId="{54EF02DA-4340-400B-B255-2385DAEBF6DB}">
       <dgm:prSet/>
       <dgm:spPr/>
       <dgm:t>
@@ -1360,6 +1895,14 @@
         </dgm:presLayoutVars>
       </dgm:prSet>
       <dgm:spPr/>
+      <dgm:t>
+        <a:bodyPr/>
+        <a:lstStyle/>
+        <a:p>
+          <a:pPr latinLnBrk="1"/>
+          <a:endParaRPr lang="ko-KR" altLang="en-US"/>
+        </a:p>
+      </dgm:t>
     </dgm:pt>
     <dgm:pt modelId="{3C999101-BA52-496E-9C3F-0913CB793D88}" type="pres">
       <dgm:prSet presAssocID="{06E4EC8C-CD65-473F-AEE6-36DF7DE8EAFD}" presName="hierFlow" presStyleCnt="0"/>
@@ -1384,59 +1927,11 @@
       <dgm:spPr/>
     </dgm:pt>
     <dgm:pt modelId="{9EEDDCF1-FDDC-4A6D-8BA2-BDD71A3F0006}" type="pres">
-      <dgm:prSet presAssocID="{57A84860-688F-4E8D-8B55-E7B556DEADA7}" presName="level1Shape" presStyleLbl="node0" presStyleIdx="0" presStyleCnt="1">
+      <dgm:prSet presAssocID="{57A84860-688F-4E8D-8B55-E7B556DEADA7}" presName="level1Shape" presStyleLbl="node0" presStyleIdx="0" presStyleCnt="1" custScaleX="400678" custScaleY="165911" custLinFactNeighborX="-8553" custLinFactNeighborY="41292">
         <dgm:presLayoutVars>
           <dgm:chPref val="3"/>
         </dgm:presLayoutVars>
       </dgm:prSet>
-      <dgm:spPr/>
-    </dgm:pt>
-    <dgm:pt modelId="{AE30EF09-B6EF-4FA1-B8D6-6D2A93C35B49}" type="pres">
-      <dgm:prSet presAssocID="{57A84860-688F-4E8D-8B55-E7B556DEADA7}" presName="hierChild2" presStyleCnt="0"/>
-      <dgm:spPr/>
-    </dgm:pt>
-    <dgm:pt modelId="{B755441C-6EA2-4CC3-8076-6BAD367D15C0}" type="pres">
-      <dgm:prSet presAssocID="{FE9AF5EC-37B6-4F91-8053-204998F9D19F}" presName="Name19" presStyleLbl="parChTrans1D2" presStyleIdx="0" presStyleCnt="2"/>
-      <dgm:spPr/>
-    </dgm:pt>
-    <dgm:pt modelId="{428A03F4-4062-42E5-BEF0-EEF096F7DFB4}" type="pres">
-      <dgm:prSet presAssocID="{F1EDA677-E82E-4A5C-9AD2-F69BB42F8962}" presName="Name21" presStyleCnt="0"/>
-      <dgm:spPr/>
-    </dgm:pt>
-    <dgm:pt modelId="{A7271CFE-A350-4BA0-8A61-06CBB6A5B372}" type="pres">
-      <dgm:prSet presAssocID="{F1EDA677-E82E-4A5C-9AD2-F69BB42F8962}" presName="level2Shape" presStyleLbl="node2" presStyleIdx="0" presStyleCnt="2"/>
-      <dgm:spPr/>
-    </dgm:pt>
-    <dgm:pt modelId="{D103BE92-7CF8-445B-89EC-44FF6CE60740}" type="pres">
-      <dgm:prSet presAssocID="{F1EDA677-E82E-4A5C-9AD2-F69BB42F8962}" presName="hierChild3" presStyleCnt="0"/>
-      <dgm:spPr/>
-    </dgm:pt>
-    <dgm:pt modelId="{DDCC4CD0-AF26-4EB1-9BAC-CCBB80DD003A}" type="pres">
-      <dgm:prSet presAssocID="{27A4703A-00EC-430E-9DB9-C342509AC082}" presName="Name19" presStyleLbl="parChTrans1D3" presStyleIdx="0" presStyleCnt="5"/>
-      <dgm:spPr/>
-    </dgm:pt>
-    <dgm:pt modelId="{CE81CE3B-0211-40D4-970B-D366CA97758C}" type="pres">
-      <dgm:prSet presAssocID="{C8731773-3199-4B1A-B476-56B860D702D6}" presName="Name21" presStyleCnt="0"/>
-      <dgm:spPr/>
-    </dgm:pt>
-    <dgm:pt modelId="{657E6CA8-9AE7-459B-AD98-FDEEE1CEAAC2}" type="pres">
-      <dgm:prSet presAssocID="{C8731773-3199-4B1A-B476-56B860D702D6}" presName="level2Shape" presStyleLbl="node3" presStyleIdx="0" presStyleCnt="5"/>
-      <dgm:spPr/>
-    </dgm:pt>
-    <dgm:pt modelId="{8F578111-AA76-4911-B781-B1F41BD4F039}" type="pres">
-      <dgm:prSet presAssocID="{C8731773-3199-4B1A-B476-56B860D702D6}" presName="hierChild3" presStyleCnt="0"/>
-      <dgm:spPr/>
-    </dgm:pt>
-    <dgm:pt modelId="{45AA2A36-4421-4CA7-B6E0-C69FBC1BAF25}" type="pres">
-      <dgm:prSet presAssocID="{FE8A9DF9-3D57-42C4-A1A3-1FF3638069BD}" presName="Name19" presStyleLbl="parChTrans1D3" presStyleIdx="1" presStyleCnt="5"/>
-      <dgm:spPr/>
-    </dgm:pt>
-    <dgm:pt modelId="{68D5D712-EAAA-4BA6-B0B9-1B232702BB90}" type="pres">
-      <dgm:prSet presAssocID="{3BABD730-0151-451D-91AF-4964D1CF3BCE}" presName="Name21" presStyleCnt="0"/>
-      <dgm:spPr/>
-    </dgm:pt>
-    <dgm:pt modelId="{7C43E2F5-89BC-4442-A62B-5008B4967B8C}" type="pres">
-      <dgm:prSet presAssocID="{3BABD730-0151-451D-91AF-4964D1CF3BCE}" presName="level2Shape" presStyleLbl="node3" presStyleIdx="1" presStyleCnt="5"/>
       <dgm:spPr/>
       <dgm:t>
         <a:bodyPr/>
@@ -1447,52 +1942,12 @@
         </a:p>
       </dgm:t>
     </dgm:pt>
-    <dgm:pt modelId="{A3746F37-4E37-4D90-8029-25D086F3878A}" type="pres">
-      <dgm:prSet presAssocID="{3BABD730-0151-451D-91AF-4964D1CF3BCE}" presName="hierChild3" presStyleCnt="0"/>
-      <dgm:spPr/>
-    </dgm:pt>
-    <dgm:pt modelId="{A3234CFD-9AA3-40A9-98ED-D7002BFB17C5}" type="pres">
-      <dgm:prSet presAssocID="{8D0963F8-4CCB-43FB-9921-51CDD612D84C}" presName="Name19" presStyleLbl="parChTrans1D3" presStyleIdx="2" presStyleCnt="5"/>
-      <dgm:spPr/>
-    </dgm:pt>
-    <dgm:pt modelId="{59A6A9DB-A497-446C-B23A-7411162C9E63}" type="pres">
-      <dgm:prSet presAssocID="{688CA5AB-8918-4759-8501-4E57320AEDCC}" presName="Name21" presStyleCnt="0"/>
-      <dgm:spPr/>
-    </dgm:pt>
-    <dgm:pt modelId="{FFD717B2-5487-40E1-93E7-33906A317C35}" type="pres">
-      <dgm:prSet presAssocID="{688CA5AB-8918-4759-8501-4E57320AEDCC}" presName="level2Shape" presStyleLbl="node3" presStyleIdx="2" presStyleCnt="5"/>
-      <dgm:spPr/>
-    </dgm:pt>
-    <dgm:pt modelId="{B6BA2DFA-73AD-4D20-9648-8D6ED2139ED7}" type="pres">
-      <dgm:prSet presAssocID="{688CA5AB-8918-4759-8501-4E57320AEDCC}" presName="hierChild3" presStyleCnt="0"/>
-      <dgm:spPr/>
-    </dgm:pt>
-    <dgm:pt modelId="{894D0476-9258-4490-B86C-98AA145628BC}" type="pres">
-      <dgm:prSet presAssocID="{A66078CF-2911-4A2C-95BA-065EC9BE6485}" presName="Name19" presStyleLbl="parChTrans1D2" presStyleIdx="1" presStyleCnt="2"/>
-      <dgm:spPr/>
-    </dgm:pt>
-    <dgm:pt modelId="{83229144-F61C-44AD-86C9-8C6A28F47588}" type="pres">
-      <dgm:prSet presAssocID="{55ED6FBA-A43D-4AA7-87EC-8E398BDA0D32}" presName="Name21" presStyleCnt="0"/>
-      <dgm:spPr/>
-    </dgm:pt>
-    <dgm:pt modelId="{1F4364AA-0C8C-4B7B-90EE-4B562169FD20}" type="pres">
-      <dgm:prSet presAssocID="{55ED6FBA-A43D-4AA7-87EC-8E398BDA0D32}" presName="level2Shape" presStyleLbl="node2" presStyleIdx="1" presStyleCnt="2"/>
-      <dgm:spPr/>
-    </dgm:pt>
-    <dgm:pt modelId="{7F2777E7-7691-4FD1-A146-3AA57A0A04EE}" type="pres">
-      <dgm:prSet presAssocID="{55ED6FBA-A43D-4AA7-87EC-8E398BDA0D32}" presName="hierChild3" presStyleCnt="0"/>
-      <dgm:spPr/>
-    </dgm:pt>
-    <dgm:pt modelId="{8092361A-4BBB-4B5C-AFFB-CFD3099D1CBC}" type="pres">
-      <dgm:prSet presAssocID="{507A9531-3075-41B4-99B7-EE2E19A8DA89}" presName="Name19" presStyleLbl="parChTrans1D3" presStyleIdx="3" presStyleCnt="5"/>
-      <dgm:spPr/>
-    </dgm:pt>
-    <dgm:pt modelId="{C983A043-4F2C-46A7-BC0F-FE91E6CED314}" type="pres">
-      <dgm:prSet presAssocID="{C6124416-49A0-4371-B3E9-B86D709A012F}" presName="Name21" presStyleCnt="0"/>
-      <dgm:spPr/>
-    </dgm:pt>
-    <dgm:pt modelId="{20068014-86AD-4B3E-B5D3-CBDB5131C055}" type="pres">
-      <dgm:prSet presAssocID="{C6124416-49A0-4371-B3E9-B86D709A012F}" presName="level2Shape" presStyleLbl="node3" presStyleIdx="3" presStyleCnt="5"/>
+    <dgm:pt modelId="{AE30EF09-B6EF-4FA1-B8D6-6D2A93C35B49}" type="pres">
+      <dgm:prSet presAssocID="{57A84860-688F-4E8D-8B55-E7B556DEADA7}" presName="hierChild2" presStyleCnt="0"/>
+      <dgm:spPr/>
+    </dgm:pt>
+    <dgm:pt modelId="{B755441C-6EA2-4CC3-8076-6BAD367D15C0}" type="pres">
+      <dgm:prSet presAssocID="{FE9AF5EC-37B6-4F91-8053-204998F9D19F}" presName="Name19" presStyleLbl="parChTrans1D2" presStyleIdx="0" presStyleCnt="2"/>
       <dgm:spPr/>
       <dgm:t>
         <a:bodyPr/>
@@ -1503,60 +1958,12 @@
         </a:p>
       </dgm:t>
     </dgm:pt>
-    <dgm:pt modelId="{57B9A4F4-8BE4-48D6-B246-AE5F76F450B0}" type="pres">
-      <dgm:prSet presAssocID="{C6124416-49A0-4371-B3E9-B86D709A012F}" presName="hierChild3" presStyleCnt="0"/>
-      <dgm:spPr/>
-    </dgm:pt>
-    <dgm:pt modelId="{B605DF23-4419-4E51-8C93-8E49C6B66999}" type="pres">
-      <dgm:prSet presAssocID="{5B0830B2-2F57-4BBF-9C07-029A645DA361}" presName="Name19" presStyleLbl="parChTrans1D3" presStyleIdx="4" presStyleCnt="5"/>
-      <dgm:spPr/>
-    </dgm:pt>
-    <dgm:pt modelId="{4818F959-C944-4E71-9A67-43C5BF925061}" type="pres">
-      <dgm:prSet presAssocID="{013D2720-8FC9-482A-BD29-7F6C981DD34A}" presName="Name21" presStyleCnt="0"/>
-      <dgm:spPr/>
-    </dgm:pt>
-    <dgm:pt modelId="{817DDDDC-615F-45BE-A655-665D6E82E67D}" type="pres">
-      <dgm:prSet presAssocID="{013D2720-8FC9-482A-BD29-7F6C981DD34A}" presName="level2Shape" presStyleLbl="node3" presStyleIdx="4" presStyleCnt="5"/>
-      <dgm:spPr/>
-    </dgm:pt>
-    <dgm:pt modelId="{86D1F2B3-6B50-4D56-8502-C2252A410C28}" type="pres">
-      <dgm:prSet presAssocID="{013D2720-8FC9-482A-BD29-7F6C981DD34A}" presName="hierChild3" presStyleCnt="0"/>
-      <dgm:spPr/>
-    </dgm:pt>
-    <dgm:pt modelId="{27BD3A85-9604-4033-8CC8-2CD7FE9E37F5}" type="pres">
-      <dgm:prSet presAssocID="{06E4EC8C-CD65-473F-AEE6-36DF7DE8EAFD}" presName="bgShapesFlow" presStyleCnt="0"/>
-      <dgm:spPr/>
-    </dgm:pt>
-    <dgm:pt modelId="{F7E73626-4AE2-4869-8EC7-29EFB07E25F6}" type="pres">
-      <dgm:prSet presAssocID="{C2F3E794-87C3-4D98-9D97-F1B24FD279BB}" presName="rectComp" presStyleCnt="0"/>
-      <dgm:spPr/>
-    </dgm:pt>
-    <dgm:pt modelId="{50EF4299-89AC-4680-9D79-87A388D43518}" type="pres">
-      <dgm:prSet presAssocID="{C2F3E794-87C3-4D98-9D97-F1B24FD279BB}" presName="bgRect" presStyleLbl="bgShp" presStyleIdx="0" presStyleCnt="3"/>
-      <dgm:spPr/>
-    </dgm:pt>
-    <dgm:pt modelId="{CB17A4F6-E409-46E5-BF13-FC59F99C4B93}" type="pres">
-      <dgm:prSet presAssocID="{C2F3E794-87C3-4D98-9D97-F1B24FD279BB}" presName="bgRectTx" presStyleLbl="bgShp" presStyleIdx="0" presStyleCnt="3">
-        <dgm:presLayoutVars>
-          <dgm:bulletEnabled val="1"/>
-        </dgm:presLayoutVars>
-      </dgm:prSet>
-      <dgm:spPr/>
-    </dgm:pt>
-    <dgm:pt modelId="{2039C3E4-5D80-4B94-8713-4B42F2ADCE2D}" type="pres">
-      <dgm:prSet presAssocID="{C2F3E794-87C3-4D98-9D97-F1B24FD279BB}" presName="spComp" presStyleCnt="0"/>
-      <dgm:spPr/>
-    </dgm:pt>
-    <dgm:pt modelId="{D022C892-7808-46FF-9907-EC4223C906F8}" type="pres">
-      <dgm:prSet presAssocID="{C2F3E794-87C3-4D98-9D97-F1B24FD279BB}" presName="vSp" presStyleCnt="0"/>
-      <dgm:spPr/>
-    </dgm:pt>
-    <dgm:pt modelId="{06145AFE-AAF5-4AAE-9FEB-537EF64E7133}" type="pres">
-      <dgm:prSet presAssocID="{813AC39F-E6D1-4499-BB6E-5DBC96767645}" presName="rectComp" presStyleCnt="0"/>
-      <dgm:spPr/>
-    </dgm:pt>
-    <dgm:pt modelId="{806EC377-F7F8-4DFA-BC66-4C8B587C9CB6}" type="pres">
-      <dgm:prSet presAssocID="{813AC39F-E6D1-4499-BB6E-5DBC96767645}" presName="bgRect" presStyleLbl="bgShp" presStyleIdx="1" presStyleCnt="3"/>
+    <dgm:pt modelId="{428A03F4-4062-42E5-BEF0-EEF096F7DFB4}" type="pres">
+      <dgm:prSet presAssocID="{F1EDA677-E82E-4A5C-9AD2-F69BB42F8962}" presName="Name21" presStyleCnt="0"/>
+      <dgm:spPr/>
+    </dgm:pt>
+    <dgm:pt modelId="{A7271CFE-A350-4BA0-8A61-06CBB6A5B372}" type="pres">
+      <dgm:prSet presAssocID="{F1EDA677-E82E-4A5C-9AD2-F69BB42F8962}" presName="level2Shape" presStyleLbl="node2" presStyleIdx="0" presStyleCnt="2" custScaleX="299034" custScaleY="153164" custLinFactY="82961" custLinFactNeighborY="100000"/>
       <dgm:spPr/>
       <dgm:t>
         <a:bodyPr/>
@@ -1567,12 +1974,12 @@
         </a:p>
       </dgm:t>
     </dgm:pt>
-    <dgm:pt modelId="{7961210E-4EA8-44BD-9AFA-2E63905BFC62}" type="pres">
-      <dgm:prSet presAssocID="{813AC39F-E6D1-4499-BB6E-5DBC96767645}" presName="bgRectTx" presStyleLbl="bgShp" presStyleIdx="1" presStyleCnt="3">
-        <dgm:presLayoutVars>
-          <dgm:bulletEnabled val="1"/>
-        </dgm:presLayoutVars>
-      </dgm:prSet>
+    <dgm:pt modelId="{D103BE92-7CF8-445B-89EC-44FF6CE60740}" type="pres">
+      <dgm:prSet presAssocID="{F1EDA677-E82E-4A5C-9AD2-F69BB42F8962}" presName="hierChild3" presStyleCnt="0"/>
+      <dgm:spPr/>
+    </dgm:pt>
+    <dgm:pt modelId="{DDCC4CD0-AF26-4EB1-9BAC-CCBB80DD003A}" type="pres">
+      <dgm:prSet presAssocID="{27A4703A-00EC-430E-9DB9-C342509AC082}" presName="Name19" presStyleLbl="parChTrans1D3" presStyleIdx="0" presStyleCnt="8"/>
       <dgm:spPr/>
       <dgm:t>
         <a:bodyPr/>
@@ -1583,20 +1990,12 @@
         </a:p>
       </dgm:t>
     </dgm:pt>
-    <dgm:pt modelId="{CE9B0EC1-2D34-4414-BD57-7BF32FB5DA3C}" type="pres">
-      <dgm:prSet presAssocID="{813AC39F-E6D1-4499-BB6E-5DBC96767645}" presName="spComp" presStyleCnt="0"/>
-      <dgm:spPr/>
-    </dgm:pt>
-    <dgm:pt modelId="{9E3A67C7-4676-4F07-92A2-1374DD876AB1}" type="pres">
-      <dgm:prSet presAssocID="{813AC39F-E6D1-4499-BB6E-5DBC96767645}" presName="vSp" presStyleCnt="0"/>
-      <dgm:spPr/>
-    </dgm:pt>
-    <dgm:pt modelId="{C9BB9C62-3373-49F6-AA1A-1B2F3C355518}" type="pres">
-      <dgm:prSet presAssocID="{21557C0B-3433-464E-A15E-49CB40EFC4E3}" presName="rectComp" presStyleCnt="0"/>
-      <dgm:spPr/>
-    </dgm:pt>
-    <dgm:pt modelId="{2B708D22-E66F-450D-AAE6-B9790658D42A}" type="pres">
-      <dgm:prSet presAssocID="{21557C0B-3433-464E-A15E-49CB40EFC4E3}" presName="bgRect" presStyleLbl="bgShp" presStyleIdx="2" presStyleCnt="3"/>
+    <dgm:pt modelId="{CE81CE3B-0211-40D4-970B-D366CA97758C}" type="pres">
+      <dgm:prSet presAssocID="{C8731773-3199-4B1A-B476-56B860D702D6}" presName="Name21" presStyleCnt="0"/>
+      <dgm:spPr/>
+    </dgm:pt>
+    <dgm:pt modelId="{657E6CA8-9AE7-459B-AD98-FDEEE1CEAAC2}" type="pres">
+      <dgm:prSet presAssocID="{C8731773-3199-4B1A-B476-56B860D702D6}" presName="level2Shape" presStyleLbl="node3" presStyleIdx="0" presStyleCnt="8" custLinFactY="100000" custLinFactNeighborY="174441"/>
       <dgm:spPr/>
       <dgm:t>
         <a:bodyPr/>
@@ -1607,12 +2006,28 @@
         </a:p>
       </dgm:t>
     </dgm:pt>
-    <dgm:pt modelId="{5E05B611-FEF2-4E45-B701-7FB6606739D2}" type="pres">
-      <dgm:prSet presAssocID="{21557C0B-3433-464E-A15E-49CB40EFC4E3}" presName="bgRectTx" presStyleLbl="bgShp" presStyleIdx="2" presStyleCnt="3">
-        <dgm:presLayoutVars>
-          <dgm:bulletEnabled val="1"/>
-        </dgm:presLayoutVars>
-      </dgm:prSet>
+    <dgm:pt modelId="{8F578111-AA76-4911-B781-B1F41BD4F039}" type="pres">
+      <dgm:prSet presAssocID="{C8731773-3199-4B1A-B476-56B860D702D6}" presName="hierChild3" presStyleCnt="0"/>
+      <dgm:spPr/>
+    </dgm:pt>
+    <dgm:pt modelId="{DF59A4CD-7DA1-41FB-A12C-0AE23F26F775}" type="pres">
+      <dgm:prSet presAssocID="{749E0D33-2BA5-4EC6-99F5-157B978C32EF}" presName="Name19" presStyleLbl="parChTrans1D4" presStyleIdx="0" presStyleCnt="9"/>
+      <dgm:spPr/>
+    </dgm:pt>
+    <dgm:pt modelId="{0FE5499C-C611-4A86-9264-06B61401F26C}" type="pres">
+      <dgm:prSet presAssocID="{AB9D2341-8AD0-49E1-9B45-7C37082502C3}" presName="Name21" presStyleCnt="0"/>
+      <dgm:spPr/>
+    </dgm:pt>
+    <dgm:pt modelId="{F04F588E-7FFB-4BED-AE65-048CDEF1E1F1}" type="pres">
+      <dgm:prSet presAssocID="{AB9D2341-8AD0-49E1-9B45-7C37082502C3}" presName="level2Shape" presStyleLbl="node4" presStyleIdx="0" presStyleCnt="9" custLinFactY="116195" custLinFactNeighborY="200000"/>
+      <dgm:spPr/>
+    </dgm:pt>
+    <dgm:pt modelId="{07A5DD5D-E798-4154-AFD1-26D84A3D3198}" type="pres">
+      <dgm:prSet presAssocID="{AB9D2341-8AD0-49E1-9B45-7C37082502C3}" presName="hierChild3" presStyleCnt="0"/>
+      <dgm:spPr/>
+    </dgm:pt>
+    <dgm:pt modelId="{45AA2A36-4421-4CA7-B6E0-C69FBC1BAF25}" type="pres">
+      <dgm:prSet presAssocID="{FE8A9DF9-3D57-42C4-A1A3-1FF3638069BD}" presName="Name19" presStyleLbl="parChTrans1D3" presStyleIdx="1" presStyleCnt="8"/>
       <dgm:spPr/>
       <dgm:t>
         <a:bodyPr/>
@@ -1623,41 +2038,600 @@
         </a:p>
       </dgm:t>
     </dgm:pt>
+    <dgm:pt modelId="{68D5D712-EAAA-4BA6-B0B9-1B232702BB90}" type="pres">
+      <dgm:prSet presAssocID="{3BABD730-0151-451D-91AF-4964D1CF3BCE}" presName="Name21" presStyleCnt="0"/>
+      <dgm:spPr/>
+    </dgm:pt>
+    <dgm:pt modelId="{7C43E2F5-89BC-4442-A62B-5008B4967B8C}" type="pres">
+      <dgm:prSet presAssocID="{3BABD730-0151-451D-91AF-4964D1CF3BCE}" presName="level2Shape" presStyleLbl="node3" presStyleIdx="1" presStyleCnt="8" custLinFactY="100000" custLinFactNeighborY="174441"/>
+      <dgm:spPr/>
+      <dgm:t>
+        <a:bodyPr/>
+        <a:lstStyle/>
+        <a:p>
+          <a:pPr latinLnBrk="1"/>
+          <a:endParaRPr lang="ko-KR" altLang="en-US"/>
+        </a:p>
+      </dgm:t>
+    </dgm:pt>
+    <dgm:pt modelId="{A3746F37-4E37-4D90-8029-25D086F3878A}" type="pres">
+      <dgm:prSet presAssocID="{3BABD730-0151-451D-91AF-4964D1CF3BCE}" presName="hierChild3" presStyleCnt="0"/>
+      <dgm:spPr/>
+    </dgm:pt>
+    <dgm:pt modelId="{3DCBE4AD-2CA8-4108-83BE-8CDB2B16991F}" type="pres">
+      <dgm:prSet presAssocID="{5D574998-B021-4DE2-A8D6-52A171FC65AE}" presName="Name19" presStyleLbl="parChTrans1D4" presStyleIdx="1" presStyleCnt="9"/>
+      <dgm:spPr/>
+    </dgm:pt>
+    <dgm:pt modelId="{D5E5E236-4ADD-43C0-96BB-AD05B880B2D6}" type="pres">
+      <dgm:prSet presAssocID="{CA23C317-A772-472A-9011-B675F47A8EE5}" presName="Name21" presStyleCnt="0"/>
+      <dgm:spPr/>
+    </dgm:pt>
+    <dgm:pt modelId="{8A78715F-0037-4726-AE32-240ACC2E7FD0}" type="pres">
+      <dgm:prSet presAssocID="{CA23C317-A772-472A-9011-B675F47A8EE5}" presName="level2Shape" presStyleLbl="node4" presStyleIdx="1" presStyleCnt="9" custLinFactY="116195" custLinFactNeighborY="200000"/>
+      <dgm:spPr/>
+    </dgm:pt>
+    <dgm:pt modelId="{76B7EFDC-EE17-4F01-9C68-320342F8CCAD}" type="pres">
+      <dgm:prSet presAssocID="{CA23C317-A772-472A-9011-B675F47A8EE5}" presName="hierChild3" presStyleCnt="0"/>
+      <dgm:spPr/>
+    </dgm:pt>
+    <dgm:pt modelId="{A3234CFD-9AA3-40A9-98ED-D7002BFB17C5}" type="pres">
+      <dgm:prSet presAssocID="{8D0963F8-4CCB-43FB-9921-51CDD612D84C}" presName="Name19" presStyleLbl="parChTrans1D3" presStyleIdx="2" presStyleCnt="8"/>
+      <dgm:spPr/>
+      <dgm:t>
+        <a:bodyPr/>
+        <a:lstStyle/>
+        <a:p>
+          <a:pPr latinLnBrk="1"/>
+          <a:endParaRPr lang="ko-KR" altLang="en-US"/>
+        </a:p>
+      </dgm:t>
+    </dgm:pt>
+    <dgm:pt modelId="{59A6A9DB-A497-446C-B23A-7411162C9E63}" type="pres">
+      <dgm:prSet presAssocID="{688CA5AB-8918-4759-8501-4E57320AEDCC}" presName="Name21" presStyleCnt="0"/>
+      <dgm:spPr/>
+    </dgm:pt>
+    <dgm:pt modelId="{FFD717B2-5487-40E1-93E7-33906A317C35}" type="pres">
+      <dgm:prSet presAssocID="{688CA5AB-8918-4759-8501-4E57320AEDCC}" presName="level2Shape" presStyleLbl="node3" presStyleIdx="2" presStyleCnt="8" custLinFactY="100000" custLinFactNeighborY="174441"/>
+      <dgm:spPr/>
+      <dgm:t>
+        <a:bodyPr/>
+        <a:lstStyle/>
+        <a:p>
+          <a:pPr latinLnBrk="1"/>
+          <a:endParaRPr lang="ko-KR" altLang="en-US"/>
+        </a:p>
+      </dgm:t>
+    </dgm:pt>
+    <dgm:pt modelId="{B6BA2DFA-73AD-4D20-9648-8D6ED2139ED7}" type="pres">
+      <dgm:prSet presAssocID="{688CA5AB-8918-4759-8501-4E57320AEDCC}" presName="hierChild3" presStyleCnt="0"/>
+      <dgm:spPr/>
+    </dgm:pt>
+    <dgm:pt modelId="{96C53832-0737-4CAA-A82A-723CF7D1FE2A}" type="pres">
+      <dgm:prSet presAssocID="{1248DFCC-6B31-4B9B-9B51-836D7B548F62}" presName="Name19" presStyleLbl="parChTrans1D4" presStyleIdx="2" presStyleCnt="9"/>
+      <dgm:spPr/>
+    </dgm:pt>
+    <dgm:pt modelId="{C25A4430-0281-485F-A54E-60E05F9200C1}" type="pres">
+      <dgm:prSet presAssocID="{27D538C5-6E7E-48BE-AD87-A5CA8C1FB3D0}" presName="Name21" presStyleCnt="0"/>
+      <dgm:spPr/>
+    </dgm:pt>
+    <dgm:pt modelId="{968D30B2-7BF5-4C82-9A40-BDF7636E40BD}" type="pres">
+      <dgm:prSet presAssocID="{27D538C5-6E7E-48BE-AD87-A5CA8C1FB3D0}" presName="level2Shape" presStyleLbl="node4" presStyleIdx="2" presStyleCnt="9" custLinFactY="116195" custLinFactNeighborY="200000"/>
+      <dgm:spPr/>
+    </dgm:pt>
+    <dgm:pt modelId="{EDCBFB17-59F8-4A8E-A915-B930E3709EEC}" type="pres">
+      <dgm:prSet presAssocID="{27D538C5-6E7E-48BE-AD87-A5CA8C1FB3D0}" presName="hierChild3" presStyleCnt="0"/>
+      <dgm:spPr/>
+    </dgm:pt>
+    <dgm:pt modelId="{E9AE688D-9478-4C13-9C34-385BAD2B0D87}" type="pres">
+      <dgm:prSet presAssocID="{FBA79A74-6478-45DF-88F9-58E1F4C8693E}" presName="Name19" presStyleLbl="parChTrans1D3" presStyleIdx="3" presStyleCnt="8"/>
+      <dgm:spPr/>
+    </dgm:pt>
+    <dgm:pt modelId="{AD9864F1-74C2-4258-A59E-48B70DDB43B2}" type="pres">
+      <dgm:prSet presAssocID="{4E9731B8-6DE9-4E6B-8060-FEFEBF974927}" presName="Name21" presStyleCnt="0"/>
+      <dgm:spPr/>
+    </dgm:pt>
+    <dgm:pt modelId="{44599DAC-9D3A-47F2-AF6E-F8578CE80DBC}" type="pres">
+      <dgm:prSet presAssocID="{4E9731B8-6DE9-4E6B-8060-FEFEBF974927}" presName="level2Shape" presStyleLbl="node3" presStyleIdx="3" presStyleCnt="8" custLinFactY="100000" custLinFactNeighborY="174441"/>
+      <dgm:spPr/>
+      <dgm:t>
+        <a:bodyPr/>
+        <a:lstStyle/>
+        <a:p>
+          <a:pPr latinLnBrk="1"/>
+          <a:endParaRPr lang="ko-KR" altLang="en-US"/>
+        </a:p>
+      </dgm:t>
+    </dgm:pt>
+    <dgm:pt modelId="{DF48139B-737B-45DC-AD05-10054DD3B91D}" type="pres">
+      <dgm:prSet presAssocID="{4E9731B8-6DE9-4E6B-8060-FEFEBF974927}" presName="hierChild3" presStyleCnt="0"/>
+      <dgm:spPr/>
+    </dgm:pt>
+    <dgm:pt modelId="{034DCAF4-BA2B-424E-82A9-42F9302A1E3E}" type="pres">
+      <dgm:prSet presAssocID="{C37B82AA-CCB6-4B66-A991-3A835C424BA7}" presName="Name19" presStyleLbl="parChTrans1D4" presStyleIdx="3" presStyleCnt="9"/>
+      <dgm:spPr/>
+    </dgm:pt>
+    <dgm:pt modelId="{F2AE4615-87D9-4D09-982E-281CB8728B70}" type="pres">
+      <dgm:prSet presAssocID="{9B5AF6B0-867A-40F5-9A55-DCD4C035253E}" presName="Name21" presStyleCnt="0"/>
+      <dgm:spPr/>
+    </dgm:pt>
+    <dgm:pt modelId="{15B0B5B3-A74D-4402-85F6-78AA629C3731}" type="pres">
+      <dgm:prSet presAssocID="{9B5AF6B0-867A-40F5-9A55-DCD4C035253E}" presName="level2Shape" presStyleLbl="node4" presStyleIdx="3" presStyleCnt="9" custLinFactY="116195" custLinFactNeighborY="200000"/>
+      <dgm:spPr/>
+    </dgm:pt>
+    <dgm:pt modelId="{21CE8542-CD7B-4146-81A4-E57DA1B147EE}" type="pres">
+      <dgm:prSet presAssocID="{9B5AF6B0-867A-40F5-9A55-DCD4C035253E}" presName="hierChild3" presStyleCnt="0"/>
+      <dgm:spPr/>
+    </dgm:pt>
+    <dgm:pt modelId="{894D0476-9258-4490-B86C-98AA145628BC}" type="pres">
+      <dgm:prSet presAssocID="{A66078CF-2911-4A2C-95BA-065EC9BE6485}" presName="Name19" presStyleLbl="parChTrans1D2" presStyleIdx="1" presStyleCnt="2"/>
+      <dgm:spPr/>
+      <dgm:t>
+        <a:bodyPr/>
+        <a:lstStyle/>
+        <a:p>
+          <a:pPr latinLnBrk="1"/>
+          <a:endParaRPr lang="ko-KR" altLang="en-US"/>
+        </a:p>
+      </dgm:t>
+    </dgm:pt>
+    <dgm:pt modelId="{83229144-F61C-44AD-86C9-8C6A28F47588}" type="pres">
+      <dgm:prSet presAssocID="{55ED6FBA-A43D-4AA7-87EC-8E398BDA0D32}" presName="Name21" presStyleCnt="0"/>
+      <dgm:spPr/>
+    </dgm:pt>
+    <dgm:pt modelId="{1F4364AA-0C8C-4B7B-90EE-4B562169FD20}" type="pres">
+      <dgm:prSet presAssocID="{55ED6FBA-A43D-4AA7-87EC-8E398BDA0D32}" presName="level2Shape" presStyleLbl="node2" presStyleIdx="1" presStyleCnt="2" custScaleX="294560" custScaleY="153164" custLinFactY="82961" custLinFactNeighborY="100000"/>
+      <dgm:spPr/>
+      <dgm:t>
+        <a:bodyPr/>
+        <a:lstStyle/>
+        <a:p>
+          <a:pPr latinLnBrk="1"/>
+          <a:endParaRPr lang="ko-KR" altLang="en-US"/>
+        </a:p>
+      </dgm:t>
+    </dgm:pt>
+    <dgm:pt modelId="{7F2777E7-7691-4FD1-A146-3AA57A0A04EE}" type="pres">
+      <dgm:prSet presAssocID="{55ED6FBA-A43D-4AA7-87EC-8E398BDA0D32}" presName="hierChild3" presStyleCnt="0"/>
+      <dgm:spPr/>
+    </dgm:pt>
+    <dgm:pt modelId="{8092361A-4BBB-4B5C-AFFB-CFD3099D1CBC}" type="pres">
+      <dgm:prSet presAssocID="{507A9531-3075-41B4-99B7-EE2E19A8DA89}" presName="Name19" presStyleLbl="parChTrans1D3" presStyleIdx="4" presStyleCnt="8"/>
+      <dgm:spPr/>
+      <dgm:t>
+        <a:bodyPr/>
+        <a:lstStyle/>
+        <a:p>
+          <a:pPr latinLnBrk="1"/>
+          <a:endParaRPr lang="ko-KR" altLang="en-US"/>
+        </a:p>
+      </dgm:t>
+    </dgm:pt>
+    <dgm:pt modelId="{C983A043-4F2C-46A7-BC0F-FE91E6CED314}" type="pres">
+      <dgm:prSet presAssocID="{C6124416-49A0-4371-B3E9-B86D709A012F}" presName="Name21" presStyleCnt="0"/>
+      <dgm:spPr/>
+    </dgm:pt>
+    <dgm:pt modelId="{20068014-86AD-4B3E-B5D3-CBDB5131C055}" type="pres">
+      <dgm:prSet presAssocID="{C6124416-49A0-4371-B3E9-B86D709A012F}" presName="level2Shape" presStyleLbl="node3" presStyleIdx="4" presStyleCnt="8" custLinFactY="100000" custLinFactNeighborY="174441"/>
+      <dgm:spPr/>
+      <dgm:t>
+        <a:bodyPr/>
+        <a:lstStyle/>
+        <a:p>
+          <a:pPr latinLnBrk="1"/>
+          <a:endParaRPr lang="ko-KR" altLang="en-US"/>
+        </a:p>
+      </dgm:t>
+    </dgm:pt>
+    <dgm:pt modelId="{57B9A4F4-8BE4-48D6-B246-AE5F76F450B0}" type="pres">
+      <dgm:prSet presAssocID="{C6124416-49A0-4371-B3E9-B86D709A012F}" presName="hierChild3" presStyleCnt="0"/>
+      <dgm:spPr/>
+    </dgm:pt>
+    <dgm:pt modelId="{138DD65C-C765-49E8-B76D-02DAB46AA108}" type="pres">
+      <dgm:prSet presAssocID="{18BA2D9A-3722-4DC2-BA27-378A9300FF08}" presName="Name19" presStyleLbl="parChTrans1D4" presStyleIdx="4" presStyleCnt="9"/>
+      <dgm:spPr/>
+    </dgm:pt>
+    <dgm:pt modelId="{6D1E6022-90FA-4279-B31C-104847FA85D4}" type="pres">
+      <dgm:prSet presAssocID="{4A0B09AA-1C9B-4646-B3BD-A6F967B9DE9F}" presName="Name21" presStyleCnt="0"/>
+      <dgm:spPr/>
+    </dgm:pt>
+    <dgm:pt modelId="{849AAF3B-110A-4479-B55B-97AD3A624A8F}" type="pres">
+      <dgm:prSet presAssocID="{4A0B09AA-1C9B-4646-B3BD-A6F967B9DE9F}" presName="level2Shape" presStyleLbl="node4" presStyleIdx="4" presStyleCnt="9" custLinFactY="116195" custLinFactNeighborY="200000"/>
+      <dgm:spPr/>
+      <dgm:t>
+        <a:bodyPr/>
+        <a:lstStyle/>
+        <a:p>
+          <a:pPr latinLnBrk="1"/>
+          <a:endParaRPr lang="ko-KR" altLang="en-US"/>
+        </a:p>
+      </dgm:t>
+    </dgm:pt>
+    <dgm:pt modelId="{55DD8869-0C79-4EE5-8980-A71615728E20}" type="pres">
+      <dgm:prSet presAssocID="{4A0B09AA-1C9B-4646-B3BD-A6F967B9DE9F}" presName="hierChild3" presStyleCnt="0"/>
+      <dgm:spPr/>
+    </dgm:pt>
+    <dgm:pt modelId="{B605DF23-4419-4E51-8C93-8E49C6B66999}" type="pres">
+      <dgm:prSet presAssocID="{5B0830B2-2F57-4BBF-9C07-029A645DA361}" presName="Name19" presStyleLbl="parChTrans1D3" presStyleIdx="5" presStyleCnt="8"/>
+      <dgm:spPr/>
+      <dgm:t>
+        <a:bodyPr/>
+        <a:lstStyle/>
+        <a:p>
+          <a:pPr latinLnBrk="1"/>
+          <a:endParaRPr lang="ko-KR" altLang="en-US"/>
+        </a:p>
+      </dgm:t>
+    </dgm:pt>
+    <dgm:pt modelId="{4818F959-C944-4E71-9A67-43C5BF925061}" type="pres">
+      <dgm:prSet presAssocID="{013D2720-8FC9-482A-BD29-7F6C981DD34A}" presName="Name21" presStyleCnt="0"/>
+      <dgm:spPr/>
+    </dgm:pt>
+    <dgm:pt modelId="{817DDDDC-615F-45BE-A655-665D6E82E67D}" type="pres">
+      <dgm:prSet presAssocID="{013D2720-8FC9-482A-BD29-7F6C981DD34A}" presName="level2Shape" presStyleLbl="node3" presStyleIdx="5" presStyleCnt="8" custLinFactY="100000" custLinFactNeighborY="174441"/>
+      <dgm:spPr/>
+      <dgm:t>
+        <a:bodyPr/>
+        <a:lstStyle/>
+        <a:p>
+          <a:pPr latinLnBrk="1"/>
+          <a:endParaRPr lang="ko-KR" altLang="en-US"/>
+        </a:p>
+      </dgm:t>
+    </dgm:pt>
+    <dgm:pt modelId="{86D1F2B3-6B50-4D56-8502-C2252A410C28}" type="pres">
+      <dgm:prSet presAssocID="{013D2720-8FC9-482A-BD29-7F6C981DD34A}" presName="hierChild3" presStyleCnt="0"/>
+      <dgm:spPr/>
+    </dgm:pt>
+    <dgm:pt modelId="{FCDCBDCD-3872-46C3-A820-1134B5CBA2BE}" type="pres">
+      <dgm:prSet presAssocID="{3BEF898F-1CF4-4BB2-879C-AE894DAC75C6}" presName="Name19" presStyleLbl="parChTrans1D4" presStyleIdx="5" presStyleCnt="9"/>
+      <dgm:spPr/>
+    </dgm:pt>
+    <dgm:pt modelId="{A33C06BB-2C1B-440B-89B8-E236CD8A7299}" type="pres">
+      <dgm:prSet presAssocID="{A12AE042-466A-4D56-864B-E2CA4396DDF6}" presName="Name21" presStyleCnt="0"/>
+      <dgm:spPr/>
+    </dgm:pt>
+    <dgm:pt modelId="{9E20D3DB-5BE0-4006-9091-BD63DCC1D6C4}" type="pres">
+      <dgm:prSet presAssocID="{A12AE042-466A-4D56-864B-E2CA4396DDF6}" presName="level2Shape" presStyleLbl="node4" presStyleIdx="5" presStyleCnt="9" custLinFactY="116195" custLinFactNeighborY="200000"/>
+      <dgm:spPr/>
+      <dgm:t>
+        <a:bodyPr/>
+        <a:lstStyle/>
+        <a:p>
+          <a:pPr latinLnBrk="1"/>
+          <a:endParaRPr lang="ko-KR" altLang="en-US"/>
+        </a:p>
+      </dgm:t>
+    </dgm:pt>
+    <dgm:pt modelId="{E8ACC650-3518-4EFE-B2D9-A38CB04DBB7C}" type="pres">
+      <dgm:prSet presAssocID="{A12AE042-466A-4D56-864B-E2CA4396DDF6}" presName="hierChild3" presStyleCnt="0"/>
+      <dgm:spPr/>
+    </dgm:pt>
+    <dgm:pt modelId="{7147C50A-FAD5-46BB-BEB3-6F4C98B3009F}" type="pres">
+      <dgm:prSet presAssocID="{397E24FB-8CBE-47D9-8C44-3F1502DFB453}" presName="Name19" presStyleLbl="parChTrans1D3" presStyleIdx="6" presStyleCnt="8"/>
+      <dgm:spPr/>
+    </dgm:pt>
+    <dgm:pt modelId="{14434CA0-E3FE-45A4-89F8-56BE611CEBC7}" type="pres">
+      <dgm:prSet presAssocID="{63967743-0ECE-460F-A2B6-4E5D68D6471D}" presName="Name21" presStyleCnt="0"/>
+      <dgm:spPr/>
+    </dgm:pt>
+    <dgm:pt modelId="{FD472F0E-DF23-4B8C-AFCA-C694F34DDAD1}" type="pres">
+      <dgm:prSet presAssocID="{63967743-0ECE-460F-A2B6-4E5D68D6471D}" presName="level2Shape" presStyleLbl="node3" presStyleIdx="6" presStyleCnt="8" custLinFactY="100000" custLinFactNeighborY="174441"/>
+      <dgm:spPr/>
+    </dgm:pt>
+    <dgm:pt modelId="{140DF092-9A48-4DFE-8DC0-76E7A7ED7B75}" type="pres">
+      <dgm:prSet presAssocID="{63967743-0ECE-460F-A2B6-4E5D68D6471D}" presName="hierChild3" presStyleCnt="0"/>
+      <dgm:spPr/>
+    </dgm:pt>
+    <dgm:pt modelId="{A47AC3F4-9308-4960-9412-25357507CDD6}" type="pres">
+      <dgm:prSet presAssocID="{30DFD3EB-9D94-4F5F-AE4E-74E408B31D4F}" presName="Name19" presStyleLbl="parChTrans1D4" presStyleIdx="6" presStyleCnt="9"/>
+      <dgm:spPr/>
+    </dgm:pt>
+    <dgm:pt modelId="{0852A2E5-E99E-4DE1-A9EE-CE621D4DCBA9}" type="pres">
+      <dgm:prSet presAssocID="{21C52EDF-4AC8-4A5A-9227-85133A7B2FBC}" presName="Name21" presStyleCnt="0"/>
+      <dgm:spPr/>
+    </dgm:pt>
+    <dgm:pt modelId="{FD3DAA2A-6C7B-4ABE-9324-97A9A49C6898}" type="pres">
+      <dgm:prSet presAssocID="{21C52EDF-4AC8-4A5A-9227-85133A7B2FBC}" presName="level2Shape" presStyleLbl="node4" presStyleIdx="6" presStyleCnt="9" custLinFactY="116195" custLinFactNeighborY="200000"/>
+      <dgm:spPr/>
+    </dgm:pt>
+    <dgm:pt modelId="{576810BE-2930-4548-87D2-7C62F7A27906}" type="pres">
+      <dgm:prSet presAssocID="{21C52EDF-4AC8-4A5A-9227-85133A7B2FBC}" presName="hierChild3" presStyleCnt="0"/>
+      <dgm:spPr/>
+    </dgm:pt>
+    <dgm:pt modelId="{618A934A-276C-418B-B7E8-71FE87250A49}" type="pres">
+      <dgm:prSet presAssocID="{2D1D0D65-6B24-47D9-A1D7-0FCDC2C03392}" presName="Name19" presStyleLbl="parChTrans1D4" presStyleIdx="7" presStyleCnt="9"/>
+      <dgm:spPr/>
+    </dgm:pt>
+    <dgm:pt modelId="{FD37A4F9-0E2E-4C13-A437-64135B0585D0}" type="pres">
+      <dgm:prSet presAssocID="{72C64DE2-8620-4D97-B64F-A565B481875D}" presName="Name21" presStyleCnt="0"/>
+      <dgm:spPr/>
+    </dgm:pt>
+    <dgm:pt modelId="{291B5F0A-A2B1-40E2-9EDE-56D5A2DD6D97}" type="pres">
+      <dgm:prSet presAssocID="{72C64DE2-8620-4D97-B64F-A565B481875D}" presName="level2Shape" presStyleLbl="node4" presStyleIdx="7" presStyleCnt="9" custLinFactY="116195" custLinFactNeighborY="200000"/>
+      <dgm:spPr/>
+    </dgm:pt>
+    <dgm:pt modelId="{62CE9ABF-FD11-4895-8DFC-47A8EE22CFA9}" type="pres">
+      <dgm:prSet presAssocID="{72C64DE2-8620-4D97-B64F-A565B481875D}" presName="hierChild3" presStyleCnt="0"/>
+      <dgm:spPr/>
+    </dgm:pt>
+    <dgm:pt modelId="{39E5D3FA-E997-4E98-A65D-D7547B19E722}" type="pres">
+      <dgm:prSet presAssocID="{60F02FE3-CD43-4789-BDA6-B333D1936063}" presName="Name19" presStyleLbl="parChTrans1D3" presStyleIdx="7" presStyleCnt="8"/>
+      <dgm:spPr/>
+    </dgm:pt>
+    <dgm:pt modelId="{F0F1C17C-212B-4C1A-A093-0D2C16408774}" type="pres">
+      <dgm:prSet presAssocID="{DA4D4C92-8151-4D65-8583-E7BF9EF9D37D}" presName="Name21" presStyleCnt="0"/>
+      <dgm:spPr/>
+    </dgm:pt>
+    <dgm:pt modelId="{3A23ED96-785D-4F51-B245-69AC46C0E743}" type="pres">
+      <dgm:prSet presAssocID="{DA4D4C92-8151-4D65-8583-E7BF9EF9D37D}" presName="level2Shape" presStyleLbl="node3" presStyleIdx="7" presStyleCnt="8" custLinFactY="100000" custLinFactNeighborY="174441"/>
+      <dgm:spPr/>
+      <dgm:t>
+        <a:bodyPr/>
+        <a:lstStyle/>
+        <a:p>
+          <a:pPr latinLnBrk="1"/>
+          <a:endParaRPr lang="ko-KR" altLang="en-US"/>
+        </a:p>
+      </dgm:t>
+    </dgm:pt>
+    <dgm:pt modelId="{8917113F-F288-45E4-AD60-A2FEB7665F01}" type="pres">
+      <dgm:prSet presAssocID="{DA4D4C92-8151-4D65-8583-E7BF9EF9D37D}" presName="hierChild3" presStyleCnt="0"/>
+      <dgm:spPr/>
+    </dgm:pt>
+    <dgm:pt modelId="{A2001C75-B76E-4630-80D9-543A47D45669}" type="pres">
+      <dgm:prSet presAssocID="{1DF4E37C-0DD9-4038-BFD4-CED48C486E4D}" presName="Name19" presStyleLbl="parChTrans1D4" presStyleIdx="8" presStyleCnt="9"/>
+      <dgm:spPr/>
+    </dgm:pt>
+    <dgm:pt modelId="{6C022E96-BB98-43BA-8F86-4009F8F09EA8}" type="pres">
+      <dgm:prSet presAssocID="{644D6472-F0B9-4A4D-9566-9FEBA7CA3D7A}" presName="Name21" presStyleCnt="0"/>
+      <dgm:spPr/>
+    </dgm:pt>
+    <dgm:pt modelId="{3CC3220E-088E-4493-BB17-109F34A53427}" type="pres">
+      <dgm:prSet presAssocID="{644D6472-F0B9-4A4D-9566-9FEBA7CA3D7A}" presName="level2Shape" presStyleLbl="node4" presStyleIdx="8" presStyleCnt="9" custLinFactY="116195" custLinFactNeighborY="200000"/>
+      <dgm:spPr/>
+      <dgm:t>
+        <a:bodyPr/>
+        <a:lstStyle/>
+        <a:p>
+          <a:pPr latinLnBrk="1"/>
+          <a:endParaRPr lang="ko-KR" altLang="en-US"/>
+        </a:p>
+      </dgm:t>
+    </dgm:pt>
+    <dgm:pt modelId="{7FB14482-E05F-4BAA-B845-D228F405B4CD}" type="pres">
+      <dgm:prSet presAssocID="{644D6472-F0B9-4A4D-9566-9FEBA7CA3D7A}" presName="hierChild3" presStyleCnt="0"/>
+      <dgm:spPr/>
+    </dgm:pt>
+    <dgm:pt modelId="{27BD3A85-9604-4033-8CC8-2CD7FE9E37F5}" type="pres">
+      <dgm:prSet presAssocID="{06E4EC8C-CD65-473F-AEE6-36DF7DE8EAFD}" presName="bgShapesFlow" presStyleCnt="0"/>
+      <dgm:spPr/>
+    </dgm:pt>
+    <dgm:pt modelId="{F7E73626-4AE2-4869-8EC7-29EFB07E25F6}" type="pres">
+      <dgm:prSet presAssocID="{C2F3E794-87C3-4D98-9D97-F1B24FD279BB}" presName="rectComp" presStyleCnt="0"/>
+      <dgm:spPr/>
+    </dgm:pt>
+    <dgm:pt modelId="{50EF4299-89AC-4680-9D79-87A388D43518}" type="pres">
+      <dgm:prSet presAssocID="{C2F3E794-87C3-4D98-9D97-F1B24FD279BB}" presName="bgRect" presStyleLbl="bgShp" presStyleIdx="0" presStyleCnt="4" custScaleY="265139" custLinFactNeighborX="-1020" custLinFactNeighborY="-84704"/>
+      <dgm:spPr/>
+      <dgm:t>
+        <a:bodyPr/>
+        <a:lstStyle/>
+        <a:p>
+          <a:pPr latinLnBrk="1"/>
+          <a:endParaRPr lang="ko-KR" altLang="en-US"/>
+        </a:p>
+      </dgm:t>
+    </dgm:pt>
+    <dgm:pt modelId="{CB17A4F6-E409-46E5-BF13-FC59F99C4B93}" type="pres">
+      <dgm:prSet presAssocID="{C2F3E794-87C3-4D98-9D97-F1B24FD279BB}" presName="bgRectTx" presStyleLbl="bgShp" presStyleIdx="0" presStyleCnt="4">
+        <dgm:presLayoutVars>
+          <dgm:bulletEnabled val="1"/>
+        </dgm:presLayoutVars>
+      </dgm:prSet>
+      <dgm:spPr/>
+      <dgm:t>
+        <a:bodyPr/>
+        <a:lstStyle/>
+        <a:p>
+          <a:pPr latinLnBrk="1"/>
+          <a:endParaRPr lang="ko-KR" altLang="en-US"/>
+        </a:p>
+      </dgm:t>
+    </dgm:pt>
+    <dgm:pt modelId="{2039C3E4-5D80-4B94-8713-4B42F2ADCE2D}" type="pres">
+      <dgm:prSet presAssocID="{C2F3E794-87C3-4D98-9D97-F1B24FD279BB}" presName="spComp" presStyleCnt="0"/>
+      <dgm:spPr/>
+    </dgm:pt>
+    <dgm:pt modelId="{D022C892-7808-46FF-9907-EC4223C906F8}" type="pres">
+      <dgm:prSet presAssocID="{C2F3E794-87C3-4D98-9D97-F1B24FD279BB}" presName="vSp" presStyleCnt="0"/>
+      <dgm:spPr/>
+    </dgm:pt>
+    <dgm:pt modelId="{06145AFE-AAF5-4AAE-9FEB-537EF64E7133}" type="pres">
+      <dgm:prSet presAssocID="{813AC39F-E6D1-4499-BB6E-5DBC96767645}" presName="rectComp" presStyleCnt="0"/>
+      <dgm:spPr/>
+    </dgm:pt>
+    <dgm:pt modelId="{806EC377-F7F8-4DFA-BC66-4C8B587C9CB6}" type="pres">
+      <dgm:prSet presAssocID="{813AC39F-E6D1-4499-BB6E-5DBC96767645}" presName="bgRect" presStyleLbl="bgShp" presStyleIdx="1" presStyleCnt="4" custScaleY="223886"/>
+      <dgm:spPr/>
+      <dgm:t>
+        <a:bodyPr/>
+        <a:lstStyle/>
+        <a:p>
+          <a:pPr latinLnBrk="1"/>
+          <a:endParaRPr lang="ko-KR" altLang="en-US"/>
+        </a:p>
+      </dgm:t>
+    </dgm:pt>
+    <dgm:pt modelId="{7961210E-4EA8-44BD-9AFA-2E63905BFC62}" type="pres">
+      <dgm:prSet presAssocID="{813AC39F-E6D1-4499-BB6E-5DBC96767645}" presName="bgRectTx" presStyleLbl="bgShp" presStyleIdx="1" presStyleCnt="4">
+        <dgm:presLayoutVars>
+          <dgm:bulletEnabled val="1"/>
+        </dgm:presLayoutVars>
+      </dgm:prSet>
+      <dgm:spPr/>
+      <dgm:t>
+        <a:bodyPr/>
+        <a:lstStyle/>
+        <a:p>
+          <a:pPr latinLnBrk="1"/>
+          <a:endParaRPr lang="ko-KR" altLang="en-US"/>
+        </a:p>
+      </dgm:t>
+    </dgm:pt>
+    <dgm:pt modelId="{CE9B0EC1-2D34-4414-BD57-7BF32FB5DA3C}" type="pres">
+      <dgm:prSet presAssocID="{813AC39F-E6D1-4499-BB6E-5DBC96767645}" presName="spComp" presStyleCnt="0"/>
+      <dgm:spPr/>
+    </dgm:pt>
+    <dgm:pt modelId="{9E3A67C7-4676-4F07-92A2-1374DD876AB1}" type="pres">
+      <dgm:prSet presAssocID="{813AC39F-E6D1-4499-BB6E-5DBC96767645}" presName="vSp" presStyleCnt="0"/>
+      <dgm:spPr/>
+    </dgm:pt>
+    <dgm:pt modelId="{C9BB9C62-3373-49F6-AA1A-1B2F3C355518}" type="pres">
+      <dgm:prSet presAssocID="{21557C0B-3433-464E-A15E-49CB40EFC4E3}" presName="rectComp" presStyleCnt="0"/>
+      <dgm:spPr/>
+    </dgm:pt>
+    <dgm:pt modelId="{2B708D22-E66F-450D-AAE6-B9790658D42A}" type="pres">
+      <dgm:prSet presAssocID="{21557C0B-3433-464E-A15E-49CB40EFC4E3}" presName="bgRect" presStyleLbl="bgShp" presStyleIdx="2" presStyleCnt="4" custAng="0" custScaleY="139531" custLinFactNeighborX="-510" custLinFactNeighborY="14823"/>
+      <dgm:spPr/>
+      <dgm:t>
+        <a:bodyPr/>
+        <a:lstStyle/>
+        <a:p>
+          <a:pPr latinLnBrk="1"/>
+          <a:endParaRPr lang="ko-KR" altLang="en-US"/>
+        </a:p>
+      </dgm:t>
+    </dgm:pt>
+    <dgm:pt modelId="{5E05B611-FEF2-4E45-B701-7FB6606739D2}" type="pres">
+      <dgm:prSet presAssocID="{21557C0B-3433-464E-A15E-49CB40EFC4E3}" presName="bgRectTx" presStyleLbl="bgShp" presStyleIdx="2" presStyleCnt="4">
+        <dgm:presLayoutVars>
+          <dgm:bulletEnabled val="1"/>
+        </dgm:presLayoutVars>
+      </dgm:prSet>
+      <dgm:spPr/>
+      <dgm:t>
+        <a:bodyPr/>
+        <a:lstStyle/>
+        <a:p>
+          <a:pPr latinLnBrk="1"/>
+          <a:endParaRPr lang="ko-KR" altLang="en-US"/>
+        </a:p>
+      </dgm:t>
+    </dgm:pt>
+    <dgm:pt modelId="{FE7AABC9-81C1-4103-85E2-360203C87D4B}" type="pres">
+      <dgm:prSet presAssocID="{21557C0B-3433-464E-A15E-49CB40EFC4E3}" presName="spComp" presStyleCnt="0"/>
+      <dgm:spPr/>
+    </dgm:pt>
+    <dgm:pt modelId="{59063EE6-C573-40E8-ABDB-CB977AAC6322}" type="pres">
+      <dgm:prSet presAssocID="{21557C0B-3433-464E-A15E-49CB40EFC4E3}" presName="vSp" presStyleCnt="0"/>
+      <dgm:spPr/>
+    </dgm:pt>
+    <dgm:pt modelId="{3C8386B3-FFE8-4582-A085-E065C7BBA60A}" type="pres">
+      <dgm:prSet presAssocID="{3DFC53C6-6EBB-4F30-BCEE-527B337538A6}" presName="rectComp" presStyleCnt="0"/>
+      <dgm:spPr/>
+    </dgm:pt>
+    <dgm:pt modelId="{456FEEAB-006F-4832-89A5-D29F0F53A27E}" type="pres">
+      <dgm:prSet presAssocID="{3DFC53C6-6EBB-4F30-BCEE-527B337538A6}" presName="bgRect" presStyleLbl="bgShp" presStyleIdx="3" presStyleCnt="4" custScaleY="142536" custLinFactNeighborY="99527"/>
+      <dgm:spPr/>
+      <dgm:t>
+        <a:bodyPr/>
+        <a:lstStyle/>
+        <a:p>
+          <a:pPr latinLnBrk="1"/>
+          <a:endParaRPr lang="ko-KR" altLang="en-US"/>
+        </a:p>
+      </dgm:t>
+    </dgm:pt>
+    <dgm:pt modelId="{41C3F5F9-1D65-44D7-AD55-88FE83619871}" type="pres">
+      <dgm:prSet presAssocID="{3DFC53C6-6EBB-4F30-BCEE-527B337538A6}" presName="bgRectTx" presStyleLbl="bgShp" presStyleIdx="3" presStyleCnt="4">
+        <dgm:presLayoutVars>
+          <dgm:bulletEnabled val="1"/>
+        </dgm:presLayoutVars>
+      </dgm:prSet>
+      <dgm:spPr/>
+      <dgm:t>
+        <a:bodyPr/>
+        <a:lstStyle/>
+        <a:p>
+          <a:pPr latinLnBrk="1"/>
+          <a:endParaRPr lang="ko-KR" altLang="en-US"/>
+        </a:p>
+      </dgm:t>
+    </dgm:pt>
   </dgm:ptLst>
   <dgm:cxnLst>
+    <dgm:cxn modelId="{F4B26D5E-E25F-4C92-8463-F5DD14473105}" srcId="{3BABD730-0151-451D-91AF-4964D1CF3BCE}" destId="{CA23C317-A772-472A-9011-B675F47A8EE5}" srcOrd="0" destOrd="0" parTransId="{5D574998-B021-4DE2-A8D6-52A171FC65AE}" sibTransId="{71417935-40CC-4178-9093-7B7F518AC155}"/>
+    <dgm:cxn modelId="{9DB79FC3-2D53-4DDD-AE41-6E81638786EB}" type="presOf" srcId="{1248DFCC-6B31-4B9B-9B51-836D7B548F62}" destId="{96C53832-0737-4CAA-A82A-723CF7D1FE2A}" srcOrd="0" destOrd="0" presId="urn:microsoft.com/office/officeart/2005/8/layout/hierarchy6"/>
+    <dgm:cxn modelId="{C7B3D505-2F33-4D25-8EC4-D57446CFD98A}" type="presOf" srcId="{C6124416-49A0-4371-B3E9-B86D709A012F}" destId="{20068014-86AD-4B3E-B5D3-CBDB5131C055}" srcOrd="0" destOrd="0" presId="urn:microsoft.com/office/officeart/2005/8/layout/hierarchy6"/>
+    <dgm:cxn modelId="{C06A3ECF-6108-43C7-92AA-32F64DF7866B}" type="presOf" srcId="{3DFC53C6-6EBB-4F30-BCEE-527B337538A6}" destId="{456FEEAB-006F-4832-89A5-D29F0F53A27E}" srcOrd="0" destOrd="0" presId="urn:microsoft.com/office/officeart/2005/8/layout/hierarchy6"/>
+    <dgm:cxn modelId="{ED8FF387-C69F-409E-A1D6-F3F8AF22D8C3}" type="presOf" srcId="{749E0D33-2BA5-4EC6-99F5-157B978C32EF}" destId="{DF59A4CD-7DA1-41FB-A12C-0AE23F26F775}" srcOrd="0" destOrd="0" presId="urn:microsoft.com/office/officeart/2005/8/layout/hierarchy6"/>
+    <dgm:cxn modelId="{CEB30BC0-88AA-4D1C-BCB5-53DF81E85A1A}" srcId="{F1EDA677-E82E-4A5C-9AD2-F69BB42F8962}" destId="{688CA5AB-8918-4759-8501-4E57320AEDCC}" srcOrd="2" destOrd="0" parTransId="{8D0963F8-4CCB-43FB-9921-51CDD612D84C}" sibTransId="{56E677A0-6D7A-4B67-B28F-934C9D436D75}"/>
+    <dgm:cxn modelId="{F32A7FF7-A715-4FCD-A504-E3902CAAD601}" type="presOf" srcId="{3DFC53C6-6EBB-4F30-BCEE-527B337538A6}" destId="{41C3F5F9-1D65-44D7-AD55-88FE83619871}" srcOrd="1" destOrd="0" presId="urn:microsoft.com/office/officeart/2005/8/layout/hierarchy6"/>
+    <dgm:cxn modelId="{4FC24B7B-730B-4C9D-A5E3-F7CB92C83DD3}" srcId="{C6124416-49A0-4371-B3E9-B86D709A012F}" destId="{4A0B09AA-1C9B-4646-B3BD-A6F967B9DE9F}" srcOrd="0" destOrd="0" parTransId="{18BA2D9A-3722-4DC2-BA27-378A9300FF08}" sibTransId="{18DA732F-9582-415B-8B7D-D1E4598C1C23}"/>
+    <dgm:cxn modelId="{C79B9CA4-4883-425B-8D86-F8FAEDDF8FAD}" srcId="{55ED6FBA-A43D-4AA7-87EC-8E398BDA0D32}" destId="{63967743-0ECE-460F-A2B6-4E5D68D6471D}" srcOrd="2" destOrd="0" parTransId="{397E24FB-8CBE-47D9-8C44-3F1502DFB453}" sibTransId="{74AC65DA-6698-4FF4-893E-AC69AE71BB99}"/>
+    <dgm:cxn modelId="{E0DF95CA-7A17-46E0-AAAC-FF20F4F20532}" type="presOf" srcId="{4E9731B8-6DE9-4E6B-8060-FEFEBF974927}" destId="{44599DAC-9D3A-47F2-AF6E-F8578CE80DBC}" srcOrd="0" destOrd="0" presId="urn:microsoft.com/office/officeart/2005/8/layout/hierarchy6"/>
+    <dgm:cxn modelId="{C3FF53B8-EDCD-4C25-A08F-889EE61552BE}" type="presOf" srcId="{5D574998-B021-4DE2-A8D6-52A171FC65AE}" destId="{3DCBE4AD-2CA8-4108-83BE-8CDB2B16991F}" srcOrd="0" destOrd="0" presId="urn:microsoft.com/office/officeart/2005/8/layout/hierarchy6"/>
+    <dgm:cxn modelId="{59543654-8001-4D58-B41E-964AC6AC11D2}" srcId="{F1EDA677-E82E-4A5C-9AD2-F69BB42F8962}" destId="{C8731773-3199-4B1A-B476-56B860D702D6}" srcOrd="0" destOrd="0" parTransId="{27A4703A-00EC-430E-9DB9-C342509AC082}" sibTransId="{1FC572B8-C20F-43D5-8502-BD569DBD1C3A}"/>
+    <dgm:cxn modelId="{EE2185E5-4FC1-466C-A714-88D4E841A9AF}" type="presOf" srcId="{3BABD730-0151-451D-91AF-4964D1CF3BCE}" destId="{7C43E2F5-89BC-4442-A62B-5008B4967B8C}" srcOrd="0" destOrd="0" presId="urn:microsoft.com/office/officeart/2005/8/layout/hierarchy6"/>
+    <dgm:cxn modelId="{B0B06B03-8A2B-4850-835F-7BE760D317CE}" type="presOf" srcId="{FBA79A74-6478-45DF-88F9-58E1F4C8693E}" destId="{E9AE688D-9478-4C13-9C34-385BAD2B0D87}" srcOrd="0" destOrd="0" presId="urn:microsoft.com/office/officeart/2005/8/layout/hierarchy6"/>
+    <dgm:cxn modelId="{4F6C017E-B1DE-4B6C-8CD1-24102CAF5AD5}" type="presOf" srcId="{013D2720-8FC9-482A-BD29-7F6C981DD34A}" destId="{817DDDDC-615F-45BE-A655-665D6E82E67D}" srcOrd="0" destOrd="0" presId="urn:microsoft.com/office/officeart/2005/8/layout/hierarchy6"/>
+    <dgm:cxn modelId="{F2DA0E92-5342-4903-94C8-5CF50815135E}" type="presOf" srcId="{9B5AF6B0-867A-40F5-9A55-DCD4C035253E}" destId="{15B0B5B3-A74D-4402-85F6-78AA629C3731}" srcOrd="0" destOrd="0" presId="urn:microsoft.com/office/officeart/2005/8/layout/hierarchy6"/>
+    <dgm:cxn modelId="{54EF02DA-4340-400B-B255-2385DAEBF6DB}" srcId="{DA4D4C92-8151-4D65-8583-E7BF9EF9D37D}" destId="{644D6472-F0B9-4A4D-9566-9FEBA7CA3D7A}" srcOrd="0" destOrd="0" parTransId="{1DF4E37C-0DD9-4038-BFD4-CED48C486E4D}" sibTransId="{78D035F5-8407-4422-9383-86D3E9FBCFC0}"/>
+    <dgm:cxn modelId="{1BFF56F7-72BC-487A-B130-6337791B8A8E}" srcId="{55ED6FBA-A43D-4AA7-87EC-8E398BDA0D32}" destId="{DA4D4C92-8151-4D65-8583-E7BF9EF9D37D}" srcOrd="3" destOrd="0" parTransId="{60F02FE3-CD43-4789-BDA6-B333D1936063}" sibTransId="{511B332E-D500-4AFB-920F-DA2EE2E9E37C}"/>
+    <dgm:cxn modelId="{7EF8AAAB-E967-4D78-A09E-4A6FA87C98D6}" type="presOf" srcId="{A66078CF-2911-4A2C-95BA-065EC9BE6485}" destId="{894D0476-9258-4490-B86C-98AA145628BC}" srcOrd="0" destOrd="0" presId="urn:microsoft.com/office/officeart/2005/8/layout/hierarchy6"/>
+    <dgm:cxn modelId="{A860C751-B6DE-4297-8B6F-6D3F8535043D}" srcId="{06E4EC8C-CD65-473F-AEE6-36DF7DE8EAFD}" destId="{813AC39F-E6D1-4499-BB6E-5DBC96767645}" srcOrd="2" destOrd="0" parTransId="{70EF5AB1-3335-4415-B967-23680E8A741F}" sibTransId="{3E4FA389-D4B7-4182-9553-D8149FB56422}"/>
+    <dgm:cxn modelId="{7C56EB84-80B0-4A1E-BF7D-B6E70219602C}" srcId="{06E4EC8C-CD65-473F-AEE6-36DF7DE8EAFD}" destId="{C2F3E794-87C3-4D98-9D97-F1B24FD279BB}" srcOrd="1" destOrd="0" parTransId="{99313017-B08A-4B35-BCB1-DD6EA43705F9}" sibTransId="{17C4CAD8-934B-42DF-AF70-D7D034DDB364}"/>
+    <dgm:cxn modelId="{61435F32-DA6E-45A2-BE6E-6F8EA9FF45AA}" type="presOf" srcId="{DA4D4C92-8151-4D65-8583-E7BF9EF9D37D}" destId="{3A23ED96-785D-4F51-B245-69AC46C0E743}" srcOrd="0" destOrd="0" presId="urn:microsoft.com/office/officeart/2005/8/layout/hierarchy6"/>
+    <dgm:cxn modelId="{C0EDB31F-0B22-43B7-BB4D-8AEEB8641429}" type="presOf" srcId="{8D0963F8-4CCB-43FB-9921-51CDD612D84C}" destId="{A3234CFD-9AA3-40A9-98ED-D7002BFB17C5}" srcOrd="0" destOrd="0" presId="urn:microsoft.com/office/officeart/2005/8/layout/hierarchy6"/>
+    <dgm:cxn modelId="{83B65E87-D2D5-4C08-A6D0-1301AE101DCD}" srcId="{F1EDA677-E82E-4A5C-9AD2-F69BB42F8962}" destId="{4E9731B8-6DE9-4E6B-8060-FEFEBF974927}" srcOrd="3" destOrd="0" parTransId="{FBA79A74-6478-45DF-88F9-58E1F4C8693E}" sibTransId="{D9B2EEAA-407D-44BE-BE66-89879C170F7D}"/>
+    <dgm:cxn modelId="{D51A2D27-13BC-4096-B169-35BDFB0E91BF}" type="presOf" srcId="{57A84860-688F-4E8D-8B55-E7B556DEADA7}" destId="{9EEDDCF1-FDDC-4A6D-8BA2-BDD71A3F0006}" srcOrd="0" destOrd="0" presId="urn:microsoft.com/office/officeart/2005/8/layout/hierarchy6"/>
+    <dgm:cxn modelId="{DCA2EE5B-01A4-4BA3-A8BD-A267D940A803}" type="presOf" srcId="{813AC39F-E6D1-4499-BB6E-5DBC96767645}" destId="{7961210E-4EA8-44BD-9AFA-2E63905BFC62}" srcOrd="1" destOrd="0" presId="urn:microsoft.com/office/officeart/2005/8/layout/hierarchy6"/>
+    <dgm:cxn modelId="{3C2DA25B-B5F3-47D9-8966-ED8388D8775A}" srcId="{013D2720-8FC9-482A-BD29-7F6C981DD34A}" destId="{A12AE042-466A-4D56-864B-E2CA4396DDF6}" srcOrd="0" destOrd="0" parTransId="{3BEF898F-1CF4-4BB2-879C-AE894DAC75C6}" sibTransId="{8CCDCD01-32DC-44E3-82C5-27847F788E9D}"/>
+    <dgm:cxn modelId="{78178DB3-F658-42CF-8A43-D1965A20AFD2}" type="presOf" srcId="{C2F3E794-87C3-4D98-9D97-F1B24FD279BB}" destId="{CB17A4F6-E409-46E5-BF13-FC59F99C4B93}" srcOrd="1" destOrd="0" presId="urn:microsoft.com/office/officeart/2005/8/layout/hierarchy6"/>
+    <dgm:cxn modelId="{F33B6B43-9B00-4305-A986-EC16CE4ABDAE}" type="presOf" srcId="{27D538C5-6E7E-48BE-AD87-A5CA8C1FB3D0}" destId="{968D30B2-7BF5-4C82-9A40-BDF7636E40BD}" srcOrd="0" destOrd="0" presId="urn:microsoft.com/office/officeart/2005/8/layout/hierarchy6"/>
+    <dgm:cxn modelId="{2397CC60-1290-4B8B-A61F-2C3FDF3E4C83}" type="presOf" srcId="{C2F3E794-87C3-4D98-9D97-F1B24FD279BB}" destId="{50EF4299-89AC-4680-9D79-87A388D43518}" srcOrd="0" destOrd="0" presId="urn:microsoft.com/office/officeart/2005/8/layout/hierarchy6"/>
+    <dgm:cxn modelId="{428EE95E-1646-4769-841E-6D1C599F10A9}" srcId="{C8731773-3199-4B1A-B476-56B860D702D6}" destId="{AB9D2341-8AD0-49E1-9B45-7C37082502C3}" srcOrd="0" destOrd="0" parTransId="{749E0D33-2BA5-4EC6-99F5-157B978C32EF}" sibTransId="{C01E7191-405E-4AAC-8DAD-E2DAEBB9CA4F}"/>
+    <dgm:cxn modelId="{AD87CC86-D851-404E-9BCA-E7FF13B3F4FC}" type="presOf" srcId="{397E24FB-8CBE-47D9-8C44-3F1502DFB453}" destId="{7147C50A-FAD5-46BB-BEB3-6F4C98B3009F}" srcOrd="0" destOrd="0" presId="urn:microsoft.com/office/officeart/2005/8/layout/hierarchy6"/>
+    <dgm:cxn modelId="{15242BEE-94BB-4A51-9915-DFEE4613837F}" type="presOf" srcId="{A12AE042-466A-4D56-864B-E2CA4396DDF6}" destId="{9E20D3DB-5BE0-4006-9091-BD63DCC1D6C4}" srcOrd="0" destOrd="0" presId="urn:microsoft.com/office/officeart/2005/8/layout/hierarchy6"/>
+    <dgm:cxn modelId="{598CB8D7-E983-49AF-A73A-84DBB0A0D436}" type="presOf" srcId="{3BEF898F-1CF4-4BB2-879C-AE894DAC75C6}" destId="{FCDCBDCD-3872-46C3-A820-1134B5CBA2BE}" srcOrd="0" destOrd="0" presId="urn:microsoft.com/office/officeart/2005/8/layout/hierarchy6"/>
+    <dgm:cxn modelId="{11A3CD74-C397-4442-AE0B-9821D791D0FC}" srcId="{06E4EC8C-CD65-473F-AEE6-36DF7DE8EAFD}" destId="{21557C0B-3433-464E-A15E-49CB40EFC4E3}" srcOrd="3" destOrd="0" parTransId="{A2710562-B75D-441B-B5FA-B0B05692D426}" sibTransId="{B641F175-826C-45AF-B18F-6C804144F13E}"/>
+    <dgm:cxn modelId="{DA0FFADB-8935-4713-8009-0C3B40079076}" type="presOf" srcId="{27A4703A-00EC-430E-9DB9-C342509AC082}" destId="{DDCC4CD0-AF26-4EB1-9BAC-CCBB80DD003A}" srcOrd="0" destOrd="0" presId="urn:microsoft.com/office/officeart/2005/8/layout/hierarchy6"/>
+    <dgm:cxn modelId="{289B9FCC-B6DC-4925-AEE6-7D6151C88945}" srcId="{688CA5AB-8918-4759-8501-4E57320AEDCC}" destId="{27D538C5-6E7E-48BE-AD87-A5CA8C1FB3D0}" srcOrd="0" destOrd="0" parTransId="{1248DFCC-6B31-4B9B-9B51-836D7B548F62}" sibTransId="{78DD8405-AC16-4B31-B693-8DCA7CA87927}"/>
+    <dgm:cxn modelId="{DF4A7234-150E-4485-A564-4F72C25D592D}" type="presOf" srcId="{688CA5AB-8918-4759-8501-4E57320AEDCC}" destId="{FFD717B2-5487-40E1-93E7-33906A317C35}" srcOrd="0" destOrd="0" presId="urn:microsoft.com/office/officeart/2005/8/layout/hierarchy6"/>
+    <dgm:cxn modelId="{301D1107-0654-484A-BB89-517B4A58A379}" type="presOf" srcId="{CA23C317-A772-472A-9011-B675F47A8EE5}" destId="{8A78715F-0037-4726-AE32-240ACC2E7FD0}" srcOrd="0" destOrd="0" presId="urn:microsoft.com/office/officeart/2005/8/layout/hierarchy6"/>
+    <dgm:cxn modelId="{7628D74E-E783-4963-979A-6D22ED0F9755}" type="presOf" srcId="{2D1D0D65-6B24-47D9-A1D7-0FCDC2C03392}" destId="{618A934A-276C-418B-B7E8-71FE87250A49}" srcOrd="0" destOrd="0" presId="urn:microsoft.com/office/officeart/2005/8/layout/hierarchy6"/>
+    <dgm:cxn modelId="{386EDFAF-771C-4B3A-98FE-5C876BD473DD}" type="presOf" srcId="{21C52EDF-4AC8-4A5A-9227-85133A7B2FBC}" destId="{FD3DAA2A-6C7B-4ABE-9324-97A9A49C6898}" srcOrd="0" destOrd="0" presId="urn:microsoft.com/office/officeart/2005/8/layout/hierarchy6"/>
+    <dgm:cxn modelId="{C54C9D15-88D4-4C9A-B3D6-08824CCD1143}" type="presOf" srcId="{21557C0B-3433-464E-A15E-49CB40EFC4E3}" destId="{5E05B611-FEF2-4E45-B701-7FB6606739D2}" srcOrd="1" destOrd="0" presId="urn:microsoft.com/office/officeart/2005/8/layout/hierarchy6"/>
+    <dgm:cxn modelId="{1E444C89-46E4-4FA6-9D3C-B8B8BDE9878A}" srcId="{55ED6FBA-A43D-4AA7-87EC-8E398BDA0D32}" destId="{013D2720-8FC9-482A-BD29-7F6C981DD34A}" srcOrd="1" destOrd="0" parTransId="{5B0830B2-2F57-4BBF-9C07-029A645DA361}" sibTransId="{A9C5C826-DBFB-4AB4-BC51-C0BF461277F8}"/>
+    <dgm:cxn modelId="{CA57923D-D629-4FC2-B203-3F54F5ABEA34}" type="presOf" srcId="{FE9AF5EC-37B6-4F91-8053-204998F9D19F}" destId="{B755441C-6EA2-4CC3-8076-6BAD367D15C0}" srcOrd="0" destOrd="0" presId="urn:microsoft.com/office/officeart/2005/8/layout/hierarchy6"/>
+    <dgm:cxn modelId="{3271A21B-1D6A-4C36-95C9-729A66DC5792}" type="presOf" srcId="{644D6472-F0B9-4A4D-9566-9FEBA7CA3D7A}" destId="{3CC3220E-088E-4493-BB17-109F34A53427}" srcOrd="0" destOrd="0" presId="urn:microsoft.com/office/officeart/2005/8/layout/hierarchy6"/>
+    <dgm:cxn modelId="{65FB2CCF-2FA9-4207-93D9-D311E8D3CD29}" type="presOf" srcId="{60F02FE3-CD43-4789-BDA6-B333D1936063}" destId="{39E5D3FA-E997-4E98-A65D-D7547B19E722}" srcOrd="0" destOrd="0" presId="urn:microsoft.com/office/officeart/2005/8/layout/hierarchy6"/>
+    <dgm:cxn modelId="{A71EA52C-EEAA-46B8-86B0-DB3EAF991F69}" type="presOf" srcId="{C37B82AA-CCB6-4B66-A991-3A835C424BA7}" destId="{034DCAF4-BA2B-424E-82A9-42F9302A1E3E}" srcOrd="0" destOrd="0" presId="urn:microsoft.com/office/officeart/2005/8/layout/hierarchy6"/>
+    <dgm:cxn modelId="{7A19DE10-3A07-4EFC-B00A-686E2F197C33}" type="presOf" srcId="{AB9D2341-8AD0-49E1-9B45-7C37082502C3}" destId="{F04F588E-7FFB-4BED-AE65-048CDEF1E1F1}" srcOrd="0" destOrd="0" presId="urn:microsoft.com/office/officeart/2005/8/layout/hierarchy6"/>
+    <dgm:cxn modelId="{411A6F4E-3FDC-4DA1-AADD-742BCF777EF7}" type="presOf" srcId="{21557C0B-3433-464E-A15E-49CB40EFC4E3}" destId="{2B708D22-E66F-450D-AAE6-B9790658D42A}" srcOrd="0" destOrd="0" presId="urn:microsoft.com/office/officeart/2005/8/layout/hierarchy6"/>
+    <dgm:cxn modelId="{ABF148E6-DBD5-47B7-952D-5FADEF631C3D}" type="presOf" srcId="{30DFD3EB-9D94-4F5F-AE4E-74E408B31D4F}" destId="{A47AC3F4-9308-4960-9412-25357507CDD6}" srcOrd="0" destOrd="0" presId="urn:microsoft.com/office/officeart/2005/8/layout/hierarchy6"/>
+    <dgm:cxn modelId="{394B112D-BAEA-42A7-89F7-0641570253F1}" srcId="{06E4EC8C-CD65-473F-AEE6-36DF7DE8EAFD}" destId="{3DFC53C6-6EBB-4F30-BCEE-527B337538A6}" srcOrd="4" destOrd="0" parTransId="{5E9A23E5-61A0-441B-B829-EF64A9A4937D}" sibTransId="{121FC1C7-FF72-444F-B57F-BA0C0F1A7923}"/>
+    <dgm:cxn modelId="{B065FEE6-93A1-45EF-9357-BE684E70C31C}" srcId="{57A84860-688F-4E8D-8B55-E7B556DEADA7}" destId="{F1EDA677-E82E-4A5C-9AD2-F69BB42F8962}" srcOrd="0" destOrd="0" parTransId="{FE9AF5EC-37B6-4F91-8053-204998F9D19F}" sibTransId="{09BEBA99-E738-4E73-A88D-117250DE7354}"/>
+    <dgm:cxn modelId="{1C8665F3-6339-4BC7-A74B-4E3B0C1EDB58}" srcId="{63967743-0ECE-460F-A2B6-4E5D68D6471D}" destId="{72C64DE2-8620-4D97-B64F-A565B481875D}" srcOrd="1" destOrd="0" parTransId="{2D1D0D65-6B24-47D9-A1D7-0FCDC2C03392}" sibTransId="{9F9085FA-ACF2-48EA-9CF2-58BDB90175C0}"/>
+    <dgm:cxn modelId="{04A7D0AC-F0D7-4BBB-9E59-51BF15B21DC2}" type="presOf" srcId="{FE8A9DF9-3D57-42C4-A1A3-1FF3638069BD}" destId="{45AA2A36-4421-4CA7-B6E0-C69FBC1BAF25}" srcOrd="0" destOrd="0" presId="urn:microsoft.com/office/officeart/2005/8/layout/hierarchy6"/>
+    <dgm:cxn modelId="{5AA7E121-E58B-40F2-9B5E-9325676DEB89}" type="presOf" srcId="{63967743-0ECE-460F-A2B6-4E5D68D6471D}" destId="{FD472F0E-DF23-4B8C-AFCA-C694F34DDAD1}" srcOrd="0" destOrd="0" presId="urn:microsoft.com/office/officeart/2005/8/layout/hierarchy6"/>
+    <dgm:cxn modelId="{FD98844B-A5E4-4A61-ABD3-A5A6E786B902}" type="presOf" srcId="{72C64DE2-8620-4D97-B64F-A565B481875D}" destId="{291B5F0A-A2B1-40E2-9EDE-56D5A2DD6D97}" srcOrd="0" destOrd="0" presId="urn:microsoft.com/office/officeart/2005/8/layout/hierarchy6"/>
+    <dgm:cxn modelId="{CA8647E8-C14E-4D75-B8A1-10909A69F1AC}" srcId="{F1EDA677-E82E-4A5C-9AD2-F69BB42F8962}" destId="{3BABD730-0151-451D-91AF-4964D1CF3BCE}" srcOrd="1" destOrd="0" parTransId="{FE8A9DF9-3D57-42C4-A1A3-1FF3638069BD}" sibTransId="{48566488-35D3-45BE-ACF7-A0E8ACF1611E}"/>
+    <dgm:cxn modelId="{EB472C99-1523-46ED-AD4C-C9E59E80CFFE}" type="presOf" srcId="{4A0B09AA-1C9B-4646-B3BD-A6F967B9DE9F}" destId="{849AAF3B-110A-4479-B55B-97AD3A624A8F}" srcOrd="0" destOrd="0" presId="urn:microsoft.com/office/officeart/2005/8/layout/hierarchy6"/>
+    <dgm:cxn modelId="{1B767278-FBF7-4B3C-9404-97E0C27B9FF1}" type="presOf" srcId="{5B0830B2-2F57-4BBF-9C07-029A645DA361}" destId="{B605DF23-4419-4E51-8C93-8E49C6B66999}" srcOrd="0" destOrd="0" presId="urn:microsoft.com/office/officeart/2005/8/layout/hierarchy6"/>
     <dgm:cxn modelId="{04825A00-2833-4AD0-9FB1-72D61CE70F00}" type="presOf" srcId="{F1EDA677-E82E-4A5C-9AD2-F69BB42F8962}" destId="{A7271CFE-A350-4BA0-8A61-06CBB6A5B372}" srcOrd="0" destOrd="0" presId="urn:microsoft.com/office/officeart/2005/8/layout/hierarchy6"/>
-    <dgm:cxn modelId="{7EF8AAAB-E967-4D78-A09E-4A6FA87C98D6}" type="presOf" srcId="{A66078CF-2911-4A2C-95BA-065EC9BE6485}" destId="{894D0476-9258-4490-B86C-98AA145628BC}" srcOrd="0" destOrd="0" presId="urn:microsoft.com/office/officeart/2005/8/layout/hierarchy6"/>
-    <dgm:cxn modelId="{1E444C89-46E4-4FA6-9D3C-B8B8BDE9878A}" srcId="{55ED6FBA-A43D-4AA7-87EC-8E398BDA0D32}" destId="{013D2720-8FC9-482A-BD29-7F6C981DD34A}" srcOrd="1" destOrd="0" parTransId="{5B0830B2-2F57-4BBF-9C07-029A645DA361}" sibTransId="{A9C5C826-DBFB-4AB4-BC51-C0BF461277F8}"/>
-    <dgm:cxn modelId="{D51A2D27-13BC-4096-B169-35BDFB0E91BF}" type="presOf" srcId="{57A84860-688F-4E8D-8B55-E7B556DEADA7}" destId="{9EEDDCF1-FDDC-4A6D-8BA2-BDD71A3F0006}" srcOrd="0" destOrd="0" presId="urn:microsoft.com/office/officeart/2005/8/layout/hierarchy6"/>
-    <dgm:cxn modelId="{411A6F4E-3FDC-4DA1-AADD-742BCF777EF7}" type="presOf" srcId="{21557C0B-3433-464E-A15E-49CB40EFC4E3}" destId="{2B708D22-E66F-450D-AAE6-B9790658D42A}" srcOrd="0" destOrd="0" presId="urn:microsoft.com/office/officeart/2005/8/layout/hierarchy6"/>
-    <dgm:cxn modelId="{DA0FFADB-8935-4713-8009-0C3B40079076}" type="presOf" srcId="{27A4703A-00EC-430E-9DB9-C342509AC082}" destId="{DDCC4CD0-AF26-4EB1-9BAC-CCBB80DD003A}" srcOrd="0" destOrd="0" presId="urn:microsoft.com/office/officeart/2005/8/layout/hierarchy6"/>
-    <dgm:cxn modelId="{DF4A7234-150E-4485-A564-4F72C25D592D}" type="presOf" srcId="{688CA5AB-8918-4759-8501-4E57320AEDCC}" destId="{FFD717B2-5487-40E1-93E7-33906A317C35}" srcOrd="0" destOrd="0" presId="urn:microsoft.com/office/officeart/2005/8/layout/hierarchy6"/>
+    <dgm:cxn modelId="{6FE80369-FCEC-41B0-BBDF-728685436B02}" type="presOf" srcId="{06E4EC8C-CD65-473F-AEE6-36DF7DE8EAFD}" destId="{B1292F50-D248-47A3-98B8-A97F2BDDD391}" srcOrd="0" destOrd="0" presId="urn:microsoft.com/office/officeart/2005/8/layout/hierarchy6"/>
+    <dgm:cxn modelId="{493DA0F5-6453-45C4-AA4B-029FFF032678}" type="presOf" srcId="{1DF4E37C-0DD9-4038-BFD4-CED48C486E4D}" destId="{A2001C75-B76E-4630-80D9-543A47D45669}" srcOrd="0" destOrd="0" presId="urn:microsoft.com/office/officeart/2005/8/layout/hierarchy6"/>
+    <dgm:cxn modelId="{471B81E9-D038-49E5-984C-DDF5B31072FC}" type="presOf" srcId="{18BA2D9A-3722-4DC2-BA27-378A9300FF08}" destId="{138DD65C-C765-49E8-B76D-02DAB46AA108}" srcOrd="0" destOrd="0" presId="urn:microsoft.com/office/officeart/2005/8/layout/hierarchy6"/>
+    <dgm:cxn modelId="{B810CEFF-FA0B-4C29-AF02-0418B194C228}" srcId="{06E4EC8C-CD65-473F-AEE6-36DF7DE8EAFD}" destId="{57A84860-688F-4E8D-8B55-E7B556DEADA7}" srcOrd="0" destOrd="0" parTransId="{989F1563-2811-4520-BB20-46E2C04AD66B}" sibTransId="{443B2A42-28AC-4F11-80E6-8539FA2B011B}"/>
+    <dgm:cxn modelId="{ACAEB5F5-7E37-415C-BC17-4EBB5537840A}" type="presOf" srcId="{507A9531-3075-41B4-99B7-EE2E19A8DA89}" destId="{8092361A-4BBB-4B5C-AFFB-CFD3099D1CBC}" srcOrd="0" destOrd="0" presId="urn:microsoft.com/office/officeart/2005/8/layout/hierarchy6"/>
+    <dgm:cxn modelId="{8FA35E24-AD9F-4E9C-9669-D95E181D7BF2}" type="presOf" srcId="{813AC39F-E6D1-4499-BB6E-5DBC96767645}" destId="{806EC377-F7F8-4DFA-BC66-4C8B587C9CB6}" srcOrd="0" destOrd="0" presId="urn:microsoft.com/office/officeart/2005/8/layout/hierarchy6"/>
+    <dgm:cxn modelId="{7C490F3C-8253-4A14-BAB7-FDC622891AFB}" srcId="{4E9731B8-6DE9-4E6B-8060-FEFEBF974927}" destId="{9B5AF6B0-867A-40F5-9A55-DCD4C035253E}" srcOrd="0" destOrd="0" parTransId="{C37B82AA-CCB6-4B66-A991-3A835C424BA7}" sibTransId="{604489AD-A1CD-4EC6-B2EA-257F5BEAD095}"/>
     <dgm:cxn modelId="{E01C1784-AC15-4B74-956B-C9DCEB5DD6BC}" srcId="{57A84860-688F-4E8D-8B55-E7B556DEADA7}" destId="{55ED6FBA-A43D-4AA7-87EC-8E398BDA0D32}" srcOrd="1" destOrd="0" parTransId="{A66078CF-2911-4A2C-95BA-065EC9BE6485}" sibTransId="{A0F15A94-2F5E-463A-BCB4-7DF13E8EB9DD}"/>
-    <dgm:cxn modelId="{ACAEB5F5-7E37-415C-BC17-4EBB5537840A}" type="presOf" srcId="{507A9531-3075-41B4-99B7-EE2E19A8DA89}" destId="{8092361A-4BBB-4B5C-AFFB-CFD3099D1CBC}" srcOrd="0" destOrd="0" presId="urn:microsoft.com/office/officeart/2005/8/layout/hierarchy6"/>
-    <dgm:cxn modelId="{EE2185E5-4FC1-466C-A714-88D4E841A9AF}" type="presOf" srcId="{3BABD730-0151-451D-91AF-4964D1CF3BCE}" destId="{7C43E2F5-89BC-4442-A62B-5008B4967B8C}" srcOrd="0" destOrd="0" presId="urn:microsoft.com/office/officeart/2005/8/layout/hierarchy6"/>
-    <dgm:cxn modelId="{1B767278-FBF7-4B3C-9404-97E0C27B9FF1}" type="presOf" srcId="{5B0830B2-2F57-4BBF-9C07-029A645DA361}" destId="{B605DF23-4419-4E51-8C93-8E49C6B66999}" srcOrd="0" destOrd="0" presId="urn:microsoft.com/office/officeart/2005/8/layout/hierarchy6"/>
-    <dgm:cxn modelId="{2397CC60-1290-4B8B-A61F-2C3FDF3E4C83}" type="presOf" srcId="{C2F3E794-87C3-4D98-9D97-F1B24FD279BB}" destId="{50EF4299-89AC-4680-9D79-87A388D43518}" srcOrd="0" destOrd="0" presId="urn:microsoft.com/office/officeart/2005/8/layout/hierarchy6"/>
-    <dgm:cxn modelId="{C0EDB31F-0B22-43B7-BB4D-8AEEB8641429}" type="presOf" srcId="{8D0963F8-4CCB-43FB-9921-51CDD612D84C}" destId="{A3234CFD-9AA3-40A9-98ED-D7002BFB17C5}" srcOrd="0" destOrd="0" presId="urn:microsoft.com/office/officeart/2005/8/layout/hierarchy6"/>
-    <dgm:cxn modelId="{CEB30BC0-88AA-4D1C-BCB5-53DF81E85A1A}" srcId="{F1EDA677-E82E-4A5C-9AD2-F69BB42F8962}" destId="{688CA5AB-8918-4759-8501-4E57320AEDCC}" srcOrd="2" destOrd="0" parTransId="{8D0963F8-4CCB-43FB-9921-51CDD612D84C}" sibTransId="{56E677A0-6D7A-4B67-B28F-934C9D436D75}"/>
-    <dgm:cxn modelId="{04A7D0AC-F0D7-4BBB-9E59-51BF15B21DC2}" type="presOf" srcId="{FE8A9DF9-3D57-42C4-A1A3-1FF3638069BD}" destId="{45AA2A36-4421-4CA7-B6E0-C69FBC1BAF25}" srcOrd="0" destOrd="0" presId="urn:microsoft.com/office/officeart/2005/8/layout/hierarchy6"/>
-    <dgm:cxn modelId="{59543654-8001-4D58-B41E-964AC6AC11D2}" srcId="{F1EDA677-E82E-4A5C-9AD2-F69BB42F8962}" destId="{C8731773-3199-4B1A-B476-56B860D702D6}" srcOrd="0" destOrd="0" parTransId="{27A4703A-00EC-430E-9DB9-C342509AC082}" sibTransId="{1FC572B8-C20F-43D5-8502-BD569DBD1C3A}"/>
-    <dgm:cxn modelId="{11A3CD74-C397-4442-AE0B-9821D791D0FC}" srcId="{06E4EC8C-CD65-473F-AEE6-36DF7DE8EAFD}" destId="{21557C0B-3433-464E-A15E-49CB40EFC4E3}" srcOrd="3" destOrd="0" parTransId="{A2710562-B75D-441B-B5FA-B0B05692D426}" sibTransId="{B641F175-826C-45AF-B18F-6C804144F13E}"/>
-    <dgm:cxn modelId="{DCA2EE5B-01A4-4BA3-A8BD-A267D940A803}" type="presOf" srcId="{813AC39F-E6D1-4499-BB6E-5DBC96767645}" destId="{7961210E-4EA8-44BD-9AFA-2E63905BFC62}" srcOrd="1" destOrd="0" presId="urn:microsoft.com/office/officeart/2005/8/layout/hierarchy6"/>
-    <dgm:cxn modelId="{6FE80369-FCEC-41B0-BBDF-728685436B02}" type="presOf" srcId="{06E4EC8C-CD65-473F-AEE6-36DF7DE8EAFD}" destId="{B1292F50-D248-47A3-98B8-A97F2BDDD391}" srcOrd="0" destOrd="0" presId="urn:microsoft.com/office/officeart/2005/8/layout/hierarchy6"/>
-    <dgm:cxn modelId="{CA8647E8-C14E-4D75-B8A1-10909A69F1AC}" srcId="{F1EDA677-E82E-4A5C-9AD2-F69BB42F8962}" destId="{3BABD730-0151-451D-91AF-4964D1CF3BCE}" srcOrd="1" destOrd="0" parTransId="{FE8A9DF9-3D57-42C4-A1A3-1FF3638069BD}" sibTransId="{48566488-35D3-45BE-ACF7-A0E8ACF1611E}"/>
-    <dgm:cxn modelId="{8FA35E24-AD9F-4E9C-9669-D95E181D7BF2}" type="presOf" srcId="{813AC39F-E6D1-4499-BB6E-5DBC96767645}" destId="{806EC377-F7F8-4DFA-BC66-4C8B587C9CB6}" srcOrd="0" destOrd="0" presId="urn:microsoft.com/office/officeart/2005/8/layout/hierarchy6"/>
-    <dgm:cxn modelId="{4F6C017E-B1DE-4B6C-8CD1-24102CAF5AD5}" type="presOf" srcId="{013D2720-8FC9-482A-BD29-7F6C981DD34A}" destId="{817DDDDC-615F-45BE-A655-665D6E82E67D}" srcOrd="0" destOrd="0" presId="urn:microsoft.com/office/officeart/2005/8/layout/hierarchy6"/>
-    <dgm:cxn modelId="{CA57923D-D629-4FC2-B203-3F54F5ABEA34}" type="presOf" srcId="{FE9AF5EC-37B6-4F91-8053-204998F9D19F}" destId="{B755441C-6EA2-4CC3-8076-6BAD367D15C0}" srcOrd="0" destOrd="0" presId="urn:microsoft.com/office/officeart/2005/8/layout/hierarchy6"/>
-    <dgm:cxn modelId="{A860C751-B6DE-4297-8B6F-6D3F8535043D}" srcId="{06E4EC8C-CD65-473F-AEE6-36DF7DE8EAFD}" destId="{813AC39F-E6D1-4499-BB6E-5DBC96767645}" srcOrd="2" destOrd="0" parTransId="{70EF5AB1-3335-4415-B967-23680E8A741F}" sibTransId="{3E4FA389-D4B7-4182-9553-D8149FB56422}"/>
-    <dgm:cxn modelId="{78178DB3-F658-42CF-8A43-D1965A20AFD2}" type="presOf" srcId="{C2F3E794-87C3-4D98-9D97-F1B24FD279BB}" destId="{CB17A4F6-E409-46E5-BF13-FC59F99C4B93}" srcOrd="1" destOrd="0" presId="urn:microsoft.com/office/officeart/2005/8/layout/hierarchy6"/>
     <dgm:cxn modelId="{CF6FE555-B589-44DE-B93A-B2298689CCCC}" type="presOf" srcId="{55ED6FBA-A43D-4AA7-87EC-8E398BDA0D32}" destId="{1F4364AA-0C8C-4B7B-90EE-4B562169FD20}" srcOrd="0" destOrd="0" presId="urn:microsoft.com/office/officeart/2005/8/layout/hierarchy6"/>
-    <dgm:cxn modelId="{7C56EB84-80B0-4A1E-BF7D-B6E70219602C}" srcId="{06E4EC8C-CD65-473F-AEE6-36DF7DE8EAFD}" destId="{C2F3E794-87C3-4D98-9D97-F1B24FD279BB}" srcOrd="1" destOrd="0" parTransId="{99313017-B08A-4B35-BCB1-DD6EA43705F9}" sibTransId="{17C4CAD8-934B-42DF-AF70-D7D034DDB364}"/>
+    <dgm:cxn modelId="{06E35786-976E-4C0C-BD34-D24EA7CBF47D}" srcId="{63967743-0ECE-460F-A2B6-4E5D68D6471D}" destId="{21C52EDF-4AC8-4A5A-9227-85133A7B2FBC}" srcOrd="0" destOrd="0" parTransId="{30DFD3EB-9D94-4F5F-AE4E-74E408B31D4F}" sibTransId="{473F9716-6EE5-45FE-AF65-EBBECCA086E4}"/>
     <dgm:cxn modelId="{7680E6BD-4075-47F1-8690-40BE3BEA3103}" srcId="{55ED6FBA-A43D-4AA7-87EC-8E398BDA0D32}" destId="{C6124416-49A0-4371-B3E9-B86D709A012F}" srcOrd="0" destOrd="0" parTransId="{507A9531-3075-41B4-99B7-EE2E19A8DA89}" sibTransId="{55908EB4-5AC3-4380-9E2F-8EBEA1540414}"/>
-    <dgm:cxn modelId="{C7B3D505-2F33-4D25-8EC4-D57446CFD98A}" type="presOf" srcId="{C6124416-49A0-4371-B3E9-B86D709A012F}" destId="{20068014-86AD-4B3E-B5D3-CBDB5131C055}" srcOrd="0" destOrd="0" presId="urn:microsoft.com/office/officeart/2005/8/layout/hierarchy6"/>
     <dgm:cxn modelId="{700604E5-0973-42FB-A87D-CD1F95F95070}" type="presOf" srcId="{C8731773-3199-4B1A-B476-56B860D702D6}" destId="{657E6CA8-9AE7-459B-AD98-FDEEE1CEAAC2}" srcOrd="0" destOrd="0" presId="urn:microsoft.com/office/officeart/2005/8/layout/hierarchy6"/>
-    <dgm:cxn modelId="{C54C9D15-88D4-4C9A-B3D6-08824CCD1143}" type="presOf" srcId="{21557C0B-3433-464E-A15E-49CB40EFC4E3}" destId="{5E05B611-FEF2-4E45-B701-7FB6606739D2}" srcOrd="1" destOrd="0" presId="urn:microsoft.com/office/officeart/2005/8/layout/hierarchy6"/>
-    <dgm:cxn modelId="{B810CEFF-FA0B-4C29-AF02-0418B194C228}" srcId="{06E4EC8C-CD65-473F-AEE6-36DF7DE8EAFD}" destId="{57A84860-688F-4E8D-8B55-E7B556DEADA7}" srcOrd="0" destOrd="0" parTransId="{989F1563-2811-4520-BB20-46E2C04AD66B}" sibTransId="{443B2A42-28AC-4F11-80E6-8539FA2B011B}"/>
-    <dgm:cxn modelId="{B065FEE6-93A1-45EF-9357-BE684E70C31C}" srcId="{57A84860-688F-4E8D-8B55-E7B556DEADA7}" destId="{F1EDA677-E82E-4A5C-9AD2-F69BB42F8962}" srcOrd="0" destOrd="0" parTransId="{FE9AF5EC-37B6-4F91-8053-204998F9D19F}" sibTransId="{09BEBA99-E738-4E73-A88D-117250DE7354}"/>
     <dgm:cxn modelId="{92A9F5C3-A5C4-4199-B832-F12FEAD14885}" type="presParOf" srcId="{B1292F50-D248-47A3-98B8-A97F2BDDD391}" destId="{3C999101-BA52-496E-9C3F-0913CB793D88}" srcOrd="0" destOrd="0" presId="urn:microsoft.com/office/officeart/2005/8/layout/hierarchy6"/>
     <dgm:cxn modelId="{25AE7533-962B-4A9E-82CD-AE71E4A56EFA}" type="presParOf" srcId="{3C999101-BA52-496E-9C3F-0913CB793D88}" destId="{D2883EDE-1D77-4184-8619-947758F10574}" srcOrd="0" destOrd="0" presId="urn:microsoft.com/office/officeart/2005/8/layout/hierarchy6"/>
     <dgm:cxn modelId="{F0360897-E309-4D5A-B2D7-3D78A402FEA0}" type="presParOf" srcId="{3C999101-BA52-496E-9C3F-0913CB793D88}" destId="{546367B3-8A4B-48F2-A04A-BEFFE71E80C1}" srcOrd="1" destOrd="0" presId="urn:microsoft.com/office/officeart/2005/8/layout/hierarchy6"/>
@@ -1672,14 +2646,34 @@
     <dgm:cxn modelId="{89CA67FA-9BE7-4610-A8C5-4809F64A9162}" type="presParOf" srcId="{D103BE92-7CF8-445B-89EC-44FF6CE60740}" destId="{CE81CE3B-0211-40D4-970B-D366CA97758C}" srcOrd="1" destOrd="0" presId="urn:microsoft.com/office/officeart/2005/8/layout/hierarchy6"/>
     <dgm:cxn modelId="{DA841DB7-314A-4F82-9A0D-1B8C075CCEC1}" type="presParOf" srcId="{CE81CE3B-0211-40D4-970B-D366CA97758C}" destId="{657E6CA8-9AE7-459B-AD98-FDEEE1CEAAC2}" srcOrd="0" destOrd="0" presId="urn:microsoft.com/office/officeart/2005/8/layout/hierarchy6"/>
     <dgm:cxn modelId="{97347E0B-33EC-41AE-8C9A-D6616B127168}" type="presParOf" srcId="{CE81CE3B-0211-40D4-970B-D366CA97758C}" destId="{8F578111-AA76-4911-B781-B1F41BD4F039}" srcOrd="1" destOrd="0" presId="urn:microsoft.com/office/officeart/2005/8/layout/hierarchy6"/>
+    <dgm:cxn modelId="{99AB5AD2-7638-43A0-860F-91DE528E2367}" type="presParOf" srcId="{8F578111-AA76-4911-B781-B1F41BD4F039}" destId="{DF59A4CD-7DA1-41FB-A12C-0AE23F26F775}" srcOrd="0" destOrd="0" presId="urn:microsoft.com/office/officeart/2005/8/layout/hierarchy6"/>
+    <dgm:cxn modelId="{9CBEC666-3960-4BFF-B7D3-EE90BE4F70AF}" type="presParOf" srcId="{8F578111-AA76-4911-B781-B1F41BD4F039}" destId="{0FE5499C-C611-4A86-9264-06B61401F26C}" srcOrd="1" destOrd="0" presId="urn:microsoft.com/office/officeart/2005/8/layout/hierarchy6"/>
+    <dgm:cxn modelId="{FD02D9C9-9D10-4540-8824-0FC8D87BE17A}" type="presParOf" srcId="{0FE5499C-C611-4A86-9264-06B61401F26C}" destId="{F04F588E-7FFB-4BED-AE65-048CDEF1E1F1}" srcOrd="0" destOrd="0" presId="urn:microsoft.com/office/officeart/2005/8/layout/hierarchy6"/>
+    <dgm:cxn modelId="{5C8EC514-3DD3-4795-8F8C-F84A51AF0197}" type="presParOf" srcId="{0FE5499C-C611-4A86-9264-06B61401F26C}" destId="{07A5DD5D-E798-4154-AFD1-26D84A3D3198}" srcOrd="1" destOrd="0" presId="urn:microsoft.com/office/officeart/2005/8/layout/hierarchy6"/>
     <dgm:cxn modelId="{92CA9A2F-1309-4694-8146-21E27309E7AE}" type="presParOf" srcId="{D103BE92-7CF8-445B-89EC-44FF6CE60740}" destId="{45AA2A36-4421-4CA7-B6E0-C69FBC1BAF25}" srcOrd="2" destOrd="0" presId="urn:microsoft.com/office/officeart/2005/8/layout/hierarchy6"/>
     <dgm:cxn modelId="{64B2CB4D-3765-4D1A-A791-F0910695A68C}" type="presParOf" srcId="{D103BE92-7CF8-445B-89EC-44FF6CE60740}" destId="{68D5D712-EAAA-4BA6-B0B9-1B232702BB90}" srcOrd="3" destOrd="0" presId="urn:microsoft.com/office/officeart/2005/8/layout/hierarchy6"/>
     <dgm:cxn modelId="{13E4AAFB-8FD2-4EEE-9837-68DD2F521525}" type="presParOf" srcId="{68D5D712-EAAA-4BA6-B0B9-1B232702BB90}" destId="{7C43E2F5-89BC-4442-A62B-5008B4967B8C}" srcOrd="0" destOrd="0" presId="urn:microsoft.com/office/officeart/2005/8/layout/hierarchy6"/>
     <dgm:cxn modelId="{00E04E0A-4DC5-4D2F-8EB0-D2DE37035AF9}" type="presParOf" srcId="{68D5D712-EAAA-4BA6-B0B9-1B232702BB90}" destId="{A3746F37-4E37-4D90-8029-25D086F3878A}" srcOrd="1" destOrd="0" presId="urn:microsoft.com/office/officeart/2005/8/layout/hierarchy6"/>
+    <dgm:cxn modelId="{9E1874F6-17AA-4C82-B9AE-0395A55B6ECF}" type="presParOf" srcId="{A3746F37-4E37-4D90-8029-25D086F3878A}" destId="{3DCBE4AD-2CA8-4108-83BE-8CDB2B16991F}" srcOrd="0" destOrd="0" presId="urn:microsoft.com/office/officeart/2005/8/layout/hierarchy6"/>
+    <dgm:cxn modelId="{72A6D76C-420C-4620-AB6B-AC60367EB1B8}" type="presParOf" srcId="{A3746F37-4E37-4D90-8029-25D086F3878A}" destId="{D5E5E236-4ADD-43C0-96BB-AD05B880B2D6}" srcOrd="1" destOrd="0" presId="urn:microsoft.com/office/officeart/2005/8/layout/hierarchy6"/>
+    <dgm:cxn modelId="{B0A33F7F-866A-4BC1-96B3-5759D89C7F42}" type="presParOf" srcId="{D5E5E236-4ADD-43C0-96BB-AD05B880B2D6}" destId="{8A78715F-0037-4726-AE32-240ACC2E7FD0}" srcOrd="0" destOrd="0" presId="urn:microsoft.com/office/officeart/2005/8/layout/hierarchy6"/>
+    <dgm:cxn modelId="{CB3838B7-2F7B-4FF5-8357-09A5885818D9}" type="presParOf" srcId="{D5E5E236-4ADD-43C0-96BB-AD05B880B2D6}" destId="{76B7EFDC-EE17-4F01-9C68-320342F8CCAD}" srcOrd="1" destOrd="0" presId="urn:microsoft.com/office/officeart/2005/8/layout/hierarchy6"/>
     <dgm:cxn modelId="{088CF6CB-C42E-4D3B-A856-AA42EE3E6A27}" type="presParOf" srcId="{D103BE92-7CF8-445B-89EC-44FF6CE60740}" destId="{A3234CFD-9AA3-40A9-98ED-D7002BFB17C5}" srcOrd="4" destOrd="0" presId="urn:microsoft.com/office/officeart/2005/8/layout/hierarchy6"/>
     <dgm:cxn modelId="{78E49E79-AB34-4FEC-B2D2-33AAC33C5597}" type="presParOf" srcId="{D103BE92-7CF8-445B-89EC-44FF6CE60740}" destId="{59A6A9DB-A497-446C-B23A-7411162C9E63}" srcOrd="5" destOrd="0" presId="urn:microsoft.com/office/officeart/2005/8/layout/hierarchy6"/>
     <dgm:cxn modelId="{B48EDDCF-ECF1-4A3D-8AA3-24DE46F6B880}" type="presParOf" srcId="{59A6A9DB-A497-446C-B23A-7411162C9E63}" destId="{FFD717B2-5487-40E1-93E7-33906A317C35}" srcOrd="0" destOrd="0" presId="urn:microsoft.com/office/officeart/2005/8/layout/hierarchy6"/>
     <dgm:cxn modelId="{5D052603-4731-46F7-A4A7-085041D2867C}" type="presParOf" srcId="{59A6A9DB-A497-446C-B23A-7411162C9E63}" destId="{B6BA2DFA-73AD-4D20-9648-8D6ED2139ED7}" srcOrd="1" destOrd="0" presId="urn:microsoft.com/office/officeart/2005/8/layout/hierarchy6"/>
+    <dgm:cxn modelId="{AF286C3B-9B86-479E-8900-4E39E74FD256}" type="presParOf" srcId="{B6BA2DFA-73AD-4D20-9648-8D6ED2139ED7}" destId="{96C53832-0737-4CAA-A82A-723CF7D1FE2A}" srcOrd="0" destOrd="0" presId="urn:microsoft.com/office/officeart/2005/8/layout/hierarchy6"/>
+    <dgm:cxn modelId="{C55AE5E0-8D44-450A-A02F-E93534F47799}" type="presParOf" srcId="{B6BA2DFA-73AD-4D20-9648-8D6ED2139ED7}" destId="{C25A4430-0281-485F-A54E-60E05F9200C1}" srcOrd="1" destOrd="0" presId="urn:microsoft.com/office/officeart/2005/8/layout/hierarchy6"/>
+    <dgm:cxn modelId="{E48D65B6-93E8-400A-9454-66489EDE6FC2}" type="presParOf" srcId="{C25A4430-0281-485F-A54E-60E05F9200C1}" destId="{968D30B2-7BF5-4C82-9A40-BDF7636E40BD}" srcOrd="0" destOrd="0" presId="urn:microsoft.com/office/officeart/2005/8/layout/hierarchy6"/>
+    <dgm:cxn modelId="{04BBEE98-9B6F-4FF5-8351-D8B6BCC6EB0D}" type="presParOf" srcId="{C25A4430-0281-485F-A54E-60E05F9200C1}" destId="{EDCBFB17-59F8-4A8E-A915-B930E3709EEC}" srcOrd="1" destOrd="0" presId="urn:microsoft.com/office/officeart/2005/8/layout/hierarchy6"/>
+    <dgm:cxn modelId="{30D66436-B5F4-4E82-B01B-F87FC096E7F2}" type="presParOf" srcId="{D103BE92-7CF8-445B-89EC-44FF6CE60740}" destId="{E9AE688D-9478-4C13-9C34-385BAD2B0D87}" srcOrd="6" destOrd="0" presId="urn:microsoft.com/office/officeart/2005/8/layout/hierarchy6"/>
+    <dgm:cxn modelId="{475B43CA-79E3-425B-B519-EC95E9C7CF75}" type="presParOf" srcId="{D103BE92-7CF8-445B-89EC-44FF6CE60740}" destId="{AD9864F1-74C2-4258-A59E-48B70DDB43B2}" srcOrd="7" destOrd="0" presId="urn:microsoft.com/office/officeart/2005/8/layout/hierarchy6"/>
+    <dgm:cxn modelId="{0EE38394-B04D-40DF-A113-D10CC671DD06}" type="presParOf" srcId="{AD9864F1-74C2-4258-A59E-48B70DDB43B2}" destId="{44599DAC-9D3A-47F2-AF6E-F8578CE80DBC}" srcOrd="0" destOrd="0" presId="urn:microsoft.com/office/officeart/2005/8/layout/hierarchy6"/>
+    <dgm:cxn modelId="{EF13930B-D8F7-4152-996F-9D97034FDA26}" type="presParOf" srcId="{AD9864F1-74C2-4258-A59E-48B70DDB43B2}" destId="{DF48139B-737B-45DC-AD05-10054DD3B91D}" srcOrd="1" destOrd="0" presId="urn:microsoft.com/office/officeart/2005/8/layout/hierarchy6"/>
+    <dgm:cxn modelId="{02460B31-950B-4D20-A9EA-7BACCC8FD043}" type="presParOf" srcId="{DF48139B-737B-45DC-AD05-10054DD3B91D}" destId="{034DCAF4-BA2B-424E-82A9-42F9302A1E3E}" srcOrd="0" destOrd="0" presId="urn:microsoft.com/office/officeart/2005/8/layout/hierarchy6"/>
+    <dgm:cxn modelId="{D3C3EABF-D74F-4801-B0F2-C16B4C125DE8}" type="presParOf" srcId="{DF48139B-737B-45DC-AD05-10054DD3B91D}" destId="{F2AE4615-87D9-4D09-982E-281CB8728B70}" srcOrd="1" destOrd="0" presId="urn:microsoft.com/office/officeart/2005/8/layout/hierarchy6"/>
+    <dgm:cxn modelId="{3F8A9709-07A3-4803-A8A5-37D4296C18DA}" type="presParOf" srcId="{F2AE4615-87D9-4D09-982E-281CB8728B70}" destId="{15B0B5B3-A74D-4402-85F6-78AA629C3731}" srcOrd="0" destOrd="0" presId="urn:microsoft.com/office/officeart/2005/8/layout/hierarchy6"/>
+    <dgm:cxn modelId="{261D8E23-79E3-4AB2-B956-0321869B63BA}" type="presParOf" srcId="{F2AE4615-87D9-4D09-982E-281CB8728B70}" destId="{21CE8542-CD7B-4146-81A4-E57DA1B147EE}" srcOrd="1" destOrd="0" presId="urn:microsoft.com/office/officeart/2005/8/layout/hierarchy6"/>
     <dgm:cxn modelId="{8AB44928-5998-472E-898D-8D0874DCBBD7}" type="presParOf" srcId="{AE30EF09-B6EF-4FA1-B8D6-6D2A93C35B49}" destId="{894D0476-9258-4490-B86C-98AA145628BC}" srcOrd="2" destOrd="0" presId="urn:microsoft.com/office/officeart/2005/8/layout/hierarchy6"/>
     <dgm:cxn modelId="{8743C8B6-567A-4B60-A5BF-23CF26BA776E}" type="presParOf" srcId="{AE30EF09-B6EF-4FA1-B8D6-6D2A93C35B49}" destId="{83229144-F61C-44AD-86C9-8C6A28F47588}" srcOrd="3" destOrd="0" presId="urn:microsoft.com/office/officeart/2005/8/layout/hierarchy6"/>
     <dgm:cxn modelId="{00C65BB5-5813-4BCD-9158-D4E08480BA7F}" type="presParOf" srcId="{83229144-F61C-44AD-86C9-8C6A28F47588}" destId="{1F4364AA-0C8C-4B7B-90EE-4B562169FD20}" srcOrd="0" destOrd="0" presId="urn:microsoft.com/office/officeart/2005/8/layout/hierarchy6"/>
@@ -1688,10 +2682,38 @@
     <dgm:cxn modelId="{DC66B569-BF41-4167-BAE4-14AC914A5423}" type="presParOf" srcId="{7F2777E7-7691-4FD1-A146-3AA57A0A04EE}" destId="{C983A043-4F2C-46A7-BC0F-FE91E6CED314}" srcOrd="1" destOrd="0" presId="urn:microsoft.com/office/officeart/2005/8/layout/hierarchy6"/>
     <dgm:cxn modelId="{CA242D8E-D52D-4C31-8F62-AC55BCD36F38}" type="presParOf" srcId="{C983A043-4F2C-46A7-BC0F-FE91E6CED314}" destId="{20068014-86AD-4B3E-B5D3-CBDB5131C055}" srcOrd="0" destOrd="0" presId="urn:microsoft.com/office/officeart/2005/8/layout/hierarchy6"/>
     <dgm:cxn modelId="{9A974623-0035-4EEF-B0FE-0BCB57088339}" type="presParOf" srcId="{C983A043-4F2C-46A7-BC0F-FE91E6CED314}" destId="{57B9A4F4-8BE4-48D6-B246-AE5F76F450B0}" srcOrd="1" destOrd="0" presId="urn:microsoft.com/office/officeart/2005/8/layout/hierarchy6"/>
+    <dgm:cxn modelId="{B8A23E07-C2E1-4966-9EC7-56589BCD609D}" type="presParOf" srcId="{57B9A4F4-8BE4-48D6-B246-AE5F76F450B0}" destId="{138DD65C-C765-49E8-B76D-02DAB46AA108}" srcOrd="0" destOrd="0" presId="urn:microsoft.com/office/officeart/2005/8/layout/hierarchy6"/>
+    <dgm:cxn modelId="{6C9B27B9-DF99-4BD5-867F-1C00D36FBDAD}" type="presParOf" srcId="{57B9A4F4-8BE4-48D6-B246-AE5F76F450B0}" destId="{6D1E6022-90FA-4279-B31C-104847FA85D4}" srcOrd="1" destOrd="0" presId="urn:microsoft.com/office/officeart/2005/8/layout/hierarchy6"/>
+    <dgm:cxn modelId="{1109183B-17F7-4431-BE57-2D7BC17B5993}" type="presParOf" srcId="{6D1E6022-90FA-4279-B31C-104847FA85D4}" destId="{849AAF3B-110A-4479-B55B-97AD3A624A8F}" srcOrd="0" destOrd="0" presId="urn:microsoft.com/office/officeart/2005/8/layout/hierarchy6"/>
+    <dgm:cxn modelId="{87C849C5-AED3-48FE-8458-FC83DD75B97E}" type="presParOf" srcId="{6D1E6022-90FA-4279-B31C-104847FA85D4}" destId="{55DD8869-0C79-4EE5-8980-A71615728E20}" srcOrd="1" destOrd="0" presId="urn:microsoft.com/office/officeart/2005/8/layout/hierarchy6"/>
     <dgm:cxn modelId="{07520166-A5B9-4584-9FFB-2F8ED189BB9F}" type="presParOf" srcId="{7F2777E7-7691-4FD1-A146-3AA57A0A04EE}" destId="{B605DF23-4419-4E51-8C93-8E49C6B66999}" srcOrd="2" destOrd="0" presId="urn:microsoft.com/office/officeart/2005/8/layout/hierarchy6"/>
     <dgm:cxn modelId="{F54D8ABF-AC9A-4544-B64B-54CC556C78A8}" type="presParOf" srcId="{7F2777E7-7691-4FD1-A146-3AA57A0A04EE}" destId="{4818F959-C944-4E71-9A67-43C5BF925061}" srcOrd="3" destOrd="0" presId="urn:microsoft.com/office/officeart/2005/8/layout/hierarchy6"/>
     <dgm:cxn modelId="{17E5E3A3-2443-4F76-B6CC-2BB83EF219F0}" type="presParOf" srcId="{4818F959-C944-4E71-9A67-43C5BF925061}" destId="{817DDDDC-615F-45BE-A655-665D6E82E67D}" srcOrd="0" destOrd="0" presId="urn:microsoft.com/office/officeart/2005/8/layout/hierarchy6"/>
     <dgm:cxn modelId="{27D1C766-F0DF-4EDF-B0D6-CEEC523DBFD0}" type="presParOf" srcId="{4818F959-C944-4E71-9A67-43C5BF925061}" destId="{86D1F2B3-6B50-4D56-8502-C2252A410C28}" srcOrd="1" destOrd="0" presId="urn:microsoft.com/office/officeart/2005/8/layout/hierarchy6"/>
+    <dgm:cxn modelId="{7A6C658A-25AE-4BB5-888E-AE787933693A}" type="presParOf" srcId="{86D1F2B3-6B50-4D56-8502-C2252A410C28}" destId="{FCDCBDCD-3872-46C3-A820-1134B5CBA2BE}" srcOrd="0" destOrd="0" presId="urn:microsoft.com/office/officeart/2005/8/layout/hierarchy6"/>
+    <dgm:cxn modelId="{62417603-48C8-4C4B-A241-E904D29EBBB5}" type="presParOf" srcId="{86D1F2B3-6B50-4D56-8502-C2252A410C28}" destId="{A33C06BB-2C1B-440B-89B8-E236CD8A7299}" srcOrd="1" destOrd="0" presId="urn:microsoft.com/office/officeart/2005/8/layout/hierarchy6"/>
+    <dgm:cxn modelId="{FFA35E49-30E0-447D-95C8-D6E8EEEDA1BA}" type="presParOf" srcId="{A33C06BB-2C1B-440B-89B8-E236CD8A7299}" destId="{9E20D3DB-5BE0-4006-9091-BD63DCC1D6C4}" srcOrd="0" destOrd="0" presId="urn:microsoft.com/office/officeart/2005/8/layout/hierarchy6"/>
+    <dgm:cxn modelId="{0B25ACCB-1456-49BE-942C-1C75643F127A}" type="presParOf" srcId="{A33C06BB-2C1B-440B-89B8-E236CD8A7299}" destId="{E8ACC650-3518-4EFE-B2D9-A38CB04DBB7C}" srcOrd="1" destOrd="0" presId="urn:microsoft.com/office/officeart/2005/8/layout/hierarchy6"/>
+    <dgm:cxn modelId="{07D7D5A9-DD8F-4FDC-9F2E-C963F1E7E0AB}" type="presParOf" srcId="{7F2777E7-7691-4FD1-A146-3AA57A0A04EE}" destId="{7147C50A-FAD5-46BB-BEB3-6F4C98B3009F}" srcOrd="4" destOrd="0" presId="urn:microsoft.com/office/officeart/2005/8/layout/hierarchy6"/>
+    <dgm:cxn modelId="{6B87D273-0575-4634-A313-4FC42EF109F7}" type="presParOf" srcId="{7F2777E7-7691-4FD1-A146-3AA57A0A04EE}" destId="{14434CA0-E3FE-45A4-89F8-56BE611CEBC7}" srcOrd="5" destOrd="0" presId="urn:microsoft.com/office/officeart/2005/8/layout/hierarchy6"/>
+    <dgm:cxn modelId="{076AB5BF-C489-46A3-9DE9-DFEF9825A834}" type="presParOf" srcId="{14434CA0-E3FE-45A4-89F8-56BE611CEBC7}" destId="{FD472F0E-DF23-4B8C-AFCA-C694F34DDAD1}" srcOrd="0" destOrd="0" presId="urn:microsoft.com/office/officeart/2005/8/layout/hierarchy6"/>
+    <dgm:cxn modelId="{164E62D0-2938-4372-B32C-AC306C62A73E}" type="presParOf" srcId="{14434CA0-E3FE-45A4-89F8-56BE611CEBC7}" destId="{140DF092-9A48-4DFE-8DC0-76E7A7ED7B75}" srcOrd="1" destOrd="0" presId="urn:microsoft.com/office/officeart/2005/8/layout/hierarchy6"/>
+    <dgm:cxn modelId="{18C7EEFD-5377-4CF9-A483-04024C38FF57}" type="presParOf" srcId="{140DF092-9A48-4DFE-8DC0-76E7A7ED7B75}" destId="{A47AC3F4-9308-4960-9412-25357507CDD6}" srcOrd="0" destOrd="0" presId="urn:microsoft.com/office/officeart/2005/8/layout/hierarchy6"/>
+    <dgm:cxn modelId="{E3291AC7-70A3-4BC6-A145-8A62B6A660B5}" type="presParOf" srcId="{140DF092-9A48-4DFE-8DC0-76E7A7ED7B75}" destId="{0852A2E5-E99E-4DE1-A9EE-CE621D4DCBA9}" srcOrd="1" destOrd="0" presId="urn:microsoft.com/office/officeart/2005/8/layout/hierarchy6"/>
+    <dgm:cxn modelId="{7BA9E633-8956-4FEC-87F2-6987BAAA732B}" type="presParOf" srcId="{0852A2E5-E99E-4DE1-A9EE-CE621D4DCBA9}" destId="{FD3DAA2A-6C7B-4ABE-9324-97A9A49C6898}" srcOrd="0" destOrd="0" presId="urn:microsoft.com/office/officeart/2005/8/layout/hierarchy6"/>
+    <dgm:cxn modelId="{AE0FCCC6-675D-466D-A07D-6EE92B53C61B}" type="presParOf" srcId="{0852A2E5-E99E-4DE1-A9EE-CE621D4DCBA9}" destId="{576810BE-2930-4548-87D2-7C62F7A27906}" srcOrd="1" destOrd="0" presId="urn:microsoft.com/office/officeart/2005/8/layout/hierarchy6"/>
+    <dgm:cxn modelId="{193F5F01-0765-4FFE-98AB-B462D9D91D3D}" type="presParOf" srcId="{140DF092-9A48-4DFE-8DC0-76E7A7ED7B75}" destId="{618A934A-276C-418B-B7E8-71FE87250A49}" srcOrd="2" destOrd="0" presId="urn:microsoft.com/office/officeart/2005/8/layout/hierarchy6"/>
+    <dgm:cxn modelId="{9FEC4485-4899-49FE-8F00-37428864541A}" type="presParOf" srcId="{140DF092-9A48-4DFE-8DC0-76E7A7ED7B75}" destId="{FD37A4F9-0E2E-4C13-A437-64135B0585D0}" srcOrd="3" destOrd="0" presId="urn:microsoft.com/office/officeart/2005/8/layout/hierarchy6"/>
+    <dgm:cxn modelId="{1BC3C975-C2AA-46F7-8CDA-989C64FF14A4}" type="presParOf" srcId="{FD37A4F9-0E2E-4C13-A437-64135B0585D0}" destId="{291B5F0A-A2B1-40E2-9EDE-56D5A2DD6D97}" srcOrd="0" destOrd="0" presId="urn:microsoft.com/office/officeart/2005/8/layout/hierarchy6"/>
+    <dgm:cxn modelId="{04B10DF5-8770-49E4-9434-C8444F15D856}" type="presParOf" srcId="{FD37A4F9-0E2E-4C13-A437-64135B0585D0}" destId="{62CE9ABF-FD11-4895-8DFC-47A8EE22CFA9}" srcOrd="1" destOrd="0" presId="urn:microsoft.com/office/officeart/2005/8/layout/hierarchy6"/>
+    <dgm:cxn modelId="{BF4697A9-FEF6-407F-9B65-00361EADC12E}" type="presParOf" srcId="{7F2777E7-7691-4FD1-A146-3AA57A0A04EE}" destId="{39E5D3FA-E997-4E98-A65D-D7547B19E722}" srcOrd="6" destOrd="0" presId="urn:microsoft.com/office/officeart/2005/8/layout/hierarchy6"/>
+    <dgm:cxn modelId="{1A80F237-5391-476D-B6F9-9959748C4941}" type="presParOf" srcId="{7F2777E7-7691-4FD1-A146-3AA57A0A04EE}" destId="{F0F1C17C-212B-4C1A-A093-0D2C16408774}" srcOrd="7" destOrd="0" presId="urn:microsoft.com/office/officeart/2005/8/layout/hierarchy6"/>
+    <dgm:cxn modelId="{2EA39221-AEF0-46CB-A096-CBC64E90978A}" type="presParOf" srcId="{F0F1C17C-212B-4C1A-A093-0D2C16408774}" destId="{3A23ED96-785D-4F51-B245-69AC46C0E743}" srcOrd="0" destOrd="0" presId="urn:microsoft.com/office/officeart/2005/8/layout/hierarchy6"/>
+    <dgm:cxn modelId="{F9E56F3F-B2D0-45E4-A6D3-E44CCDF4C874}" type="presParOf" srcId="{F0F1C17C-212B-4C1A-A093-0D2C16408774}" destId="{8917113F-F288-45E4-AD60-A2FEB7665F01}" srcOrd="1" destOrd="0" presId="urn:microsoft.com/office/officeart/2005/8/layout/hierarchy6"/>
+    <dgm:cxn modelId="{E82B6530-9603-4F09-BA58-30F98FA0A512}" type="presParOf" srcId="{8917113F-F288-45E4-AD60-A2FEB7665F01}" destId="{A2001C75-B76E-4630-80D9-543A47D45669}" srcOrd="0" destOrd="0" presId="urn:microsoft.com/office/officeart/2005/8/layout/hierarchy6"/>
+    <dgm:cxn modelId="{81C920BA-BC26-4E6D-9F3F-981D1E352B8E}" type="presParOf" srcId="{8917113F-F288-45E4-AD60-A2FEB7665F01}" destId="{6C022E96-BB98-43BA-8F86-4009F8F09EA8}" srcOrd="1" destOrd="0" presId="urn:microsoft.com/office/officeart/2005/8/layout/hierarchy6"/>
+    <dgm:cxn modelId="{ACE320B3-40A1-4D87-84C8-FA624D07BCB1}" type="presParOf" srcId="{6C022E96-BB98-43BA-8F86-4009F8F09EA8}" destId="{3CC3220E-088E-4493-BB17-109F34A53427}" srcOrd="0" destOrd="0" presId="urn:microsoft.com/office/officeart/2005/8/layout/hierarchy6"/>
+    <dgm:cxn modelId="{408C92A0-9A2D-4EE2-8878-6614CD9CF0DA}" type="presParOf" srcId="{6C022E96-BB98-43BA-8F86-4009F8F09EA8}" destId="{7FB14482-E05F-4BAA-B845-D228F405B4CD}" srcOrd="1" destOrd="0" presId="urn:microsoft.com/office/officeart/2005/8/layout/hierarchy6"/>
     <dgm:cxn modelId="{60533763-B1D1-4278-A512-CCA740DAE95F}" type="presParOf" srcId="{B1292F50-D248-47A3-98B8-A97F2BDDD391}" destId="{27BD3A85-9604-4033-8CC8-2CD7FE9E37F5}" srcOrd="1" destOrd="0" presId="urn:microsoft.com/office/officeart/2005/8/layout/hierarchy6"/>
     <dgm:cxn modelId="{31366D33-A38F-4030-A000-DC7D4CDBFDED}" type="presParOf" srcId="{27BD3A85-9604-4033-8CC8-2CD7FE9E37F5}" destId="{F7E73626-4AE2-4869-8EC7-29EFB07E25F6}" srcOrd="0" destOrd="0" presId="urn:microsoft.com/office/officeart/2005/8/layout/hierarchy6"/>
     <dgm:cxn modelId="{B138F3A6-E666-4D4D-B1B1-72E41012E735}" type="presParOf" srcId="{F7E73626-4AE2-4869-8EC7-29EFB07E25F6}" destId="{50EF4299-89AC-4680-9D79-87A388D43518}" srcOrd="0" destOrd="0" presId="urn:microsoft.com/office/officeart/2005/8/layout/hierarchy6"/>
@@ -1706,6 +2728,11 @@
     <dgm:cxn modelId="{94A2A23B-FF85-4056-94AE-0E32AC4AF175}" type="presParOf" srcId="{27BD3A85-9604-4033-8CC8-2CD7FE9E37F5}" destId="{C9BB9C62-3373-49F6-AA1A-1B2F3C355518}" srcOrd="4" destOrd="0" presId="urn:microsoft.com/office/officeart/2005/8/layout/hierarchy6"/>
     <dgm:cxn modelId="{36DE39C3-09A7-4B2D-A19E-F2C06D68DAA8}" type="presParOf" srcId="{C9BB9C62-3373-49F6-AA1A-1B2F3C355518}" destId="{2B708D22-E66F-450D-AAE6-B9790658D42A}" srcOrd="0" destOrd="0" presId="urn:microsoft.com/office/officeart/2005/8/layout/hierarchy6"/>
     <dgm:cxn modelId="{A71E47D6-8526-4D6A-B786-127381E06F84}" type="presParOf" srcId="{C9BB9C62-3373-49F6-AA1A-1B2F3C355518}" destId="{5E05B611-FEF2-4E45-B701-7FB6606739D2}" srcOrd="1" destOrd="0" presId="urn:microsoft.com/office/officeart/2005/8/layout/hierarchy6"/>
+    <dgm:cxn modelId="{29B88561-0555-4C31-BD5F-166B5BCE3982}" type="presParOf" srcId="{27BD3A85-9604-4033-8CC8-2CD7FE9E37F5}" destId="{FE7AABC9-81C1-4103-85E2-360203C87D4B}" srcOrd="5" destOrd="0" presId="urn:microsoft.com/office/officeart/2005/8/layout/hierarchy6"/>
+    <dgm:cxn modelId="{5537BD6F-C314-432F-8D21-855D8FFBAD51}" type="presParOf" srcId="{FE7AABC9-81C1-4103-85E2-360203C87D4B}" destId="{59063EE6-C573-40E8-ABDB-CB977AAC6322}" srcOrd="0" destOrd="0" presId="urn:microsoft.com/office/officeart/2005/8/layout/hierarchy6"/>
+    <dgm:cxn modelId="{7D50A7A4-31C2-4F71-AE69-FCC34AAF07DC}" type="presParOf" srcId="{27BD3A85-9604-4033-8CC8-2CD7FE9E37F5}" destId="{3C8386B3-FFE8-4582-A085-E065C7BBA60A}" srcOrd="6" destOrd="0" presId="urn:microsoft.com/office/officeart/2005/8/layout/hierarchy6"/>
+    <dgm:cxn modelId="{61E81945-E31C-4764-9F4E-0AE79CACC077}" type="presParOf" srcId="{3C8386B3-FFE8-4582-A085-E065C7BBA60A}" destId="{456FEEAB-006F-4832-89A5-D29F0F53A27E}" srcOrd="0" destOrd="0" presId="urn:microsoft.com/office/officeart/2005/8/layout/hierarchy6"/>
+    <dgm:cxn modelId="{05299DF9-6539-4D0B-98AA-9053C45759D3}" type="presParOf" srcId="{3C8386B3-FFE8-4582-A085-E065C7BBA60A}" destId="{41C3F5F9-1D65-44D7-AD55-88FE83619871}" srcOrd="1" destOrd="0" presId="urn:microsoft.com/office/officeart/2005/8/layout/hierarchy6"/>
   </dgm:cxnLst>
   <dgm:bg/>
   <dgm:whole/>
@@ -1725,15 +2752,15 @@
       <dsp:cNvGrpSpPr/>
     </dsp:nvGrpSpPr>
     <dsp:grpSpPr/>
-    <dsp:sp modelId="{2B708D22-E66F-450D-AAE6-B9790658D42A}">
+    <dsp:sp modelId="{456FEEAB-006F-4832-89A5-D29F0F53A27E}">
       <dsp:nvSpPr>
         <dsp:cNvPr id="0" name=""/>
         <dsp:cNvSpPr/>
       </dsp:nvSpPr>
       <dsp:spPr>
         <a:xfrm>
-          <a:off x="0" y="2790448"/>
-          <a:ext cx="10515600" cy="922168"/>
+          <a:off x="0" y="4031452"/>
+          <a:ext cx="12068884" cy="820646"/>
         </a:xfrm>
         <a:prstGeom prst="roundRect">
           <a:avLst>
@@ -1767,12 +2794,12 @@
         <a:fontRef idx="minor"/>
       </dsp:style>
       <dsp:txBody>
-        <a:bodyPr spcFirstLastPara="0" vert="horz" wrap="square" lIns="184912" tIns="184912" rIns="184912" bIns="184912" numCol="1" spcCol="1270" anchor="ctr" anchorCtr="0">
+        <a:bodyPr spcFirstLastPara="0" vert="horz" wrap="square" lIns="113792" tIns="113792" rIns="113792" bIns="113792" numCol="1" spcCol="1270" anchor="ctr" anchorCtr="0">
           <a:noAutofit/>
         </a:bodyPr>
         <a:lstStyle/>
         <a:p>
-          <a:pPr lvl="0" algn="ctr" defTabSz="1155700" latinLnBrk="1">
+          <a:pPr lvl="0" algn="ctr" defTabSz="711200" latinLnBrk="1">
             <a:lnSpc>
               <a:spcPct val="90000"/>
             </a:lnSpc>
@@ -1784,26 +2811,26 @@
             </a:spcAft>
           </a:pPr>
           <a:r>
-            <a:rPr lang="en-US" altLang="ko-KR" sz="2600" kern="1200" dirty="0" smtClean="0"/>
-            <a:t>action</a:t>
+            <a:rPr lang="en-US" altLang="ko-KR" sz="1600" kern="1200" dirty="0" smtClean="0"/>
+            <a:t>skill</a:t>
           </a:r>
-          <a:endParaRPr lang="ko-KR" altLang="en-US" sz="2600" kern="1200" dirty="0"/>
+          <a:endParaRPr lang="ko-KR" altLang="en-US" sz="1600" kern="1200" dirty="0"/>
         </a:p>
       </dsp:txBody>
       <dsp:txXfrm>
-        <a:off x="0" y="2790448"/>
-        <a:ext cx="3154680" cy="922168"/>
+        <a:off x="0" y="4031452"/>
+        <a:ext cx="3620665" cy="820646"/>
       </dsp:txXfrm>
     </dsp:sp>
-    <dsp:sp modelId="{806EC377-F7F8-4DFA-BC66-4C8B587C9CB6}">
+    <dsp:sp modelId="{2B708D22-E66F-450D-AAE6-B9790658D42A}">
       <dsp:nvSpPr>
         <dsp:cNvPr id="0" name=""/>
         <dsp:cNvSpPr/>
       </dsp:nvSpPr>
       <dsp:spPr>
         <a:xfrm>
-          <a:off x="0" y="1714584"/>
-          <a:ext cx="10515600" cy="922168"/>
+          <a:off x="0" y="3155148"/>
+          <a:ext cx="12068884" cy="803345"/>
         </a:xfrm>
         <a:prstGeom prst="roundRect">
           <a:avLst>
@@ -1837,12 +2864,12 @@
         <a:fontRef idx="minor"/>
       </dsp:style>
       <dsp:txBody>
-        <a:bodyPr spcFirstLastPara="0" vert="horz" wrap="square" lIns="184912" tIns="184912" rIns="184912" bIns="184912" numCol="1" spcCol="1270" anchor="ctr" anchorCtr="0">
+        <a:bodyPr spcFirstLastPara="0" vert="horz" wrap="square" lIns="113792" tIns="113792" rIns="113792" bIns="113792" numCol="1" spcCol="1270" anchor="ctr" anchorCtr="0">
           <a:noAutofit/>
         </a:bodyPr>
         <a:lstStyle/>
         <a:p>
-          <a:pPr lvl="0" algn="ctr" defTabSz="1155700" latinLnBrk="1">
+          <a:pPr lvl="0" algn="ctr" defTabSz="711200" latinLnBrk="1">
             <a:lnSpc>
               <a:spcPct val="90000"/>
             </a:lnSpc>
@@ -1853,23 +2880,27 @@
               <a:spcPct val="35000"/>
             </a:spcAft>
           </a:pPr>
-          <a:endParaRPr lang="ko-KR" altLang="en-US" sz="2600" kern="1200" dirty="0"/>
+          <a:r>
+            <a:rPr lang="en-US" altLang="ko-KR" sz="1600" kern="1200" smtClean="0"/>
+            <a:t>Action</a:t>
+          </a:r>
+          <a:endParaRPr lang="ko-KR" altLang="en-US" sz="1600" kern="1200" dirty="0"/>
         </a:p>
       </dsp:txBody>
       <dsp:txXfrm>
-        <a:off x="0" y="1714584"/>
-        <a:ext cx="3154680" cy="922168"/>
+        <a:off x="0" y="3155148"/>
+        <a:ext cx="3620665" cy="803345"/>
       </dsp:txXfrm>
     </dsp:sp>
-    <dsp:sp modelId="{50EF4299-89AC-4680-9D79-87A388D43518}">
+    <dsp:sp modelId="{806EC377-F7F8-4DFA-BC66-4C8B587C9CB6}">
       <dsp:nvSpPr>
         <dsp:cNvPr id="0" name=""/>
         <dsp:cNvSpPr/>
       </dsp:nvSpPr>
       <dsp:spPr>
         <a:xfrm>
-          <a:off x="0" y="638720"/>
-          <a:ext cx="10515600" cy="922168"/>
+          <a:off x="0" y="1684830"/>
+          <a:ext cx="12068884" cy="1289017"/>
         </a:xfrm>
         <a:prstGeom prst="roundRect">
           <a:avLst>
@@ -1903,12 +2934,12 @@
         <a:fontRef idx="minor"/>
       </dsp:style>
       <dsp:txBody>
-        <a:bodyPr spcFirstLastPara="0" vert="horz" wrap="square" lIns="184912" tIns="184912" rIns="184912" bIns="184912" numCol="1" spcCol="1270" anchor="ctr" anchorCtr="0">
+        <a:bodyPr spcFirstLastPara="0" vert="horz" wrap="square" lIns="113792" tIns="113792" rIns="113792" bIns="113792" numCol="1" spcCol="1270" anchor="ctr" anchorCtr="0">
           <a:noAutofit/>
         </a:bodyPr>
         <a:lstStyle/>
         <a:p>
-          <a:pPr lvl="0" algn="ctr" defTabSz="1155700" latinLnBrk="1">
+          <a:pPr lvl="0" algn="ctr" defTabSz="711200" latinLnBrk="1">
             <a:lnSpc>
               <a:spcPct val="90000"/>
             </a:lnSpc>
@@ -1920,15 +2951,85 @@
             </a:spcAft>
           </a:pPr>
           <a:r>
-            <a:rPr lang="en-US" altLang="ko-KR" sz="2600" kern="1200" dirty="0" smtClean="0"/>
-            <a:t>system</a:t>
+            <a:rPr lang="en-US" altLang="ko-KR" sz="1600" kern="1200" dirty="0" smtClean="0"/>
+            <a:t>category</a:t>
           </a:r>
-          <a:endParaRPr lang="ko-KR" altLang="en-US" sz="2600" kern="1200" dirty="0"/>
+          <a:endParaRPr lang="ko-KR" altLang="en-US" sz="1600" kern="1200" dirty="0"/>
         </a:p>
       </dsp:txBody>
       <dsp:txXfrm>
-        <a:off x="0" y="638720"/>
-        <a:ext cx="3154680" cy="922168"/>
+        <a:off x="0" y="1684830"/>
+        <a:ext cx="3620665" cy="1289017"/>
+      </dsp:txXfrm>
+    </dsp:sp>
+    <dsp:sp modelId="{50EF4299-89AC-4680-9D79-87A388D43518}">
+      <dsp:nvSpPr>
+        <dsp:cNvPr id="0" name=""/>
+        <dsp:cNvSpPr/>
+      </dsp:nvSpPr>
+      <dsp:spPr>
+        <a:xfrm>
+          <a:off x="0" y="0"/>
+          <a:ext cx="12068884" cy="1526529"/>
+        </a:xfrm>
+        <a:prstGeom prst="roundRect">
+          <a:avLst>
+            <a:gd name="adj" fmla="val 10000"/>
+          </a:avLst>
+        </a:prstGeom>
+        <a:solidFill>
+          <a:schemeClr val="accent5">
+            <a:tint val="40000"/>
+            <a:hueOff val="0"/>
+            <a:satOff val="0"/>
+            <a:lumOff val="0"/>
+            <a:alphaOff val="0"/>
+          </a:schemeClr>
+        </a:solidFill>
+        <a:ln>
+          <a:noFill/>
+        </a:ln>
+        <a:effectLst/>
+      </dsp:spPr>
+      <dsp:style>
+        <a:lnRef idx="0">
+          <a:scrgbClr r="0" g="0" b="0"/>
+        </a:lnRef>
+        <a:fillRef idx="1">
+          <a:scrgbClr r="0" g="0" b="0"/>
+        </a:fillRef>
+        <a:effectRef idx="0">
+          <a:scrgbClr r="0" g="0" b="0"/>
+        </a:effectRef>
+        <a:fontRef idx="minor"/>
+      </dsp:style>
+      <dsp:txBody>
+        <a:bodyPr spcFirstLastPara="0" vert="horz" wrap="square" lIns="113792" tIns="113792" rIns="113792" bIns="113792" numCol="1" spcCol="1270" anchor="ctr" anchorCtr="0">
+          <a:noAutofit/>
+        </a:bodyPr>
+        <a:lstStyle/>
+        <a:p>
+          <a:pPr lvl="0" algn="ctr" defTabSz="711200" latinLnBrk="1">
+            <a:lnSpc>
+              <a:spcPct val="90000"/>
+            </a:lnSpc>
+            <a:spcBef>
+              <a:spcPct val="0"/>
+            </a:spcBef>
+            <a:spcAft>
+              <a:spcPct val="35000"/>
+            </a:spcAft>
+          </a:pPr>
+          <a:r>
+            <a:rPr lang="en-US" altLang="ko-KR" sz="1600" kern="1200" dirty="0" smtClean="0"/>
+            <a:t>system</a:t>
+          </a:r>
+          <a:endParaRPr lang="ko-KR" altLang="en-US" sz="1600" kern="1200" dirty="0"/>
+        </a:p>
+      </dsp:txBody>
+      <dsp:txXfrm>
+        <a:off x="0" y="0"/>
+        <a:ext cx="3620665" cy="1526529"/>
       </dsp:txXfrm>
     </dsp:sp>
     <dsp:sp modelId="{9EEDDCF1-FDDC-4A6D-8BA2-BDD71A3F0006}">
@@ -1938,8 +3039,8 @@
       </dsp:nvSpPr>
       <dsp:spPr>
         <a:xfrm>
-          <a:off x="6528259" y="715568"/>
-          <a:ext cx="1152711" cy="768474"/>
+          <a:off x="5978776" y="308436"/>
+          <a:ext cx="2883614" cy="796023"/>
         </a:xfrm>
         <a:prstGeom prst="roundRect">
           <a:avLst>
@@ -1983,12 +3084,12 @@
         </a:fontRef>
       </dsp:style>
       <dsp:txBody>
-        <a:bodyPr spcFirstLastPara="0" vert="horz" wrap="square" lIns="57150" tIns="57150" rIns="57150" bIns="57150" numCol="1" spcCol="1270" anchor="ctr" anchorCtr="0">
+        <a:bodyPr spcFirstLastPara="0" vert="horz" wrap="square" lIns="76200" tIns="76200" rIns="76200" bIns="76200" numCol="1" spcCol="1270" anchor="ctr" anchorCtr="0">
           <a:noAutofit/>
         </a:bodyPr>
         <a:lstStyle/>
         <a:p>
-          <a:pPr lvl="0" algn="ctr" defTabSz="666750" latinLnBrk="1">
+          <a:pPr lvl="0" algn="ctr" defTabSz="889000" latinLnBrk="1">
             <a:lnSpc>
               <a:spcPct val="90000"/>
             </a:lnSpc>
@@ -2000,15 +3101,15 @@
             </a:spcAft>
           </a:pPr>
           <a:r>
-            <a:rPr lang="en-US" altLang="ko-KR" sz="1500" kern="1200" dirty="0" smtClean="0"/>
+            <a:rPr lang="en-US" altLang="ko-KR" sz="2000" kern="1200" dirty="0" smtClean="0"/>
             <a:t>Skill</a:t>
           </a:r>
-          <a:endParaRPr lang="ko-KR" altLang="en-US" sz="1500" kern="1200" dirty="0"/>
+          <a:endParaRPr lang="ko-KR" altLang="en-US" sz="2000" kern="1200" dirty="0"/>
         </a:p>
       </dsp:txBody>
       <dsp:txXfrm>
-        <a:off x="6550767" y="738076"/>
-        <a:ext cx="1107695" cy="723458"/>
+        <a:off x="6002091" y="331751"/>
+        <a:ext cx="2836984" cy="749393"/>
       </dsp:txXfrm>
     </dsp:sp>
     <dsp:sp modelId="{B755441C-6EA2-4CC3-8076-6BAD367D15C0}">
@@ -2018,8 +3119,8 @@
       </dsp:nvSpPr>
       <dsp:spPr>
         <a:xfrm>
-          <a:off x="5231459" y="1484042"/>
-          <a:ext cx="1873155" cy="307389"/>
+          <a:off x="5385113" y="1104459"/>
+          <a:ext cx="2035470" cy="871628"/>
         </a:xfrm>
         <a:custGeom>
           <a:avLst/>
@@ -2030,16 +3131,16 @@
           <a:pathLst>
             <a:path>
               <a:moveTo>
-                <a:pt x="1873155" y="0"/>
+                <a:pt x="2035470" y="0"/>
               </a:moveTo>
               <a:lnTo>
-                <a:pt x="1873155" y="153694"/>
+                <a:pt x="2035470" y="435814"/>
               </a:lnTo>
               <a:lnTo>
-                <a:pt x="0" y="153694"/>
+                <a:pt x="0" y="435814"/>
               </a:lnTo>
               <a:lnTo>
-                <a:pt x="0" y="307389"/>
+                <a:pt x="0" y="871628"/>
               </a:lnTo>
             </a:path>
           </a:pathLst>
@@ -2079,8 +3180,8 @@
       </dsp:nvSpPr>
       <dsp:spPr>
         <a:xfrm>
-          <a:off x="4655104" y="1791431"/>
-          <a:ext cx="1152711" cy="768474"/>
+          <a:off x="4309063" y="1976087"/>
+          <a:ext cx="2152099" cy="734864"/>
         </a:xfrm>
         <a:prstGeom prst="roundRect">
           <a:avLst>
@@ -2124,12 +3225,12 @@
         </a:fontRef>
       </dsp:style>
       <dsp:txBody>
-        <a:bodyPr spcFirstLastPara="0" vert="horz" wrap="square" lIns="57150" tIns="57150" rIns="57150" bIns="57150" numCol="1" spcCol="1270" anchor="ctr" anchorCtr="0">
+        <a:bodyPr spcFirstLastPara="0" vert="horz" wrap="square" lIns="60960" tIns="60960" rIns="60960" bIns="60960" numCol="1" spcCol="1270" anchor="ctr" anchorCtr="0">
           <a:noAutofit/>
         </a:bodyPr>
         <a:lstStyle/>
         <a:p>
-          <a:pPr lvl="0" algn="ctr" defTabSz="666750" latinLnBrk="1">
+          <a:pPr lvl="0" algn="ctr" defTabSz="711200" latinLnBrk="1">
             <a:lnSpc>
               <a:spcPct val="90000"/>
             </a:lnSpc>
@@ -2141,15 +3242,15 @@
             </a:spcAft>
           </a:pPr>
           <a:r>
-            <a:rPr lang="en-US" altLang="ko-KR" sz="1500" kern="1200" dirty="0" smtClean="0"/>
+            <a:rPr lang="en-US" altLang="ko-KR" sz="1600" kern="1200" dirty="0" smtClean="0"/>
             <a:t>Active</a:t>
           </a:r>
-          <a:endParaRPr lang="ko-KR" altLang="en-US" sz="1500" kern="1200" dirty="0"/>
+          <a:endParaRPr lang="ko-KR" altLang="en-US" sz="1600" kern="1200" dirty="0"/>
         </a:p>
       </dsp:txBody>
       <dsp:txXfrm>
-        <a:off x="4677612" y="1813939"/>
-        <a:ext cx="1107695" cy="723458"/>
+        <a:off x="4330586" y="1997610"/>
+        <a:ext cx="2109053" cy="691818"/>
       </dsp:txXfrm>
     </dsp:sp>
     <dsp:sp modelId="{DDCC4CD0-AF26-4EB1-9BAC-CCBB80DD003A}">
@@ -2159,8 +3260,8 @@
       </dsp:nvSpPr>
       <dsp:spPr>
         <a:xfrm>
-          <a:off x="3732935" y="2559906"/>
-          <a:ext cx="1498524" cy="307389"/>
+          <a:off x="3981729" y="2710952"/>
+          <a:ext cx="1403383" cy="630826"/>
         </a:xfrm>
         <a:custGeom>
           <a:avLst/>
@@ -2171,16 +3272,16 @@
           <a:pathLst>
             <a:path>
               <a:moveTo>
-                <a:pt x="1498524" y="0"/>
+                <a:pt x="1403383" y="0"/>
               </a:moveTo>
               <a:lnTo>
-                <a:pt x="1498524" y="153694"/>
+                <a:pt x="1403383" y="315413"/>
               </a:lnTo>
               <a:lnTo>
-                <a:pt x="0" y="153694"/>
+                <a:pt x="0" y="315413"/>
               </a:lnTo>
               <a:lnTo>
-                <a:pt x="0" y="307389"/>
+                <a:pt x="0" y="630826"/>
               </a:lnTo>
             </a:path>
           </a:pathLst>
@@ -2220,8 +3321,8 @@
       </dsp:nvSpPr>
       <dsp:spPr>
         <a:xfrm>
-          <a:off x="3156579" y="2867295"/>
-          <a:ext cx="1152711" cy="768474"/>
+          <a:off x="3621887" y="3341779"/>
+          <a:ext cx="719683" cy="479789"/>
         </a:xfrm>
         <a:prstGeom prst="roundRect">
           <a:avLst>
@@ -2265,12 +3366,12 @@
         </a:fontRef>
       </dsp:style>
       <dsp:txBody>
-        <a:bodyPr spcFirstLastPara="0" vert="horz" wrap="square" lIns="57150" tIns="57150" rIns="57150" bIns="57150" numCol="1" spcCol="1270" anchor="ctr" anchorCtr="0">
+        <a:bodyPr spcFirstLastPara="0" vert="horz" wrap="square" lIns="45720" tIns="45720" rIns="45720" bIns="45720" numCol="1" spcCol="1270" anchor="ctr" anchorCtr="0">
           <a:noAutofit/>
         </a:bodyPr>
         <a:lstStyle/>
         <a:p>
-          <a:pPr lvl="0" algn="ctr" defTabSz="666750" latinLnBrk="1">
+          <a:pPr lvl="0" algn="ctr" defTabSz="533400" latinLnBrk="1">
             <a:lnSpc>
               <a:spcPct val="90000"/>
             </a:lnSpc>
@@ -2282,26 +3383,26 @@
             </a:spcAft>
           </a:pPr>
           <a:r>
-            <a:rPr lang="ko-KR" altLang="en-US" sz="1500" kern="1200" dirty="0" smtClean="0"/>
+            <a:rPr lang="ko-KR" altLang="en-US" sz="1200" kern="1200" dirty="0" smtClean="0"/>
             <a:t>잠자기</a:t>
           </a:r>
-          <a:endParaRPr lang="ko-KR" altLang="en-US" sz="1500" kern="1200" dirty="0"/>
+          <a:endParaRPr lang="ko-KR" altLang="en-US" sz="1200" kern="1200" dirty="0"/>
         </a:p>
       </dsp:txBody>
       <dsp:txXfrm>
-        <a:off x="3179087" y="2889803"/>
-        <a:ext cx="1107695" cy="723458"/>
+        <a:off x="3635940" y="3355832"/>
+        <a:ext cx="691577" cy="451683"/>
       </dsp:txXfrm>
     </dsp:sp>
-    <dsp:sp modelId="{45AA2A36-4421-4CA7-B6E0-C69FBC1BAF25}">
+    <dsp:sp modelId="{DF59A4CD-7DA1-41FB-A12C-0AE23F26F775}">
       <dsp:nvSpPr>
         <dsp:cNvPr id="0" name=""/>
         <dsp:cNvSpPr/>
       </dsp:nvSpPr>
       <dsp:spPr>
         <a:xfrm>
-          <a:off x="5185739" y="2559906"/>
-          <a:ext cx="91440" cy="307389"/>
+          <a:off x="3936009" y="3821568"/>
+          <a:ext cx="91440" cy="392246"/>
         </a:xfrm>
         <a:custGeom>
           <a:avLst/>
@@ -2315,7 +3416,148 @@
                 <a:pt x="45720" y="0"/>
               </a:moveTo>
               <a:lnTo>
-                <a:pt x="45720" y="307389"/>
+                <a:pt x="45720" y="392246"/>
+              </a:lnTo>
+            </a:path>
+          </a:pathLst>
+        </a:custGeom>
+        <a:noFill/>
+        <a:ln w="12700" cap="flat" cmpd="sng" algn="ctr">
+          <a:solidFill>
+            <a:schemeClr val="accent2">
+              <a:hueOff val="0"/>
+              <a:satOff val="0"/>
+              <a:lumOff val="0"/>
+              <a:alphaOff val="0"/>
+            </a:schemeClr>
+          </a:solidFill>
+          <a:prstDash val="solid"/>
+          <a:miter lim="800000"/>
+        </a:ln>
+        <a:effectLst/>
+      </dsp:spPr>
+      <dsp:style>
+        <a:lnRef idx="2">
+          <a:scrgbClr r="0" g="0" b="0"/>
+        </a:lnRef>
+        <a:fillRef idx="0">
+          <a:scrgbClr r="0" g="0" b="0"/>
+        </a:fillRef>
+        <a:effectRef idx="0">
+          <a:scrgbClr r="0" g="0" b="0"/>
+        </a:effectRef>
+        <a:fontRef idx="minor"/>
+      </dsp:style>
+    </dsp:sp>
+    <dsp:sp modelId="{F04F588E-7FFB-4BED-AE65-048CDEF1E1F1}">
+      <dsp:nvSpPr>
+        <dsp:cNvPr id="0" name=""/>
+        <dsp:cNvSpPr/>
+      </dsp:nvSpPr>
+      <dsp:spPr>
+        <a:xfrm>
+          <a:off x="3621887" y="4213815"/>
+          <a:ext cx="719683" cy="479789"/>
+        </a:xfrm>
+        <a:prstGeom prst="roundRect">
+          <a:avLst>
+            <a:gd name="adj" fmla="val 10000"/>
+          </a:avLst>
+        </a:prstGeom>
+        <a:solidFill>
+          <a:schemeClr val="accent2">
+            <a:hueOff val="0"/>
+            <a:satOff val="0"/>
+            <a:lumOff val="0"/>
+            <a:alphaOff val="0"/>
+          </a:schemeClr>
+        </a:solidFill>
+        <a:ln w="12700" cap="flat" cmpd="sng" algn="ctr">
+          <a:solidFill>
+            <a:schemeClr val="lt1">
+              <a:hueOff val="0"/>
+              <a:satOff val="0"/>
+              <a:lumOff val="0"/>
+              <a:alphaOff val="0"/>
+            </a:schemeClr>
+          </a:solidFill>
+          <a:prstDash val="solid"/>
+          <a:miter lim="800000"/>
+        </a:ln>
+        <a:effectLst/>
+      </dsp:spPr>
+      <dsp:style>
+        <a:lnRef idx="2">
+          <a:scrgbClr r="0" g="0" b="0"/>
+        </a:lnRef>
+        <a:fillRef idx="1">
+          <a:scrgbClr r="0" g="0" b="0"/>
+        </a:fillRef>
+        <a:effectRef idx="0">
+          <a:scrgbClr r="0" g="0" b="0"/>
+        </a:effectRef>
+        <a:fontRef idx="minor">
+          <a:schemeClr val="lt1"/>
+        </a:fontRef>
+      </dsp:style>
+      <dsp:txBody>
+        <a:bodyPr spcFirstLastPara="0" vert="horz" wrap="square" lIns="34290" tIns="34290" rIns="34290" bIns="34290" numCol="1" spcCol="1270" anchor="ctr" anchorCtr="0">
+          <a:noAutofit/>
+        </a:bodyPr>
+        <a:lstStyle/>
+        <a:p>
+          <a:pPr lvl="0" algn="ctr" defTabSz="400050" latinLnBrk="1">
+            <a:lnSpc>
+              <a:spcPct val="90000"/>
+            </a:lnSpc>
+            <a:spcBef>
+              <a:spcPct val="0"/>
+            </a:spcBef>
+            <a:spcAft>
+              <a:spcPct val="35000"/>
+            </a:spcAft>
+          </a:pPr>
+          <a:r>
+            <a:rPr lang="ko-KR" altLang="en-US" sz="900" kern="1200" dirty="0" err="1" smtClean="0"/>
+            <a:t>잠자기스킬</a:t>
+          </a:r>
+          <a:endParaRPr lang="ko-KR" altLang="en-US" sz="900" kern="1200" dirty="0"/>
+        </a:p>
+      </dsp:txBody>
+      <dsp:txXfrm>
+        <a:off x="3635940" y="4227868"/>
+        <a:ext cx="691577" cy="451683"/>
+      </dsp:txXfrm>
+    </dsp:sp>
+    <dsp:sp modelId="{45AA2A36-4421-4CA7-B6E0-C69FBC1BAF25}">
+      <dsp:nvSpPr>
+        <dsp:cNvPr id="0" name=""/>
+        <dsp:cNvSpPr/>
+      </dsp:nvSpPr>
+      <dsp:spPr>
+        <a:xfrm>
+          <a:off x="4917318" y="2710952"/>
+          <a:ext cx="467794" cy="630826"/>
+        </a:xfrm>
+        <a:custGeom>
+          <a:avLst/>
+          <a:gdLst/>
+          <a:ahLst/>
+          <a:cxnLst/>
+          <a:rect l="0" t="0" r="0" b="0"/>
+          <a:pathLst>
+            <a:path>
+              <a:moveTo>
+                <a:pt x="467794" y="0"/>
+              </a:moveTo>
+              <a:lnTo>
+                <a:pt x="467794" y="315413"/>
+              </a:lnTo>
+              <a:lnTo>
+                <a:pt x="0" y="315413"/>
+              </a:lnTo>
+              <a:lnTo>
+                <a:pt x="0" y="630826"/>
               </a:lnTo>
             </a:path>
           </a:pathLst>
@@ -2355,8 +3597,8 @@
       </dsp:nvSpPr>
       <dsp:spPr>
         <a:xfrm>
-          <a:off x="4655104" y="2867295"/>
-          <a:ext cx="1152711" cy="768474"/>
+          <a:off x="4557476" y="3341779"/>
+          <a:ext cx="719683" cy="479789"/>
         </a:xfrm>
         <a:prstGeom prst="roundRect">
           <a:avLst>
@@ -2400,12 +3642,12 @@
         </a:fontRef>
       </dsp:style>
       <dsp:txBody>
-        <a:bodyPr spcFirstLastPara="0" vert="horz" wrap="square" lIns="57150" tIns="57150" rIns="57150" bIns="57150" numCol="1" spcCol="1270" anchor="ctr" anchorCtr="0">
+        <a:bodyPr spcFirstLastPara="0" vert="horz" wrap="square" lIns="45720" tIns="45720" rIns="45720" bIns="45720" numCol="1" spcCol="1270" anchor="ctr" anchorCtr="0">
           <a:noAutofit/>
         </a:bodyPr>
         <a:lstStyle/>
         <a:p>
-          <a:pPr lvl="0" algn="ctr" defTabSz="666750" latinLnBrk="1">
+          <a:pPr lvl="0" algn="ctr" defTabSz="533400" latinLnBrk="1">
             <a:lnSpc>
               <a:spcPct val="90000"/>
             </a:lnSpc>
@@ -2417,15 +3659,150 @@
             </a:spcAft>
           </a:pPr>
           <a:r>
-            <a:rPr lang="ko-KR" altLang="en-US" sz="1500" kern="1200" dirty="0" smtClean="0"/>
+            <a:rPr lang="ko-KR" altLang="en-US" sz="1200" kern="1200" dirty="0" smtClean="0"/>
             <a:t>휴식하기</a:t>
           </a:r>
-          <a:endParaRPr lang="ko-KR" altLang="en-US" sz="1500" kern="1200" dirty="0"/>
+          <a:endParaRPr lang="ko-KR" altLang="en-US" sz="1200" kern="1200" dirty="0"/>
         </a:p>
       </dsp:txBody>
       <dsp:txXfrm>
-        <a:off x="4677612" y="2889803"/>
-        <a:ext cx="1107695" cy="723458"/>
+        <a:off x="4571529" y="3355832"/>
+        <a:ext cx="691577" cy="451683"/>
+      </dsp:txXfrm>
+    </dsp:sp>
+    <dsp:sp modelId="{3DCBE4AD-2CA8-4108-83BE-8CDB2B16991F}">
+      <dsp:nvSpPr>
+        <dsp:cNvPr id="0" name=""/>
+        <dsp:cNvSpPr/>
+      </dsp:nvSpPr>
+      <dsp:spPr>
+        <a:xfrm>
+          <a:off x="4871598" y="3821568"/>
+          <a:ext cx="91440" cy="392246"/>
+        </a:xfrm>
+        <a:custGeom>
+          <a:avLst/>
+          <a:gdLst/>
+          <a:ahLst/>
+          <a:cxnLst/>
+          <a:rect l="0" t="0" r="0" b="0"/>
+          <a:pathLst>
+            <a:path>
+              <a:moveTo>
+                <a:pt x="45720" y="0"/>
+              </a:moveTo>
+              <a:lnTo>
+                <a:pt x="45720" y="392246"/>
+              </a:lnTo>
+            </a:path>
+          </a:pathLst>
+        </a:custGeom>
+        <a:noFill/>
+        <a:ln w="12700" cap="flat" cmpd="sng" algn="ctr">
+          <a:solidFill>
+            <a:schemeClr val="accent2">
+              <a:hueOff val="0"/>
+              <a:satOff val="0"/>
+              <a:lumOff val="0"/>
+              <a:alphaOff val="0"/>
+            </a:schemeClr>
+          </a:solidFill>
+          <a:prstDash val="solid"/>
+          <a:miter lim="800000"/>
+        </a:ln>
+        <a:effectLst/>
+      </dsp:spPr>
+      <dsp:style>
+        <a:lnRef idx="2">
+          <a:scrgbClr r="0" g="0" b="0"/>
+        </a:lnRef>
+        <a:fillRef idx="0">
+          <a:scrgbClr r="0" g="0" b="0"/>
+        </a:fillRef>
+        <a:effectRef idx="0">
+          <a:scrgbClr r="0" g="0" b="0"/>
+        </a:effectRef>
+        <a:fontRef idx="minor"/>
+      </dsp:style>
+    </dsp:sp>
+    <dsp:sp modelId="{8A78715F-0037-4726-AE32-240ACC2E7FD0}">
+      <dsp:nvSpPr>
+        <dsp:cNvPr id="0" name=""/>
+        <dsp:cNvSpPr/>
+      </dsp:nvSpPr>
+      <dsp:spPr>
+        <a:xfrm>
+          <a:off x="4557476" y="4213815"/>
+          <a:ext cx="719683" cy="479789"/>
+        </a:xfrm>
+        <a:prstGeom prst="roundRect">
+          <a:avLst>
+            <a:gd name="adj" fmla="val 10000"/>
+          </a:avLst>
+        </a:prstGeom>
+        <a:solidFill>
+          <a:schemeClr val="accent2">
+            <a:hueOff val="0"/>
+            <a:satOff val="0"/>
+            <a:lumOff val="0"/>
+            <a:alphaOff val="0"/>
+          </a:schemeClr>
+        </a:solidFill>
+        <a:ln w="12700" cap="flat" cmpd="sng" algn="ctr">
+          <a:solidFill>
+            <a:schemeClr val="lt1">
+              <a:hueOff val="0"/>
+              <a:satOff val="0"/>
+              <a:lumOff val="0"/>
+              <a:alphaOff val="0"/>
+            </a:schemeClr>
+          </a:solidFill>
+          <a:prstDash val="solid"/>
+          <a:miter lim="800000"/>
+        </a:ln>
+        <a:effectLst/>
+      </dsp:spPr>
+      <dsp:style>
+        <a:lnRef idx="2">
+          <a:scrgbClr r="0" g="0" b="0"/>
+        </a:lnRef>
+        <a:fillRef idx="1">
+          <a:scrgbClr r="0" g="0" b="0"/>
+        </a:fillRef>
+        <a:effectRef idx="0">
+          <a:scrgbClr r="0" g="0" b="0"/>
+        </a:effectRef>
+        <a:fontRef idx="minor">
+          <a:schemeClr val="lt1"/>
+        </a:fontRef>
+      </dsp:style>
+      <dsp:txBody>
+        <a:bodyPr spcFirstLastPara="0" vert="horz" wrap="square" lIns="34290" tIns="34290" rIns="34290" bIns="34290" numCol="1" spcCol="1270" anchor="ctr" anchorCtr="0">
+          <a:noAutofit/>
+        </a:bodyPr>
+        <a:lstStyle/>
+        <a:p>
+          <a:pPr lvl="0" algn="ctr" defTabSz="400050" latinLnBrk="1">
+            <a:lnSpc>
+              <a:spcPct val="90000"/>
+            </a:lnSpc>
+            <a:spcBef>
+              <a:spcPct val="0"/>
+            </a:spcBef>
+            <a:spcAft>
+              <a:spcPct val="35000"/>
+            </a:spcAft>
+          </a:pPr>
+          <a:r>
+            <a:rPr lang="ko-KR" altLang="en-US" sz="900" kern="1200" dirty="0" smtClean="0"/>
+            <a:t>휴식스킬</a:t>
+          </a:r>
+          <a:endParaRPr lang="ko-KR" altLang="en-US" sz="900" kern="1200" dirty="0"/>
+        </a:p>
+      </dsp:txBody>
+      <dsp:txXfrm>
+        <a:off x="4571529" y="4227868"/>
+        <a:ext cx="691577" cy="451683"/>
       </dsp:txXfrm>
     </dsp:sp>
     <dsp:sp modelId="{A3234CFD-9AA3-40A9-98ED-D7002BFB17C5}">
@@ -2435,8 +3812,8 @@
       </dsp:nvSpPr>
       <dsp:spPr>
         <a:xfrm>
-          <a:off x="5231459" y="2559906"/>
-          <a:ext cx="1498524" cy="307389"/>
+          <a:off x="5385113" y="2710952"/>
+          <a:ext cx="467794" cy="630826"/>
         </a:xfrm>
         <a:custGeom>
           <a:avLst/>
@@ -2450,13 +3827,13 @@
                 <a:pt x="0" y="0"/>
               </a:moveTo>
               <a:lnTo>
-                <a:pt x="0" y="153694"/>
+                <a:pt x="0" y="315413"/>
               </a:lnTo>
               <a:lnTo>
-                <a:pt x="1498524" y="153694"/>
+                <a:pt x="467794" y="315413"/>
               </a:lnTo>
               <a:lnTo>
-                <a:pt x="1498524" y="307389"/>
+                <a:pt x="467794" y="630826"/>
               </a:lnTo>
             </a:path>
           </a:pathLst>
@@ -2496,8 +3873,8 @@
       </dsp:nvSpPr>
       <dsp:spPr>
         <a:xfrm>
-          <a:off x="6153628" y="2867295"/>
-          <a:ext cx="1152711" cy="768474"/>
+          <a:off x="5493065" y="3341779"/>
+          <a:ext cx="719683" cy="479789"/>
         </a:xfrm>
         <a:prstGeom prst="roundRect">
           <a:avLst>
@@ -2541,12 +3918,12 @@
         </a:fontRef>
       </dsp:style>
       <dsp:txBody>
-        <a:bodyPr spcFirstLastPara="0" vert="horz" wrap="square" lIns="57150" tIns="57150" rIns="57150" bIns="57150" numCol="1" spcCol="1270" anchor="ctr" anchorCtr="0">
+        <a:bodyPr spcFirstLastPara="0" vert="horz" wrap="square" lIns="45720" tIns="45720" rIns="45720" bIns="45720" numCol="1" spcCol="1270" anchor="ctr" anchorCtr="0">
           <a:noAutofit/>
         </a:bodyPr>
         <a:lstStyle/>
         <a:p>
-          <a:pPr lvl="0" algn="ctr" defTabSz="666750" latinLnBrk="1">
+          <a:pPr lvl="0" algn="ctr" defTabSz="533400" latinLnBrk="1">
             <a:lnSpc>
               <a:spcPct val="90000"/>
             </a:lnSpc>
@@ -2558,26 +3935,161 @@
             </a:spcAft>
           </a:pPr>
           <a:r>
-            <a:rPr lang="ko-KR" altLang="en-US" sz="1500" kern="1200" dirty="0" smtClean="0"/>
+            <a:rPr lang="ko-KR" altLang="en-US" sz="1200" kern="1200" dirty="0" smtClean="0"/>
             <a:t>채집하기</a:t>
           </a:r>
-          <a:endParaRPr lang="ko-KR" altLang="en-US" sz="1500" kern="1200" dirty="0"/>
+          <a:endParaRPr lang="ko-KR" altLang="en-US" sz="1200" kern="1200" dirty="0"/>
         </a:p>
       </dsp:txBody>
       <dsp:txXfrm>
-        <a:off x="6176136" y="2889803"/>
-        <a:ext cx="1107695" cy="723458"/>
+        <a:off x="5507118" y="3355832"/>
+        <a:ext cx="691577" cy="451683"/>
       </dsp:txXfrm>
     </dsp:sp>
-    <dsp:sp modelId="{894D0476-9258-4490-B86C-98AA145628BC}">
+    <dsp:sp modelId="{96C53832-0737-4CAA-A82A-723CF7D1FE2A}">
       <dsp:nvSpPr>
         <dsp:cNvPr id="0" name=""/>
         <dsp:cNvSpPr/>
       </dsp:nvSpPr>
       <dsp:spPr>
         <a:xfrm>
-          <a:off x="7104615" y="1484042"/>
-          <a:ext cx="1873155" cy="307389"/>
+          <a:off x="5807187" y="3821568"/>
+          <a:ext cx="91440" cy="392246"/>
+        </a:xfrm>
+        <a:custGeom>
+          <a:avLst/>
+          <a:gdLst/>
+          <a:ahLst/>
+          <a:cxnLst/>
+          <a:rect l="0" t="0" r="0" b="0"/>
+          <a:pathLst>
+            <a:path>
+              <a:moveTo>
+                <a:pt x="45720" y="0"/>
+              </a:moveTo>
+              <a:lnTo>
+                <a:pt x="45720" y="392246"/>
+              </a:lnTo>
+            </a:path>
+          </a:pathLst>
+        </a:custGeom>
+        <a:noFill/>
+        <a:ln w="12700" cap="flat" cmpd="sng" algn="ctr">
+          <a:solidFill>
+            <a:schemeClr val="accent2">
+              <a:hueOff val="0"/>
+              <a:satOff val="0"/>
+              <a:lumOff val="0"/>
+              <a:alphaOff val="0"/>
+            </a:schemeClr>
+          </a:solidFill>
+          <a:prstDash val="solid"/>
+          <a:miter lim="800000"/>
+        </a:ln>
+        <a:effectLst/>
+      </dsp:spPr>
+      <dsp:style>
+        <a:lnRef idx="2">
+          <a:scrgbClr r="0" g="0" b="0"/>
+        </a:lnRef>
+        <a:fillRef idx="0">
+          <a:scrgbClr r="0" g="0" b="0"/>
+        </a:fillRef>
+        <a:effectRef idx="0">
+          <a:scrgbClr r="0" g="0" b="0"/>
+        </a:effectRef>
+        <a:fontRef idx="minor"/>
+      </dsp:style>
+    </dsp:sp>
+    <dsp:sp modelId="{968D30B2-7BF5-4C82-9A40-BDF7636E40BD}">
+      <dsp:nvSpPr>
+        <dsp:cNvPr id="0" name=""/>
+        <dsp:cNvSpPr/>
+      </dsp:nvSpPr>
+      <dsp:spPr>
+        <a:xfrm>
+          <a:off x="5493065" y="4213815"/>
+          <a:ext cx="719683" cy="479789"/>
+        </a:xfrm>
+        <a:prstGeom prst="roundRect">
+          <a:avLst>
+            <a:gd name="adj" fmla="val 10000"/>
+          </a:avLst>
+        </a:prstGeom>
+        <a:solidFill>
+          <a:schemeClr val="accent2">
+            <a:hueOff val="0"/>
+            <a:satOff val="0"/>
+            <a:lumOff val="0"/>
+            <a:alphaOff val="0"/>
+          </a:schemeClr>
+        </a:solidFill>
+        <a:ln w="12700" cap="flat" cmpd="sng" algn="ctr">
+          <a:solidFill>
+            <a:schemeClr val="lt1">
+              <a:hueOff val="0"/>
+              <a:satOff val="0"/>
+              <a:lumOff val="0"/>
+              <a:alphaOff val="0"/>
+            </a:schemeClr>
+          </a:solidFill>
+          <a:prstDash val="solid"/>
+          <a:miter lim="800000"/>
+        </a:ln>
+        <a:effectLst/>
+      </dsp:spPr>
+      <dsp:style>
+        <a:lnRef idx="2">
+          <a:scrgbClr r="0" g="0" b="0"/>
+        </a:lnRef>
+        <a:fillRef idx="1">
+          <a:scrgbClr r="0" g="0" b="0"/>
+        </a:fillRef>
+        <a:effectRef idx="0">
+          <a:scrgbClr r="0" g="0" b="0"/>
+        </a:effectRef>
+        <a:fontRef idx="minor">
+          <a:schemeClr val="lt1"/>
+        </a:fontRef>
+      </dsp:style>
+      <dsp:txBody>
+        <a:bodyPr spcFirstLastPara="0" vert="horz" wrap="square" lIns="34290" tIns="34290" rIns="34290" bIns="34290" numCol="1" spcCol="1270" anchor="ctr" anchorCtr="0">
+          <a:noAutofit/>
+        </a:bodyPr>
+        <a:lstStyle/>
+        <a:p>
+          <a:pPr lvl="0" algn="ctr" defTabSz="400050" latinLnBrk="1">
+            <a:lnSpc>
+              <a:spcPct val="90000"/>
+            </a:lnSpc>
+            <a:spcBef>
+              <a:spcPct val="0"/>
+            </a:spcBef>
+            <a:spcAft>
+              <a:spcPct val="35000"/>
+            </a:spcAft>
+          </a:pPr>
+          <a:r>
+            <a:rPr lang="ko-KR" altLang="en-US" sz="900" kern="1200" dirty="0" smtClean="0"/>
+            <a:t>채집스킬</a:t>
+          </a:r>
+          <a:endParaRPr lang="ko-KR" altLang="en-US" sz="900" kern="1200" dirty="0"/>
+        </a:p>
+      </dsp:txBody>
+      <dsp:txXfrm>
+        <a:off x="5507118" y="4227868"/>
+        <a:ext cx="691577" cy="451683"/>
+      </dsp:txXfrm>
+    </dsp:sp>
+    <dsp:sp modelId="{E9AE688D-9478-4C13-9C34-385BAD2B0D87}">
+      <dsp:nvSpPr>
+        <dsp:cNvPr id="0" name=""/>
+        <dsp:cNvSpPr/>
+      </dsp:nvSpPr>
+      <dsp:spPr>
+        <a:xfrm>
+          <a:off x="5385113" y="2710952"/>
+          <a:ext cx="1403383" cy="630826"/>
         </a:xfrm>
         <a:custGeom>
           <a:avLst/>
@@ -2591,13 +4103,289 @@
                 <a:pt x="0" y="0"/>
               </a:moveTo>
               <a:lnTo>
-                <a:pt x="0" y="153694"/>
+                <a:pt x="0" y="315413"/>
               </a:lnTo>
               <a:lnTo>
-                <a:pt x="1873155" y="153694"/>
+                <a:pt x="1403383" y="315413"/>
               </a:lnTo>
               <a:lnTo>
-                <a:pt x="1873155" y="307389"/>
+                <a:pt x="1403383" y="630826"/>
+              </a:lnTo>
+            </a:path>
+          </a:pathLst>
+        </a:custGeom>
+        <a:noFill/>
+        <a:ln w="12700" cap="flat" cmpd="sng" algn="ctr">
+          <a:solidFill>
+            <a:schemeClr val="accent1">
+              <a:hueOff val="0"/>
+              <a:satOff val="0"/>
+              <a:lumOff val="0"/>
+              <a:alphaOff val="0"/>
+            </a:schemeClr>
+          </a:solidFill>
+          <a:prstDash val="solid"/>
+          <a:miter lim="800000"/>
+        </a:ln>
+        <a:effectLst/>
+      </dsp:spPr>
+      <dsp:style>
+        <a:lnRef idx="2">
+          <a:scrgbClr r="0" g="0" b="0"/>
+        </a:lnRef>
+        <a:fillRef idx="0">
+          <a:scrgbClr r="0" g="0" b="0"/>
+        </a:fillRef>
+        <a:effectRef idx="0">
+          <a:scrgbClr r="0" g="0" b="0"/>
+        </a:effectRef>
+        <a:fontRef idx="minor"/>
+      </dsp:style>
+    </dsp:sp>
+    <dsp:sp modelId="{44599DAC-9D3A-47F2-AF6E-F8578CE80DBC}">
+      <dsp:nvSpPr>
+        <dsp:cNvPr id="0" name=""/>
+        <dsp:cNvSpPr/>
+      </dsp:nvSpPr>
+      <dsp:spPr>
+        <a:xfrm>
+          <a:off x="6428654" y="3341779"/>
+          <a:ext cx="719683" cy="479789"/>
+        </a:xfrm>
+        <a:prstGeom prst="roundRect">
+          <a:avLst>
+            <a:gd name="adj" fmla="val 10000"/>
+          </a:avLst>
+        </a:prstGeom>
+        <a:solidFill>
+          <a:schemeClr val="accent1">
+            <a:hueOff val="0"/>
+            <a:satOff val="0"/>
+            <a:lumOff val="0"/>
+            <a:alphaOff val="0"/>
+          </a:schemeClr>
+        </a:solidFill>
+        <a:ln w="12700" cap="flat" cmpd="sng" algn="ctr">
+          <a:solidFill>
+            <a:schemeClr val="lt1">
+              <a:hueOff val="0"/>
+              <a:satOff val="0"/>
+              <a:lumOff val="0"/>
+              <a:alphaOff val="0"/>
+            </a:schemeClr>
+          </a:solidFill>
+          <a:prstDash val="solid"/>
+          <a:miter lim="800000"/>
+        </a:ln>
+        <a:effectLst/>
+      </dsp:spPr>
+      <dsp:style>
+        <a:lnRef idx="2">
+          <a:scrgbClr r="0" g="0" b="0"/>
+        </a:lnRef>
+        <a:fillRef idx="1">
+          <a:scrgbClr r="0" g="0" b="0"/>
+        </a:fillRef>
+        <a:effectRef idx="0">
+          <a:scrgbClr r="0" g="0" b="0"/>
+        </a:effectRef>
+        <a:fontRef idx="minor">
+          <a:schemeClr val="lt1"/>
+        </a:fontRef>
+      </dsp:style>
+      <dsp:txBody>
+        <a:bodyPr spcFirstLastPara="0" vert="horz" wrap="square" lIns="45720" tIns="45720" rIns="45720" bIns="45720" numCol="1" spcCol="1270" anchor="ctr" anchorCtr="0">
+          <a:noAutofit/>
+        </a:bodyPr>
+        <a:lstStyle/>
+        <a:p>
+          <a:pPr lvl="0" algn="ctr" defTabSz="533400" latinLnBrk="1">
+            <a:lnSpc>
+              <a:spcPct val="90000"/>
+            </a:lnSpc>
+            <a:spcBef>
+              <a:spcPct val="0"/>
+            </a:spcBef>
+            <a:spcAft>
+              <a:spcPct val="35000"/>
+            </a:spcAft>
+          </a:pPr>
+          <a:r>
+            <a:rPr lang="ko-KR" altLang="en-US" sz="1200" kern="1200" dirty="0" smtClean="0"/>
+            <a:t>제작하기</a:t>
+          </a:r>
+          <a:endParaRPr lang="ko-KR" altLang="en-US" sz="1200" kern="1200" dirty="0"/>
+        </a:p>
+      </dsp:txBody>
+      <dsp:txXfrm>
+        <a:off x="6442707" y="3355832"/>
+        <a:ext cx="691577" cy="451683"/>
+      </dsp:txXfrm>
+    </dsp:sp>
+    <dsp:sp modelId="{034DCAF4-BA2B-424E-82A9-42F9302A1E3E}">
+      <dsp:nvSpPr>
+        <dsp:cNvPr id="0" name=""/>
+        <dsp:cNvSpPr/>
+      </dsp:nvSpPr>
+      <dsp:spPr>
+        <a:xfrm>
+          <a:off x="6742776" y="3821568"/>
+          <a:ext cx="91440" cy="392246"/>
+        </a:xfrm>
+        <a:custGeom>
+          <a:avLst/>
+          <a:gdLst/>
+          <a:ahLst/>
+          <a:cxnLst/>
+          <a:rect l="0" t="0" r="0" b="0"/>
+          <a:pathLst>
+            <a:path>
+              <a:moveTo>
+                <a:pt x="45720" y="0"/>
+              </a:moveTo>
+              <a:lnTo>
+                <a:pt x="45720" y="392246"/>
+              </a:lnTo>
+            </a:path>
+          </a:pathLst>
+        </a:custGeom>
+        <a:noFill/>
+        <a:ln w="12700" cap="flat" cmpd="sng" algn="ctr">
+          <a:solidFill>
+            <a:schemeClr val="accent2">
+              <a:hueOff val="0"/>
+              <a:satOff val="0"/>
+              <a:lumOff val="0"/>
+              <a:alphaOff val="0"/>
+            </a:schemeClr>
+          </a:solidFill>
+          <a:prstDash val="solid"/>
+          <a:miter lim="800000"/>
+        </a:ln>
+        <a:effectLst/>
+      </dsp:spPr>
+      <dsp:style>
+        <a:lnRef idx="2">
+          <a:scrgbClr r="0" g="0" b="0"/>
+        </a:lnRef>
+        <a:fillRef idx="0">
+          <a:scrgbClr r="0" g="0" b="0"/>
+        </a:fillRef>
+        <a:effectRef idx="0">
+          <a:scrgbClr r="0" g="0" b="0"/>
+        </a:effectRef>
+        <a:fontRef idx="minor"/>
+      </dsp:style>
+    </dsp:sp>
+    <dsp:sp modelId="{15B0B5B3-A74D-4402-85F6-78AA629C3731}">
+      <dsp:nvSpPr>
+        <dsp:cNvPr id="0" name=""/>
+        <dsp:cNvSpPr/>
+      </dsp:nvSpPr>
+      <dsp:spPr>
+        <a:xfrm>
+          <a:off x="6428654" y="4213815"/>
+          <a:ext cx="719683" cy="479789"/>
+        </a:xfrm>
+        <a:prstGeom prst="roundRect">
+          <a:avLst>
+            <a:gd name="adj" fmla="val 10000"/>
+          </a:avLst>
+        </a:prstGeom>
+        <a:solidFill>
+          <a:schemeClr val="accent2">
+            <a:hueOff val="0"/>
+            <a:satOff val="0"/>
+            <a:lumOff val="0"/>
+            <a:alphaOff val="0"/>
+          </a:schemeClr>
+        </a:solidFill>
+        <a:ln w="12700" cap="flat" cmpd="sng" algn="ctr">
+          <a:solidFill>
+            <a:schemeClr val="lt1">
+              <a:hueOff val="0"/>
+              <a:satOff val="0"/>
+              <a:lumOff val="0"/>
+              <a:alphaOff val="0"/>
+            </a:schemeClr>
+          </a:solidFill>
+          <a:prstDash val="solid"/>
+          <a:miter lim="800000"/>
+        </a:ln>
+        <a:effectLst/>
+      </dsp:spPr>
+      <dsp:style>
+        <a:lnRef idx="2">
+          <a:scrgbClr r="0" g="0" b="0"/>
+        </a:lnRef>
+        <a:fillRef idx="1">
+          <a:scrgbClr r="0" g="0" b="0"/>
+        </a:fillRef>
+        <a:effectRef idx="0">
+          <a:scrgbClr r="0" g="0" b="0"/>
+        </a:effectRef>
+        <a:fontRef idx="minor">
+          <a:schemeClr val="lt1"/>
+        </a:fontRef>
+      </dsp:style>
+      <dsp:txBody>
+        <a:bodyPr spcFirstLastPara="0" vert="horz" wrap="square" lIns="34290" tIns="34290" rIns="34290" bIns="34290" numCol="1" spcCol="1270" anchor="ctr" anchorCtr="0">
+          <a:noAutofit/>
+        </a:bodyPr>
+        <a:lstStyle/>
+        <a:p>
+          <a:pPr lvl="0" algn="ctr" defTabSz="400050" latinLnBrk="1">
+            <a:lnSpc>
+              <a:spcPct val="90000"/>
+            </a:lnSpc>
+            <a:spcBef>
+              <a:spcPct val="0"/>
+            </a:spcBef>
+            <a:spcAft>
+              <a:spcPct val="35000"/>
+            </a:spcAft>
+          </a:pPr>
+          <a:r>
+            <a:rPr lang="ko-KR" altLang="en-US" sz="900" kern="1200" dirty="0" smtClean="0"/>
+            <a:t>제작스킬</a:t>
+          </a:r>
+          <a:endParaRPr lang="ko-KR" altLang="en-US" sz="900" kern="1200" dirty="0"/>
+        </a:p>
+      </dsp:txBody>
+      <dsp:txXfrm>
+        <a:off x="6442707" y="4227868"/>
+        <a:ext cx="691577" cy="451683"/>
+      </dsp:txXfrm>
+    </dsp:sp>
+    <dsp:sp modelId="{894D0476-9258-4490-B86C-98AA145628BC}">
+      <dsp:nvSpPr>
+        <dsp:cNvPr id="0" name=""/>
+        <dsp:cNvSpPr/>
+      </dsp:nvSpPr>
+      <dsp:spPr>
+        <a:xfrm>
+          <a:off x="7420584" y="1104459"/>
+          <a:ext cx="2174679" cy="871628"/>
+        </a:xfrm>
+        <a:custGeom>
+          <a:avLst/>
+          <a:gdLst/>
+          <a:ahLst/>
+          <a:cxnLst/>
+          <a:rect l="0" t="0" r="0" b="0"/>
+          <a:pathLst>
+            <a:path>
+              <a:moveTo>
+                <a:pt x="0" y="0"/>
+              </a:moveTo>
+              <a:lnTo>
+                <a:pt x="0" y="435814"/>
+              </a:lnTo>
+              <a:lnTo>
+                <a:pt x="2174679" y="435814"/>
+              </a:lnTo>
+              <a:lnTo>
+                <a:pt x="2174679" y="871628"/>
               </a:lnTo>
             </a:path>
           </a:pathLst>
@@ -2637,8 +4425,8 @@
       </dsp:nvSpPr>
       <dsp:spPr>
         <a:xfrm>
-          <a:off x="8401415" y="1791431"/>
-          <a:ext cx="1152711" cy="768474"/>
+          <a:off x="8535313" y="1976087"/>
+          <a:ext cx="2119900" cy="734864"/>
         </a:xfrm>
         <a:prstGeom prst="roundRect">
           <a:avLst>
@@ -2682,12 +4470,12 @@
         </a:fontRef>
       </dsp:style>
       <dsp:txBody>
-        <a:bodyPr spcFirstLastPara="0" vert="horz" wrap="square" lIns="57150" tIns="57150" rIns="57150" bIns="57150" numCol="1" spcCol="1270" anchor="ctr" anchorCtr="0">
+        <a:bodyPr spcFirstLastPara="0" vert="horz" wrap="square" lIns="60960" tIns="60960" rIns="60960" bIns="60960" numCol="1" spcCol="1270" anchor="ctr" anchorCtr="0">
           <a:noAutofit/>
         </a:bodyPr>
         <a:lstStyle/>
         <a:p>
-          <a:pPr lvl="0" algn="ctr" defTabSz="666750" latinLnBrk="1">
+          <a:pPr lvl="0" algn="ctr" defTabSz="711200" latinLnBrk="1">
             <a:lnSpc>
               <a:spcPct val="90000"/>
             </a:lnSpc>
@@ -2699,15 +4487,15 @@
             </a:spcAft>
           </a:pPr>
           <a:r>
-            <a:rPr lang="en-US" altLang="ko-KR" sz="1500" kern="1200" dirty="0" smtClean="0"/>
+            <a:rPr lang="en-US" altLang="ko-KR" sz="1600" kern="1200" dirty="0" smtClean="0"/>
             <a:t>Passive</a:t>
           </a:r>
-          <a:endParaRPr lang="ko-KR" altLang="en-US" sz="1500" kern="1200" dirty="0"/>
+          <a:endParaRPr lang="ko-KR" altLang="en-US" sz="1600" kern="1200" dirty="0"/>
         </a:p>
       </dsp:txBody>
       <dsp:txXfrm>
-        <a:off x="8423923" y="1813939"/>
-        <a:ext cx="1107695" cy="723458"/>
+        <a:off x="8556836" y="1997610"/>
+        <a:ext cx="2076854" cy="691818"/>
       </dsp:txXfrm>
     </dsp:sp>
     <dsp:sp modelId="{8092361A-4BBB-4B5C-AFFB-CFD3099D1CBC}">
@@ -2717,8 +4505,8 @@
       </dsp:nvSpPr>
       <dsp:spPr>
         <a:xfrm>
-          <a:off x="8228508" y="2559906"/>
-          <a:ext cx="749262" cy="307389"/>
+          <a:off x="7724085" y="2710952"/>
+          <a:ext cx="1871177" cy="630826"/>
         </a:xfrm>
         <a:custGeom>
           <a:avLst/>
@@ -2729,16 +4517,16 @@
           <a:pathLst>
             <a:path>
               <a:moveTo>
-                <a:pt x="749262" y="0"/>
+                <a:pt x="1871177" y="0"/>
               </a:moveTo>
               <a:lnTo>
-                <a:pt x="749262" y="153694"/>
+                <a:pt x="1871177" y="315413"/>
               </a:lnTo>
               <a:lnTo>
-                <a:pt x="0" y="153694"/>
+                <a:pt x="0" y="315413"/>
               </a:lnTo>
               <a:lnTo>
-                <a:pt x="0" y="307389"/>
+                <a:pt x="0" y="630826"/>
               </a:lnTo>
             </a:path>
           </a:pathLst>
@@ -2778,8 +4566,8 @@
       </dsp:nvSpPr>
       <dsp:spPr>
         <a:xfrm>
-          <a:off x="7652152" y="2867295"/>
-          <a:ext cx="1152711" cy="768474"/>
+          <a:off x="7364243" y="3341779"/>
+          <a:ext cx="719683" cy="479789"/>
         </a:xfrm>
         <a:prstGeom prst="roundRect">
           <a:avLst>
@@ -2823,12 +4611,12 @@
         </a:fontRef>
       </dsp:style>
       <dsp:txBody>
-        <a:bodyPr spcFirstLastPara="0" vert="horz" wrap="square" lIns="57150" tIns="57150" rIns="57150" bIns="57150" numCol="1" spcCol="1270" anchor="ctr" anchorCtr="0">
+        <a:bodyPr spcFirstLastPara="0" vert="horz" wrap="square" lIns="45720" tIns="45720" rIns="45720" bIns="45720" numCol="1" spcCol="1270" anchor="ctr" anchorCtr="0">
           <a:noAutofit/>
         </a:bodyPr>
         <a:lstStyle/>
         <a:p>
-          <a:pPr lvl="0" algn="ctr" defTabSz="666750" latinLnBrk="1">
+          <a:pPr lvl="0" algn="ctr" defTabSz="533400" latinLnBrk="1">
             <a:lnSpc>
               <a:spcPct val="90000"/>
             </a:lnSpc>
@@ -2840,26 +4628,26 @@
             </a:spcAft>
           </a:pPr>
           <a:r>
-            <a:rPr lang="ko-KR" altLang="en-US" sz="1500" kern="1200" dirty="0" err="1" smtClean="0"/>
+            <a:rPr lang="ko-KR" altLang="en-US" sz="1200" kern="1200" dirty="0" err="1" smtClean="0"/>
             <a:t>방어구착용</a:t>
           </a:r>
-          <a:endParaRPr lang="ko-KR" altLang="en-US" sz="1500" kern="1200" dirty="0"/>
+          <a:endParaRPr lang="ko-KR" altLang="en-US" sz="1200" kern="1200" dirty="0"/>
         </a:p>
       </dsp:txBody>
       <dsp:txXfrm>
-        <a:off x="7674660" y="2889803"/>
-        <a:ext cx="1107695" cy="723458"/>
+        <a:off x="7378296" y="3355832"/>
+        <a:ext cx="691577" cy="451683"/>
       </dsp:txXfrm>
     </dsp:sp>
-    <dsp:sp modelId="{B605DF23-4419-4E51-8C93-8E49C6B66999}">
+    <dsp:sp modelId="{138DD65C-C765-49E8-B76D-02DAB46AA108}">
       <dsp:nvSpPr>
         <dsp:cNvPr id="0" name=""/>
         <dsp:cNvSpPr/>
       </dsp:nvSpPr>
       <dsp:spPr>
         <a:xfrm>
-          <a:off x="8977770" y="2559906"/>
-          <a:ext cx="749262" cy="307389"/>
+          <a:off x="7678365" y="3821568"/>
+          <a:ext cx="91440" cy="392246"/>
         </a:xfrm>
         <a:custGeom>
           <a:avLst/>
@@ -2870,16 +4658,151 @@
           <a:pathLst>
             <a:path>
               <a:moveTo>
-                <a:pt x="0" y="0"/>
+                <a:pt x="45720" y="0"/>
               </a:moveTo>
               <a:lnTo>
-                <a:pt x="0" y="153694"/>
+                <a:pt x="45720" y="392246"/>
+              </a:lnTo>
+            </a:path>
+          </a:pathLst>
+        </a:custGeom>
+        <a:noFill/>
+        <a:ln w="12700" cap="flat" cmpd="sng" algn="ctr">
+          <a:solidFill>
+            <a:schemeClr val="accent2">
+              <a:hueOff val="0"/>
+              <a:satOff val="0"/>
+              <a:lumOff val="0"/>
+              <a:alphaOff val="0"/>
+            </a:schemeClr>
+          </a:solidFill>
+          <a:prstDash val="solid"/>
+          <a:miter lim="800000"/>
+        </a:ln>
+        <a:effectLst/>
+      </dsp:spPr>
+      <dsp:style>
+        <a:lnRef idx="2">
+          <a:scrgbClr r="0" g="0" b="0"/>
+        </a:lnRef>
+        <a:fillRef idx="0">
+          <a:scrgbClr r="0" g="0" b="0"/>
+        </a:fillRef>
+        <a:effectRef idx="0">
+          <a:scrgbClr r="0" g="0" b="0"/>
+        </a:effectRef>
+        <a:fontRef idx="minor"/>
+      </dsp:style>
+    </dsp:sp>
+    <dsp:sp modelId="{849AAF3B-110A-4479-B55B-97AD3A624A8F}">
+      <dsp:nvSpPr>
+        <dsp:cNvPr id="0" name=""/>
+        <dsp:cNvSpPr/>
+      </dsp:nvSpPr>
+      <dsp:spPr>
+        <a:xfrm>
+          <a:off x="7364243" y="4213815"/>
+          <a:ext cx="719683" cy="479789"/>
+        </a:xfrm>
+        <a:prstGeom prst="roundRect">
+          <a:avLst>
+            <a:gd name="adj" fmla="val 10000"/>
+          </a:avLst>
+        </a:prstGeom>
+        <a:solidFill>
+          <a:schemeClr val="accent2">
+            <a:hueOff val="0"/>
+            <a:satOff val="0"/>
+            <a:lumOff val="0"/>
+            <a:alphaOff val="0"/>
+          </a:schemeClr>
+        </a:solidFill>
+        <a:ln w="12700" cap="flat" cmpd="sng" algn="ctr">
+          <a:solidFill>
+            <a:schemeClr val="lt1">
+              <a:hueOff val="0"/>
+              <a:satOff val="0"/>
+              <a:lumOff val="0"/>
+              <a:alphaOff val="0"/>
+            </a:schemeClr>
+          </a:solidFill>
+          <a:prstDash val="solid"/>
+          <a:miter lim="800000"/>
+        </a:ln>
+        <a:effectLst/>
+      </dsp:spPr>
+      <dsp:style>
+        <a:lnRef idx="2">
+          <a:scrgbClr r="0" g="0" b="0"/>
+        </a:lnRef>
+        <a:fillRef idx="1">
+          <a:scrgbClr r="0" g="0" b="0"/>
+        </a:fillRef>
+        <a:effectRef idx="0">
+          <a:scrgbClr r="0" g="0" b="0"/>
+        </a:effectRef>
+        <a:fontRef idx="minor">
+          <a:schemeClr val="lt1"/>
+        </a:fontRef>
+      </dsp:style>
+      <dsp:txBody>
+        <a:bodyPr spcFirstLastPara="0" vert="horz" wrap="square" lIns="34290" tIns="34290" rIns="34290" bIns="34290" numCol="1" spcCol="1270" anchor="ctr" anchorCtr="0">
+          <a:noAutofit/>
+        </a:bodyPr>
+        <a:lstStyle/>
+        <a:p>
+          <a:pPr lvl="0" algn="ctr" defTabSz="400050" latinLnBrk="1">
+            <a:lnSpc>
+              <a:spcPct val="90000"/>
+            </a:lnSpc>
+            <a:spcBef>
+              <a:spcPct val="0"/>
+            </a:spcBef>
+            <a:spcAft>
+              <a:spcPct val="35000"/>
+            </a:spcAft>
+          </a:pPr>
+          <a:r>
+            <a:rPr lang="ko-KR" altLang="en-US" sz="900" kern="1200" dirty="0" smtClean="0"/>
+            <a:t>방어스킬</a:t>
+          </a:r>
+          <a:endParaRPr lang="ko-KR" altLang="en-US" sz="900" kern="1200" dirty="0"/>
+        </a:p>
+      </dsp:txBody>
+      <dsp:txXfrm>
+        <a:off x="7378296" y="4227868"/>
+        <a:ext cx="691577" cy="451683"/>
+      </dsp:txXfrm>
+    </dsp:sp>
+    <dsp:sp modelId="{B605DF23-4419-4E51-8C93-8E49C6B66999}">
+      <dsp:nvSpPr>
+        <dsp:cNvPr id="0" name=""/>
+        <dsp:cNvSpPr/>
+      </dsp:nvSpPr>
+      <dsp:spPr>
+        <a:xfrm>
+          <a:off x="8659674" y="2710952"/>
+          <a:ext cx="935588" cy="630826"/>
+        </a:xfrm>
+        <a:custGeom>
+          <a:avLst/>
+          <a:gdLst/>
+          <a:ahLst/>
+          <a:cxnLst/>
+          <a:rect l="0" t="0" r="0" b="0"/>
+          <a:pathLst>
+            <a:path>
+              <a:moveTo>
+                <a:pt x="935588" y="0"/>
+              </a:moveTo>
+              <a:lnTo>
+                <a:pt x="935588" y="315413"/>
               </a:lnTo>
               <a:lnTo>
-                <a:pt x="749262" y="153694"/>
+                <a:pt x="0" y="315413"/>
               </a:lnTo>
               <a:lnTo>
-                <a:pt x="749262" y="307389"/>
+                <a:pt x="0" y="630826"/>
               </a:lnTo>
             </a:path>
           </a:pathLst>
@@ -2919,8 +4842,8 @@
       </dsp:nvSpPr>
       <dsp:spPr>
         <a:xfrm>
-          <a:off x="9150677" y="2867295"/>
-          <a:ext cx="1152711" cy="768474"/>
+          <a:off x="8299832" y="3341779"/>
+          <a:ext cx="719683" cy="479789"/>
         </a:xfrm>
         <a:prstGeom prst="roundRect">
           <a:avLst>
@@ -2964,12 +4887,12 @@
         </a:fontRef>
       </dsp:style>
       <dsp:txBody>
-        <a:bodyPr spcFirstLastPara="0" vert="horz" wrap="square" lIns="57150" tIns="57150" rIns="57150" bIns="57150" numCol="1" spcCol="1270" anchor="ctr" anchorCtr="0">
+        <a:bodyPr spcFirstLastPara="0" vert="horz" wrap="square" lIns="45720" tIns="45720" rIns="45720" bIns="45720" numCol="1" spcCol="1270" anchor="ctr" anchorCtr="0">
           <a:noAutofit/>
         </a:bodyPr>
         <a:lstStyle/>
         <a:p>
-          <a:pPr lvl="0" algn="ctr" defTabSz="666750" latinLnBrk="1">
+          <a:pPr lvl="0" algn="ctr" defTabSz="533400" latinLnBrk="1">
             <a:lnSpc>
               <a:spcPct val="90000"/>
             </a:lnSpc>
@@ -2981,15 +4904,853 @@
             </a:spcAft>
           </a:pPr>
           <a:r>
-            <a:rPr lang="ko-KR" altLang="en-US" sz="1500" kern="1200" dirty="0" smtClean="0"/>
+            <a:rPr lang="ko-KR" altLang="en-US" sz="1200" kern="1200" dirty="0" smtClean="0"/>
             <a:t>무기착용</a:t>
           </a:r>
-          <a:endParaRPr lang="ko-KR" altLang="en-US" sz="1500" kern="1200" dirty="0"/>
+          <a:endParaRPr lang="ko-KR" altLang="en-US" sz="1200" kern="1200" dirty="0"/>
         </a:p>
       </dsp:txBody>
       <dsp:txXfrm>
-        <a:off x="9173185" y="2889803"/>
-        <a:ext cx="1107695" cy="723458"/>
+        <a:off x="8313885" y="3355832"/>
+        <a:ext cx="691577" cy="451683"/>
+      </dsp:txXfrm>
+    </dsp:sp>
+    <dsp:sp modelId="{FCDCBDCD-3872-46C3-A820-1134B5CBA2BE}">
+      <dsp:nvSpPr>
+        <dsp:cNvPr id="0" name=""/>
+        <dsp:cNvSpPr/>
+      </dsp:nvSpPr>
+      <dsp:spPr>
+        <a:xfrm>
+          <a:off x="8613954" y="3821568"/>
+          <a:ext cx="91440" cy="392246"/>
+        </a:xfrm>
+        <a:custGeom>
+          <a:avLst/>
+          <a:gdLst/>
+          <a:ahLst/>
+          <a:cxnLst/>
+          <a:rect l="0" t="0" r="0" b="0"/>
+          <a:pathLst>
+            <a:path>
+              <a:moveTo>
+                <a:pt x="45720" y="0"/>
+              </a:moveTo>
+              <a:lnTo>
+                <a:pt x="45720" y="392246"/>
+              </a:lnTo>
+            </a:path>
+          </a:pathLst>
+        </a:custGeom>
+        <a:noFill/>
+        <a:ln w="12700" cap="flat" cmpd="sng" algn="ctr">
+          <a:solidFill>
+            <a:schemeClr val="accent2">
+              <a:hueOff val="0"/>
+              <a:satOff val="0"/>
+              <a:lumOff val="0"/>
+              <a:alphaOff val="0"/>
+            </a:schemeClr>
+          </a:solidFill>
+          <a:prstDash val="solid"/>
+          <a:miter lim="800000"/>
+        </a:ln>
+        <a:effectLst/>
+      </dsp:spPr>
+      <dsp:style>
+        <a:lnRef idx="2">
+          <a:scrgbClr r="0" g="0" b="0"/>
+        </a:lnRef>
+        <a:fillRef idx="0">
+          <a:scrgbClr r="0" g="0" b="0"/>
+        </a:fillRef>
+        <a:effectRef idx="0">
+          <a:scrgbClr r="0" g="0" b="0"/>
+        </a:effectRef>
+        <a:fontRef idx="minor"/>
+      </dsp:style>
+    </dsp:sp>
+    <dsp:sp modelId="{9E20D3DB-5BE0-4006-9091-BD63DCC1D6C4}">
+      <dsp:nvSpPr>
+        <dsp:cNvPr id="0" name=""/>
+        <dsp:cNvSpPr/>
+      </dsp:nvSpPr>
+      <dsp:spPr>
+        <a:xfrm>
+          <a:off x="8299832" y="4213815"/>
+          <a:ext cx="719683" cy="479789"/>
+        </a:xfrm>
+        <a:prstGeom prst="roundRect">
+          <a:avLst>
+            <a:gd name="adj" fmla="val 10000"/>
+          </a:avLst>
+        </a:prstGeom>
+        <a:solidFill>
+          <a:schemeClr val="accent2">
+            <a:hueOff val="0"/>
+            <a:satOff val="0"/>
+            <a:lumOff val="0"/>
+            <a:alphaOff val="0"/>
+          </a:schemeClr>
+        </a:solidFill>
+        <a:ln w="12700" cap="flat" cmpd="sng" algn="ctr">
+          <a:solidFill>
+            <a:schemeClr val="lt1">
+              <a:hueOff val="0"/>
+              <a:satOff val="0"/>
+              <a:lumOff val="0"/>
+              <a:alphaOff val="0"/>
+            </a:schemeClr>
+          </a:solidFill>
+          <a:prstDash val="solid"/>
+          <a:miter lim="800000"/>
+        </a:ln>
+        <a:effectLst/>
+      </dsp:spPr>
+      <dsp:style>
+        <a:lnRef idx="2">
+          <a:scrgbClr r="0" g="0" b="0"/>
+        </a:lnRef>
+        <a:fillRef idx="1">
+          <a:scrgbClr r="0" g="0" b="0"/>
+        </a:fillRef>
+        <a:effectRef idx="0">
+          <a:scrgbClr r="0" g="0" b="0"/>
+        </a:effectRef>
+        <a:fontRef idx="minor">
+          <a:schemeClr val="lt1"/>
+        </a:fontRef>
+      </dsp:style>
+      <dsp:txBody>
+        <a:bodyPr spcFirstLastPara="0" vert="horz" wrap="square" lIns="34290" tIns="34290" rIns="34290" bIns="34290" numCol="1" spcCol="1270" anchor="ctr" anchorCtr="0">
+          <a:noAutofit/>
+        </a:bodyPr>
+        <a:lstStyle/>
+        <a:p>
+          <a:pPr lvl="0" algn="ctr" defTabSz="400050" latinLnBrk="1">
+            <a:lnSpc>
+              <a:spcPct val="90000"/>
+            </a:lnSpc>
+            <a:spcBef>
+              <a:spcPct val="0"/>
+            </a:spcBef>
+            <a:spcAft>
+              <a:spcPct val="35000"/>
+            </a:spcAft>
+          </a:pPr>
+          <a:r>
+            <a:rPr lang="ko-KR" altLang="en-US" sz="900" kern="1200" dirty="0" err="1" smtClean="0"/>
+            <a:t>칼휘두르기</a:t>
+          </a:r>
+          <a:endParaRPr lang="ko-KR" altLang="en-US" sz="900" kern="1200" dirty="0"/>
+        </a:p>
+      </dsp:txBody>
+      <dsp:txXfrm>
+        <a:off x="8313885" y="4227868"/>
+        <a:ext cx="691577" cy="451683"/>
+      </dsp:txXfrm>
+    </dsp:sp>
+    <dsp:sp modelId="{7147C50A-FAD5-46BB-BEB3-6F4C98B3009F}">
+      <dsp:nvSpPr>
+        <dsp:cNvPr id="0" name=""/>
+        <dsp:cNvSpPr/>
+      </dsp:nvSpPr>
+      <dsp:spPr>
+        <a:xfrm>
+          <a:off x="9595263" y="2710952"/>
+          <a:ext cx="467794" cy="630826"/>
+        </a:xfrm>
+        <a:custGeom>
+          <a:avLst/>
+          <a:gdLst/>
+          <a:ahLst/>
+          <a:cxnLst/>
+          <a:rect l="0" t="0" r="0" b="0"/>
+          <a:pathLst>
+            <a:path>
+              <a:moveTo>
+                <a:pt x="0" y="0"/>
+              </a:moveTo>
+              <a:lnTo>
+                <a:pt x="0" y="315413"/>
+              </a:lnTo>
+              <a:lnTo>
+                <a:pt x="467794" y="315413"/>
+              </a:lnTo>
+              <a:lnTo>
+                <a:pt x="467794" y="630826"/>
+              </a:lnTo>
+            </a:path>
+          </a:pathLst>
+        </a:custGeom>
+        <a:noFill/>
+        <a:ln w="12700" cap="flat" cmpd="sng" algn="ctr">
+          <a:solidFill>
+            <a:schemeClr val="accent1">
+              <a:hueOff val="0"/>
+              <a:satOff val="0"/>
+              <a:lumOff val="0"/>
+              <a:alphaOff val="0"/>
+            </a:schemeClr>
+          </a:solidFill>
+          <a:prstDash val="solid"/>
+          <a:miter lim="800000"/>
+        </a:ln>
+        <a:effectLst/>
+      </dsp:spPr>
+      <dsp:style>
+        <a:lnRef idx="2">
+          <a:scrgbClr r="0" g="0" b="0"/>
+        </a:lnRef>
+        <a:fillRef idx="0">
+          <a:scrgbClr r="0" g="0" b="0"/>
+        </a:fillRef>
+        <a:effectRef idx="0">
+          <a:scrgbClr r="0" g="0" b="0"/>
+        </a:effectRef>
+        <a:fontRef idx="minor"/>
+      </dsp:style>
+    </dsp:sp>
+    <dsp:sp modelId="{FD472F0E-DF23-4B8C-AFCA-C694F34DDAD1}">
+      <dsp:nvSpPr>
+        <dsp:cNvPr id="0" name=""/>
+        <dsp:cNvSpPr/>
+      </dsp:nvSpPr>
+      <dsp:spPr>
+        <a:xfrm>
+          <a:off x="9703216" y="3341779"/>
+          <a:ext cx="719683" cy="479789"/>
+        </a:xfrm>
+        <a:prstGeom prst="roundRect">
+          <a:avLst>
+            <a:gd name="adj" fmla="val 10000"/>
+          </a:avLst>
+        </a:prstGeom>
+        <a:solidFill>
+          <a:schemeClr val="accent1">
+            <a:hueOff val="0"/>
+            <a:satOff val="0"/>
+            <a:lumOff val="0"/>
+            <a:alphaOff val="0"/>
+          </a:schemeClr>
+        </a:solidFill>
+        <a:ln w="12700" cap="flat" cmpd="sng" algn="ctr">
+          <a:solidFill>
+            <a:schemeClr val="lt1">
+              <a:hueOff val="0"/>
+              <a:satOff val="0"/>
+              <a:lumOff val="0"/>
+              <a:alphaOff val="0"/>
+            </a:schemeClr>
+          </a:solidFill>
+          <a:prstDash val="solid"/>
+          <a:miter lim="800000"/>
+        </a:ln>
+        <a:effectLst/>
+      </dsp:spPr>
+      <dsp:style>
+        <a:lnRef idx="2">
+          <a:scrgbClr r="0" g="0" b="0"/>
+        </a:lnRef>
+        <a:fillRef idx="1">
+          <a:scrgbClr r="0" g="0" b="0"/>
+        </a:fillRef>
+        <a:effectRef idx="0">
+          <a:scrgbClr r="0" g="0" b="0"/>
+        </a:effectRef>
+        <a:fontRef idx="minor">
+          <a:schemeClr val="lt1"/>
+        </a:fontRef>
+      </dsp:style>
+      <dsp:txBody>
+        <a:bodyPr spcFirstLastPara="0" vert="horz" wrap="square" lIns="45720" tIns="45720" rIns="45720" bIns="45720" numCol="1" spcCol="1270" anchor="ctr" anchorCtr="0">
+          <a:noAutofit/>
+        </a:bodyPr>
+        <a:lstStyle/>
+        <a:p>
+          <a:pPr lvl="0" algn="ctr" defTabSz="533400" latinLnBrk="1">
+            <a:lnSpc>
+              <a:spcPct val="90000"/>
+            </a:lnSpc>
+            <a:spcBef>
+              <a:spcPct val="0"/>
+            </a:spcBef>
+            <a:spcAft>
+              <a:spcPct val="35000"/>
+            </a:spcAft>
+          </a:pPr>
+          <a:r>
+            <a:rPr lang="en-US" altLang="ko-KR" sz="1200" kern="1200" dirty="0" smtClean="0"/>
+            <a:t>NPC</a:t>
+          </a:r>
+          <a:r>
+            <a:rPr lang="ko-KR" altLang="en-US" sz="1200" kern="1200" dirty="0" smtClean="0"/>
+            <a:t>공격</a:t>
+          </a:r>
+          <a:endParaRPr lang="ko-KR" altLang="en-US" sz="1200" kern="1200" dirty="0"/>
+        </a:p>
+      </dsp:txBody>
+      <dsp:txXfrm>
+        <a:off x="9717269" y="3355832"/>
+        <a:ext cx="691577" cy="451683"/>
+      </dsp:txXfrm>
+    </dsp:sp>
+    <dsp:sp modelId="{A47AC3F4-9308-4960-9412-25357507CDD6}">
+      <dsp:nvSpPr>
+        <dsp:cNvPr id="0" name=""/>
+        <dsp:cNvSpPr/>
+      </dsp:nvSpPr>
+      <dsp:spPr>
+        <a:xfrm>
+          <a:off x="9595263" y="3821568"/>
+          <a:ext cx="467794" cy="392246"/>
+        </a:xfrm>
+        <a:custGeom>
+          <a:avLst/>
+          <a:gdLst/>
+          <a:ahLst/>
+          <a:cxnLst/>
+          <a:rect l="0" t="0" r="0" b="0"/>
+          <a:pathLst>
+            <a:path>
+              <a:moveTo>
+                <a:pt x="467794" y="0"/>
+              </a:moveTo>
+              <a:lnTo>
+                <a:pt x="467794" y="196123"/>
+              </a:lnTo>
+              <a:lnTo>
+                <a:pt x="0" y="196123"/>
+              </a:lnTo>
+              <a:lnTo>
+                <a:pt x="0" y="392246"/>
+              </a:lnTo>
+            </a:path>
+          </a:pathLst>
+        </a:custGeom>
+        <a:noFill/>
+        <a:ln w="12700" cap="flat" cmpd="sng" algn="ctr">
+          <a:solidFill>
+            <a:schemeClr val="accent2">
+              <a:hueOff val="0"/>
+              <a:satOff val="0"/>
+              <a:lumOff val="0"/>
+              <a:alphaOff val="0"/>
+            </a:schemeClr>
+          </a:solidFill>
+          <a:prstDash val="solid"/>
+          <a:miter lim="800000"/>
+        </a:ln>
+        <a:effectLst/>
+      </dsp:spPr>
+      <dsp:style>
+        <a:lnRef idx="2">
+          <a:scrgbClr r="0" g="0" b="0"/>
+        </a:lnRef>
+        <a:fillRef idx="0">
+          <a:scrgbClr r="0" g="0" b="0"/>
+        </a:fillRef>
+        <a:effectRef idx="0">
+          <a:scrgbClr r="0" g="0" b="0"/>
+        </a:effectRef>
+        <a:fontRef idx="minor"/>
+      </dsp:style>
+    </dsp:sp>
+    <dsp:sp modelId="{FD3DAA2A-6C7B-4ABE-9324-97A9A49C6898}">
+      <dsp:nvSpPr>
+        <dsp:cNvPr id="0" name=""/>
+        <dsp:cNvSpPr/>
+      </dsp:nvSpPr>
+      <dsp:spPr>
+        <a:xfrm>
+          <a:off x="9235421" y="4213815"/>
+          <a:ext cx="719683" cy="479789"/>
+        </a:xfrm>
+        <a:prstGeom prst="roundRect">
+          <a:avLst>
+            <a:gd name="adj" fmla="val 10000"/>
+          </a:avLst>
+        </a:prstGeom>
+        <a:solidFill>
+          <a:schemeClr val="accent2">
+            <a:hueOff val="0"/>
+            <a:satOff val="0"/>
+            <a:lumOff val="0"/>
+            <a:alphaOff val="0"/>
+          </a:schemeClr>
+        </a:solidFill>
+        <a:ln w="12700" cap="flat" cmpd="sng" algn="ctr">
+          <a:solidFill>
+            <a:schemeClr val="lt1">
+              <a:hueOff val="0"/>
+              <a:satOff val="0"/>
+              <a:lumOff val="0"/>
+              <a:alphaOff val="0"/>
+            </a:schemeClr>
+          </a:solidFill>
+          <a:prstDash val="solid"/>
+          <a:miter lim="800000"/>
+        </a:ln>
+        <a:effectLst/>
+      </dsp:spPr>
+      <dsp:style>
+        <a:lnRef idx="2">
+          <a:scrgbClr r="0" g="0" b="0"/>
+        </a:lnRef>
+        <a:fillRef idx="1">
+          <a:scrgbClr r="0" g="0" b="0"/>
+        </a:fillRef>
+        <a:effectRef idx="0">
+          <a:scrgbClr r="0" g="0" b="0"/>
+        </a:effectRef>
+        <a:fontRef idx="minor">
+          <a:schemeClr val="lt1"/>
+        </a:fontRef>
+      </dsp:style>
+      <dsp:txBody>
+        <a:bodyPr spcFirstLastPara="0" vert="horz" wrap="square" lIns="34290" tIns="34290" rIns="34290" bIns="34290" numCol="1" spcCol="1270" anchor="ctr" anchorCtr="0">
+          <a:noAutofit/>
+        </a:bodyPr>
+        <a:lstStyle/>
+        <a:p>
+          <a:pPr lvl="0" algn="ctr" defTabSz="400050" latinLnBrk="1">
+            <a:lnSpc>
+              <a:spcPct val="90000"/>
+            </a:lnSpc>
+            <a:spcBef>
+              <a:spcPct val="0"/>
+            </a:spcBef>
+            <a:spcAft>
+              <a:spcPct val="35000"/>
+            </a:spcAft>
+          </a:pPr>
+          <a:r>
+            <a:rPr lang="ko-KR" altLang="en-US" sz="900" kern="1200" dirty="0" smtClean="0"/>
+            <a:t>물기공격</a:t>
+          </a:r>
+          <a:endParaRPr lang="ko-KR" altLang="en-US" sz="900" kern="1200" dirty="0"/>
+        </a:p>
+      </dsp:txBody>
+      <dsp:txXfrm>
+        <a:off x="9249474" y="4227868"/>
+        <a:ext cx="691577" cy="451683"/>
+      </dsp:txXfrm>
+    </dsp:sp>
+    <dsp:sp modelId="{618A934A-276C-418B-B7E8-71FE87250A49}">
+      <dsp:nvSpPr>
+        <dsp:cNvPr id="0" name=""/>
+        <dsp:cNvSpPr/>
+      </dsp:nvSpPr>
+      <dsp:spPr>
+        <a:xfrm>
+          <a:off x="10063058" y="3821568"/>
+          <a:ext cx="467794" cy="392246"/>
+        </a:xfrm>
+        <a:custGeom>
+          <a:avLst/>
+          <a:gdLst/>
+          <a:ahLst/>
+          <a:cxnLst/>
+          <a:rect l="0" t="0" r="0" b="0"/>
+          <a:pathLst>
+            <a:path>
+              <a:moveTo>
+                <a:pt x="0" y="0"/>
+              </a:moveTo>
+              <a:lnTo>
+                <a:pt x="0" y="196123"/>
+              </a:lnTo>
+              <a:lnTo>
+                <a:pt x="467794" y="196123"/>
+              </a:lnTo>
+              <a:lnTo>
+                <a:pt x="467794" y="392246"/>
+              </a:lnTo>
+            </a:path>
+          </a:pathLst>
+        </a:custGeom>
+        <a:noFill/>
+        <a:ln w="12700" cap="flat" cmpd="sng" algn="ctr">
+          <a:solidFill>
+            <a:schemeClr val="accent2">
+              <a:hueOff val="0"/>
+              <a:satOff val="0"/>
+              <a:lumOff val="0"/>
+              <a:alphaOff val="0"/>
+            </a:schemeClr>
+          </a:solidFill>
+          <a:prstDash val="solid"/>
+          <a:miter lim="800000"/>
+        </a:ln>
+        <a:effectLst/>
+      </dsp:spPr>
+      <dsp:style>
+        <a:lnRef idx="2">
+          <a:scrgbClr r="0" g="0" b="0"/>
+        </a:lnRef>
+        <a:fillRef idx="0">
+          <a:scrgbClr r="0" g="0" b="0"/>
+        </a:fillRef>
+        <a:effectRef idx="0">
+          <a:scrgbClr r="0" g="0" b="0"/>
+        </a:effectRef>
+        <a:fontRef idx="minor"/>
+      </dsp:style>
+    </dsp:sp>
+    <dsp:sp modelId="{291B5F0A-A2B1-40E2-9EDE-56D5A2DD6D97}">
+      <dsp:nvSpPr>
+        <dsp:cNvPr id="0" name=""/>
+        <dsp:cNvSpPr/>
+      </dsp:nvSpPr>
+      <dsp:spPr>
+        <a:xfrm>
+          <a:off x="10171010" y="4213815"/>
+          <a:ext cx="719683" cy="479789"/>
+        </a:xfrm>
+        <a:prstGeom prst="roundRect">
+          <a:avLst>
+            <a:gd name="adj" fmla="val 10000"/>
+          </a:avLst>
+        </a:prstGeom>
+        <a:solidFill>
+          <a:schemeClr val="accent2">
+            <a:hueOff val="0"/>
+            <a:satOff val="0"/>
+            <a:lumOff val="0"/>
+            <a:alphaOff val="0"/>
+          </a:schemeClr>
+        </a:solidFill>
+        <a:ln w="12700" cap="flat" cmpd="sng" algn="ctr">
+          <a:solidFill>
+            <a:schemeClr val="lt1">
+              <a:hueOff val="0"/>
+              <a:satOff val="0"/>
+              <a:lumOff val="0"/>
+              <a:alphaOff val="0"/>
+            </a:schemeClr>
+          </a:solidFill>
+          <a:prstDash val="solid"/>
+          <a:miter lim="800000"/>
+        </a:ln>
+        <a:effectLst/>
+      </dsp:spPr>
+      <dsp:style>
+        <a:lnRef idx="2">
+          <a:scrgbClr r="0" g="0" b="0"/>
+        </a:lnRef>
+        <a:fillRef idx="1">
+          <a:scrgbClr r="0" g="0" b="0"/>
+        </a:fillRef>
+        <a:effectRef idx="0">
+          <a:scrgbClr r="0" g="0" b="0"/>
+        </a:effectRef>
+        <a:fontRef idx="minor">
+          <a:schemeClr val="lt1"/>
+        </a:fontRef>
+      </dsp:style>
+      <dsp:txBody>
+        <a:bodyPr spcFirstLastPara="0" vert="horz" wrap="square" lIns="34290" tIns="34290" rIns="34290" bIns="34290" numCol="1" spcCol="1270" anchor="ctr" anchorCtr="0">
+          <a:noAutofit/>
+        </a:bodyPr>
+        <a:lstStyle/>
+        <a:p>
+          <a:pPr lvl="0" algn="ctr" defTabSz="400050" latinLnBrk="1">
+            <a:lnSpc>
+              <a:spcPct val="90000"/>
+            </a:lnSpc>
+            <a:spcBef>
+              <a:spcPct val="0"/>
+            </a:spcBef>
+            <a:spcAft>
+              <a:spcPct val="35000"/>
+            </a:spcAft>
+          </a:pPr>
+          <a:r>
+            <a:rPr lang="ko-KR" altLang="en-US" sz="900" kern="1200" dirty="0" smtClean="0"/>
+            <a:t>출혈효과</a:t>
+          </a:r>
+          <a:endParaRPr lang="ko-KR" altLang="en-US" sz="900" kern="1200" dirty="0"/>
+        </a:p>
+      </dsp:txBody>
+      <dsp:txXfrm>
+        <a:off x="10185063" y="4227868"/>
+        <a:ext cx="691577" cy="451683"/>
+      </dsp:txXfrm>
+    </dsp:sp>
+    <dsp:sp modelId="{39E5D3FA-E997-4E98-A65D-D7547B19E722}">
+      <dsp:nvSpPr>
+        <dsp:cNvPr id="0" name=""/>
+        <dsp:cNvSpPr/>
+      </dsp:nvSpPr>
+      <dsp:spPr>
+        <a:xfrm>
+          <a:off x="9595263" y="2710952"/>
+          <a:ext cx="1871177" cy="630826"/>
+        </a:xfrm>
+        <a:custGeom>
+          <a:avLst/>
+          <a:gdLst/>
+          <a:ahLst/>
+          <a:cxnLst/>
+          <a:rect l="0" t="0" r="0" b="0"/>
+          <a:pathLst>
+            <a:path>
+              <a:moveTo>
+                <a:pt x="0" y="0"/>
+              </a:moveTo>
+              <a:lnTo>
+                <a:pt x="0" y="315413"/>
+              </a:lnTo>
+              <a:lnTo>
+                <a:pt x="1871177" y="315413"/>
+              </a:lnTo>
+              <a:lnTo>
+                <a:pt x="1871177" y="630826"/>
+              </a:lnTo>
+            </a:path>
+          </a:pathLst>
+        </a:custGeom>
+        <a:noFill/>
+        <a:ln w="12700" cap="flat" cmpd="sng" algn="ctr">
+          <a:solidFill>
+            <a:schemeClr val="accent1">
+              <a:hueOff val="0"/>
+              <a:satOff val="0"/>
+              <a:lumOff val="0"/>
+              <a:alphaOff val="0"/>
+            </a:schemeClr>
+          </a:solidFill>
+          <a:prstDash val="solid"/>
+          <a:miter lim="800000"/>
+        </a:ln>
+        <a:effectLst/>
+      </dsp:spPr>
+      <dsp:style>
+        <a:lnRef idx="2">
+          <a:scrgbClr r="0" g="0" b="0"/>
+        </a:lnRef>
+        <a:fillRef idx="0">
+          <a:scrgbClr r="0" g="0" b="0"/>
+        </a:fillRef>
+        <a:effectRef idx="0">
+          <a:scrgbClr r="0" g="0" b="0"/>
+        </a:effectRef>
+        <a:fontRef idx="minor"/>
+      </dsp:style>
+    </dsp:sp>
+    <dsp:sp modelId="{3A23ED96-785D-4F51-B245-69AC46C0E743}">
+      <dsp:nvSpPr>
+        <dsp:cNvPr id="0" name=""/>
+        <dsp:cNvSpPr/>
+      </dsp:nvSpPr>
+      <dsp:spPr>
+        <a:xfrm>
+          <a:off x="11106599" y="3341779"/>
+          <a:ext cx="719683" cy="479789"/>
+        </a:xfrm>
+        <a:prstGeom prst="roundRect">
+          <a:avLst>
+            <a:gd name="adj" fmla="val 10000"/>
+          </a:avLst>
+        </a:prstGeom>
+        <a:solidFill>
+          <a:schemeClr val="accent1">
+            <a:hueOff val="0"/>
+            <a:satOff val="0"/>
+            <a:lumOff val="0"/>
+            <a:alphaOff val="0"/>
+          </a:schemeClr>
+        </a:solidFill>
+        <a:ln w="12700" cap="flat" cmpd="sng" algn="ctr">
+          <a:solidFill>
+            <a:schemeClr val="lt1">
+              <a:hueOff val="0"/>
+              <a:satOff val="0"/>
+              <a:lumOff val="0"/>
+              <a:alphaOff val="0"/>
+            </a:schemeClr>
+          </a:solidFill>
+          <a:prstDash val="solid"/>
+          <a:miter lim="800000"/>
+        </a:ln>
+        <a:effectLst/>
+      </dsp:spPr>
+      <dsp:style>
+        <a:lnRef idx="2">
+          <a:scrgbClr r="0" g="0" b="0"/>
+        </a:lnRef>
+        <a:fillRef idx="1">
+          <a:scrgbClr r="0" g="0" b="0"/>
+        </a:fillRef>
+        <a:effectRef idx="0">
+          <a:scrgbClr r="0" g="0" b="0"/>
+        </a:effectRef>
+        <a:fontRef idx="minor">
+          <a:schemeClr val="lt1"/>
+        </a:fontRef>
+      </dsp:style>
+      <dsp:txBody>
+        <a:bodyPr spcFirstLastPara="0" vert="horz" wrap="square" lIns="45720" tIns="45720" rIns="45720" bIns="45720" numCol="1" spcCol="1270" anchor="ctr" anchorCtr="0">
+          <a:noAutofit/>
+        </a:bodyPr>
+        <a:lstStyle/>
+        <a:p>
+          <a:pPr lvl="0" algn="ctr" defTabSz="533400" latinLnBrk="1">
+            <a:lnSpc>
+              <a:spcPct val="90000"/>
+            </a:lnSpc>
+            <a:spcBef>
+              <a:spcPct val="0"/>
+            </a:spcBef>
+            <a:spcAft>
+              <a:spcPct val="35000"/>
+            </a:spcAft>
+          </a:pPr>
+          <a:r>
+            <a:rPr lang="ko-KR" altLang="en-US" sz="1200" kern="1200" dirty="0" smtClean="0"/>
+            <a:t>특수장비</a:t>
+          </a:r>
+          <a:endParaRPr lang="ko-KR" altLang="en-US" sz="1200" kern="1200" dirty="0"/>
+        </a:p>
+      </dsp:txBody>
+      <dsp:txXfrm>
+        <a:off x="11120652" y="3355832"/>
+        <a:ext cx="691577" cy="451683"/>
+      </dsp:txXfrm>
+    </dsp:sp>
+    <dsp:sp modelId="{A2001C75-B76E-4630-80D9-543A47D45669}">
+      <dsp:nvSpPr>
+        <dsp:cNvPr id="0" name=""/>
+        <dsp:cNvSpPr/>
+      </dsp:nvSpPr>
+      <dsp:spPr>
+        <a:xfrm>
+          <a:off x="11420721" y="3821568"/>
+          <a:ext cx="91440" cy="392246"/>
+        </a:xfrm>
+        <a:custGeom>
+          <a:avLst/>
+          <a:gdLst/>
+          <a:ahLst/>
+          <a:cxnLst/>
+          <a:rect l="0" t="0" r="0" b="0"/>
+          <a:pathLst>
+            <a:path>
+              <a:moveTo>
+                <a:pt x="45720" y="0"/>
+              </a:moveTo>
+              <a:lnTo>
+                <a:pt x="45720" y="392246"/>
+              </a:lnTo>
+            </a:path>
+          </a:pathLst>
+        </a:custGeom>
+        <a:noFill/>
+        <a:ln w="12700" cap="flat" cmpd="sng" algn="ctr">
+          <a:solidFill>
+            <a:schemeClr val="accent2">
+              <a:hueOff val="0"/>
+              <a:satOff val="0"/>
+              <a:lumOff val="0"/>
+              <a:alphaOff val="0"/>
+            </a:schemeClr>
+          </a:solidFill>
+          <a:prstDash val="solid"/>
+          <a:miter lim="800000"/>
+        </a:ln>
+        <a:effectLst/>
+      </dsp:spPr>
+      <dsp:style>
+        <a:lnRef idx="2">
+          <a:scrgbClr r="0" g="0" b="0"/>
+        </a:lnRef>
+        <a:fillRef idx="0">
+          <a:scrgbClr r="0" g="0" b="0"/>
+        </a:fillRef>
+        <a:effectRef idx="0">
+          <a:scrgbClr r="0" g="0" b="0"/>
+        </a:effectRef>
+        <a:fontRef idx="minor"/>
+      </dsp:style>
+    </dsp:sp>
+    <dsp:sp modelId="{3CC3220E-088E-4493-BB17-109F34A53427}">
+      <dsp:nvSpPr>
+        <dsp:cNvPr id="0" name=""/>
+        <dsp:cNvSpPr/>
+      </dsp:nvSpPr>
+      <dsp:spPr>
+        <a:xfrm>
+          <a:off x="11106599" y="4213815"/>
+          <a:ext cx="719683" cy="479789"/>
+        </a:xfrm>
+        <a:prstGeom prst="roundRect">
+          <a:avLst>
+            <a:gd name="adj" fmla="val 10000"/>
+          </a:avLst>
+        </a:prstGeom>
+        <a:solidFill>
+          <a:schemeClr val="accent2">
+            <a:hueOff val="0"/>
+            <a:satOff val="0"/>
+            <a:lumOff val="0"/>
+            <a:alphaOff val="0"/>
+          </a:schemeClr>
+        </a:solidFill>
+        <a:ln w="12700" cap="flat" cmpd="sng" algn="ctr">
+          <a:solidFill>
+            <a:schemeClr val="lt1">
+              <a:hueOff val="0"/>
+              <a:satOff val="0"/>
+              <a:lumOff val="0"/>
+              <a:alphaOff val="0"/>
+            </a:schemeClr>
+          </a:solidFill>
+          <a:prstDash val="solid"/>
+          <a:miter lim="800000"/>
+        </a:ln>
+        <a:effectLst/>
+      </dsp:spPr>
+      <dsp:style>
+        <a:lnRef idx="2">
+          <a:scrgbClr r="0" g="0" b="0"/>
+        </a:lnRef>
+        <a:fillRef idx="1">
+          <a:scrgbClr r="0" g="0" b="0"/>
+        </a:fillRef>
+        <a:effectRef idx="0">
+          <a:scrgbClr r="0" g="0" b="0"/>
+        </a:effectRef>
+        <a:fontRef idx="minor">
+          <a:schemeClr val="lt1"/>
+        </a:fontRef>
+      </dsp:style>
+      <dsp:txBody>
+        <a:bodyPr spcFirstLastPara="0" vert="horz" wrap="square" lIns="34290" tIns="34290" rIns="34290" bIns="34290" numCol="1" spcCol="1270" anchor="ctr" anchorCtr="0">
+          <a:noAutofit/>
+        </a:bodyPr>
+        <a:lstStyle/>
+        <a:p>
+          <a:pPr lvl="0" algn="ctr" defTabSz="400050" latinLnBrk="1">
+            <a:lnSpc>
+              <a:spcPct val="90000"/>
+            </a:lnSpc>
+            <a:spcBef>
+              <a:spcPct val="0"/>
+            </a:spcBef>
+            <a:spcAft>
+              <a:spcPct val="35000"/>
+            </a:spcAft>
+          </a:pPr>
+          <a:r>
+            <a:rPr lang="ko-KR" altLang="en-US" sz="900" kern="1200" dirty="0" smtClean="0"/>
+            <a:t>속성증가</a:t>
+          </a:r>
+          <a:endParaRPr lang="ko-KR" altLang="en-US" sz="900" kern="1200" dirty="0"/>
+        </a:p>
+      </dsp:txBody>
+      <dsp:txXfrm>
+        <a:off x="11120652" y="4227868"/>
+        <a:ext cx="691577" cy="451683"/>
       </dsp:txXfrm>
     </dsp:sp>
   </dsp:spTree>
@@ -4623,7 +7384,7 @@
           <a:p>
             <a:fld id="{82674F3D-BD32-4778-BD6A-A6E50C45F655}" type="datetimeFigureOut">
               <a:rPr lang="ko-KR" altLang="en-US" smtClean="0"/>
-              <a:t>2020-01-21</a:t>
+              <a:t>2020-01-22</a:t>
             </a:fld>
             <a:endParaRPr lang="ko-KR" altLang="en-US"/>
           </a:p>
@@ -5106,7 +7867,7 @@
           <a:p>
             <a:fld id="{55BA1CCD-F074-427C-A04B-96D67DB3D6B3}" type="datetime1">
               <a:rPr lang="ko-KR" altLang="en-US" smtClean="0"/>
-              <a:t>2020-01-21</a:t>
+              <a:t>2020-01-22</a:t>
             </a:fld>
             <a:endParaRPr lang="ko-KR" altLang="en-US"/>
           </a:p>
@@ -5370,7 +8131,7 @@
           <a:p>
             <a:fld id="{7F166A92-59E5-4011-9BD6-597E888A2283}" type="datetime1">
               <a:rPr lang="ko-KR" altLang="en-US" smtClean="0"/>
-              <a:t>2020-01-21</a:t>
+              <a:t>2020-01-22</a:t>
             </a:fld>
             <a:endParaRPr lang="ko-KR" altLang="en-US"/>
           </a:p>
@@ -5544,7 +8305,7 @@
           <a:p>
             <a:fld id="{25F8A7E2-916D-4390-9042-65AED9BE76F9}" type="datetime1">
               <a:rPr lang="ko-KR" altLang="en-US" smtClean="0"/>
-              <a:t>2020-01-21</a:t>
+              <a:t>2020-01-22</a:t>
             </a:fld>
             <a:endParaRPr lang="ko-KR" altLang="en-US"/>
           </a:p>
@@ -5728,7 +8489,7 @@
           <a:p>
             <a:fld id="{7635224A-573A-45E2-8CB5-F9B139B6195F}" type="datetime1">
               <a:rPr lang="ko-KR" altLang="en-US" smtClean="0"/>
-              <a:t>2020-01-21</a:t>
+              <a:t>2020-01-22</a:t>
             </a:fld>
             <a:endParaRPr lang="ko-KR" altLang="en-US"/>
           </a:p>
@@ -5917,7 +8678,7 @@
           <a:p>
             <a:fld id="{3B3A31F0-DC5C-45F6-BF16-81D1F0F2C2F7}" type="datetime1">
               <a:rPr lang="ko-KR" altLang="en-US" smtClean="0"/>
-              <a:t>2020-01-21</a:t>
+              <a:t>2020-01-22</a:t>
             </a:fld>
             <a:endParaRPr lang="ko-KR" altLang="en-US"/>
           </a:p>
@@ -6144,7 +8905,7 @@
           <a:p>
             <a:fld id="{3B3A31F0-DC5C-45F6-BF16-81D1F0F2C2F7}" type="datetime1">
               <a:rPr lang="ko-KR" altLang="en-US" smtClean="0"/>
-              <a:t>2020-01-21</a:t>
+              <a:t>2020-01-22</a:t>
             </a:fld>
             <a:endParaRPr lang="ko-KR" altLang="en-US"/>
           </a:p>
@@ -6450,7 +9211,7 @@
           <a:p>
             <a:fld id="{68C9B244-343C-4531-81F5-6EE4B6B9D173}" type="datetime1">
               <a:rPr lang="ko-KR" altLang="en-US" smtClean="0"/>
-              <a:t>2020-01-21</a:t>
+              <a:t>2020-01-22</a:t>
             </a:fld>
             <a:endParaRPr lang="ko-KR" altLang="en-US"/>
           </a:p>
@@ -6693,7 +9454,7 @@
           <a:p>
             <a:fld id="{31103400-27FA-4D61-B0B9-3F1A8B5C5006}" type="datetime1">
               <a:rPr lang="ko-KR" altLang="en-US" smtClean="0"/>
-              <a:t>2020-01-21</a:t>
+              <a:t>2020-01-22</a:t>
             </a:fld>
             <a:endParaRPr lang="ko-KR" altLang="en-US"/>
           </a:p>
@@ -7071,7 +9832,7 @@
           <a:p>
             <a:fld id="{10F34082-45DD-4904-96B5-0C79FAC13806}" type="datetime1">
               <a:rPr lang="ko-KR" altLang="en-US" smtClean="0"/>
-              <a:t>2020-01-21</a:t>
+              <a:t>2020-01-22</a:t>
             </a:fld>
             <a:endParaRPr lang="ko-KR" altLang="en-US"/>
           </a:p>
@@ -7193,7 +9954,7 @@
           <a:p>
             <a:fld id="{1BAA8F34-E616-4AB3-8687-320DA4E177D5}" type="datetime1">
               <a:rPr lang="ko-KR" altLang="en-US" smtClean="0"/>
-              <a:t>2020-01-21</a:t>
+              <a:t>2020-01-22</a:t>
             </a:fld>
             <a:endParaRPr lang="ko-KR" altLang="en-US"/>
           </a:p>
@@ -7292,7 +10053,7 @@
           <a:p>
             <a:fld id="{196D0E64-111E-4035-B499-C5BC1A212A70}" type="datetime1">
               <a:rPr lang="ko-KR" altLang="en-US" smtClean="0"/>
-              <a:t>2020-01-21</a:t>
+              <a:t>2020-01-22</a:t>
             </a:fld>
             <a:endParaRPr lang="ko-KR" altLang="en-US"/>
           </a:p>
@@ -7573,7 +10334,7 @@
           <a:p>
             <a:fld id="{D5EE91AD-36CD-4A4C-BEC1-A287AFEE31A7}" type="datetime1">
               <a:rPr lang="ko-KR" altLang="en-US" smtClean="0"/>
-              <a:t>2020-01-21</a:t>
+              <a:t>2020-01-22</a:t>
             </a:fld>
             <a:endParaRPr lang="ko-KR" altLang="en-US"/>
           </a:p>
@@ -7790,7 +10551,7 @@
           <a:p>
             <a:fld id="{16402353-221A-4326-A5EB-68864CD9DD83}" type="datetime1">
               <a:rPr lang="ko-KR" altLang="en-US" smtClean="0"/>
-              <a:t>2020-01-21</a:t>
+              <a:t>2020-01-22</a:t>
             </a:fld>
             <a:endParaRPr lang="ko-KR" altLang="en-US"/>
           </a:p>
@@ -8325,7 +11086,7 @@
           <a:p>
             <a:fld id="{65C2ACD4-451B-4063-8127-CBF3A2444CC7}" type="datetime1">
               <a:rPr lang="ko-KR" altLang="en-US" smtClean="0"/>
-              <a:t>2020-01-21</a:t>
+              <a:t>2020-01-22</a:t>
             </a:fld>
             <a:endParaRPr lang="ko-KR" altLang="en-US"/>
           </a:p>
@@ -8384,29 +11145,254 @@
           <a:lstStyle/>
           <a:p>
             <a:r>
-              <a:rPr lang="ko-KR" altLang="en-US" dirty="0" smtClean="0"/>
-              <a:t>목차</a:t>
-            </a:r>
-            <a:r>
-              <a:rPr lang="en-US" altLang="ko-KR" dirty="0"/>
-              <a:t>(</a:t>
-            </a:r>
-            <a:r>
               <a:rPr lang="en-US" altLang="ko-KR" dirty="0" smtClean="0"/>
-              <a:t>contents)</a:t>
+              <a:t>History</a:t>
             </a:r>
             <a:endParaRPr lang="ko-KR" altLang="en-US" dirty="0"/>
           </a:p>
         </p:txBody>
       </p:sp>
+      <p:graphicFrame>
+        <p:nvGraphicFramePr>
+          <p:cNvPr id="7" name="내용 개체 틀 6"/>
+          <p:cNvGraphicFramePr>
+            <a:graphicFrameLocks noGrp="1"/>
+          </p:cNvGraphicFramePr>
+          <p:nvPr>
+            <p:ph idx="1"/>
+            <p:extLst>
+              <p:ext uri="{D42A27DB-BD31-4B8C-83A1-F6EECF244321}">
+                <p14:modId xmlns:p14="http://schemas.microsoft.com/office/powerpoint/2010/main" val="525381937"/>
+              </p:ext>
+            </p:extLst>
+          </p:nvPr>
+        </p:nvGraphicFramePr>
+        <p:xfrm>
+          <a:off x="838200" y="1825625"/>
+          <a:ext cx="10515600" cy="1854200"/>
+        </p:xfrm>
+        <a:graphic>
+          <a:graphicData uri="http://schemas.openxmlformats.org/drawingml/2006/table">
+            <a:tbl>
+              <a:tblPr firstRow="1" bandRow="1">
+                <a:tableStyleId>{5C22544A-7EE6-4342-B048-85BDC9FD1C3A}</a:tableStyleId>
+              </a:tblPr>
+              <a:tblGrid>
+                <a:gridCol w="2014728"/>
+                <a:gridCol w="4995672"/>
+                <a:gridCol w="3505200"/>
+              </a:tblGrid>
+              <a:tr h="370840">
+                <a:tc>
+                  <a:txBody>
+                    <a:bodyPr/>
+                    <a:lstStyle/>
+                    <a:p>
+                      <a:pPr latinLnBrk="1"/>
+                      <a:r>
+                        <a:rPr lang="en-US" altLang="ko-KR" dirty="0" smtClean="0"/>
+                        <a:t>Date</a:t>
+                      </a:r>
+                      <a:endParaRPr lang="ko-KR" altLang="en-US" dirty="0"/>
+                    </a:p>
+                  </a:txBody>
+                  <a:tcPr/>
+                </a:tc>
+                <a:tc>
+                  <a:txBody>
+                    <a:bodyPr/>
+                    <a:lstStyle/>
+                    <a:p>
+                      <a:pPr latinLnBrk="1"/>
+                      <a:r>
+                        <a:rPr lang="en-US" altLang="ko-KR" dirty="0" smtClean="0"/>
+                        <a:t>update</a:t>
+                      </a:r>
+                      <a:endParaRPr lang="ko-KR" altLang="en-US" dirty="0"/>
+                    </a:p>
+                  </a:txBody>
+                  <a:tcPr/>
+                </a:tc>
+                <a:tc>
+                  <a:txBody>
+                    <a:bodyPr/>
+                    <a:lstStyle/>
+                    <a:p>
+                      <a:pPr latinLnBrk="1"/>
+                      <a:r>
+                        <a:rPr lang="en-US" altLang="ko-KR" dirty="0" smtClean="0"/>
+                        <a:t>author</a:t>
+                      </a:r>
+                      <a:endParaRPr lang="ko-KR" altLang="en-US" dirty="0"/>
+                    </a:p>
+                  </a:txBody>
+                  <a:tcPr/>
+                </a:tc>
+              </a:tr>
+              <a:tr h="370840">
+                <a:tc>
+                  <a:txBody>
+                    <a:bodyPr/>
+                    <a:lstStyle/>
+                    <a:p>
+                      <a:pPr latinLnBrk="1"/>
+                      <a:r>
+                        <a:rPr lang="en-US" altLang="ko-KR" dirty="0" smtClean="0"/>
+                        <a:t>2020.01.21</a:t>
+                      </a:r>
+                      <a:endParaRPr lang="ko-KR" altLang="en-US" dirty="0"/>
+                    </a:p>
+                  </a:txBody>
+                  <a:tcPr/>
+                </a:tc>
+                <a:tc>
+                  <a:txBody>
+                    <a:bodyPr/>
+                    <a:lstStyle/>
+                    <a:p>
+                      <a:pPr latinLnBrk="1"/>
+                      <a:r>
+                        <a:rPr lang="ko-KR" altLang="en-US" dirty="0" smtClean="0"/>
+                        <a:t>리뷰문서작성</a:t>
+                      </a:r>
+                      <a:endParaRPr lang="ko-KR" altLang="en-US" dirty="0"/>
+                    </a:p>
+                  </a:txBody>
+                  <a:tcPr/>
+                </a:tc>
+                <a:tc>
+                  <a:txBody>
+                    <a:bodyPr/>
+                    <a:lstStyle/>
+                    <a:p>
+                      <a:pPr latinLnBrk="1"/>
+                      <a:r>
+                        <a:rPr lang="ko-KR" altLang="en-US" dirty="0" smtClean="0"/>
+                        <a:t>이경호</a:t>
+                      </a:r>
+                      <a:endParaRPr lang="ko-KR" altLang="en-US" dirty="0"/>
+                    </a:p>
+                  </a:txBody>
+                  <a:tcPr/>
+                </a:tc>
+              </a:tr>
+              <a:tr h="370840">
+                <a:tc>
+                  <a:txBody>
+                    <a:bodyPr/>
+                    <a:lstStyle/>
+                    <a:p>
+                      <a:pPr latinLnBrk="1"/>
+                      <a:endParaRPr lang="ko-KR" altLang="en-US" dirty="0"/>
+                    </a:p>
+                  </a:txBody>
+                  <a:tcPr/>
+                </a:tc>
+                <a:tc>
+                  <a:txBody>
+                    <a:bodyPr/>
+                    <a:lstStyle/>
+                    <a:p>
+                      <a:pPr latinLnBrk="1"/>
+                      <a:endParaRPr lang="ko-KR" altLang="en-US" dirty="0"/>
+                    </a:p>
+                  </a:txBody>
+                  <a:tcPr/>
+                </a:tc>
+                <a:tc>
+                  <a:txBody>
+                    <a:bodyPr/>
+                    <a:lstStyle/>
+                    <a:p>
+                      <a:pPr latinLnBrk="1"/>
+                      <a:endParaRPr lang="ko-KR" altLang="en-US" dirty="0"/>
+                    </a:p>
+                  </a:txBody>
+                  <a:tcPr/>
+                </a:tc>
+              </a:tr>
+              <a:tr h="370840">
+                <a:tc>
+                  <a:txBody>
+                    <a:bodyPr/>
+                    <a:lstStyle/>
+                    <a:p>
+                      <a:pPr latinLnBrk="1"/>
+                      <a:endParaRPr lang="ko-KR" altLang="en-US"/>
+                    </a:p>
+                  </a:txBody>
+                  <a:tcPr/>
+                </a:tc>
+                <a:tc>
+                  <a:txBody>
+                    <a:bodyPr/>
+                    <a:lstStyle/>
+                    <a:p>
+                      <a:pPr latinLnBrk="1"/>
+                      <a:endParaRPr lang="ko-KR" altLang="en-US"/>
+                    </a:p>
+                  </a:txBody>
+                  <a:tcPr/>
+                </a:tc>
+                <a:tc>
+                  <a:txBody>
+                    <a:bodyPr/>
+                    <a:lstStyle/>
+                    <a:p>
+                      <a:pPr latinLnBrk="1"/>
+                      <a:endParaRPr lang="ko-KR" altLang="en-US"/>
+                    </a:p>
+                  </a:txBody>
+                  <a:tcPr/>
+                </a:tc>
+              </a:tr>
+              <a:tr h="370840">
+                <a:tc>
+                  <a:txBody>
+                    <a:bodyPr/>
+                    <a:lstStyle/>
+                    <a:p>
+                      <a:pPr latinLnBrk="1"/>
+                      <a:endParaRPr lang="ko-KR" altLang="en-US"/>
+                    </a:p>
+                  </a:txBody>
+                  <a:tcPr/>
+                </a:tc>
+                <a:tc>
+                  <a:txBody>
+                    <a:bodyPr/>
+                    <a:lstStyle/>
+                    <a:p>
+                      <a:pPr latinLnBrk="1"/>
+                      <a:endParaRPr lang="ko-KR" altLang="en-US"/>
+                    </a:p>
+                  </a:txBody>
+                  <a:tcPr/>
+                </a:tc>
+                <a:tc>
+                  <a:txBody>
+                    <a:bodyPr/>
+                    <a:lstStyle/>
+                    <a:p>
+                      <a:pPr latinLnBrk="1"/>
+                      <a:endParaRPr lang="ko-KR" altLang="en-US" dirty="0"/>
+                    </a:p>
+                  </a:txBody>
+                  <a:tcPr/>
+                </a:tc>
+              </a:tr>
+            </a:tbl>
+          </a:graphicData>
+        </a:graphic>
+      </p:graphicFrame>
       <p:sp>
         <p:nvSpPr>
-          <p:cNvPr id="3" name="내용 개체 틀 2"/>
+          <p:cNvPr id="4" name="날짜 개체 틀 3"/>
           <p:cNvSpPr>
             <a:spLocks noGrp="1"/>
           </p:cNvSpPr>
           <p:nvPr>
-            <p:ph idx="1"/>
+            <p:ph type="dt" sz="half" idx="10"/>
           </p:nvPr>
         </p:nvSpPr>
         <p:spPr/>
@@ -8414,57 +11400,17 @@
           <a:bodyPr/>
           <a:lstStyle/>
           <a:p>
-            <a:r>
-              <a:rPr lang="ko-KR" altLang="en-US" dirty="0" smtClean="0"/>
-              <a:t>포커스</a:t>
-            </a:r>
-            <a:r>
-              <a:rPr lang="en-US" altLang="ko-KR" dirty="0" smtClean="0"/>
-              <a:t>(Focus)</a:t>
-            </a:r>
-          </a:p>
-          <a:p>
-            <a:r>
-              <a:rPr lang="ko-KR" altLang="en-US" dirty="0" smtClean="0"/>
-              <a:t>정책</a:t>
-            </a:r>
-            <a:r>
-              <a:rPr lang="en-US" altLang="ko-KR" dirty="0" smtClean="0"/>
-              <a:t>(Policy)</a:t>
-            </a:r>
-          </a:p>
-          <a:p>
-            <a:r>
-              <a:rPr lang="ko-KR" altLang="en-US" dirty="0" err="1" smtClean="0"/>
-              <a:t>플로우</a:t>
-            </a:r>
-            <a:r>
-              <a:rPr lang="en-US" altLang="ko-KR" dirty="0" smtClean="0"/>
-              <a:t>(Flow)</a:t>
-            </a:r>
-          </a:p>
-          <a:p>
-            <a:r>
-              <a:rPr lang="ko-KR" altLang="en-US" dirty="0" err="1" smtClean="0"/>
-              <a:t>시스템스팩</a:t>
-            </a:r>
-            <a:r>
-              <a:rPr lang="en-US" altLang="ko-KR" dirty="0" smtClean="0"/>
-              <a:t>(System spec.)</a:t>
-            </a:r>
-          </a:p>
-          <a:p>
-            <a:r>
-              <a:rPr lang="en-US" altLang="ko-KR" dirty="0" smtClean="0"/>
-              <a:t>Q&amp;A</a:t>
-            </a:r>
-            <a:endParaRPr lang="ko-KR" altLang="en-US" dirty="0"/>
+            <a:fld id="{3B3A31F0-DC5C-45F6-BF16-81D1F0F2C2F7}" type="datetime1">
+              <a:rPr lang="ko-KR" altLang="en-US" smtClean="0"/>
+              <a:t>2020-01-22</a:t>
+            </a:fld>
+            <a:endParaRPr lang="ko-KR" altLang="en-US"/>
           </a:p>
         </p:txBody>
       </p:sp>
       <p:sp>
         <p:nvSpPr>
-          <p:cNvPr id="4" name="바닥글 개체 틀 3"/>
+          <p:cNvPr id="5" name="바닥글 개체 틀 4"/>
           <p:cNvSpPr>
             <a:spLocks noGrp="1"/>
           </p:cNvSpPr>
@@ -8487,7 +11433,7 @@
       </p:sp>
       <p:sp>
         <p:nvSpPr>
-          <p:cNvPr id="5" name="슬라이드 번호 개체 틀 4"/>
+          <p:cNvPr id="6" name="슬라이드 번호 개체 틀 5"/>
           <p:cNvSpPr>
             <a:spLocks noGrp="1"/>
           </p:cNvSpPr>
@@ -8508,46 +11454,16 @@
           </a:p>
         </p:txBody>
       </p:sp>
-      <p:sp>
-        <p:nvSpPr>
-          <p:cNvPr id="6" name="날짜 개체 틀 5"/>
-          <p:cNvSpPr>
-            <a:spLocks noGrp="1"/>
-          </p:cNvSpPr>
-          <p:nvPr>
-            <p:ph type="dt" sz="half" idx="10"/>
-          </p:nvPr>
-        </p:nvSpPr>
-        <p:spPr/>
-        <p:txBody>
-          <a:bodyPr/>
-          <a:lstStyle/>
-          <a:p>
-            <a:fld id="{069378C6-BE6B-4503-80E5-96D1D44FB257}" type="datetime1">
-              <a:rPr lang="ko-KR" altLang="en-US" smtClean="0"/>
-              <a:t>2020-01-21</a:t>
-            </a:fld>
-            <a:endParaRPr lang="ko-KR" altLang="en-US"/>
-          </a:p>
-        </p:txBody>
-      </p:sp>
     </p:spTree>
     <p:extLst>
       <p:ext uri="{BB962C8B-B14F-4D97-AF65-F5344CB8AC3E}">
-        <p14:creationId xmlns:p14="http://schemas.microsoft.com/office/powerpoint/2010/main" val="2977866115"/>
+        <p14:creationId xmlns:p14="http://schemas.microsoft.com/office/powerpoint/2010/main" val="1548296355"/>
       </p:ext>
     </p:extLst>
   </p:cSld>
   <p:clrMapOvr>
     <a:masterClrMapping/>
   </p:clrMapOvr>
-  <p:timing>
-    <p:tnLst>
-      <p:par>
-        <p:cTn id="1" dur="indefinite" restart="never" nodeType="tmRoot"/>
-      </p:par>
-    </p:tnLst>
-  </p:timing>
 </p:sld>
 </file>
 
@@ -8585,11 +11501,15 @@
           <a:p>
             <a:r>
               <a:rPr lang="ko-KR" altLang="en-US" dirty="0" smtClean="0"/>
-              <a:t>포커스</a:t>
+              <a:t>목차</a:t>
+            </a:r>
+            <a:r>
+              <a:rPr lang="en-US" altLang="ko-KR" dirty="0"/>
+              <a:t>(</a:t>
             </a:r>
             <a:r>
               <a:rPr lang="en-US" altLang="ko-KR" dirty="0" smtClean="0"/>
-              <a:t>(Focus)</a:t>
+              <a:t>contents)</a:t>
             </a:r>
             <a:endParaRPr lang="ko-KR" altLang="en-US" dirty="0"/>
           </a:p>
@@ -8611,120 +11531,116 @@
           <a:lstStyle/>
           <a:p>
             <a:r>
-              <a:rPr lang="en-US" altLang="ko-KR" b="0" dirty="0" smtClean="0"/>
-              <a:t>30days </a:t>
-            </a:r>
-            <a:r>
-              <a:rPr lang="ko-KR" altLang="en-US" b="0" dirty="0" smtClean="0"/>
-              <a:t>에서 플레이어와 </a:t>
-            </a:r>
-            <a:r>
-              <a:rPr lang="en-US" altLang="ko-KR" b="0" dirty="0" smtClean="0"/>
-              <a:t>NPC</a:t>
-            </a:r>
-            <a:r>
-              <a:rPr lang="ko-KR" altLang="en-US" b="0" dirty="0" smtClean="0"/>
-              <a:t>가 할 수 있는 모든 행동은 </a:t>
-            </a:r>
-            <a:r>
-              <a:rPr lang="ko-KR" altLang="en-US" b="0" dirty="0" err="1" smtClean="0"/>
-              <a:t>스킬로</a:t>
-            </a:r>
-            <a:r>
-              <a:rPr lang="ko-KR" altLang="en-US" b="0" dirty="0" smtClean="0"/>
-              <a:t> 제작을 한다</a:t>
-            </a:r>
-            <a:r>
-              <a:rPr lang="en-US" altLang="ko-KR" b="0" dirty="0" smtClean="0"/>
-              <a:t>. </a:t>
-            </a:r>
-            <a:r>
-              <a:rPr lang="ko-KR" altLang="en-US" b="0" dirty="0" smtClean="0"/>
-              <a:t>캐릭터가 직접컨트롤 할 수 있는 </a:t>
-            </a:r>
-            <a:r>
-              <a:rPr lang="ko-KR" altLang="en-US" b="0" dirty="0" err="1" smtClean="0"/>
-              <a:t>스킬은</a:t>
-            </a:r>
-            <a:r>
-              <a:rPr lang="ko-KR" altLang="en-US" b="0" dirty="0" smtClean="0"/>
-              <a:t> 액티브 </a:t>
-            </a:r>
-            <a:r>
-              <a:rPr lang="ko-KR" altLang="en-US" b="0" dirty="0" err="1" smtClean="0"/>
-              <a:t>스킬이며</a:t>
-            </a:r>
-            <a:r>
-              <a:rPr lang="ko-KR" altLang="en-US" b="0" dirty="0" smtClean="0"/>
-              <a:t> 착용하거나 </a:t>
-            </a:r>
-            <a:r>
-              <a:rPr lang="en-US" altLang="ko-KR" b="0" dirty="0" smtClean="0"/>
-              <a:t>NPC</a:t>
-            </a:r>
-            <a:r>
-              <a:rPr lang="ko-KR" altLang="en-US" b="0" dirty="0" smtClean="0"/>
-              <a:t>에 의해서 영향을 받는 </a:t>
-            </a:r>
-            <a:r>
-              <a:rPr lang="ko-KR" altLang="en-US" b="0" dirty="0" err="1" smtClean="0"/>
-              <a:t>스킬은</a:t>
-            </a:r>
-            <a:r>
-              <a:rPr lang="ko-KR" altLang="en-US" b="0" dirty="0" smtClean="0"/>
-              <a:t> </a:t>
-            </a:r>
-            <a:r>
-              <a:rPr lang="ko-KR" altLang="en-US" b="0" dirty="0" err="1" smtClean="0"/>
-              <a:t>패시브</a:t>
-            </a:r>
-            <a:r>
-              <a:rPr lang="ko-KR" altLang="en-US" b="0" dirty="0" smtClean="0"/>
-              <a:t> </a:t>
-            </a:r>
-            <a:r>
-              <a:rPr lang="ko-KR" altLang="en-US" b="0" dirty="0" err="1" smtClean="0"/>
-              <a:t>스킬이다</a:t>
-            </a:r>
-            <a:r>
-              <a:rPr lang="en-US" altLang="ko-KR" b="0" dirty="0" smtClean="0"/>
-              <a:t>. </a:t>
-            </a:r>
-            <a:r>
-              <a:rPr lang="ko-KR" altLang="en-US" b="0" dirty="0" smtClean="0"/>
-              <a:t>아이템에 연결된 </a:t>
-            </a:r>
-            <a:r>
-              <a:rPr lang="ko-KR" altLang="en-US" b="0" dirty="0" err="1" smtClean="0"/>
-              <a:t>스킬은</a:t>
-            </a:r>
-            <a:r>
-              <a:rPr lang="ko-KR" altLang="en-US" b="0" dirty="0" smtClean="0"/>
-              <a:t> 각 속성값을 참조하여 결과를 표현한다</a:t>
-            </a:r>
-            <a:r>
-              <a:rPr lang="en-US" altLang="ko-KR" b="0" dirty="0" smtClean="0"/>
-              <a:t>. </a:t>
-            </a:r>
-            <a:r>
-              <a:rPr lang="ko-KR" altLang="en-US" b="0" dirty="0" smtClean="0"/>
-              <a:t>특별한 </a:t>
-            </a:r>
-            <a:r>
-              <a:rPr lang="ko-KR" altLang="en-US" b="0" dirty="0" err="1" smtClean="0"/>
-              <a:t>스킬은</a:t>
-            </a:r>
-            <a:r>
-              <a:rPr lang="ko-KR" altLang="en-US" b="0" dirty="0" smtClean="0"/>
-              <a:t> </a:t>
-            </a:r>
-            <a:endParaRPr lang="ko-KR" altLang="en-US" b="0" dirty="0"/>
+              <a:rPr lang="ko-KR" altLang="en-US" dirty="0" smtClean="0"/>
+              <a:t>포커스</a:t>
+            </a:r>
+            <a:r>
+              <a:rPr lang="en-US" altLang="ko-KR" dirty="0" smtClean="0"/>
+              <a:t>(Focus</a:t>
+            </a:r>
+            <a:r>
+              <a:rPr lang="en-US" altLang="ko-KR" dirty="0" smtClean="0"/>
+              <a:t>)</a:t>
+            </a:r>
+          </a:p>
+          <a:p>
+            <a:pPr lvl="1"/>
+            <a:r>
+              <a:rPr lang="en-US" altLang="ko-KR" dirty="0" smtClean="0"/>
+              <a:t>concept</a:t>
+            </a:r>
+            <a:endParaRPr lang="en-US" altLang="ko-KR" dirty="0" smtClean="0"/>
+          </a:p>
+          <a:p>
+            <a:r>
+              <a:rPr lang="ko-KR" altLang="en-US" dirty="0" smtClean="0"/>
+              <a:t>정책</a:t>
+            </a:r>
+            <a:r>
+              <a:rPr lang="en-US" altLang="ko-KR" dirty="0" smtClean="0"/>
+              <a:t>(Policy)</a:t>
+            </a:r>
+          </a:p>
+          <a:p>
+            <a:r>
+              <a:rPr lang="ko-KR" altLang="en-US" dirty="0" err="1" smtClean="0"/>
+              <a:t>플로우</a:t>
+            </a:r>
+            <a:r>
+              <a:rPr lang="en-US" altLang="ko-KR" dirty="0" smtClean="0"/>
+              <a:t>(Flow)</a:t>
+            </a:r>
+          </a:p>
+          <a:p>
+            <a:r>
+              <a:rPr lang="ko-KR" altLang="en-US" dirty="0" smtClean="0"/>
+              <a:t>시스템 </a:t>
+            </a:r>
+            <a:r>
+              <a:rPr lang="ko-KR" altLang="en-US" dirty="0" err="1" smtClean="0"/>
+              <a:t>스팩</a:t>
+            </a:r>
+            <a:r>
+              <a:rPr lang="en-US" altLang="ko-KR" dirty="0" smtClean="0"/>
+              <a:t>(System spec</a:t>
+            </a:r>
+            <a:r>
+              <a:rPr lang="en-US" altLang="ko-KR" dirty="0" smtClean="0"/>
+              <a:t>.)</a:t>
+            </a:r>
+            <a:endParaRPr lang="en-US" altLang="ko-KR" dirty="0" smtClean="0"/>
           </a:p>
         </p:txBody>
       </p:sp>
       <p:sp>
         <p:nvSpPr>
-          <p:cNvPr id="4" name="날짜 개체 틀 3"/>
+          <p:cNvPr id="4" name="바닥글 개체 틀 3"/>
+          <p:cNvSpPr>
+            <a:spLocks noGrp="1"/>
+          </p:cNvSpPr>
+          <p:nvPr>
+            <p:ph type="ftr" sz="quarter" idx="11"/>
+          </p:nvPr>
+        </p:nvSpPr>
+        <p:spPr/>
+        <p:txBody>
+          <a:bodyPr/>
+          <a:lstStyle/>
+          <a:p>
+            <a:r>
+              <a:rPr lang="en-US" altLang="ko-KR" smtClean="0"/>
+              <a:t>Copyright(c)2020. All rights reserved by Kyungho.lee.</a:t>
+            </a:r>
+            <a:endParaRPr lang="ko-KR" altLang="en-US"/>
+          </a:p>
+        </p:txBody>
+      </p:sp>
+      <p:sp>
+        <p:nvSpPr>
+          <p:cNvPr id="5" name="슬라이드 번호 개체 틀 4"/>
+          <p:cNvSpPr>
+            <a:spLocks noGrp="1"/>
+          </p:cNvSpPr>
+          <p:nvPr>
+            <p:ph type="sldNum" sz="quarter" idx="12"/>
+          </p:nvPr>
+        </p:nvSpPr>
+        <p:spPr/>
+        <p:txBody>
+          <a:bodyPr/>
+          <a:lstStyle/>
+          <a:p>
+            <a:fld id="{1224457D-3F5D-4D68-9E2B-BEDE4E031B5C}" type="slidenum">
+              <a:rPr lang="ko-KR" altLang="en-US" smtClean="0"/>
+              <a:t>3</a:t>
+            </a:fld>
+            <a:endParaRPr lang="ko-KR" altLang="en-US"/>
+          </a:p>
+        </p:txBody>
+      </p:sp>
+      <p:sp>
+        <p:nvSpPr>
+          <p:cNvPr id="6" name="날짜 개체 틀 5"/>
           <p:cNvSpPr>
             <a:spLocks noGrp="1"/>
           </p:cNvSpPr>
@@ -8737,55 +11653,9 @@
           <a:bodyPr/>
           <a:lstStyle/>
           <a:p>
-            <a:fld id="{3B3A31F0-DC5C-45F6-BF16-81D1F0F2C2F7}" type="datetime1">
+            <a:fld id="{069378C6-BE6B-4503-80E5-96D1D44FB257}" type="datetime1">
               <a:rPr lang="ko-KR" altLang="en-US" smtClean="0"/>
-              <a:t>2020-01-21</a:t>
-            </a:fld>
-            <a:endParaRPr lang="ko-KR" altLang="en-US"/>
-          </a:p>
-        </p:txBody>
-      </p:sp>
-      <p:sp>
-        <p:nvSpPr>
-          <p:cNvPr id="5" name="바닥글 개체 틀 4"/>
-          <p:cNvSpPr>
-            <a:spLocks noGrp="1"/>
-          </p:cNvSpPr>
-          <p:nvPr>
-            <p:ph type="ftr" sz="quarter" idx="11"/>
-          </p:nvPr>
-        </p:nvSpPr>
-        <p:spPr/>
-        <p:txBody>
-          <a:bodyPr/>
-          <a:lstStyle/>
-          <a:p>
-            <a:r>
-              <a:rPr lang="en-US" altLang="ko-KR" smtClean="0"/>
-              <a:t>Copyright(c)2020. All rights reserved by Kyungho.lee.</a:t>
-            </a:r>
-            <a:endParaRPr lang="ko-KR" altLang="en-US"/>
-          </a:p>
-        </p:txBody>
-      </p:sp>
-      <p:sp>
-        <p:nvSpPr>
-          <p:cNvPr id="6" name="슬라이드 번호 개체 틀 5"/>
-          <p:cNvSpPr>
-            <a:spLocks noGrp="1"/>
-          </p:cNvSpPr>
-          <p:nvPr>
-            <p:ph type="sldNum" sz="quarter" idx="12"/>
-          </p:nvPr>
-        </p:nvSpPr>
-        <p:spPr/>
-        <p:txBody>
-          <a:bodyPr/>
-          <a:lstStyle/>
-          <a:p>
-            <a:fld id="{1224457D-3F5D-4D68-9E2B-BEDE4E031B5C}" type="slidenum">
-              <a:rPr lang="ko-KR" altLang="en-US" smtClean="0"/>
-              <a:t>3</a:t>
+              <a:t>2020-01-22</a:t>
             </a:fld>
             <a:endParaRPr lang="ko-KR" altLang="en-US"/>
           </a:p>
@@ -8794,7 +11664,7 @@
     </p:spTree>
     <p:extLst>
       <p:ext uri="{BB962C8B-B14F-4D97-AF65-F5344CB8AC3E}">
-        <p14:creationId xmlns:p14="http://schemas.microsoft.com/office/powerpoint/2010/main" val="2705665646"/>
+        <p14:creationId xmlns:p14="http://schemas.microsoft.com/office/powerpoint/2010/main" val="2977866115"/>
       </p:ext>
     </p:extLst>
   </p:cSld>
@@ -8840,27 +11710,331 @@
         </p:nvSpPr>
         <p:spPr/>
         <p:txBody>
+          <a:bodyPr/>
+          <a:lstStyle/>
+          <a:p>
+            <a:r>
+              <a:rPr lang="ko-KR" altLang="en-US" dirty="0" smtClean="0"/>
+              <a:t>포커스</a:t>
+            </a:r>
+            <a:r>
+              <a:rPr lang="en-US" altLang="ko-KR" dirty="0" smtClean="0"/>
+              <a:t>(Focus)</a:t>
+            </a:r>
+            <a:endParaRPr lang="ko-KR" altLang="en-US" dirty="0"/>
+          </a:p>
+        </p:txBody>
+      </p:sp>
+      <p:sp>
+        <p:nvSpPr>
+          <p:cNvPr id="3" name="내용 개체 틀 2"/>
+          <p:cNvSpPr>
+            <a:spLocks noGrp="1"/>
+          </p:cNvSpPr>
+          <p:nvPr>
+            <p:ph idx="1"/>
+          </p:nvPr>
+        </p:nvSpPr>
+        <p:spPr/>
+        <p:txBody>
           <a:bodyPr>
-            <a:normAutofit fontScale="90000"/>
+            <a:normAutofit/>
           </a:bodyPr>
           <a:lstStyle/>
           <a:p>
-            <a:r>
-              <a:rPr lang="ko-KR" altLang="en-US" dirty="0" smtClean="0"/>
-              <a:t>포커스</a:t>
-            </a:r>
-            <a:r>
-              <a:rPr lang="en-US" altLang="ko-KR" dirty="0" smtClean="0"/>
-              <a:t>(Focus)</a:t>
-            </a:r>
-            <a:br>
-              <a:rPr lang="en-US" altLang="ko-KR" dirty="0" smtClean="0"/>
-            </a:br>
-            <a:r>
-              <a:rPr lang="en-US" altLang="ko-KR" dirty="0" smtClean="0"/>
-              <a:t>concept</a:t>
-            </a:r>
-            <a:endParaRPr lang="ko-KR" altLang="en-US" dirty="0"/>
+            <a:pPr>
+              <a:lnSpc>
+                <a:spcPct val="100000"/>
+              </a:lnSpc>
+            </a:pPr>
+            <a:r>
+              <a:rPr lang="en-US" altLang="ko-KR" sz="2000" dirty="0" smtClean="0"/>
+              <a:t>30days(</a:t>
+            </a:r>
+            <a:r>
+              <a:rPr lang="ko-KR" altLang="en-US" sz="2000" dirty="0" smtClean="0"/>
+              <a:t>가칭</a:t>
+            </a:r>
+            <a:r>
+              <a:rPr lang="en-US" altLang="ko-KR" sz="2000" dirty="0" smtClean="0"/>
+              <a:t>)</a:t>
+            </a:r>
+            <a:r>
+              <a:rPr lang="en-US" altLang="ko-KR" sz="2000" b="0" dirty="0" smtClean="0"/>
+              <a:t> </a:t>
+            </a:r>
+            <a:r>
+              <a:rPr lang="ko-KR" altLang="en-US" sz="2000" b="0" dirty="0" smtClean="0"/>
+              <a:t>에서 플레이어와 </a:t>
+            </a:r>
+            <a:r>
+              <a:rPr lang="en-US" altLang="ko-KR" sz="2000" b="0" dirty="0" smtClean="0"/>
+              <a:t>NPC</a:t>
+            </a:r>
+            <a:r>
+              <a:rPr lang="ko-KR" altLang="en-US" sz="2000" b="0" dirty="0" smtClean="0"/>
+              <a:t>가 할 수 있는 모든 행동은 </a:t>
+            </a:r>
+            <a:r>
+              <a:rPr lang="ko-KR" altLang="en-US" sz="2000" dirty="0" err="1" smtClean="0"/>
+              <a:t>스킬로</a:t>
+            </a:r>
+            <a:r>
+              <a:rPr lang="ko-KR" altLang="en-US" sz="2000" dirty="0" smtClean="0"/>
+              <a:t> </a:t>
+            </a:r>
+            <a:r>
+              <a:rPr lang="ko-KR" altLang="en-US" sz="2000" dirty="0" smtClean="0"/>
+              <a:t>표현</a:t>
+            </a:r>
+            <a:r>
+              <a:rPr lang="ko-KR" altLang="en-US" sz="2000" b="0" dirty="0" smtClean="0"/>
+              <a:t>을 </a:t>
+            </a:r>
+            <a:r>
+              <a:rPr lang="ko-KR" altLang="en-US" sz="2000" b="0" dirty="0" smtClean="0"/>
+              <a:t>한다</a:t>
+            </a:r>
+            <a:r>
+              <a:rPr lang="en-US" altLang="ko-KR" sz="2000" b="0" dirty="0" smtClean="0"/>
+              <a:t>. </a:t>
+            </a:r>
+            <a:r>
+              <a:rPr lang="ko-KR" altLang="en-US" sz="2000" b="0" dirty="0" smtClean="0"/>
+              <a:t>캐릭터가 </a:t>
+            </a:r>
+            <a:r>
+              <a:rPr lang="ko-KR" altLang="en-US" sz="2000" b="0" u="sng" dirty="0" smtClean="0"/>
+              <a:t>직접컨트롤 할 수 있는 </a:t>
+            </a:r>
+            <a:r>
+              <a:rPr lang="ko-KR" altLang="en-US" sz="2000" b="0" u="sng" dirty="0" err="1" smtClean="0"/>
+              <a:t>스킬</a:t>
+            </a:r>
+            <a:r>
+              <a:rPr lang="ko-KR" altLang="en-US" sz="2000" b="0" dirty="0" err="1" smtClean="0"/>
+              <a:t>은</a:t>
+            </a:r>
+            <a:r>
+              <a:rPr lang="ko-KR" altLang="en-US" sz="2000" b="0" dirty="0" smtClean="0"/>
+              <a:t> </a:t>
+            </a:r>
+            <a:r>
+              <a:rPr lang="ko-KR" altLang="en-US" sz="2000" dirty="0" smtClean="0"/>
+              <a:t>액티브 </a:t>
+            </a:r>
+            <a:r>
+              <a:rPr lang="ko-KR" altLang="en-US" sz="2000" dirty="0" err="1" smtClean="0"/>
+              <a:t>스킬</a:t>
+            </a:r>
+            <a:r>
+              <a:rPr lang="ko-KR" altLang="en-US" sz="2000" b="0" dirty="0" err="1" smtClean="0"/>
+              <a:t>이며</a:t>
+            </a:r>
+            <a:r>
+              <a:rPr lang="ko-KR" altLang="en-US" sz="2000" b="0" dirty="0" smtClean="0"/>
+              <a:t> </a:t>
+            </a:r>
+            <a:r>
+              <a:rPr lang="ko-KR" altLang="en-US" sz="2000" b="0" u="sng" dirty="0" smtClean="0"/>
+              <a:t>착용하거나 </a:t>
+            </a:r>
+            <a:r>
+              <a:rPr lang="en-US" altLang="ko-KR" sz="2000" b="0" u="sng" dirty="0" smtClean="0"/>
+              <a:t>NPC</a:t>
+            </a:r>
+            <a:r>
+              <a:rPr lang="ko-KR" altLang="en-US" sz="2000" b="0" u="sng" dirty="0" smtClean="0"/>
+              <a:t>에 의해서 영향을 받는 </a:t>
+            </a:r>
+            <a:r>
+              <a:rPr lang="ko-KR" altLang="en-US" sz="2000" b="0" u="sng" dirty="0" err="1" smtClean="0"/>
+              <a:t>스킬</a:t>
+            </a:r>
+            <a:r>
+              <a:rPr lang="ko-KR" altLang="en-US" sz="2000" b="0" dirty="0" err="1" smtClean="0"/>
+              <a:t>은</a:t>
+            </a:r>
+            <a:r>
+              <a:rPr lang="ko-KR" altLang="en-US" sz="2000" b="0" dirty="0" smtClean="0"/>
+              <a:t> </a:t>
+            </a:r>
+            <a:r>
+              <a:rPr lang="ko-KR" altLang="en-US" sz="2000" dirty="0" err="1" smtClean="0"/>
+              <a:t>패시브</a:t>
+            </a:r>
+            <a:r>
+              <a:rPr lang="ko-KR" altLang="en-US" sz="2000" dirty="0" smtClean="0"/>
+              <a:t> </a:t>
+            </a:r>
+            <a:r>
+              <a:rPr lang="ko-KR" altLang="en-US" sz="2000" dirty="0" err="1" smtClean="0"/>
+              <a:t>스킬</a:t>
+            </a:r>
+            <a:r>
+              <a:rPr lang="ko-KR" altLang="en-US" sz="2000" b="0" dirty="0" err="1" smtClean="0"/>
+              <a:t>이다</a:t>
+            </a:r>
+            <a:r>
+              <a:rPr lang="en-US" altLang="ko-KR" sz="2000" b="0" dirty="0" smtClean="0"/>
+              <a:t>. </a:t>
+            </a:r>
+            <a:r>
+              <a:rPr lang="ko-KR" altLang="en-US" sz="2000" b="0" dirty="0" smtClean="0"/>
+              <a:t>아이템에 연결된 </a:t>
+            </a:r>
+            <a:r>
+              <a:rPr lang="ko-KR" altLang="en-US" sz="2000" b="0" dirty="0" err="1" smtClean="0"/>
+              <a:t>스킬은</a:t>
+            </a:r>
+            <a:r>
+              <a:rPr lang="ko-KR" altLang="en-US" sz="2000" b="0" dirty="0" smtClean="0"/>
+              <a:t> 각 속성값을 참조하여 결과를 표현한다</a:t>
+            </a:r>
+            <a:r>
+              <a:rPr lang="en-US" altLang="ko-KR" sz="2000" b="0" dirty="0" smtClean="0"/>
+              <a:t>. </a:t>
+            </a:r>
+            <a:r>
+              <a:rPr lang="ko-KR" altLang="en-US" sz="2000" b="0" dirty="0" smtClean="0"/>
+              <a:t>특별한 </a:t>
+            </a:r>
+            <a:r>
+              <a:rPr lang="ko-KR" altLang="en-US" sz="2000" b="0" dirty="0" err="1" smtClean="0"/>
+              <a:t>스킬은</a:t>
+            </a:r>
+            <a:r>
+              <a:rPr lang="ko-KR" altLang="en-US" sz="2000" b="0" dirty="0" smtClean="0"/>
+              <a:t> </a:t>
+            </a:r>
+            <a:r>
+              <a:rPr lang="ko-KR" altLang="en-US" sz="2000" b="0" dirty="0" smtClean="0"/>
+              <a:t>부활하거나 잠자기를 선택하면 하루가 종료되고 다음날 </a:t>
+            </a:r>
+            <a:r>
+              <a:rPr lang="en-US" altLang="ko-KR" sz="2000" b="0" dirty="0" smtClean="0"/>
+              <a:t>06:00</a:t>
+            </a:r>
+            <a:r>
+              <a:rPr lang="ko-KR" altLang="en-US" sz="2000" b="0" dirty="0" smtClean="0"/>
+              <a:t>부터 시작할 수 있다</a:t>
+            </a:r>
+            <a:r>
+              <a:rPr lang="en-US" altLang="ko-KR" sz="2000" b="0" dirty="0" smtClean="0"/>
+              <a:t>.</a:t>
+            </a:r>
+          </a:p>
+          <a:p>
+            <a:r>
+              <a:rPr lang="ko-KR" altLang="en-US" sz="2000" b="0" dirty="0" smtClean="0"/>
+              <a:t>공격스킬</a:t>
+            </a:r>
+            <a:r>
+              <a:rPr lang="en-US" altLang="ko-KR" sz="2000" b="0" dirty="0" smtClean="0"/>
+              <a:t>, </a:t>
+            </a:r>
+            <a:r>
+              <a:rPr lang="ko-KR" altLang="en-US" sz="2000" b="0" dirty="0" err="1" smtClean="0"/>
+              <a:t>방어스킬</a:t>
+            </a:r>
+            <a:r>
+              <a:rPr lang="ko-KR" altLang="en-US" sz="2000" b="0" dirty="0" err="1" smtClean="0"/>
+              <a:t>등은</a:t>
+            </a:r>
+            <a:r>
+              <a:rPr lang="ko-KR" altLang="en-US" sz="2000" b="0" dirty="0" smtClean="0"/>
+              <a:t> </a:t>
+            </a:r>
+            <a:r>
+              <a:rPr lang="en-US" altLang="ko-KR" sz="2000" b="0" dirty="0" smtClean="0"/>
+              <a:t>PC</a:t>
+            </a:r>
+            <a:r>
+              <a:rPr lang="ko-KR" altLang="en-US" sz="2000" b="0" dirty="0" smtClean="0"/>
+              <a:t>와 </a:t>
+            </a:r>
+            <a:r>
+              <a:rPr lang="en-US" altLang="ko-KR" sz="2000" b="0" dirty="0" smtClean="0"/>
+              <a:t>NPC</a:t>
+            </a:r>
+            <a:r>
+              <a:rPr lang="ko-KR" altLang="en-US" sz="2000" b="0" dirty="0" smtClean="0"/>
+              <a:t>에 연결된 </a:t>
+            </a:r>
+            <a:r>
+              <a:rPr lang="ko-KR" altLang="en-US" sz="2000" b="0" dirty="0" err="1" smtClean="0"/>
+              <a:t>스킬의</a:t>
+            </a:r>
+            <a:r>
+              <a:rPr lang="ko-KR" altLang="en-US" sz="2000" b="0" dirty="0" smtClean="0"/>
+              <a:t> 효과를 참조하고 자동전투로 진행된다</a:t>
+            </a:r>
+            <a:r>
+              <a:rPr lang="en-US" altLang="ko-KR" sz="2000" b="0" dirty="0" smtClean="0"/>
+              <a:t>.</a:t>
+            </a:r>
+            <a:endParaRPr lang="en-US" altLang="ko-KR" sz="2000" b="0" dirty="0" smtClean="0"/>
+          </a:p>
+          <a:p>
+            <a:r>
+              <a:rPr lang="ko-KR" altLang="en-US" sz="2000" b="0" dirty="0" err="1" smtClean="0"/>
+              <a:t>채집스킬은</a:t>
+            </a:r>
+            <a:r>
+              <a:rPr lang="ko-KR" altLang="en-US" sz="2000" b="0" dirty="0" smtClean="0"/>
+              <a:t> </a:t>
+            </a:r>
+            <a:r>
+              <a:rPr lang="ko-KR" altLang="en-US" sz="2000" b="0" dirty="0" err="1" smtClean="0"/>
+              <a:t>필드내에</a:t>
+            </a:r>
+            <a:r>
+              <a:rPr lang="ko-KR" altLang="en-US" sz="2000" b="0" dirty="0" smtClean="0"/>
+              <a:t> 채집할 수 있는 오브젝트를 선택하면 </a:t>
+            </a:r>
+            <a:r>
+              <a:rPr lang="ko-KR" altLang="en-US" sz="2000" b="0" dirty="0" err="1" smtClean="0"/>
+              <a:t>채집스킬이</a:t>
+            </a:r>
+            <a:r>
+              <a:rPr lang="ko-KR" altLang="en-US" sz="2000" b="0" dirty="0" smtClean="0"/>
+              <a:t> 시작된다</a:t>
+            </a:r>
+            <a:r>
+              <a:rPr lang="en-US" altLang="ko-KR" sz="2000" b="0" dirty="0" smtClean="0"/>
+              <a:t>.</a:t>
+            </a:r>
+          </a:p>
+          <a:p>
+            <a:r>
+              <a:rPr lang="ko-KR" altLang="en-US" sz="2000" b="0" dirty="0" err="1" smtClean="0"/>
+              <a:t>제작스킬은</a:t>
+            </a:r>
+            <a:r>
+              <a:rPr lang="ko-KR" altLang="en-US" sz="2000" b="0" dirty="0" smtClean="0"/>
+              <a:t> </a:t>
+            </a:r>
+            <a:r>
+              <a:rPr lang="en-US" altLang="ko-KR" sz="2000" b="0" dirty="0" smtClean="0"/>
+              <a:t>UI</a:t>
+            </a:r>
+            <a:r>
+              <a:rPr lang="ko-KR" altLang="en-US" sz="2000" b="0" dirty="0" smtClean="0"/>
+              <a:t>에서 </a:t>
+            </a:r>
+            <a:r>
+              <a:rPr lang="ko-KR" altLang="en-US" sz="2000" b="0" dirty="0" err="1" smtClean="0"/>
+              <a:t>제작스킬을</a:t>
+            </a:r>
+            <a:r>
+              <a:rPr lang="ko-KR" altLang="en-US" sz="2000" b="0" dirty="0" smtClean="0"/>
+              <a:t> 선택해서 제작할 수 있는 도감을 선택하면 시작된다</a:t>
+            </a:r>
+            <a:r>
+              <a:rPr lang="en-US" altLang="ko-KR" sz="2000" b="0" dirty="0" smtClean="0"/>
+              <a:t>.</a:t>
+            </a:r>
+            <a:endParaRPr lang="ko-KR" altLang="en-US" sz="2000" b="0" dirty="0"/>
           </a:p>
         </p:txBody>
       </p:sp>
@@ -8881,7 +12055,7 @@
           <a:p>
             <a:fld id="{3B3A31F0-DC5C-45F6-BF16-81D1F0F2C2F7}" type="datetime1">
               <a:rPr lang="ko-KR" altLang="en-US" smtClean="0"/>
-              <a:t>2020-01-21</a:t>
+              <a:t>2020-01-22</a:t>
             </a:fld>
             <a:endParaRPr lang="ko-KR" altLang="en-US"/>
           </a:p>
@@ -8928,6 +12102,148 @@
             <a:fld id="{1224457D-3F5D-4D68-9E2B-BEDE4E031B5C}" type="slidenum">
               <a:rPr lang="ko-KR" altLang="en-US" smtClean="0"/>
               <a:t>4</a:t>
+            </a:fld>
+            <a:endParaRPr lang="ko-KR" altLang="en-US"/>
+          </a:p>
+        </p:txBody>
+      </p:sp>
+    </p:spTree>
+    <p:extLst>
+      <p:ext uri="{BB962C8B-B14F-4D97-AF65-F5344CB8AC3E}">
+        <p14:creationId xmlns:p14="http://schemas.microsoft.com/office/powerpoint/2010/main" val="2705665646"/>
+      </p:ext>
+    </p:extLst>
+  </p:cSld>
+  <p:clrMapOvr>
+    <a:masterClrMapping/>
+  </p:clrMapOvr>
+  <p:timing>
+    <p:tnLst>
+      <p:par>
+        <p:cTn id="1" dur="indefinite" restart="never" nodeType="tmRoot"/>
+      </p:par>
+    </p:tnLst>
+  </p:timing>
+</p:sld>
+</file>
+
+<file path=ppt/slides/slide5.xml><?xml version="1.0" encoding="utf-8"?>
+<p:sld xmlns:a="http://schemas.openxmlformats.org/drawingml/2006/main" xmlns:r="http://schemas.openxmlformats.org/officeDocument/2006/relationships" xmlns:p="http://schemas.openxmlformats.org/presentationml/2006/main">
+  <p:cSld>
+    <p:spTree>
+      <p:nvGrpSpPr>
+        <p:cNvPr id="1" name=""/>
+        <p:cNvGrpSpPr/>
+        <p:nvPr/>
+      </p:nvGrpSpPr>
+      <p:grpSpPr>
+        <a:xfrm>
+          <a:off x="0" y="0"/>
+          <a:ext cx="0" cy="0"/>
+          <a:chOff x="0" y="0"/>
+          <a:chExt cx="0" cy="0"/>
+        </a:xfrm>
+      </p:grpSpPr>
+      <p:sp>
+        <p:nvSpPr>
+          <p:cNvPr id="2" name="제목 1"/>
+          <p:cNvSpPr>
+            <a:spLocks noGrp="1"/>
+          </p:cNvSpPr>
+          <p:nvPr>
+            <p:ph type="title"/>
+          </p:nvPr>
+        </p:nvSpPr>
+        <p:spPr/>
+        <p:txBody>
+          <a:bodyPr>
+            <a:normAutofit fontScale="90000"/>
+          </a:bodyPr>
+          <a:lstStyle/>
+          <a:p>
+            <a:r>
+              <a:rPr lang="ko-KR" altLang="en-US" dirty="0" smtClean="0"/>
+              <a:t>포커스</a:t>
+            </a:r>
+            <a:r>
+              <a:rPr lang="en-US" altLang="ko-KR" dirty="0" smtClean="0"/>
+              <a:t>(Focus)</a:t>
+            </a:r>
+            <a:br>
+              <a:rPr lang="en-US" altLang="ko-KR" dirty="0" smtClean="0"/>
+            </a:br>
+            <a:r>
+              <a:rPr lang="en-US" altLang="ko-KR" dirty="0" smtClean="0"/>
+              <a:t>concept</a:t>
+            </a:r>
+            <a:endParaRPr lang="ko-KR" altLang="en-US" dirty="0"/>
+          </a:p>
+        </p:txBody>
+      </p:sp>
+      <p:sp>
+        <p:nvSpPr>
+          <p:cNvPr id="4" name="날짜 개체 틀 3"/>
+          <p:cNvSpPr>
+            <a:spLocks noGrp="1"/>
+          </p:cNvSpPr>
+          <p:nvPr>
+            <p:ph type="dt" sz="half" idx="10"/>
+          </p:nvPr>
+        </p:nvSpPr>
+        <p:spPr/>
+        <p:txBody>
+          <a:bodyPr/>
+          <a:lstStyle/>
+          <a:p>
+            <a:fld id="{3B3A31F0-DC5C-45F6-BF16-81D1F0F2C2F7}" type="datetime1">
+              <a:rPr lang="ko-KR" altLang="en-US" smtClean="0"/>
+              <a:t>2020-01-22</a:t>
+            </a:fld>
+            <a:endParaRPr lang="ko-KR" altLang="en-US"/>
+          </a:p>
+        </p:txBody>
+      </p:sp>
+      <p:sp>
+        <p:nvSpPr>
+          <p:cNvPr id="5" name="바닥글 개체 틀 4"/>
+          <p:cNvSpPr>
+            <a:spLocks noGrp="1"/>
+          </p:cNvSpPr>
+          <p:nvPr>
+            <p:ph type="ftr" sz="quarter" idx="11"/>
+          </p:nvPr>
+        </p:nvSpPr>
+        <p:spPr/>
+        <p:txBody>
+          <a:bodyPr/>
+          <a:lstStyle/>
+          <a:p>
+            <a:r>
+              <a:rPr lang="en-US" altLang="ko-KR" smtClean="0"/>
+              <a:t>Copyright(c)2020. All rights reserved by Kyungho.lee.</a:t>
+            </a:r>
+            <a:endParaRPr lang="ko-KR" altLang="en-US"/>
+          </a:p>
+        </p:txBody>
+      </p:sp>
+      <p:sp>
+        <p:nvSpPr>
+          <p:cNvPr id="6" name="슬라이드 번호 개체 틀 5"/>
+          <p:cNvSpPr>
+            <a:spLocks noGrp="1"/>
+          </p:cNvSpPr>
+          <p:nvPr>
+            <p:ph type="sldNum" sz="quarter" idx="12"/>
+          </p:nvPr>
+        </p:nvSpPr>
+        <p:spPr/>
+        <p:txBody>
+          <a:bodyPr/>
+          <a:lstStyle/>
+          <a:p>
+            <a:fld id="{1224457D-3F5D-4D68-9E2B-BEDE4E031B5C}" type="slidenum">
+              <a:rPr lang="ko-KR" altLang="en-US" smtClean="0"/>
+              <a:t>5</a:t>
             </a:fld>
             <a:endParaRPr lang="ko-KR" altLang="en-US"/>
           </a:p>
@@ -9736,24 +13052,22 @@
       <p:cxnSp>
         <p:nvCxnSpPr>
           <p:cNvPr id="67" name="직선 화살표 연결선 66"/>
-          <p:cNvCxnSpPr>
-            <a:stCxn id="26" idx="4"/>
-          </p:cNvCxnSpPr>
+          <p:cNvCxnSpPr/>
           <p:nvPr/>
         </p:nvCxnSpPr>
         <p:spPr>
-          <a:xfrm flipH="1">
-            <a:off x="6414494" y="3890341"/>
-            <a:ext cx="275811" cy="1348333"/>
+          <a:xfrm>
+            <a:off x="6803136" y="3606247"/>
+            <a:ext cx="504513" cy="529720"/>
           </a:xfrm>
           <a:prstGeom prst="straightConnector1">
             <a:avLst/>
           </a:prstGeom>
-          <a:ln w="38100">
+          <a:ln w="3175">
             <a:solidFill>
               <a:srgbClr val="FF0000"/>
             </a:solidFill>
-            <a:prstDash val="sysDot"/>
+            <a:prstDash val="dash"/>
             <a:tailEnd type="triangle"/>
           </a:ln>
           <a:effectLst>
@@ -9782,25 +13096,22 @@
       <p:cxnSp>
         <p:nvCxnSpPr>
           <p:cNvPr id="60" name="직선 화살표 연결선 59"/>
-          <p:cNvCxnSpPr>
-            <a:stCxn id="13" idx="5"/>
-            <a:endCxn id="25" idx="1"/>
-          </p:cNvCxnSpPr>
+          <p:cNvCxnSpPr/>
           <p:nvPr/>
         </p:nvCxnSpPr>
         <p:spPr>
           <a:xfrm>
-            <a:off x="6961782" y="2863276"/>
-            <a:ext cx="1353692" cy="912640"/>
+            <a:off x="6705005" y="2692196"/>
+            <a:ext cx="1905595" cy="1141106"/>
           </a:xfrm>
           <a:prstGeom prst="straightConnector1">
             <a:avLst/>
           </a:prstGeom>
-          <a:ln w="38100">
+          <a:ln w="3175">
             <a:solidFill>
               <a:srgbClr val="FF0000"/>
             </a:solidFill>
-            <a:prstDash val="sysDot"/>
+            <a:prstDash val="dash"/>
             <a:tailEnd type="triangle"/>
           </a:ln>
           <a:effectLst>
@@ -9829,24 +13140,22 @@
       <p:cxnSp>
         <p:nvCxnSpPr>
           <p:cNvPr id="79" name="직선 화살표 연결선 78"/>
-          <p:cNvCxnSpPr>
-            <a:endCxn id="8" idx="4"/>
-          </p:cNvCxnSpPr>
+          <p:cNvCxnSpPr/>
           <p:nvPr/>
         </p:nvCxnSpPr>
         <p:spPr>
           <a:xfrm flipH="1" flipV="1">
-            <a:off x="5557151" y="4135967"/>
-            <a:ext cx="3053449" cy="1040554"/>
+            <a:off x="6985505" y="3427976"/>
+            <a:ext cx="1625096" cy="1748545"/>
           </a:xfrm>
           <a:prstGeom prst="straightConnector1">
             <a:avLst/>
           </a:prstGeom>
-          <a:ln w="38100">
+          <a:ln w="3175">
             <a:solidFill>
               <a:srgbClr val="FF0000"/>
             </a:solidFill>
-            <a:prstDash val="sysDot"/>
+            <a:prstDash val="dash"/>
             <a:tailEnd type="triangle"/>
           </a:ln>
           <a:effectLst>
@@ -9920,164 +13229,98 @@
           </a:p>
         </p:txBody>
       </p:sp>
+      <p:cxnSp>
+        <p:nvCxnSpPr>
+          <p:cNvPr id="34" name="직선 화살표 연결선 33"/>
+          <p:cNvCxnSpPr/>
+          <p:nvPr/>
+        </p:nvCxnSpPr>
+        <p:spPr>
+          <a:xfrm>
+            <a:off x="6487949" y="2641253"/>
+            <a:ext cx="138805" cy="2522341"/>
+          </a:xfrm>
+          <a:prstGeom prst="straightConnector1">
+            <a:avLst/>
+          </a:prstGeom>
+          <a:ln w="3175">
+            <a:solidFill>
+              <a:srgbClr val="FF0000"/>
+            </a:solidFill>
+            <a:prstDash val="dash"/>
+            <a:tailEnd type="triangle"/>
+          </a:ln>
+          <a:effectLst>
+            <a:outerShdw blurRad="50800" dist="38100" dir="2700000" algn="tl" rotWithShape="0">
+              <a:prstClr val="black">
+                <a:alpha val="40000"/>
+              </a:prstClr>
+            </a:outerShdw>
+          </a:effectLst>
+        </p:spPr>
+        <p:style>
+          <a:lnRef idx="1">
+            <a:schemeClr val="accent1"/>
+          </a:lnRef>
+          <a:fillRef idx="0">
+            <a:schemeClr val="accent1"/>
+          </a:fillRef>
+          <a:effectRef idx="0">
+            <a:schemeClr val="accent1"/>
+          </a:effectRef>
+          <a:fontRef idx="minor">
+            <a:schemeClr val="tx1"/>
+          </a:fontRef>
+        </p:style>
+      </p:cxnSp>
+      <p:cxnSp>
+        <p:nvCxnSpPr>
+          <p:cNvPr id="37" name="직선 화살표 연결선 36"/>
+          <p:cNvCxnSpPr/>
+          <p:nvPr/>
+        </p:nvCxnSpPr>
+        <p:spPr>
+          <a:xfrm flipH="1" flipV="1">
+            <a:off x="7715562" y="3102604"/>
+            <a:ext cx="952452" cy="1946511"/>
+          </a:xfrm>
+          <a:prstGeom prst="straightConnector1">
+            <a:avLst/>
+          </a:prstGeom>
+          <a:ln w="3175">
+            <a:solidFill>
+              <a:srgbClr val="FF0000"/>
+            </a:solidFill>
+            <a:prstDash val="dash"/>
+            <a:tailEnd type="triangle"/>
+          </a:ln>
+          <a:effectLst>
+            <a:outerShdw blurRad="50800" dist="38100" dir="2700000" algn="tl" rotWithShape="0">
+              <a:prstClr val="black">
+                <a:alpha val="40000"/>
+              </a:prstClr>
+            </a:outerShdw>
+          </a:effectLst>
+        </p:spPr>
+        <p:style>
+          <a:lnRef idx="1">
+            <a:schemeClr val="accent1"/>
+          </a:lnRef>
+          <a:fillRef idx="0">
+            <a:schemeClr val="accent1"/>
+          </a:fillRef>
+          <a:effectRef idx="0">
+            <a:schemeClr val="accent1"/>
+          </a:effectRef>
+          <a:fontRef idx="minor">
+            <a:schemeClr val="tx1"/>
+          </a:fontRef>
+        </p:style>
+      </p:cxnSp>
     </p:spTree>
     <p:extLst>
       <p:ext uri="{BB962C8B-B14F-4D97-AF65-F5344CB8AC3E}">
         <p14:creationId xmlns:p14="http://schemas.microsoft.com/office/powerpoint/2010/main" val="871857296"/>
-      </p:ext>
-    </p:extLst>
-  </p:cSld>
-  <p:clrMapOvr>
-    <a:masterClrMapping/>
-  </p:clrMapOvr>
-  <p:timing>
-    <p:tnLst>
-      <p:par>
-        <p:cTn id="1" dur="indefinite" restart="never" nodeType="tmRoot"/>
-      </p:par>
-    </p:tnLst>
-  </p:timing>
-</p:sld>
-</file>
-
-<file path=ppt/slides/slide5.xml><?xml version="1.0" encoding="utf-8"?>
-<p:sld xmlns:a="http://schemas.openxmlformats.org/drawingml/2006/main" xmlns:r="http://schemas.openxmlformats.org/officeDocument/2006/relationships" xmlns:p="http://schemas.openxmlformats.org/presentationml/2006/main">
-  <p:cSld>
-    <p:spTree>
-      <p:nvGrpSpPr>
-        <p:cNvPr id="1" name=""/>
-        <p:cNvGrpSpPr/>
-        <p:nvPr/>
-      </p:nvGrpSpPr>
-      <p:grpSpPr>
-        <a:xfrm>
-          <a:off x="0" y="0"/>
-          <a:ext cx="0" cy="0"/>
-          <a:chOff x="0" y="0"/>
-          <a:chExt cx="0" cy="0"/>
-        </a:xfrm>
-      </p:grpSpPr>
-      <p:sp>
-        <p:nvSpPr>
-          <p:cNvPr id="2" name="제목 1"/>
-          <p:cNvSpPr>
-            <a:spLocks noGrp="1"/>
-          </p:cNvSpPr>
-          <p:nvPr>
-            <p:ph type="title"/>
-          </p:nvPr>
-        </p:nvSpPr>
-        <p:spPr/>
-        <p:txBody>
-          <a:bodyPr/>
-          <a:lstStyle/>
-          <a:p>
-            <a:r>
-              <a:rPr lang="ko-KR" altLang="en-US" dirty="0" err="1" smtClean="0"/>
-              <a:t>스킬구분</a:t>
-            </a:r>
-            <a:endParaRPr lang="ko-KR" altLang="en-US" dirty="0"/>
-          </a:p>
-        </p:txBody>
-      </p:sp>
-      <p:graphicFrame>
-        <p:nvGraphicFramePr>
-          <p:cNvPr id="7" name="내용 개체 틀 6"/>
-          <p:cNvGraphicFramePr>
-            <a:graphicFrameLocks noGrp="1"/>
-          </p:cNvGraphicFramePr>
-          <p:nvPr>
-            <p:ph idx="1"/>
-            <p:extLst>
-              <p:ext uri="{D42A27DB-BD31-4B8C-83A1-F6EECF244321}">
-                <p14:modId xmlns:p14="http://schemas.microsoft.com/office/powerpoint/2010/main" val="186859037"/>
-              </p:ext>
-            </p:extLst>
-          </p:nvPr>
-        </p:nvGraphicFramePr>
-        <p:xfrm>
-          <a:off x="838200" y="1825625"/>
-          <a:ext cx="10515600" cy="4351338"/>
-        </p:xfrm>
-        <a:graphic>
-          <a:graphicData uri="http://schemas.openxmlformats.org/drawingml/2006/diagram">
-            <dgm:relIds xmlns:dgm="http://schemas.openxmlformats.org/drawingml/2006/diagram" xmlns:r="http://schemas.openxmlformats.org/officeDocument/2006/relationships" r:dm="rId2" r:lo="rId3" r:qs="rId4" r:cs="rId5"/>
-          </a:graphicData>
-        </a:graphic>
-      </p:graphicFrame>
-      <p:sp>
-        <p:nvSpPr>
-          <p:cNvPr id="4" name="날짜 개체 틀 3"/>
-          <p:cNvSpPr>
-            <a:spLocks noGrp="1"/>
-          </p:cNvSpPr>
-          <p:nvPr>
-            <p:ph type="dt" sz="half" idx="10"/>
-          </p:nvPr>
-        </p:nvSpPr>
-        <p:spPr/>
-        <p:txBody>
-          <a:bodyPr/>
-          <a:lstStyle/>
-          <a:p>
-            <a:fld id="{3B3A31F0-DC5C-45F6-BF16-81D1F0F2C2F7}" type="datetime1">
-              <a:rPr lang="ko-KR" altLang="en-US" smtClean="0"/>
-              <a:t>2020-01-21</a:t>
-            </a:fld>
-            <a:endParaRPr lang="ko-KR" altLang="en-US"/>
-          </a:p>
-        </p:txBody>
-      </p:sp>
-      <p:sp>
-        <p:nvSpPr>
-          <p:cNvPr id="5" name="바닥글 개체 틀 4"/>
-          <p:cNvSpPr>
-            <a:spLocks noGrp="1"/>
-          </p:cNvSpPr>
-          <p:nvPr>
-            <p:ph type="ftr" sz="quarter" idx="11"/>
-          </p:nvPr>
-        </p:nvSpPr>
-        <p:spPr/>
-        <p:txBody>
-          <a:bodyPr/>
-          <a:lstStyle/>
-          <a:p>
-            <a:r>
-              <a:rPr lang="en-US" altLang="ko-KR" smtClean="0"/>
-              <a:t>Copyright(c)2020. All rights reserved by Kyungho.lee.</a:t>
-            </a:r>
-            <a:endParaRPr lang="ko-KR" altLang="en-US"/>
-          </a:p>
-        </p:txBody>
-      </p:sp>
-      <p:sp>
-        <p:nvSpPr>
-          <p:cNvPr id="6" name="슬라이드 번호 개체 틀 5"/>
-          <p:cNvSpPr>
-            <a:spLocks noGrp="1"/>
-          </p:cNvSpPr>
-          <p:nvPr>
-            <p:ph type="sldNum" sz="quarter" idx="12"/>
-          </p:nvPr>
-        </p:nvSpPr>
-        <p:spPr/>
-        <p:txBody>
-          <a:bodyPr/>
-          <a:lstStyle/>
-          <a:p>
-            <a:fld id="{1224457D-3F5D-4D68-9E2B-BEDE4E031B5C}" type="slidenum">
-              <a:rPr lang="ko-KR" altLang="en-US" smtClean="0"/>
-              <a:t>5</a:t>
-            </a:fld>
-            <a:endParaRPr lang="ko-KR" altLang="en-US"/>
-          </a:p>
-        </p:txBody>
-      </p:sp>
-    </p:spTree>
-    <p:extLst>
-      <p:ext uri="{BB962C8B-B14F-4D97-AF65-F5344CB8AC3E}">
-        <p14:creationId xmlns:p14="http://schemas.microsoft.com/office/powerpoint/2010/main" val="3384816637"/>
       </p:ext>
     </p:extLst>
   </p:cSld>
@@ -10123,42 +13366,42 @@
         </p:nvSpPr>
         <p:spPr/>
         <p:txBody>
-          <a:bodyPr>
-            <a:normAutofit/>
-          </a:bodyPr>
+          <a:bodyPr/>
           <a:lstStyle/>
           <a:p>
             <a:r>
-              <a:rPr lang="ko-KR" altLang="en-US" dirty="0" smtClean="0"/>
-              <a:t>정책</a:t>
-            </a:r>
-            <a:r>
-              <a:rPr lang="en-US" altLang="ko-KR" dirty="0" smtClean="0"/>
-              <a:t>(Policy)</a:t>
+              <a:rPr lang="ko-KR" altLang="en-US" dirty="0" err="1" smtClean="0"/>
+              <a:t>스킬구분</a:t>
             </a:r>
             <a:endParaRPr lang="ko-KR" altLang="en-US" dirty="0"/>
           </a:p>
         </p:txBody>
       </p:sp>
-      <p:sp>
-        <p:nvSpPr>
-          <p:cNvPr id="3" name="내용 개체 틀 2"/>
-          <p:cNvSpPr>
-            <a:spLocks noGrp="1"/>
-          </p:cNvSpPr>
+      <p:graphicFrame>
+        <p:nvGraphicFramePr>
+          <p:cNvPr id="7" name="내용 개체 틀 6"/>
+          <p:cNvGraphicFramePr>
+            <a:graphicFrameLocks noGrp="1"/>
+          </p:cNvGraphicFramePr>
           <p:nvPr>
             <p:ph idx="1"/>
+            <p:extLst>
+              <p:ext uri="{D42A27DB-BD31-4B8C-83A1-F6EECF244321}">
+                <p14:modId xmlns:p14="http://schemas.microsoft.com/office/powerpoint/2010/main" val="373766539"/>
+              </p:ext>
+            </p:extLst>
           </p:nvPr>
-        </p:nvSpPr>
-        <p:spPr/>
-        <p:txBody>
-          <a:bodyPr/>
-          <a:lstStyle/>
-          <a:p>
-            <a:endParaRPr lang="ko-KR" altLang="en-US" dirty="0"/>
-          </a:p>
-        </p:txBody>
-      </p:sp>
+        </p:nvGraphicFramePr>
+        <p:xfrm>
+          <a:off x="61558" y="1504251"/>
+          <a:ext cx="12068884" cy="4852099"/>
+        </p:xfrm>
+        <a:graphic>
+          <a:graphicData uri="http://schemas.openxmlformats.org/drawingml/2006/diagram">
+            <dgm:relIds xmlns:dgm="http://schemas.openxmlformats.org/drawingml/2006/diagram" xmlns:r="http://schemas.openxmlformats.org/officeDocument/2006/relationships" r:dm="rId2" r:lo="rId3" r:qs="rId4" r:cs="rId5"/>
+          </a:graphicData>
+        </a:graphic>
+      </p:graphicFrame>
       <p:sp>
         <p:nvSpPr>
           <p:cNvPr id="4" name="날짜 개체 틀 3"/>
@@ -10176,7 +13419,7 @@
           <a:p>
             <a:fld id="{3B3A31F0-DC5C-45F6-BF16-81D1F0F2C2F7}" type="datetime1">
               <a:rPr lang="ko-KR" altLang="en-US" smtClean="0"/>
-              <a:t>2020-01-21</a:t>
+              <a:t>2020-01-22</a:t>
             </a:fld>
             <a:endParaRPr lang="ko-KR" altLang="en-US"/>
           </a:p>
@@ -10198,10 +13441,18 @@
           <a:lstStyle/>
           <a:p>
             <a:r>
-              <a:rPr lang="en-US" altLang="ko-KR" smtClean="0"/>
-              <a:t>Copyright(c)2020. All rights reserved by Kyungho.lee.</a:t>
-            </a:r>
-            <a:endParaRPr lang="ko-KR" altLang="en-US"/>
+              <a:rPr lang="en-US" altLang="ko-KR" dirty="0" smtClean="0"/>
+              <a:t>Copyright(c)2020. All rights reserved by </a:t>
+            </a:r>
+            <a:r>
+              <a:rPr lang="en-US" altLang="ko-KR" dirty="0" err="1" smtClean="0"/>
+              <a:t>Kyungho.lee</a:t>
+            </a:r>
+            <a:r>
+              <a:rPr lang="en-US" altLang="ko-KR" dirty="0" smtClean="0"/>
+              <a:t>.</a:t>
+            </a:r>
+            <a:endParaRPr lang="ko-KR" altLang="en-US" dirty="0"/>
           </a:p>
         </p:txBody>
       </p:sp>
@@ -10228,40 +13479,10 @@
           </a:p>
         </p:txBody>
       </p:sp>
-      <p:sp>
-        <p:nvSpPr>
-          <p:cNvPr id="7" name="TextBox 6"/>
-          <p:cNvSpPr txBox="1"/>
-          <p:nvPr/>
-        </p:nvSpPr>
-        <p:spPr>
-          <a:xfrm>
-            <a:off x="838200" y="1341120"/>
-            <a:ext cx="1149096" cy="369332"/>
-          </a:xfrm>
-          <a:prstGeom prst="rect">
-            <a:avLst/>
-          </a:prstGeom>
-          <a:noFill/>
-        </p:spPr>
-        <p:txBody>
-          <a:bodyPr wrap="square" rtlCol="0">
-            <a:spAutoFit/>
-          </a:bodyPr>
-          <a:lstStyle/>
-          <a:p>
-            <a:r>
-              <a:rPr lang="ko-KR" altLang="en-US" b="1" dirty="0" smtClean="0"/>
-              <a:t>공통</a:t>
-            </a:r>
-            <a:endParaRPr lang="ko-KR" altLang="en-US" b="1" dirty="0"/>
-          </a:p>
-        </p:txBody>
-      </p:sp>
     </p:spTree>
     <p:extLst>
       <p:ext uri="{BB962C8B-B14F-4D97-AF65-F5344CB8AC3E}">
-        <p14:creationId xmlns:p14="http://schemas.microsoft.com/office/powerpoint/2010/main" val="1085062743"/>
+        <p14:creationId xmlns:p14="http://schemas.microsoft.com/office/powerpoint/2010/main" val="3384816637"/>
       </p:ext>
     </p:extLst>
   </p:cSld>
@@ -10307,6 +13528,751 @@
         </p:nvSpPr>
         <p:spPr/>
         <p:txBody>
+          <a:bodyPr>
+            <a:normAutofit/>
+          </a:bodyPr>
+          <a:lstStyle/>
+          <a:p>
+            <a:r>
+              <a:rPr lang="ko-KR" altLang="en-US" dirty="0" smtClean="0"/>
+              <a:t>정의</a:t>
+            </a:r>
+            <a:r>
+              <a:rPr lang="en-US" altLang="ko-KR" dirty="0" smtClean="0"/>
+              <a:t>(</a:t>
+            </a:r>
+            <a:r>
+              <a:rPr lang="en-US" altLang="ko-KR" dirty="0" smtClean="0"/>
+              <a:t>Policy)</a:t>
+            </a:r>
+            <a:endParaRPr lang="ko-KR" altLang="en-US" dirty="0"/>
+          </a:p>
+        </p:txBody>
+      </p:sp>
+      <p:sp>
+        <p:nvSpPr>
+          <p:cNvPr id="3" name="내용 개체 틀 2"/>
+          <p:cNvSpPr>
+            <a:spLocks noGrp="1"/>
+          </p:cNvSpPr>
+          <p:nvPr>
+            <p:ph idx="1"/>
+          </p:nvPr>
+        </p:nvSpPr>
+        <p:spPr/>
+        <p:txBody>
+          <a:bodyPr>
+            <a:normAutofit fontScale="85000" lnSpcReduction="20000"/>
+          </a:bodyPr>
+          <a:lstStyle/>
+          <a:p>
+            <a:r>
+              <a:rPr lang="ko-KR" altLang="en-US" dirty="0" err="1" smtClean="0"/>
+              <a:t>스킬사용</a:t>
+            </a:r>
+            <a:r>
+              <a:rPr lang="ko-KR" altLang="en-US" dirty="0" smtClean="0"/>
+              <a:t> 방법에 대해 정의합니다</a:t>
+            </a:r>
+            <a:r>
+              <a:rPr lang="en-US" altLang="ko-KR" dirty="0" smtClean="0"/>
+              <a:t>.</a:t>
+            </a:r>
+          </a:p>
+          <a:p>
+            <a:r>
+              <a:rPr lang="ko-KR" altLang="en-US" dirty="0" err="1" smtClean="0"/>
+              <a:t>패시브</a:t>
+            </a:r>
+            <a:r>
+              <a:rPr lang="ko-KR" altLang="en-US" dirty="0" smtClean="0"/>
+              <a:t> </a:t>
+            </a:r>
+            <a:r>
+              <a:rPr lang="ko-KR" altLang="en-US" dirty="0" err="1" smtClean="0"/>
+              <a:t>스킬사용</a:t>
+            </a:r>
+            <a:endParaRPr lang="en-US" altLang="ko-KR" dirty="0" smtClean="0"/>
+          </a:p>
+          <a:p>
+            <a:pPr lvl="1"/>
+            <a:r>
+              <a:rPr lang="ko-KR" altLang="en-US" dirty="0" smtClean="0"/>
+              <a:t>장비착용</a:t>
+            </a:r>
+            <a:endParaRPr lang="en-US" altLang="ko-KR" dirty="0" smtClean="0"/>
+          </a:p>
+          <a:p>
+            <a:pPr lvl="2"/>
+            <a:r>
+              <a:rPr lang="ko-KR" altLang="en-US" dirty="0" smtClean="0"/>
+              <a:t>무기아이템착용</a:t>
+            </a:r>
+            <a:r>
+              <a:rPr lang="en-US" altLang="ko-KR" dirty="0" smtClean="0"/>
+              <a:t>, </a:t>
+            </a:r>
+            <a:r>
+              <a:rPr lang="ko-KR" altLang="en-US" dirty="0" err="1" smtClean="0"/>
+              <a:t>방어구아이템착용</a:t>
+            </a:r>
+            <a:r>
+              <a:rPr lang="en-US" altLang="ko-KR" dirty="0" smtClean="0"/>
+              <a:t>, </a:t>
+            </a:r>
+            <a:r>
+              <a:rPr lang="ko-KR" altLang="en-US" dirty="0" smtClean="0"/>
+              <a:t>특수장비아이템 착용</a:t>
+            </a:r>
+            <a:endParaRPr lang="en-US" altLang="ko-KR" dirty="0" smtClean="0"/>
+          </a:p>
+          <a:p>
+            <a:pPr lvl="2"/>
+            <a:r>
+              <a:rPr lang="ko-KR" altLang="en-US" dirty="0" err="1" smtClean="0"/>
+              <a:t>인벤토리에서</a:t>
+            </a:r>
+            <a:r>
+              <a:rPr lang="ko-KR" altLang="en-US" dirty="0" smtClean="0"/>
+              <a:t> 아이템을 선택하고 착용버튼을 누르면 효과적용</a:t>
+            </a:r>
+            <a:endParaRPr lang="en-US" altLang="ko-KR" dirty="0" smtClean="0"/>
+          </a:p>
+          <a:p>
+            <a:pPr lvl="1"/>
+            <a:r>
+              <a:rPr lang="en-US" altLang="ko-KR" dirty="0" smtClean="0"/>
+              <a:t>NPC</a:t>
+            </a:r>
+            <a:r>
+              <a:rPr lang="ko-KR" altLang="en-US" dirty="0" smtClean="0"/>
+              <a:t>공격</a:t>
+            </a:r>
+            <a:endParaRPr lang="en-US" altLang="ko-KR" dirty="0" smtClean="0"/>
+          </a:p>
+          <a:p>
+            <a:pPr lvl="2"/>
+            <a:r>
+              <a:rPr lang="en-US" altLang="ko-KR" dirty="0" smtClean="0"/>
+              <a:t>NPC</a:t>
+            </a:r>
+            <a:r>
+              <a:rPr lang="ko-KR" altLang="en-US" dirty="0" smtClean="0"/>
+              <a:t>는 연결된 </a:t>
+            </a:r>
+            <a:r>
+              <a:rPr lang="ko-KR" altLang="en-US" dirty="0" err="1" smtClean="0"/>
+              <a:t>공격스킬이</a:t>
+            </a:r>
+            <a:r>
+              <a:rPr lang="ko-KR" altLang="en-US" dirty="0" smtClean="0"/>
+              <a:t> 전투상태에서 적용된다</a:t>
+            </a:r>
+            <a:r>
+              <a:rPr lang="en-US" altLang="ko-KR" dirty="0" smtClean="0"/>
+              <a:t>.</a:t>
+            </a:r>
+          </a:p>
+          <a:p>
+            <a:r>
+              <a:rPr lang="ko-KR" altLang="en-US" dirty="0" smtClean="0"/>
+              <a:t>액티브 </a:t>
+            </a:r>
+            <a:r>
+              <a:rPr lang="ko-KR" altLang="en-US" dirty="0" err="1" smtClean="0"/>
+              <a:t>스킬사용</a:t>
+            </a:r>
+            <a:endParaRPr lang="en-US" altLang="ko-KR" dirty="0" smtClean="0"/>
+          </a:p>
+          <a:p>
+            <a:pPr lvl="1"/>
+            <a:r>
+              <a:rPr lang="ko-KR" altLang="en-US" dirty="0" smtClean="0"/>
+              <a:t>아이템액션</a:t>
+            </a:r>
+            <a:endParaRPr lang="en-US" altLang="ko-KR" dirty="0" smtClean="0"/>
+          </a:p>
+          <a:p>
+            <a:pPr lvl="1"/>
+            <a:r>
+              <a:rPr lang="ko-KR" altLang="en-US" dirty="0" err="1"/>
+              <a:t>먹기액션</a:t>
+            </a:r>
+            <a:endParaRPr lang="en-US" altLang="ko-KR" dirty="0"/>
+          </a:p>
+          <a:p>
+            <a:pPr lvl="1"/>
+            <a:r>
+              <a:rPr lang="ko-KR" altLang="en-US" dirty="0" smtClean="0"/>
+              <a:t>휴식액션</a:t>
+            </a:r>
+            <a:endParaRPr lang="en-US" altLang="ko-KR" dirty="0" smtClean="0"/>
+          </a:p>
+          <a:p>
+            <a:pPr lvl="1"/>
+            <a:r>
+              <a:rPr lang="ko-KR" altLang="en-US" dirty="0" err="1" smtClean="0"/>
+              <a:t>잠자기액션</a:t>
+            </a:r>
+            <a:endParaRPr lang="en-US" altLang="ko-KR" dirty="0" smtClean="0"/>
+          </a:p>
+          <a:p>
+            <a:pPr lvl="1"/>
+            <a:r>
+              <a:rPr lang="ko-KR" altLang="en-US" dirty="0" smtClean="0"/>
+              <a:t>채집액션</a:t>
+            </a:r>
+            <a:endParaRPr lang="en-US" altLang="ko-KR" dirty="0" smtClean="0"/>
+          </a:p>
+          <a:p>
+            <a:pPr lvl="1"/>
+            <a:r>
+              <a:rPr lang="ko-KR" altLang="en-US" dirty="0" smtClean="0"/>
+              <a:t>낚시액션</a:t>
+            </a:r>
+            <a:endParaRPr lang="en-US" altLang="ko-KR" dirty="0" smtClean="0"/>
+          </a:p>
+          <a:p>
+            <a:pPr lvl="1"/>
+            <a:endParaRPr lang="en-US" altLang="ko-KR" dirty="0" smtClean="0"/>
+          </a:p>
+          <a:p>
+            <a:pPr lvl="1"/>
+            <a:endParaRPr lang="en-US" altLang="ko-KR" dirty="0" smtClean="0"/>
+          </a:p>
+          <a:p>
+            <a:pPr lvl="1"/>
+            <a:endParaRPr lang="ko-KR" altLang="en-US" dirty="0"/>
+          </a:p>
+        </p:txBody>
+      </p:sp>
+      <p:sp>
+        <p:nvSpPr>
+          <p:cNvPr id="4" name="날짜 개체 틀 3"/>
+          <p:cNvSpPr>
+            <a:spLocks noGrp="1"/>
+          </p:cNvSpPr>
+          <p:nvPr>
+            <p:ph type="dt" sz="half" idx="10"/>
+          </p:nvPr>
+        </p:nvSpPr>
+        <p:spPr/>
+        <p:txBody>
+          <a:bodyPr/>
+          <a:lstStyle/>
+          <a:p>
+            <a:fld id="{3B3A31F0-DC5C-45F6-BF16-81D1F0F2C2F7}" type="datetime1">
+              <a:rPr lang="ko-KR" altLang="en-US" smtClean="0"/>
+              <a:t>2020-01-22</a:t>
+            </a:fld>
+            <a:endParaRPr lang="ko-KR" altLang="en-US"/>
+          </a:p>
+        </p:txBody>
+      </p:sp>
+      <p:sp>
+        <p:nvSpPr>
+          <p:cNvPr id="5" name="바닥글 개체 틀 4"/>
+          <p:cNvSpPr>
+            <a:spLocks noGrp="1"/>
+          </p:cNvSpPr>
+          <p:nvPr>
+            <p:ph type="ftr" sz="quarter" idx="11"/>
+          </p:nvPr>
+        </p:nvSpPr>
+        <p:spPr/>
+        <p:txBody>
+          <a:bodyPr/>
+          <a:lstStyle/>
+          <a:p>
+            <a:r>
+              <a:rPr lang="en-US" altLang="ko-KR" smtClean="0"/>
+              <a:t>Copyright(c)2020. All rights reserved by Kyungho.lee.</a:t>
+            </a:r>
+            <a:endParaRPr lang="ko-KR" altLang="en-US"/>
+          </a:p>
+        </p:txBody>
+      </p:sp>
+      <p:sp>
+        <p:nvSpPr>
+          <p:cNvPr id="6" name="슬라이드 번호 개체 틀 5"/>
+          <p:cNvSpPr>
+            <a:spLocks noGrp="1"/>
+          </p:cNvSpPr>
+          <p:nvPr>
+            <p:ph type="sldNum" sz="quarter" idx="12"/>
+          </p:nvPr>
+        </p:nvSpPr>
+        <p:spPr/>
+        <p:txBody>
+          <a:bodyPr/>
+          <a:lstStyle/>
+          <a:p>
+            <a:fld id="{1224457D-3F5D-4D68-9E2B-BEDE4E031B5C}" type="slidenum">
+              <a:rPr lang="ko-KR" altLang="en-US" smtClean="0"/>
+              <a:t>7</a:t>
+            </a:fld>
+            <a:endParaRPr lang="ko-KR" altLang="en-US"/>
+          </a:p>
+        </p:txBody>
+      </p:sp>
+      <p:sp>
+        <p:nvSpPr>
+          <p:cNvPr id="7" name="TextBox 6"/>
+          <p:cNvSpPr txBox="1"/>
+          <p:nvPr/>
+        </p:nvSpPr>
+        <p:spPr>
+          <a:xfrm>
+            <a:off x="838200" y="1341120"/>
+            <a:ext cx="1149096" cy="369332"/>
+          </a:xfrm>
+          <a:prstGeom prst="rect">
+            <a:avLst/>
+          </a:prstGeom>
+          <a:noFill/>
+        </p:spPr>
+        <p:txBody>
+          <a:bodyPr wrap="square" rtlCol="0">
+            <a:spAutoFit/>
+          </a:bodyPr>
+          <a:lstStyle/>
+          <a:p>
+            <a:r>
+              <a:rPr lang="ko-KR" altLang="en-US" b="1" dirty="0" smtClean="0"/>
+              <a:t>공통</a:t>
+            </a:r>
+            <a:endParaRPr lang="ko-KR" altLang="en-US" b="1" dirty="0"/>
+          </a:p>
+        </p:txBody>
+      </p:sp>
+    </p:spTree>
+    <p:extLst>
+      <p:ext uri="{BB962C8B-B14F-4D97-AF65-F5344CB8AC3E}">
+        <p14:creationId xmlns:p14="http://schemas.microsoft.com/office/powerpoint/2010/main" val="1085062743"/>
+      </p:ext>
+    </p:extLst>
+  </p:cSld>
+  <p:clrMapOvr>
+    <a:masterClrMapping/>
+  </p:clrMapOvr>
+  <p:timing>
+    <p:tnLst>
+      <p:par>
+        <p:cTn id="1" dur="indefinite" restart="never" nodeType="tmRoot"/>
+      </p:par>
+    </p:tnLst>
+  </p:timing>
+</p:sld>
+</file>
+
+<file path=ppt/slides/slide8.xml><?xml version="1.0" encoding="utf-8"?>
+<p:sld xmlns:a="http://schemas.openxmlformats.org/drawingml/2006/main" xmlns:r="http://schemas.openxmlformats.org/officeDocument/2006/relationships" xmlns:p="http://schemas.openxmlformats.org/presentationml/2006/main">
+  <p:cSld>
+    <p:spTree>
+      <p:nvGrpSpPr>
+        <p:cNvPr id="1" name=""/>
+        <p:cNvGrpSpPr/>
+        <p:nvPr/>
+      </p:nvGrpSpPr>
+      <p:grpSpPr>
+        <a:xfrm>
+          <a:off x="0" y="0"/>
+          <a:ext cx="0" cy="0"/>
+          <a:chOff x="0" y="0"/>
+          <a:chExt cx="0" cy="0"/>
+        </a:xfrm>
+      </p:grpSpPr>
+      <p:sp>
+        <p:nvSpPr>
+          <p:cNvPr id="2" name="제목 1"/>
+          <p:cNvSpPr>
+            <a:spLocks noGrp="1"/>
+          </p:cNvSpPr>
+          <p:nvPr>
+            <p:ph type="title"/>
+          </p:nvPr>
+        </p:nvSpPr>
+        <p:spPr/>
+        <p:txBody>
+          <a:bodyPr>
+            <a:normAutofit/>
+          </a:bodyPr>
+          <a:lstStyle/>
+          <a:p>
+            <a:r>
+              <a:rPr lang="ko-KR" altLang="en-US" dirty="0" smtClean="0"/>
+              <a:t>정의</a:t>
+            </a:r>
+            <a:r>
+              <a:rPr lang="en-US" altLang="ko-KR" dirty="0" smtClean="0"/>
+              <a:t>(</a:t>
+            </a:r>
+            <a:r>
+              <a:rPr lang="en-US" altLang="ko-KR" dirty="0" smtClean="0"/>
+              <a:t>Policy)</a:t>
+            </a:r>
+            <a:endParaRPr lang="ko-KR" altLang="en-US" dirty="0"/>
+          </a:p>
+        </p:txBody>
+      </p:sp>
+      <p:sp>
+        <p:nvSpPr>
+          <p:cNvPr id="3" name="내용 개체 틀 2"/>
+          <p:cNvSpPr>
+            <a:spLocks noGrp="1"/>
+          </p:cNvSpPr>
+          <p:nvPr>
+            <p:ph idx="1"/>
+          </p:nvPr>
+        </p:nvSpPr>
+        <p:spPr/>
+        <p:txBody>
+          <a:bodyPr>
+            <a:normAutofit lnSpcReduction="10000"/>
+          </a:bodyPr>
+          <a:lstStyle/>
+          <a:p>
+            <a:r>
+              <a:rPr lang="ko-KR" altLang="en-US" sz="2200" b="0" dirty="0" err="1" smtClean="0"/>
+              <a:t>스킬사용</a:t>
+            </a:r>
+            <a:r>
+              <a:rPr lang="ko-KR" altLang="en-US" sz="2200" b="0" dirty="0" smtClean="0"/>
+              <a:t> 방법에 대한 내용을 리뷰</a:t>
+            </a:r>
+            <a:endParaRPr lang="en-US" altLang="ko-KR" sz="2200" b="0" dirty="0" smtClean="0"/>
+          </a:p>
+          <a:p>
+            <a:r>
+              <a:rPr lang="ko-KR" altLang="en-US" sz="2200" b="0" dirty="0" err="1" smtClean="0"/>
+              <a:t>스킬사용에</a:t>
+            </a:r>
+            <a:r>
+              <a:rPr lang="ko-KR" altLang="en-US" sz="2200" b="0" dirty="0" smtClean="0"/>
+              <a:t> 따라 캐릭터애니메이션은 상태정의</a:t>
+            </a:r>
+            <a:r>
+              <a:rPr lang="en-US" altLang="ko-KR" sz="2200" b="0" dirty="0" smtClean="0"/>
+              <a:t>(FSM)</a:t>
+            </a:r>
+            <a:r>
+              <a:rPr lang="ko-KR" altLang="en-US" sz="2200" b="0" dirty="0" smtClean="0"/>
+              <a:t>에서 </a:t>
+            </a:r>
+            <a:r>
+              <a:rPr lang="ko-KR" altLang="en-US" sz="2200" b="0" dirty="0" err="1" smtClean="0"/>
+              <a:t>스킬코드가</a:t>
+            </a:r>
+            <a:r>
+              <a:rPr lang="ko-KR" altLang="en-US" sz="2200" b="0" dirty="0" smtClean="0"/>
+              <a:t> </a:t>
+            </a:r>
+            <a:r>
+              <a:rPr lang="en-US" altLang="ko-KR" sz="2200" b="0" dirty="0" smtClean="0"/>
+              <a:t>Trigger</a:t>
+            </a:r>
+            <a:r>
+              <a:rPr lang="ko-KR" altLang="en-US" sz="2200" b="0" dirty="0" smtClean="0"/>
+              <a:t>로 사용된다</a:t>
+            </a:r>
+            <a:r>
+              <a:rPr lang="en-US" altLang="ko-KR" sz="2200" b="0" dirty="0" smtClean="0"/>
+              <a:t>.</a:t>
+            </a:r>
+          </a:p>
+          <a:p>
+            <a:r>
+              <a:rPr lang="ko-KR" altLang="en-US" sz="2200" b="0" dirty="0" err="1" smtClean="0"/>
+              <a:t>스킬액션중</a:t>
+            </a:r>
+            <a:r>
+              <a:rPr lang="ko-KR" altLang="en-US" sz="2200" b="0" dirty="0" smtClean="0"/>
+              <a:t> </a:t>
+            </a:r>
+            <a:r>
+              <a:rPr lang="en-US" altLang="ko-KR" sz="2200" b="0" dirty="0" smtClean="0"/>
+              <a:t>PC/</a:t>
+            </a:r>
+            <a:r>
+              <a:rPr lang="en-US" altLang="ko-KR" sz="2200" b="0" dirty="0" smtClean="0"/>
+              <a:t>NPC </a:t>
+            </a:r>
+            <a:r>
+              <a:rPr lang="ko-KR" altLang="en-US" sz="2200" b="0" dirty="0" smtClean="0"/>
+              <a:t>전투관련내용은 전투시스템에서 참조한다</a:t>
+            </a:r>
+            <a:r>
+              <a:rPr lang="en-US" altLang="ko-KR" sz="2200" b="0" dirty="0" smtClean="0"/>
+              <a:t>.</a:t>
+            </a:r>
+          </a:p>
+          <a:p>
+            <a:r>
+              <a:rPr lang="ko-KR" altLang="en-US" sz="2200" b="0" dirty="0" err="1" smtClean="0"/>
+              <a:t>패시브</a:t>
+            </a:r>
+            <a:r>
+              <a:rPr lang="ko-KR" altLang="en-US" sz="2200" b="0" dirty="0" smtClean="0"/>
+              <a:t> </a:t>
+            </a:r>
+            <a:r>
+              <a:rPr lang="ko-KR" altLang="en-US" sz="2200" b="0" dirty="0" err="1" smtClean="0"/>
+              <a:t>스킬사용</a:t>
+            </a:r>
+            <a:endParaRPr lang="en-US" altLang="ko-KR" sz="2200" b="0" dirty="0" smtClean="0"/>
+          </a:p>
+          <a:p>
+            <a:pPr lvl="1"/>
+            <a:r>
+              <a:rPr lang="ko-KR" altLang="en-US" sz="1800" dirty="0" smtClean="0"/>
+              <a:t>장비착용</a:t>
+            </a:r>
+            <a:endParaRPr lang="en-US" altLang="ko-KR" sz="2000" dirty="0" smtClean="0"/>
+          </a:p>
+          <a:p>
+            <a:pPr lvl="2"/>
+            <a:r>
+              <a:rPr lang="ko-KR" altLang="en-US" dirty="0" smtClean="0"/>
+              <a:t>무기아이템착용</a:t>
+            </a:r>
+            <a:r>
+              <a:rPr lang="en-US" altLang="ko-KR" dirty="0" smtClean="0"/>
+              <a:t>, </a:t>
+            </a:r>
+            <a:r>
+              <a:rPr lang="ko-KR" altLang="en-US" dirty="0" err="1" smtClean="0"/>
+              <a:t>방어구아이템착용</a:t>
+            </a:r>
+            <a:r>
+              <a:rPr lang="en-US" altLang="ko-KR" dirty="0" smtClean="0"/>
+              <a:t>, </a:t>
+            </a:r>
+            <a:r>
+              <a:rPr lang="ko-KR" altLang="en-US" dirty="0" smtClean="0"/>
+              <a:t>특수장비아이템 착용</a:t>
+            </a:r>
+            <a:endParaRPr lang="en-US" altLang="ko-KR" dirty="0" smtClean="0"/>
+          </a:p>
+          <a:p>
+            <a:pPr lvl="2"/>
+            <a:r>
+              <a:rPr lang="ko-KR" altLang="en-US" dirty="0" err="1" smtClean="0"/>
+              <a:t>인벤토리에서</a:t>
+            </a:r>
+            <a:r>
+              <a:rPr lang="ko-KR" altLang="en-US" dirty="0" smtClean="0"/>
+              <a:t> 아이템을 선택하고 착용버튼을 누르면 효과적용</a:t>
+            </a:r>
+            <a:endParaRPr lang="en-US" altLang="ko-KR" dirty="0" smtClean="0"/>
+          </a:p>
+          <a:p>
+            <a:pPr lvl="1"/>
+            <a:r>
+              <a:rPr lang="en-US" altLang="ko-KR" sz="1800" dirty="0" smtClean="0"/>
+              <a:t>NPC</a:t>
+            </a:r>
+            <a:r>
+              <a:rPr lang="ko-KR" altLang="en-US" sz="1800" dirty="0" smtClean="0"/>
+              <a:t>공격</a:t>
+            </a:r>
+            <a:endParaRPr lang="en-US" altLang="ko-KR" dirty="0" smtClean="0"/>
+          </a:p>
+          <a:p>
+            <a:pPr lvl="2"/>
+            <a:r>
+              <a:rPr lang="en-US" altLang="ko-KR" dirty="0" smtClean="0"/>
+              <a:t>NPC</a:t>
+            </a:r>
+            <a:r>
+              <a:rPr lang="ko-KR" altLang="en-US" dirty="0" smtClean="0"/>
+              <a:t>는 연결된 </a:t>
+            </a:r>
+            <a:r>
+              <a:rPr lang="ko-KR" altLang="en-US" dirty="0" err="1" smtClean="0"/>
+              <a:t>공격스킬이</a:t>
+            </a:r>
+            <a:r>
+              <a:rPr lang="ko-KR" altLang="en-US" dirty="0" smtClean="0"/>
+              <a:t> 전투상태에서 적용된다</a:t>
+            </a:r>
+            <a:r>
+              <a:rPr lang="en-US" altLang="ko-KR" dirty="0" smtClean="0"/>
+              <a:t>.</a:t>
+            </a:r>
+          </a:p>
+          <a:p>
+            <a:r>
+              <a:rPr lang="ko-KR" altLang="en-US" sz="2200" b="0" dirty="0" smtClean="0"/>
+              <a:t>액티브 </a:t>
+            </a:r>
+            <a:r>
+              <a:rPr lang="ko-KR" altLang="en-US" sz="2200" b="0" dirty="0" err="1" smtClean="0"/>
+              <a:t>스킬사용</a:t>
+            </a:r>
+            <a:endParaRPr lang="en-US" altLang="ko-KR" sz="2200" b="0" dirty="0" smtClean="0"/>
+          </a:p>
+          <a:p>
+            <a:pPr lvl="1"/>
+            <a:r>
+              <a:rPr lang="ko-KR" altLang="en-US" dirty="0" smtClean="0"/>
+              <a:t>회복아이템</a:t>
+            </a:r>
+            <a:endParaRPr lang="en-US" altLang="ko-KR" dirty="0" smtClean="0"/>
+          </a:p>
+          <a:p>
+            <a:pPr lvl="1"/>
+            <a:endParaRPr lang="ko-KR" altLang="en-US" dirty="0"/>
+          </a:p>
+        </p:txBody>
+      </p:sp>
+      <p:sp>
+        <p:nvSpPr>
+          <p:cNvPr id="4" name="날짜 개체 틀 3"/>
+          <p:cNvSpPr>
+            <a:spLocks noGrp="1"/>
+          </p:cNvSpPr>
+          <p:nvPr>
+            <p:ph type="dt" sz="half" idx="10"/>
+          </p:nvPr>
+        </p:nvSpPr>
+        <p:spPr/>
+        <p:txBody>
+          <a:bodyPr/>
+          <a:lstStyle/>
+          <a:p>
+            <a:fld id="{3B3A31F0-DC5C-45F6-BF16-81D1F0F2C2F7}" type="datetime1">
+              <a:rPr lang="ko-KR" altLang="en-US" smtClean="0"/>
+              <a:t>2020-01-22</a:t>
+            </a:fld>
+            <a:endParaRPr lang="ko-KR" altLang="en-US"/>
+          </a:p>
+        </p:txBody>
+      </p:sp>
+      <p:sp>
+        <p:nvSpPr>
+          <p:cNvPr id="5" name="바닥글 개체 틀 4"/>
+          <p:cNvSpPr>
+            <a:spLocks noGrp="1"/>
+          </p:cNvSpPr>
+          <p:nvPr>
+            <p:ph type="ftr" sz="quarter" idx="11"/>
+          </p:nvPr>
+        </p:nvSpPr>
+        <p:spPr/>
+        <p:txBody>
+          <a:bodyPr/>
+          <a:lstStyle/>
+          <a:p>
+            <a:r>
+              <a:rPr lang="en-US" altLang="ko-KR" smtClean="0"/>
+              <a:t>Copyright(c)2020. All rights reserved by Kyungho.lee.</a:t>
+            </a:r>
+            <a:endParaRPr lang="ko-KR" altLang="en-US"/>
+          </a:p>
+        </p:txBody>
+      </p:sp>
+      <p:sp>
+        <p:nvSpPr>
+          <p:cNvPr id="6" name="슬라이드 번호 개체 틀 5"/>
+          <p:cNvSpPr>
+            <a:spLocks noGrp="1"/>
+          </p:cNvSpPr>
+          <p:nvPr>
+            <p:ph type="sldNum" sz="quarter" idx="12"/>
+          </p:nvPr>
+        </p:nvSpPr>
+        <p:spPr/>
+        <p:txBody>
+          <a:bodyPr/>
+          <a:lstStyle/>
+          <a:p>
+            <a:fld id="{1224457D-3F5D-4D68-9E2B-BEDE4E031B5C}" type="slidenum">
+              <a:rPr lang="ko-KR" altLang="en-US" smtClean="0"/>
+              <a:t>8</a:t>
+            </a:fld>
+            <a:endParaRPr lang="ko-KR" altLang="en-US"/>
+          </a:p>
+        </p:txBody>
+      </p:sp>
+      <p:sp>
+        <p:nvSpPr>
+          <p:cNvPr id="7" name="TextBox 6"/>
+          <p:cNvSpPr txBox="1"/>
+          <p:nvPr/>
+        </p:nvSpPr>
+        <p:spPr>
+          <a:xfrm>
+            <a:off x="838200" y="1341120"/>
+            <a:ext cx="1149096" cy="369332"/>
+          </a:xfrm>
+          <a:prstGeom prst="rect">
+            <a:avLst/>
+          </a:prstGeom>
+          <a:noFill/>
+        </p:spPr>
+        <p:txBody>
+          <a:bodyPr wrap="square" rtlCol="0">
+            <a:spAutoFit/>
+          </a:bodyPr>
+          <a:lstStyle/>
+          <a:p>
+            <a:r>
+              <a:rPr lang="ko-KR" altLang="en-US" b="1" dirty="0" smtClean="0"/>
+              <a:t>공통</a:t>
+            </a:r>
+            <a:endParaRPr lang="ko-KR" altLang="en-US" b="1" dirty="0"/>
+          </a:p>
+        </p:txBody>
+      </p:sp>
+    </p:spTree>
+    <p:extLst>
+      <p:ext uri="{BB962C8B-B14F-4D97-AF65-F5344CB8AC3E}">
+        <p14:creationId xmlns:p14="http://schemas.microsoft.com/office/powerpoint/2010/main" val="1448981462"/>
+      </p:ext>
+    </p:extLst>
+  </p:cSld>
+  <p:clrMapOvr>
+    <a:masterClrMapping/>
+  </p:clrMapOvr>
+  <p:timing>
+    <p:tnLst>
+      <p:par>
+        <p:cTn id="1" dur="indefinite" restart="never" nodeType="tmRoot"/>
+      </p:par>
+    </p:tnLst>
+  </p:timing>
+</p:sld>
+</file>
+
+<file path=ppt/slides/slide9.xml><?xml version="1.0" encoding="utf-8"?>
+<p:sld xmlns:a="http://schemas.openxmlformats.org/drawingml/2006/main" xmlns:r="http://schemas.openxmlformats.org/officeDocument/2006/relationships" xmlns:p="http://schemas.openxmlformats.org/presentationml/2006/main">
+  <p:cSld>
+    <p:spTree>
+      <p:nvGrpSpPr>
+        <p:cNvPr id="1" name=""/>
+        <p:cNvGrpSpPr/>
+        <p:nvPr/>
+      </p:nvGrpSpPr>
+      <p:grpSpPr>
+        <a:xfrm>
+          <a:off x="0" y="0"/>
+          <a:ext cx="0" cy="0"/>
+          <a:chOff x="0" y="0"/>
+          <a:chExt cx="0" cy="0"/>
+        </a:xfrm>
+      </p:grpSpPr>
+      <p:sp>
+        <p:nvSpPr>
+          <p:cNvPr id="2" name="제목 1"/>
+          <p:cNvSpPr>
+            <a:spLocks noGrp="1"/>
+          </p:cNvSpPr>
+          <p:nvPr>
+            <p:ph type="title"/>
+          </p:nvPr>
+        </p:nvSpPr>
+        <p:spPr/>
+        <p:txBody>
           <a:bodyPr/>
           <a:lstStyle/>
           <a:p>
@@ -10337,7 +14303,7 @@
           <a:bodyPr/>
           <a:lstStyle/>
           <a:p>
-            <a:endParaRPr lang="ko-KR" altLang="en-US"/>
+            <a:endParaRPr lang="ko-KR" altLang="en-US" dirty="0"/>
           </a:p>
         </p:txBody>
       </p:sp>
@@ -10358,7 +14324,7 @@
           <a:p>
             <a:fld id="{3B3A31F0-DC5C-45F6-BF16-81D1F0F2C2F7}" type="datetime1">
               <a:rPr lang="ko-KR" altLang="en-US" smtClean="0"/>
-              <a:t>2020-01-21</a:t>
+              <a:t>2020-01-22</a:t>
             </a:fld>
             <a:endParaRPr lang="ko-KR" altLang="en-US"/>
           </a:p>
@@ -10404,7 +14370,7 @@
           <a:p>
             <a:fld id="{1224457D-3F5D-4D68-9E2B-BEDE4E031B5C}" type="slidenum">
               <a:rPr lang="ko-KR" altLang="en-US" smtClean="0"/>
-              <a:t>7</a:t>
+              <a:t>9</a:t>
             </a:fld>
             <a:endParaRPr lang="ko-KR" altLang="en-US"/>
           </a:p>

--- a/02.시스템기획/04.skill/[실습_09]20200121_system_design_skill_review_이경호_ver0.1.pptx
+++ b/02.시스템기획/04.skill/[실습_09]20200121_system_design_skill_review_이경호_ver0.1.pptx
@@ -2013,22 +2013,6 @@
     <dgm:pt modelId="{DF59A4CD-7DA1-41FB-A12C-0AE23F26F775}" type="pres">
       <dgm:prSet presAssocID="{749E0D33-2BA5-4EC6-99F5-157B978C32EF}" presName="Name19" presStyleLbl="parChTrans1D4" presStyleIdx="0" presStyleCnt="9"/>
       <dgm:spPr/>
-    </dgm:pt>
-    <dgm:pt modelId="{0FE5499C-C611-4A86-9264-06B61401F26C}" type="pres">
-      <dgm:prSet presAssocID="{AB9D2341-8AD0-49E1-9B45-7C37082502C3}" presName="Name21" presStyleCnt="0"/>
-      <dgm:spPr/>
-    </dgm:pt>
-    <dgm:pt modelId="{F04F588E-7FFB-4BED-AE65-048CDEF1E1F1}" type="pres">
-      <dgm:prSet presAssocID="{AB9D2341-8AD0-49E1-9B45-7C37082502C3}" presName="level2Shape" presStyleLbl="node4" presStyleIdx="0" presStyleCnt="9" custLinFactY="116195" custLinFactNeighborY="200000"/>
-      <dgm:spPr/>
-    </dgm:pt>
-    <dgm:pt modelId="{07A5DD5D-E798-4154-AFD1-26D84A3D3198}" type="pres">
-      <dgm:prSet presAssocID="{AB9D2341-8AD0-49E1-9B45-7C37082502C3}" presName="hierChild3" presStyleCnt="0"/>
-      <dgm:spPr/>
-    </dgm:pt>
-    <dgm:pt modelId="{45AA2A36-4421-4CA7-B6E0-C69FBC1BAF25}" type="pres">
-      <dgm:prSet presAssocID="{FE8A9DF9-3D57-42C4-A1A3-1FF3638069BD}" presName="Name19" presStyleLbl="parChTrans1D3" presStyleIdx="1" presStyleCnt="8"/>
-      <dgm:spPr/>
       <dgm:t>
         <a:bodyPr/>
         <a:lstStyle/>
@@ -2038,12 +2022,12 @@
         </a:p>
       </dgm:t>
     </dgm:pt>
-    <dgm:pt modelId="{68D5D712-EAAA-4BA6-B0B9-1B232702BB90}" type="pres">
-      <dgm:prSet presAssocID="{3BABD730-0151-451D-91AF-4964D1CF3BCE}" presName="Name21" presStyleCnt="0"/>
-      <dgm:spPr/>
-    </dgm:pt>
-    <dgm:pt modelId="{7C43E2F5-89BC-4442-A62B-5008B4967B8C}" type="pres">
-      <dgm:prSet presAssocID="{3BABD730-0151-451D-91AF-4964D1CF3BCE}" presName="level2Shape" presStyleLbl="node3" presStyleIdx="1" presStyleCnt="8" custLinFactY="100000" custLinFactNeighborY="174441"/>
+    <dgm:pt modelId="{0FE5499C-C611-4A86-9264-06B61401F26C}" type="pres">
+      <dgm:prSet presAssocID="{AB9D2341-8AD0-49E1-9B45-7C37082502C3}" presName="Name21" presStyleCnt="0"/>
+      <dgm:spPr/>
+    </dgm:pt>
+    <dgm:pt modelId="{F04F588E-7FFB-4BED-AE65-048CDEF1E1F1}" type="pres">
+      <dgm:prSet presAssocID="{AB9D2341-8AD0-49E1-9B45-7C37082502C3}" presName="level2Shape" presStyleLbl="node4" presStyleIdx="0" presStyleCnt="9" custLinFactY="116195" custLinFactNeighborY="200000"/>
       <dgm:spPr/>
       <dgm:t>
         <a:bodyPr/>
@@ -2054,28 +2038,12 @@
         </a:p>
       </dgm:t>
     </dgm:pt>
-    <dgm:pt modelId="{A3746F37-4E37-4D90-8029-25D086F3878A}" type="pres">
-      <dgm:prSet presAssocID="{3BABD730-0151-451D-91AF-4964D1CF3BCE}" presName="hierChild3" presStyleCnt="0"/>
-      <dgm:spPr/>
-    </dgm:pt>
-    <dgm:pt modelId="{3DCBE4AD-2CA8-4108-83BE-8CDB2B16991F}" type="pres">
-      <dgm:prSet presAssocID="{5D574998-B021-4DE2-A8D6-52A171FC65AE}" presName="Name19" presStyleLbl="parChTrans1D4" presStyleIdx="1" presStyleCnt="9"/>
-      <dgm:spPr/>
-    </dgm:pt>
-    <dgm:pt modelId="{D5E5E236-4ADD-43C0-96BB-AD05B880B2D6}" type="pres">
-      <dgm:prSet presAssocID="{CA23C317-A772-472A-9011-B675F47A8EE5}" presName="Name21" presStyleCnt="0"/>
-      <dgm:spPr/>
-    </dgm:pt>
-    <dgm:pt modelId="{8A78715F-0037-4726-AE32-240ACC2E7FD0}" type="pres">
-      <dgm:prSet presAssocID="{CA23C317-A772-472A-9011-B675F47A8EE5}" presName="level2Shape" presStyleLbl="node4" presStyleIdx="1" presStyleCnt="9" custLinFactY="116195" custLinFactNeighborY="200000"/>
-      <dgm:spPr/>
-    </dgm:pt>
-    <dgm:pt modelId="{76B7EFDC-EE17-4F01-9C68-320342F8CCAD}" type="pres">
-      <dgm:prSet presAssocID="{CA23C317-A772-472A-9011-B675F47A8EE5}" presName="hierChild3" presStyleCnt="0"/>
-      <dgm:spPr/>
-    </dgm:pt>
-    <dgm:pt modelId="{A3234CFD-9AA3-40A9-98ED-D7002BFB17C5}" type="pres">
-      <dgm:prSet presAssocID="{8D0963F8-4CCB-43FB-9921-51CDD612D84C}" presName="Name19" presStyleLbl="parChTrans1D3" presStyleIdx="2" presStyleCnt="8"/>
+    <dgm:pt modelId="{07A5DD5D-E798-4154-AFD1-26D84A3D3198}" type="pres">
+      <dgm:prSet presAssocID="{AB9D2341-8AD0-49E1-9B45-7C37082502C3}" presName="hierChild3" presStyleCnt="0"/>
+      <dgm:spPr/>
+    </dgm:pt>
+    <dgm:pt modelId="{45AA2A36-4421-4CA7-B6E0-C69FBC1BAF25}" type="pres">
+      <dgm:prSet presAssocID="{FE8A9DF9-3D57-42C4-A1A3-1FF3638069BD}" presName="Name19" presStyleLbl="parChTrans1D3" presStyleIdx="1" presStyleCnt="8"/>
       <dgm:spPr/>
       <dgm:t>
         <a:bodyPr/>
@@ -2086,12 +2054,12 @@
         </a:p>
       </dgm:t>
     </dgm:pt>
-    <dgm:pt modelId="{59A6A9DB-A497-446C-B23A-7411162C9E63}" type="pres">
-      <dgm:prSet presAssocID="{688CA5AB-8918-4759-8501-4E57320AEDCC}" presName="Name21" presStyleCnt="0"/>
-      <dgm:spPr/>
-    </dgm:pt>
-    <dgm:pt modelId="{FFD717B2-5487-40E1-93E7-33906A317C35}" type="pres">
-      <dgm:prSet presAssocID="{688CA5AB-8918-4759-8501-4E57320AEDCC}" presName="level2Shape" presStyleLbl="node3" presStyleIdx="2" presStyleCnt="8" custLinFactY="100000" custLinFactNeighborY="174441"/>
+    <dgm:pt modelId="{68D5D712-EAAA-4BA6-B0B9-1B232702BB90}" type="pres">
+      <dgm:prSet presAssocID="{3BABD730-0151-451D-91AF-4964D1CF3BCE}" presName="Name21" presStyleCnt="0"/>
+      <dgm:spPr/>
+    </dgm:pt>
+    <dgm:pt modelId="{7C43E2F5-89BC-4442-A62B-5008B4967B8C}" type="pres">
+      <dgm:prSet presAssocID="{3BABD730-0151-451D-91AF-4964D1CF3BCE}" presName="level2Shape" presStyleLbl="node3" presStyleIdx="1" presStyleCnt="8" custLinFactY="100000" custLinFactNeighborY="174441"/>
       <dgm:spPr/>
       <dgm:t>
         <a:bodyPr/>
@@ -2102,36 +2070,12 @@
         </a:p>
       </dgm:t>
     </dgm:pt>
-    <dgm:pt modelId="{B6BA2DFA-73AD-4D20-9648-8D6ED2139ED7}" type="pres">
-      <dgm:prSet presAssocID="{688CA5AB-8918-4759-8501-4E57320AEDCC}" presName="hierChild3" presStyleCnt="0"/>
-      <dgm:spPr/>
-    </dgm:pt>
-    <dgm:pt modelId="{96C53832-0737-4CAA-A82A-723CF7D1FE2A}" type="pres">
-      <dgm:prSet presAssocID="{1248DFCC-6B31-4B9B-9B51-836D7B548F62}" presName="Name19" presStyleLbl="parChTrans1D4" presStyleIdx="2" presStyleCnt="9"/>
-      <dgm:spPr/>
-    </dgm:pt>
-    <dgm:pt modelId="{C25A4430-0281-485F-A54E-60E05F9200C1}" type="pres">
-      <dgm:prSet presAssocID="{27D538C5-6E7E-48BE-AD87-A5CA8C1FB3D0}" presName="Name21" presStyleCnt="0"/>
-      <dgm:spPr/>
-    </dgm:pt>
-    <dgm:pt modelId="{968D30B2-7BF5-4C82-9A40-BDF7636E40BD}" type="pres">
-      <dgm:prSet presAssocID="{27D538C5-6E7E-48BE-AD87-A5CA8C1FB3D0}" presName="level2Shape" presStyleLbl="node4" presStyleIdx="2" presStyleCnt="9" custLinFactY="116195" custLinFactNeighborY="200000"/>
-      <dgm:spPr/>
-    </dgm:pt>
-    <dgm:pt modelId="{EDCBFB17-59F8-4A8E-A915-B930E3709EEC}" type="pres">
-      <dgm:prSet presAssocID="{27D538C5-6E7E-48BE-AD87-A5CA8C1FB3D0}" presName="hierChild3" presStyleCnt="0"/>
-      <dgm:spPr/>
-    </dgm:pt>
-    <dgm:pt modelId="{E9AE688D-9478-4C13-9C34-385BAD2B0D87}" type="pres">
-      <dgm:prSet presAssocID="{FBA79A74-6478-45DF-88F9-58E1F4C8693E}" presName="Name19" presStyleLbl="parChTrans1D3" presStyleIdx="3" presStyleCnt="8"/>
-      <dgm:spPr/>
-    </dgm:pt>
-    <dgm:pt modelId="{AD9864F1-74C2-4258-A59E-48B70DDB43B2}" type="pres">
-      <dgm:prSet presAssocID="{4E9731B8-6DE9-4E6B-8060-FEFEBF974927}" presName="Name21" presStyleCnt="0"/>
-      <dgm:spPr/>
-    </dgm:pt>
-    <dgm:pt modelId="{44599DAC-9D3A-47F2-AF6E-F8578CE80DBC}" type="pres">
-      <dgm:prSet presAssocID="{4E9731B8-6DE9-4E6B-8060-FEFEBF974927}" presName="level2Shape" presStyleLbl="node3" presStyleIdx="3" presStyleCnt="8" custLinFactY="100000" custLinFactNeighborY="174441"/>
+    <dgm:pt modelId="{A3746F37-4E37-4D90-8029-25D086F3878A}" type="pres">
+      <dgm:prSet presAssocID="{3BABD730-0151-451D-91AF-4964D1CF3BCE}" presName="hierChild3" presStyleCnt="0"/>
+      <dgm:spPr/>
+    </dgm:pt>
+    <dgm:pt modelId="{3DCBE4AD-2CA8-4108-83BE-8CDB2B16991F}" type="pres">
+      <dgm:prSet presAssocID="{5D574998-B021-4DE2-A8D6-52A171FC65AE}" presName="Name19" presStyleLbl="parChTrans1D4" presStyleIdx="1" presStyleCnt="9"/>
       <dgm:spPr/>
       <dgm:t>
         <a:bodyPr/>
@@ -2142,28 +2086,12 @@
         </a:p>
       </dgm:t>
     </dgm:pt>
-    <dgm:pt modelId="{DF48139B-737B-45DC-AD05-10054DD3B91D}" type="pres">
-      <dgm:prSet presAssocID="{4E9731B8-6DE9-4E6B-8060-FEFEBF974927}" presName="hierChild3" presStyleCnt="0"/>
-      <dgm:spPr/>
-    </dgm:pt>
-    <dgm:pt modelId="{034DCAF4-BA2B-424E-82A9-42F9302A1E3E}" type="pres">
-      <dgm:prSet presAssocID="{C37B82AA-CCB6-4B66-A991-3A835C424BA7}" presName="Name19" presStyleLbl="parChTrans1D4" presStyleIdx="3" presStyleCnt="9"/>
-      <dgm:spPr/>
-    </dgm:pt>
-    <dgm:pt modelId="{F2AE4615-87D9-4D09-982E-281CB8728B70}" type="pres">
-      <dgm:prSet presAssocID="{9B5AF6B0-867A-40F5-9A55-DCD4C035253E}" presName="Name21" presStyleCnt="0"/>
-      <dgm:spPr/>
-    </dgm:pt>
-    <dgm:pt modelId="{15B0B5B3-A74D-4402-85F6-78AA629C3731}" type="pres">
-      <dgm:prSet presAssocID="{9B5AF6B0-867A-40F5-9A55-DCD4C035253E}" presName="level2Shape" presStyleLbl="node4" presStyleIdx="3" presStyleCnt="9" custLinFactY="116195" custLinFactNeighborY="200000"/>
-      <dgm:spPr/>
-    </dgm:pt>
-    <dgm:pt modelId="{21CE8542-CD7B-4146-81A4-E57DA1B147EE}" type="pres">
-      <dgm:prSet presAssocID="{9B5AF6B0-867A-40F5-9A55-DCD4C035253E}" presName="hierChild3" presStyleCnt="0"/>
-      <dgm:spPr/>
-    </dgm:pt>
-    <dgm:pt modelId="{894D0476-9258-4490-B86C-98AA145628BC}" type="pres">
-      <dgm:prSet presAssocID="{A66078CF-2911-4A2C-95BA-065EC9BE6485}" presName="Name19" presStyleLbl="parChTrans1D2" presStyleIdx="1" presStyleCnt="2"/>
+    <dgm:pt modelId="{D5E5E236-4ADD-43C0-96BB-AD05B880B2D6}" type="pres">
+      <dgm:prSet presAssocID="{CA23C317-A772-472A-9011-B675F47A8EE5}" presName="Name21" presStyleCnt="0"/>
+      <dgm:spPr/>
+    </dgm:pt>
+    <dgm:pt modelId="{8A78715F-0037-4726-AE32-240ACC2E7FD0}" type="pres">
+      <dgm:prSet presAssocID="{CA23C317-A772-472A-9011-B675F47A8EE5}" presName="level2Shape" presStyleLbl="node4" presStyleIdx="1" presStyleCnt="9" custLinFactY="116195" custLinFactNeighborY="200000"/>
       <dgm:spPr/>
       <dgm:t>
         <a:bodyPr/>
@@ -2174,12 +2102,12 @@
         </a:p>
       </dgm:t>
     </dgm:pt>
-    <dgm:pt modelId="{83229144-F61C-44AD-86C9-8C6A28F47588}" type="pres">
-      <dgm:prSet presAssocID="{55ED6FBA-A43D-4AA7-87EC-8E398BDA0D32}" presName="Name21" presStyleCnt="0"/>
-      <dgm:spPr/>
-    </dgm:pt>
-    <dgm:pt modelId="{1F4364AA-0C8C-4B7B-90EE-4B562169FD20}" type="pres">
-      <dgm:prSet presAssocID="{55ED6FBA-A43D-4AA7-87EC-8E398BDA0D32}" presName="level2Shape" presStyleLbl="node2" presStyleIdx="1" presStyleCnt="2" custScaleX="294560" custScaleY="153164" custLinFactY="82961" custLinFactNeighborY="100000"/>
+    <dgm:pt modelId="{76B7EFDC-EE17-4F01-9C68-320342F8CCAD}" type="pres">
+      <dgm:prSet presAssocID="{CA23C317-A772-472A-9011-B675F47A8EE5}" presName="hierChild3" presStyleCnt="0"/>
+      <dgm:spPr/>
+    </dgm:pt>
+    <dgm:pt modelId="{A3234CFD-9AA3-40A9-98ED-D7002BFB17C5}" type="pres">
+      <dgm:prSet presAssocID="{8D0963F8-4CCB-43FB-9921-51CDD612D84C}" presName="Name19" presStyleLbl="parChTrans1D3" presStyleIdx="2" presStyleCnt="8"/>
       <dgm:spPr/>
       <dgm:t>
         <a:bodyPr/>
@@ -2190,12 +2118,12 @@
         </a:p>
       </dgm:t>
     </dgm:pt>
-    <dgm:pt modelId="{7F2777E7-7691-4FD1-A146-3AA57A0A04EE}" type="pres">
-      <dgm:prSet presAssocID="{55ED6FBA-A43D-4AA7-87EC-8E398BDA0D32}" presName="hierChild3" presStyleCnt="0"/>
-      <dgm:spPr/>
-    </dgm:pt>
-    <dgm:pt modelId="{8092361A-4BBB-4B5C-AFFB-CFD3099D1CBC}" type="pres">
-      <dgm:prSet presAssocID="{507A9531-3075-41B4-99B7-EE2E19A8DA89}" presName="Name19" presStyleLbl="parChTrans1D3" presStyleIdx="4" presStyleCnt="8"/>
+    <dgm:pt modelId="{59A6A9DB-A497-446C-B23A-7411162C9E63}" type="pres">
+      <dgm:prSet presAssocID="{688CA5AB-8918-4759-8501-4E57320AEDCC}" presName="Name21" presStyleCnt="0"/>
+      <dgm:spPr/>
+    </dgm:pt>
+    <dgm:pt modelId="{FFD717B2-5487-40E1-93E7-33906A317C35}" type="pres">
+      <dgm:prSet presAssocID="{688CA5AB-8918-4759-8501-4E57320AEDCC}" presName="level2Shape" presStyleLbl="node3" presStyleIdx="2" presStyleCnt="8" custLinFactY="100000" custLinFactNeighborY="174441"/>
       <dgm:spPr/>
       <dgm:t>
         <a:bodyPr/>
@@ -2206,12 +2134,12 @@
         </a:p>
       </dgm:t>
     </dgm:pt>
-    <dgm:pt modelId="{C983A043-4F2C-46A7-BC0F-FE91E6CED314}" type="pres">
-      <dgm:prSet presAssocID="{C6124416-49A0-4371-B3E9-B86D709A012F}" presName="Name21" presStyleCnt="0"/>
-      <dgm:spPr/>
-    </dgm:pt>
-    <dgm:pt modelId="{20068014-86AD-4B3E-B5D3-CBDB5131C055}" type="pres">
-      <dgm:prSet presAssocID="{C6124416-49A0-4371-B3E9-B86D709A012F}" presName="level2Shape" presStyleLbl="node3" presStyleIdx="4" presStyleCnt="8" custLinFactY="100000" custLinFactNeighborY="174441"/>
+    <dgm:pt modelId="{B6BA2DFA-73AD-4D20-9648-8D6ED2139ED7}" type="pres">
+      <dgm:prSet presAssocID="{688CA5AB-8918-4759-8501-4E57320AEDCC}" presName="hierChild3" presStyleCnt="0"/>
+      <dgm:spPr/>
+    </dgm:pt>
+    <dgm:pt modelId="{96C53832-0737-4CAA-A82A-723CF7D1FE2A}" type="pres">
+      <dgm:prSet presAssocID="{1248DFCC-6B31-4B9B-9B51-836D7B548F62}" presName="Name19" presStyleLbl="parChTrans1D4" presStyleIdx="2" presStyleCnt="9"/>
       <dgm:spPr/>
       <dgm:t>
         <a:bodyPr/>
@@ -2222,20 +2150,12 @@
         </a:p>
       </dgm:t>
     </dgm:pt>
-    <dgm:pt modelId="{57B9A4F4-8BE4-48D6-B246-AE5F76F450B0}" type="pres">
-      <dgm:prSet presAssocID="{C6124416-49A0-4371-B3E9-B86D709A012F}" presName="hierChild3" presStyleCnt="0"/>
-      <dgm:spPr/>
-    </dgm:pt>
-    <dgm:pt modelId="{138DD65C-C765-49E8-B76D-02DAB46AA108}" type="pres">
-      <dgm:prSet presAssocID="{18BA2D9A-3722-4DC2-BA27-378A9300FF08}" presName="Name19" presStyleLbl="parChTrans1D4" presStyleIdx="4" presStyleCnt="9"/>
-      <dgm:spPr/>
-    </dgm:pt>
-    <dgm:pt modelId="{6D1E6022-90FA-4279-B31C-104847FA85D4}" type="pres">
-      <dgm:prSet presAssocID="{4A0B09AA-1C9B-4646-B3BD-A6F967B9DE9F}" presName="Name21" presStyleCnt="0"/>
-      <dgm:spPr/>
-    </dgm:pt>
-    <dgm:pt modelId="{849AAF3B-110A-4479-B55B-97AD3A624A8F}" type="pres">
-      <dgm:prSet presAssocID="{4A0B09AA-1C9B-4646-B3BD-A6F967B9DE9F}" presName="level2Shape" presStyleLbl="node4" presStyleIdx="4" presStyleCnt="9" custLinFactY="116195" custLinFactNeighborY="200000"/>
+    <dgm:pt modelId="{C25A4430-0281-485F-A54E-60E05F9200C1}" type="pres">
+      <dgm:prSet presAssocID="{27D538C5-6E7E-48BE-AD87-A5CA8C1FB3D0}" presName="Name21" presStyleCnt="0"/>
+      <dgm:spPr/>
+    </dgm:pt>
+    <dgm:pt modelId="{968D30B2-7BF5-4C82-9A40-BDF7636E40BD}" type="pres">
+      <dgm:prSet presAssocID="{27D538C5-6E7E-48BE-AD87-A5CA8C1FB3D0}" presName="level2Shape" presStyleLbl="node4" presStyleIdx="2" presStyleCnt="9" custLinFactY="116195" custLinFactNeighborY="200000"/>
       <dgm:spPr/>
       <dgm:t>
         <a:bodyPr/>
@@ -2246,12 +2166,12 @@
         </a:p>
       </dgm:t>
     </dgm:pt>
-    <dgm:pt modelId="{55DD8869-0C79-4EE5-8980-A71615728E20}" type="pres">
-      <dgm:prSet presAssocID="{4A0B09AA-1C9B-4646-B3BD-A6F967B9DE9F}" presName="hierChild3" presStyleCnt="0"/>
-      <dgm:spPr/>
-    </dgm:pt>
-    <dgm:pt modelId="{B605DF23-4419-4E51-8C93-8E49C6B66999}" type="pres">
-      <dgm:prSet presAssocID="{5B0830B2-2F57-4BBF-9C07-029A645DA361}" presName="Name19" presStyleLbl="parChTrans1D3" presStyleIdx="5" presStyleCnt="8"/>
+    <dgm:pt modelId="{EDCBFB17-59F8-4A8E-A915-B930E3709EEC}" type="pres">
+      <dgm:prSet presAssocID="{27D538C5-6E7E-48BE-AD87-A5CA8C1FB3D0}" presName="hierChild3" presStyleCnt="0"/>
+      <dgm:spPr/>
+    </dgm:pt>
+    <dgm:pt modelId="{E9AE688D-9478-4C13-9C34-385BAD2B0D87}" type="pres">
+      <dgm:prSet presAssocID="{FBA79A74-6478-45DF-88F9-58E1F4C8693E}" presName="Name19" presStyleLbl="parChTrans1D3" presStyleIdx="3" presStyleCnt="8"/>
       <dgm:spPr/>
       <dgm:t>
         <a:bodyPr/>
@@ -2262,12 +2182,12 @@
         </a:p>
       </dgm:t>
     </dgm:pt>
-    <dgm:pt modelId="{4818F959-C944-4E71-9A67-43C5BF925061}" type="pres">
-      <dgm:prSet presAssocID="{013D2720-8FC9-482A-BD29-7F6C981DD34A}" presName="Name21" presStyleCnt="0"/>
-      <dgm:spPr/>
-    </dgm:pt>
-    <dgm:pt modelId="{817DDDDC-615F-45BE-A655-665D6E82E67D}" type="pres">
-      <dgm:prSet presAssocID="{013D2720-8FC9-482A-BD29-7F6C981DD34A}" presName="level2Shape" presStyleLbl="node3" presStyleIdx="5" presStyleCnt="8" custLinFactY="100000" custLinFactNeighborY="174441"/>
+    <dgm:pt modelId="{AD9864F1-74C2-4258-A59E-48B70DDB43B2}" type="pres">
+      <dgm:prSet presAssocID="{4E9731B8-6DE9-4E6B-8060-FEFEBF974927}" presName="Name21" presStyleCnt="0"/>
+      <dgm:spPr/>
+    </dgm:pt>
+    <dgm:pt modelId="{44599DAC-9D3A-47F2-AF6E-F8578CE80DBC}" type="pres">
+      <dgm:prSet presAssocID="{4E9731B8-6DE9-4E6B-8060-FEFEBF974927}" presName="level2Shape" presStyleLbl="node3" presStyleIdx="3" presStyleCnt="8" custLinFactY="100000" custLinFactNeighborY="174441"/>
       <dgm:spPr/>
       <dgm:t>
         <a:bodyPr/>
@@ -2278,20 +2198,12 @@
         </a:p>
       </dgm:t>
     </dgm:pt>
-    <dgm:pt modelId="{86D1F2B3-6B50-4D56-8502-C2252A410C28}" type="pres">
-      <dgm:prSet presAssocID="{013D2720-8FC9-482A-BD29-7F6C981DD34A}" presName="hierChild3" presStyleCnt="0"/>
-      <dgm:spPr/>
-    </dgm:pt>
-    <dgm:pt modelId="{FCDCBDCD-3872-46C3-A820-1134B5CBA2BE}" type="pres">
-      <dgm:prSet presAssocID="{3BEF898F-1CF4-4BB2-879C-AE894DAC75C6}" presName="Name19" presStyleLbl="parChTrans1D4" presStyleIdx="5" presStyleCnt="9"/>
-      <dgm:spPr/>
-    </dgm:pt>
-    <dgm:pt modelId="{A33C06BB-2C1B-440B-89B8-E236CD8A7299}" type="pres">
-      <dgm:prSet presAssocID="{A12AE042-466A-4D56-864B-E2CA4396DDF6}" presName="Name21" presStyleCnt="0"/>
-      <dgm:spPr/>
-    </dgm:pt>
-    <dgm:pt modelId="{9E20D3DB-5BE0-4006-9091-BD63DCC1D6C4}" type="pres">
-      <dgm:prSet presAssocID="{A12AE042-466A-4D56-864B-E2CA4396DDF6}" presName="level2Shape" presStyleLbl="node4" presStyleIdx="5" presStyleCnt="9" custLinFactY="116195" custLinFactNeighborY="200000"/>
+    <dgm:pt modelId="{DF48139B-737B-45DC-AD05-10054DD3B91D}" type="pres">
+      <dgm:prSet presAssocID="{4E9731B8-6DE9-4E6B-8060-FEFEBF974927}" presName="hierChild3" presStyleCnt="0"/>
+      <dgm:spPr/>
+    </dgm:pt>
+    <dgm:pt modelId="{034DCAF4-BA2B-424E-82A9-42F9302A1E3E}" type="pres">
+      <dgm:prSet presAssocID="{C37B82AA-CCB6-4B66-A991-3A835C424BA7}" presName="Name19" presStyleLbl="parChTrans1D4" presStyleIdx="3" presStyleCnt="9"/>
       <dgm:spPr/>
       <dgm:t>
         <a:bodyPr/>
@@ -2302,68 +2214,12 @@
         </a:p>
       </dgm:t>
     </dgm:pt>
-    <dgm:pt modelId="{E8ACC650-3518-4EFE-B2D9-A38CB04DBB7C}" type="pres">
-      <dgm:prSet presAssocID="{A12AE042-466A-4D56-864B-E2CA4396DDF6}" presName="hierChild3" presStyleCnt="0"/>
-      <dgm:spPr/>
-    </dgm:pt>
-    <dgm:pt modelId="{7147C50A-FAD5-46BB-BEB3-6F4C98B3009F}" type="pres">
-      <dgm:prSet presAssocID="{397E24FB-8CBE-47D9-8C44-3F1502DFB453}" presName="Name19" presStyleLbl="parChTrans1D3" presStyleIdx="6" presStyleCnt="8"/>
-      <dgm:spPr/>
-    </dgm:pt>
-    <dgm:pt modelId="{14434CA0-E3FE-45A4-89F8-56BE611CEBC7}" type="pres">
-      <dgm:prSet presAssocID="{63967743-0ECE-460F-A2B6-4E5D68D6471D}" presName="Name21" presStyleCnt="0"/>
-      <dgm:spPr/>
-    </dgm:pt>
-    <dgm:pt modelId="{FD472F0E-DF23-4B8C-AFCA-C694F34DDAD1}" type="pres">
-      <dgm:prSet presAssocID="{63967743-0ECE-460F-A2B6-4E5D68D6471D}" presName="level2Shape" presStyleLbl="node3" presStyleIdx="6" presStyleCnt="8" custLinFactY="100000" custLinFactNeighborY="174441"/>
-      <dgm:spPr/>
-    </dgm:pt>
-    <dgm:pt modelId="{140DF092-9A48-4DFE-8DC0-76E7A7ED7B75}" type="pres">
-      <dgm:prSet presAssocID="{63967743-0ECE-460F-A2B6-4E5D68D6471D}" presName="hierChild3" presStyleCnt="0"/>
-      <dgm:spPr/>
-    </dgm:pt>
-    <dgm:pt modelId="{A47AC3F4-9308-4960-9412-25357507CDD6}" type="pres">
-      <dgm:prSet presAssocID="{30DFD3EB-9D94-4F5F-AE4E-74E408B31D4F}" presName="Name19" presStyleLbl="parChTrans1D4" presStyleIdx="6" presStyleCnt="9"/>
-      <dgm:spPr/>
-    </dgm:pt>
-    <dgm:pt modelId="{0852A2E5-E99E-4DE1-A9EE-CE621D4DCBA9}" type="pres">
-      <dgm:prSet presAssocID="{21C52EDF-4AC8-4A5A-9227-85133A7B2FBC}" presName="Name21" presStyleCnt="0"/>
-      <dgm:spPr/>
-    </dgm:pt>
-    <dgm:pt modelId="{FD3DAA2A-6C7B-4ABE-9324-97A9A49C6898}" type="pres">
-      <dgm:prSet presAssocID="{21C52EDF-4AC8-4A5A-9227-85133A7B2FBC}" presName="level2Shape" presStyleLbl="node4" presStyleIdx="6" presStyleCnt="9" custLinFactY="116195" custLinFactNeighborY="200000"/>
-      <dgm:spPr/>
-    </dgm:pt>
-    <dgm:pt modelId="{576810BE-2930-4548-87D2-7C62F7A27906}" type="pres">
-      <dgm:prSet presAssocID="{21C52EDF-4AC8-4A5A-9227-85133A7B2FBC}" presName="hierChild3" presStyleCnt="0"/>
-      <dgm:spPr/>
-    </dgm:pt>
-    <dgm:pt modelId="{618A934A-276C-418B-B7E8-71FE87250A49}" type="pres">
-      <dgm:prSet presAssocID="{2D1D0D65-6B24-47D9-A1D7-0FCDC2C03392}" presName="Name19" presStyleLbl="parChTrans1D4" presStyleIdx="7" presStyleCnt="9"/>
-      <dgm:spPr/>
-    </dgm:pt>
-    <dgm:pt modelId="{FD37A4F9-0E2E-4C13-A437-64135B0585D0}" type="pres">
-      <dgm:prSet presAssocID="{72C64DE2-8620-4D97-B64F-A565B481875D}" presName="Name21" presStyleCnt="0"/>
-      <dgm:spPr/>
-    </dgm:pt>
-    <dgm:pt modelId="{291B5F0A-A2B1-40E2-9EDE-56D5A2DD6D97}" type="pres">
-      <dgm:prSet presAssocID="{72C64DE2-8620-4D97-B64F-A565B481875D}" presName="level2Shape" presStyleLbl="node4" presStyleIdx="7" presStyleCnt="9" custLinFactY="116195" custLinFactNeighborY="200000"/>
-      <dgm:spPr/>
-    </dgm:pt>
-    <dgm:pt modelId="{62CE9ABF-FD11-4895-8DFC-47A8EE22CFA9}" type="pres">
-      <dgm:prSet presAssocID="{72C64DE2-8620-4D97-B64F-A565B481875D}" presName="hierChild3" presStyleCnt="0"/>
-      <dgm:spPr/>
-    </dgm:pt>
-    <dgm:pt modelId="{39E5D3FA-E997-4E98-A65D-D7547B19E722}" type="pres">
-      <dgm:prSet presAssocID="{60F02FE3-CD43-4789-BDA6-B333D1936063}" presName="Name19" presStyleLbl="parChTrans1D3" presStyleIdx="7" presStyleCnt="8"/>
-      <dgm:spPr/>
-    </dgm:pt>
-    <dgm:pt modelId="{F0F1C17C-212B-4C1A-A093-0D2C16408774}" type="pres">
-      <dgm:prSet presAssocID="{DA4D4C92-8151-4D65-8583-E7BF9EF9D37D}" presName="Name21" presStyleCnt="0"/>
-      <dgm:spPr/>
-    </dgm:pt>
-    <dgm:pt modelId="{3A23ED96-785D-4F51-B245-69AC46C0E743}" type="pres">
-      <dgm:prSet presAssocID="{DA4D4C92-8151-4D65-8583-E7BF9EF9D37D}" presName="level2Shape" presStyleLbl="node3" presStyleIdx="7" presStyleCnt="8" custLinFactY="100000" custLinFactNeighborY="174441"/>
+    <dgm:pt modelId="{F2AE4615-87D9-4D09-982E-281CB8728B70}" type="pres">
+      <dgm:prSet presAssocID="{9B5AF6B0-867A-40F5-9A55-DCD4C035253E}" presName="Name21" presStyleCnt="0"/>
+      <dgm:spPr/>
+    </dgm:pt>
+    <dgm:pt modelId="{15B0B5B3-A74D-4402-85F6-78AA629C3731}" type="pres">
+      <dgm:prSet presAssocID="{9B5AF6B0-867A-40F5-9A55-DCD4C035253E}" presName="level2Shape" presStyleLbl="node4" presStyleIdx="3" presStyleCnt="9" custLinFactY="116195" custLinFactNeighborY="200000"/>
       <dgm:spPr/>
       <dgm:t>
         <a:bodyPr/>
@@ -2374,6 +2230,294 @@
         </a:p>
       </dgm:t>
     </dgm:pt>
+    <dgm:pt modelId="{21CE8542-CD7B-4146-81A4-E57DA1B147EE}" type="pres">
+      <dgm:prSet presAssocID="{9B5AF6B0-867A-40F5-9A55-DCD4C035253E}" presName="hierChild3" presStyleCnt="0"/>
+      <dgm:spPr/>
+    </dgm:pt>
+    <dgm:pt modelId="{894D0476-9258-4490-B86C-98AA145628BC}" type="pres">
+      <dgm:prSet presAssocID="{A66078CF-2911-4A2C-95BA-065EC9BE6485}" presName="Name19" presStyleLbl="parChTrans1D2" presStyleIdx="1" presStyleCnt="2"/>
+      <dgm:spPr/>
+      <dgm:t>
+        <a:bodyPr/>
+        <a:lstStyle/>
+        <a:p>
+          <a:pPr latinLnBrk="1"/>
+          <a:endParaRPr lang="ko-KR" altLang="en-US"/>
+        </a:p>
+      </dgm:t>
+    </dgm:pt>
+    <dgm:pt modelId="{83229144-F61C-44AD-86C9-8C6A28F47588}" type="pres">
+      <dgm:prSet presAssocID="{55ED6FBA-A43D-4AA7-87EC-8E398BDA0D32}" presName="Name21" presStyleCnt="0"/>
+      <dgm:spPr/>
+    </dgm:pt>
+    <dgm:pt modelId="{1F4364AA-0C8C-4B7B-90EE-4B562169FD20}" type="pres">
+      <dgm:prSet presAssocID="{55ED6FBA-A43D-4AA7-87EC-8E398BDA0D32}" presName="level2Shape" presStyleLbl="node2" presStyleIdx="1" presStyleCnt="2" custScaleX="294560" custScaleY="153164" custLinFactY="82961" custLinFactNeighborY="100000"/>
+      <dgm:spPr/>
+      <dgm:t>
+        <a:bodyPr/>
+        <a:lstStyle/>
+        <a:p>
+          <a:pPr latinLnBrk="1"/>
+          <a:endParaRPr lang="ko-KR" altLang="en-US"/>
+        </a:p>
+      </dgm:t>
+    </dgm:pt>
+    <dgm:pt modelId="{7F2777E7-7691-4FD1-A146-3AA57A0A04EE}" type="pres">
+      <dgm:prSet presAssocID="{55ED6FBA-A43D-4AA7-87EC-8E398BDA0D32}" presName="hierChild3" presStyleCnt="0"/>
+      <dgm:spPr/>
+    </dgm:pt>
+    <dgm:pt modelId="{8092361A-4BBB-4B5C-AFFB-CFD3099D1CBC}" type="pres">
+      <dgm:prSet presAssocID="{507A9531-3075-41B4-99B7-EE2E19A8DA89}" presName="Name19" presStyleLbl="parChTrans1D3" presStyleIdx="4" presStyleCnt="8"/>
+      <dgm:spPr/>
+      <dgm:t>
+        <a:bodyPr/>
+        <a:lstStyle/>
+        <a:p>
+          <a:pPr latinLnBrk="1"/>
+          <a:endParaRPr lang="ko-KR" altLang="en-US"/>
+        </a:p>
+      </dgm:t>
+    </dgm:pt>
+    <dgm:pt modelId="{C983A043-4F2C-46A7-BC0F-FE91E6CED314}" type="pres">
+      <dgm:prSet presAssocID="{C6124416-49A0-4371-B3E9-B86D709A012F}" presName="Name21" presStyleCnt="0"/>
+      <dgm:spPr/>
+    </dgm:pt>
+    <dgm:pt modelId="{20068014-86AD-4B3E-B5D3-CBDB5131C055}" type="pres">
+      <dgm:prSet presAssocID="{C6124416-49A0-4371-B3E9-B86D709A012F}" presName="level2Shape" presStyleLbl="node3" presStyleIdx="4" presStyleCnt="8" custLinFactY="100000" custLinFactNeighborY="174441"/>
+      <dgm:spPr/>
+      <dgm:t>
+        <a:bodyPr/>
+        <a:lstStyle/>
+        <a:p>
+          <a:pPr latinLnBrk="1"/>
+          <a:endParaRPr lang="ko-KR" altLang="en-US"/>
+        </a:p>
+      </dgm:t>
+    </dgm:pt>
+    <dgm:pt modelId="{57B9A4F4-8BE4-48D6-B246-AE5F76F450B0}" type="pres">
+      <dgm:prSet presAssocID="{C6124416-49A0-4371-B3E9-B86D709A012F}" presName="hierChild3" presStyleCnt="0"/>
+      <dgm:spPr/>
+    </dgm:pt>
+    <dgm:pt modelId="{138DD65C-C765-49E8-B76D-02DAB46AA108}" type="pres">
+      <dgm:prSet presAssocID="{18BA2D9A-3722-4DC2-BA27-378A9300FF08}" presName="Name19" presStyleLbl="parChTrans1D4" presStyleIdx="4" presStyleCnt="9"/>
+      <dgm:spPr/>
+      <dgm:t>
+        <a:bodyPr/>
+        <a:lstStyle/>
+        <a:p>
+          <a:pPr latinLnBrk="1"/>
+          <a:endParaRPr lang="ko-KR" altLang="en-US"/>
+        </a:p>
+      </dgm:t>
+    </dgm:pt>
+    <dgm:pt modelId="{6D1E6022-90FA-4279-B31C-104847FA85D4}" type="pres">
+      <dgm:prSet presAssocID="{4A0B09AA-1C9B-4646-B3BD-A6F967B9DE9F}" presName="Name21" presStyleCnt="0"/>
+      <dgm:spPr/>
+    </dgm:pt>
+    <dgm:pt modelId="{849AAF3B-110A-4479-B55B-97AD3A624A8F}" type="pres">
+      <dgm:prSet presAssocID="{4A0B09AA-1C9B-4646-B3BD-A6F967B9DE9F}" presName="level2Shape" presStyleLbl="node4" presStyleIdx="4" presStyleCnt="9" custLinFactY="116195" custLinFactNeighborY="200000"/>
+      <dgm:spPr/>
+      <dgm:t>
+        <a:bodyPr/>
+        <a:lstStyle/>
+        <a:p>
+          <a:pPr latinLnBrk="1"/>
+          <a:endParaRPr lang="ko-KR" altLang="en-US"/>
+        </a:p>
+      </dgm:t>
+    </dgm:pt>
+    <dgm:pt modelId="{55DD8869-0C79-4EE5-8980-A71615728E20}" type="pres">
+      <dgm:prSet presAssocID="{4A0B09AA-1C9B-4646-B3BD-A6F967B9DE9F}" presName="hierChild3" presStyleCnt="0"/>
+      <dgm:spPr/>
+    </dgm:pt>
+    <dgm:pt modelId="{B605DF23-4419-4E51-8C93-8E49C6B66999}" type="pres">
+      <dgm:prSet presAssocID="{5B0830B2-2F57-4BBF-9C07-029A645DA361}" presName="Name19" presStyleLbl="parChTrans1D3" presStyleIdx="5" presStyleCnt="8"/>
+      <dgm:spPr/>
+      <dgm:t>
+        <a:bodyPr/>
+        <a:lstStyle/>
+        <a:p>
+          <a:pPr latinLnBrk="1"/>
+          <a:endParaRPr lang="ko-KR" altLang="en-US"/>
+        </a:p>
+      </dgm:t>
+    </dgm:pt>
+    <dgm:pt modelId="{4818F959-C944-4E71-9A67-43C5BF925061}" type="pres">
+      <dgm:prSet presAssocID="{013D2720-8FC9-482A-BD29-7F6C981DD34A}" presName="Name21" presStyleCnt="0"/>
+      <dgm:spPr/>
+    </dgm:pt>
+    <dgm:pt modelId="{817DDDDC-615F-45BE-A655-665D6E82E67D}" type="pres">
+      <dgm:prSet presAssocID="{013D2720-8FC9-482A-BD29-7F6C981DD34A}" presName="level2Shape" presStyleLbl="node3" presStyleIdx="5" presStyleCnt="8" custLinFactY="100000" custLinFactNeighborY="174441"/>
+      <dgm:spPr/>
+      <dgm:t>
+        <a:bodyPr/>
+        <a:lstStyle/>
+        <a:p>
+          <a:pPr latinLnBrk="1"/>
+          <a:endParaRPr lang="ko-KR" altLang="en-US"/>
+        </a:p>
+      </dgm:t>
+    </dgm:pt>
+    <dgm:pt modelId="{86D1F2B3-6B50-4D56-8502-C2252A410C28}" type="pres">
+      <dgm:prSet presAssocID="{013D2720-8FC9-482A-BD29-7F6C981DD34A}" presName="hierChild3" presStyleCnt="0"/>
+      <dgm:spPr/>
+    </dgm:pt>
+    <dgm:pt modelId="{FCDCBDCD-3872-46C3-A820-1134B5CBA2BE}" type="pres">
+      <dgm:prSet presAssocID="{3BEF898F-1CF4-4BB2-879C-AE894DAC75C6}" presName="Name19" presStyleLbl="parChTrans1D4" presStyleIdx="5" presStyleCnt="9"/>
+      <dgm:spPr/>
+      <dgm:t>
+        <a:bodyPr/>
+        <a:lstStyle/>
+        <a:p>
+          <a:pPr latinLnBrk="1"/>
+          <a:endParaRPr lang="ko-KR" altLang="en-US"/>
+        </a:p>
+      </dgm:t>
+    </dgm:pt>
+    <dgm:pt modelId="{A33C06BB-2C1B-440B-89B8-E236CD8A7299}" type="pres">
+      <dgm:prSet presAssocID="{A12AE042-466A-4D56-864B-E2CA4396DDF6}" presName="Name21" presStyleCnt="0"/>
+      <dgm:spPr/>
+    </dgm:pt>
+    <dgm:pt modelId="{9E20D3DB-5BE0-4006-9091-BD63DCC1D6C4}" type="pres">
+      <dgm:prSet presAssocID="{A12AE042-466A-4D56-864B-E2CA4396DDF6}" presName="level2Shape" presStyleLbl="node4" presStyleIdx="5" presStyleCnt="9" custLinFactY="116195" custLinFactNeighborY="200000"/>
+      <dgm:spPr/>
+      <dgm:t>
+        <a:bodyPr/>
+        <a:lstStyle/>
+        <a:p>
+          <a:pPr latinLnBrk="1"/>
+          <a:endParaRPr lang="ko-KR" altLang="en-US"/>
+        </a:p>
+      </dgm:t>
+    </dgm:pt>
+    <dgm:pt modelId="{E8ACC650-3518-4EFE-B2D9-A38CB04DBB7C}" type="pres">
+      <dgm:prSet presAssocID="{A12AE042-466A-4D56-864B-E2CA4396DDF6}" presName="hierChild3" presStyleCnt="0"/>
+      <dgm:spPr/>
+    </dgm:pt>
+    <dgm:pt modelId="{7147C50A-FAD5-46BB-BEB3-6F4C98B3009F}" type="pres">
+      <dgm:prSet presAssocID="{397E24FB-8CBE-47D9-8C44-3F1502DFB453}" presName="Name19" presStyleLbl="parChTrans1D3" presStyleIdx="6" presStyleCnt="8"/>
+      <dgm:spPr/>
+      <dgm:t>
+        <a:bodyPr/>
+        <a:lstStyle/>
+        <a:p>
+          <a:pPr latinLnBrk="1"/>
+          <a:endParaRPr lang="ko-KR" altLang="en-US"/>
+        </a:p>
+      </dgm:t>
+    </dgm:pt>
+    <dgm:pt modelId="{14434CA0-E3FE-45A4-89F8-56BE611CEBC7}" type="pres">
+      <dgm:prSet presAssocID="{63967743-0ECE-460F-A2B6-4E5D68D6471D}" presName="Name21" presStyleCnt="0"/>
+      <dgm:spPr/>
+    </dgm:pt>
+    <dgm:pt modelId="{FD472F0E-DF23-4B8C-AFCA-C694F34DDAD1}" type="pres">
+      <dgm:prSet presAssocID="{63967743-0ECE-460F-A2B6-4E5D68D6471D}" presName="level2Shape" presStyleLbl="node3" presStyleIdx="6" presStyleCnt="8" custLinFactY="100000" custLinFactNeighborY="174441"/>
+      <dgm:spPr/>
+      <dgm:t>
+        <a:bodyPr/>
+        <a:lstStyle/>
+        <a:p>
+          <a:pPr latinLnBrk="1"/>
+          <a:endParaRPr lang="ko-KR" altLang="en-US"/>
+        </a:p>
+      </dgm:t>
+    </dgm:pt>
+    <dgm:pt modelId="{140DF092-9A48-4DFE-8DC0-76E7A7ED7B75}" type="pres">
+      <dgm:prSet presAssocID="{63967743-0ECE-460F-A2B6-4E5D68D6471D}" presName="hierChild3" presStyleCnt="0"/>
+      <dgm:spPr/>
+    </dgm:pt>
+    <dgm:pt modelId="{A47AC3F4-9308-4960-9412-25357507CDD6}" type="pres">
+      <dgm:prSet presAssocID="{30DFD3EB-9D94-4F5F-AE4E-74E408B31D4F}" presName="Name19" presStyleLbl="parChTrans1D4" presStyleIdx="6" presStyleCnt="9"/>
+      <dgm:spPr/>
+      <dgm:t>
+        <a:bodyPr/>
+        <a:lstStyle/>
+        <a:p>
+          <a:pPr latinLnBrk="1"/>
+          <a:endParaRPr lang="ko-KR" altLang="en-US"/>
+        </a:p>
+      </dgm:t>
+    </dgm:pt>
+    <dgm:pt modelId="{0852A2E5-E99E-4DE1-A9EE-CE621D4DCBA9}" type="pres">
+      <dgm:prSet presAssocID="{21C52EDF-4AC8-4A5A-9227-85133A7B2FBC}" presName="Name21" presStyleCnt="0"/>
+      <dgm:spPr/>
+    </dgm:pt>
+    <dgm:pt modelId="{FD3DAA2A-6C7B-4ABE-9324-97A9A49C6898}" type="pres">
+      <dgm:prSet presAssocID="{21C52EDF-4AC8-4A5A-9227-85133A7B2FBC}" presName="level2Shape" presStyleLbl="node4" presStyleIdx="6" presStyleCnt="9" custLinFactY="116195" custLinFactNeighborY="200000"/>
+      <dgm:spPr/>
+      <dgm:t>
+        <a:bodyPr/>
+        <a:lstStyle/>
+        <a:p>
+          <a:pPr latinLnBrk="1"/>
+          <a:endParaRPr lang="ko-KR" altLang="en-US"/>
+        </a:p>
+      </dgm:t>
+    </dgm:pt>
+    <dgm:pt modelId="{576810BE-2930-4548-87D2-7C62F7A27906}" type="pres">
+      <dgm:prSet presAssocID="{21C52EDF-4AC8-4A5A-9227-85133A7B2FBC}" presName="hierChild3" presStyleCnt="0"/>
+      <dgm:spPr/>
+    </dgm:pt>
+    <dgm:pt modelId="{618A934A-276C-418B-B7E8-71FE87250A49}" type="pres">
+      <dgm:prSet presAssocID="{2D1D0D65-6B24-47D9-A1D7-0FCDC2C03392}" presName="Name19" presStyleLbl="parChTrans1D4" presStyleIdx="7" presStyleCnt="9"/>
+      <dgm:spPr/>
+      <dgm:t>
+        <a:bodyPr/>
+        <a:lstStyle/>
+        <a:p>
+          <a:pPr latinLnBrk="1"/>
+          <a:endParaRPr lang="ko-KR" altLang="en-US"/>
+        </a:p>
+      </dgm:t>
+    </dgm:pt>
+    <dgm:pt modelId="{FD37A4F9-0E2E-4C13-A437-64135B0585D0}" type="pres">
+      <dgm:prSet presAssocID="{72C64DE2-8620-4D97-B64F-A565B481875D}" presName="Name21" presStyleCnt="0"/>
+      <dgm:spPr/>
+    </dgm:pt>
+    <dgm:pt modelId="{291B5F0A-A2B1-40E2-9EDE-56D5A2DD6D97}" type="pres">
+      <dgm:prSet presAssocID="{72C64DE2-8620-4D97-B64F-A565B481875D}" presName="level2Shape" presStyleLbl="node4" presStyleIdx="7" presStyleCnt="9" custLinFactY="116195" custLinFactNeighborY="200000"/>
+      <dgm:spPr/>
+      <dgm:t>
+        <a:bodyPr/>
+        <a:lstStyle/>
+        <a:p>
+          <a:pPr latinLnBrk="1"/>
+          <a:endParaRPr lang="ko-KR" altLang="en-US"/>
+        </a:p>
+      </dgm:t>
+    </dgm:pt>
+    <dgm:pt modelId="{62CE9ABF-FD11-4895-8DFC-47A8EE22CFA9}" type="pres">
+      <dgm:prSet presAssocID="{72C64DE2-8620-4D97-B64F-A565B481875D}" presName="hierChild3" presStyleCnt="0"/>
+      <dgm:spPr/>
+    </dgm:pt>
+    <dgm:pt modelId="{39E5D3FA-E997-4E98-A65D-D7547B19E722}" type="pres">
+      <dgm:prSet presAssocID="{60F02FE3-CD43-4789-BDA6-B333D1936063}" presName="Name19" presStyleLbl="parChTrans1D3" presStyleIdx="7" presStyleCnt="8"/>
+      <dgm:spPr/>
+      <dgm:t>
+        <a:bodyPr/>
+        <a:lstStyle/>
+        <a:p>
+          <a:pPr latinLnBrk="1"/>
+          <a:endParaRPr lang="ko-KR" altLang="en-US"/>
+        </a:p>
+      </dgm:t>
+    </dgm:pt>
+    <dgm:pt modelId="{F0F1C17C-212B-4C1A-A093-0D2C16408774}" type="pres">
+      <dgm:prSet presAssocID="{DA4D4C92-8151-4D65-8583-E7BF9EF9D37D}" presName="Name21" presStyleCnt="0"/>
+      <dgm:spPr/>
+    </dgm:pt>
+    <dgm:pt modelId="{3A23ED96-785D-4F51-B245-69AC46C0E743}" type="pres">
+      <dgm:prSet presAssocID="{DA4D4C92-8151-4D65-8583-E7BF9EF9D37D}" presName="level2Shape" presStyleLbl="node3" presStyleIdx="7" presStyleCnt="8" custLinFactY="100000" custLinFactNeighborY="174441"/>
+      <dgm:spPr/>
+      <dgm:t>
+        <a:bodyPr/>
+        <a:lstStyle/>
+        <a:p>
+          <a:pPr latinLnBrk="1"/>
+          <a:endParaRPr lang="ko-KR" altLang="en-US"/>
+        </a:p>
+      </dgm:t>
+    </dgm:pt>
     <dgm:pt modelId="{8917113F-F288-45E4-AD60-A2FEB7665F01}" type="pres">
       <dgm:prSet presAssocID="{DA4D4C92-8151-4D65-8583-E7BF9EF9D37D}" presName="hierChild3" presStyleCnt="0"/>
       <dgm:spPr/>
@@ -2381,6 +2525,14 @@
     <dgm:pt modelId="{A2001C75-B76E-4630-80D9-543A47D45669}" type="pres">
       <dgm:prSet presAssocID="{1DF4E37C-0DD9-4038-BFD4-CED48C486E4D}" presName="Name19" presStyleLbl="parChTrans1D4" presStyleIdx="8" presStyleCnt="9"/>
       <dgm:spPr/>
+      <dgm:t>
+        <a:bodyPr/>
+        <a:lstStyle/>
+        <a:p>
+          <a:pPr latinLnBrk="1"/>
+          <a:endParaRPr lang="ko-KR" altLang="en-US"/>
+        </a:p>
+      </dgm:t>
     </dgm:pt>
     <dgm:pt modelId="{6C022E96-BB98-43BA-8F86-4009F8F09EA8}" type="pres">
       <dgm:prSet presAssocID="{644D6472-F0B9-4A4D-9566-9FEBA7CA3D7A}" presName="Name21" presStyleCnt="0"/>
@@ -2586,8 +2738,8 @@
     <dgm:cxn modelId="{83B65E87-D2D5-4C08-A6D0-1301AE101DCD}" srcId="{F1EDA677-E82E-4A5C-9AD2-F69BB42F8962}" destId="{4E9731B8-6DE9-4E6B-8060-FEFEBF974927}" srcOrd="3" destOrd="0" parTransId="{FBA79A74-6478-45DF-88F9-58E1F4C8693E}" sibTransId="{D9B2EEAA-407D-44BE-BE66-89879C170F7D}"/>
     <dgm:cxn modelId="{D51A2D27-13BC-4096-B169-35BDFB0E91BF}" type="presOf" srcId="{57A84860-688F-4E8D-8B55-E7B556DEADA7}" destId="{9EEDDCF1-FDDC-4A6D-8BA2-BDD71A3F0006}" srcOrd="0" destOrd="0" presId="urn:microsoft.com/office/officeart/2005/8/layout/hierarchy6"/>
     <dgm:cxn modelId="{DCA2EE5B-01A4-4BA3-A8BD-A267D940A803}" type="presOf" srcId="{813AC39F-E6D1-4499-BB6E-5DBC96767645}" destId="{7961210E-4EA8-44BD-9AFA-2E63905BFC62}" srcOrd="1" destOrd="0" presId="urn:microsoft.com/office/officeart/2005/8/layout/hierarchy6"/>
+    <dgm:cxn modelId="{78178DB3-F658-42CF-8A43-D1965A20AFD2}" type="presOf" srcId="{C2F3E794-87C3-4D98-9D97-F1B24FD279BB}" destId="{CB17A4F6-E409-46E5-BF13-FC59F99C4B93}" srcOrd="1" destOrd="0" presId="urn:microsoft.com/office/officeart/2005/8/layout/hierarchy6"/>
     <dgm:cxn modelId="{3C2DA25B-B5F3-47D9-8966-ED8388D8775A}" srcId="{013D2720-8FC9-482A-BD29-7F6C981DD34A}" destId="{A12AE042-466A-4D56-864B-E2CA4396DDF6}" srcOrd="0" destOrd="0" parTransId="{3BEF898F-1CF4-4BB2-879C-AE894DAC75C6}" sibTransId="{8CCDCD01-32DC-44E3-82C5-27847F788E9D}"/>
-    <dgm:cxn modelId="{78178DB3-F658-42CF-8A43-D1965A20AFD2}" type="presOf" srcId="{C2F3E794-87C3-4D98-9D97-F1B24FD279BB}" destId="{CB17A4F6-E409-46E5-BF13-FC59F99C4B93}" srcOrd="1" destOrd="0" presId="urn:microsoft.com/office/officeart/2005/8/layout/hierarchy6"/>
     <dgm:cxn modelId="{F33B6B43-9B00-4305-A986-EC16CE4ABDAE}" type="presOf" srcId="{27D538C5-6E7E-48BE-AD87-A5CA8C1FB3D0}" destId="{968D30B2-7BF5-4C82-9A40-BDF7636E40BD}" srcOrd="0" destOrd="0" presId="urn:microsoft.com/office/officeart/2005/8/layout/hierarchy6"/>
     <dgm:cxn modelId="{2397CC60-1290-4B8B-A61F-2C3FDF3E4C83}" type="presOf" srcId="{C2F3E794-87C3-4D98-9D97-F1B24FD279BB}" destId="{50EF4299-89AC-4680-9D79-87A388D43518}" srcOrd="0" destOrd="0" presId="urn:microsoft.com/office/officeart/2005/8/layout/hierarchy6"/>
     <dgm:cxn modelId="{428EE95E-1646-4769-841E-6D1C599F10A9}" srcId="{C8731773-3199-4B1A-B476-56B860D702D6}" destId="{AB9D2341-8AD0-49E1-9B45-7C37082502C3}" srcOrd="0" destOrd="0" parTransId="{749E0D33-2BA5-4EC6-99F5-157B978C32EF}" sibTransId="{C01E7191-405E-4AAC-8DAD-E2DAEBB9CA4F}"/>
@@ -7384,7 +7536,7 @@
           <a:p>
             <a:fld id="{82674F3D-BD32-4778-BD6A-A6E50C45F655}" type="datetimeFigureOut">
               <a:rPr lang="ko-KR" altLang="en-US" smtClean="0"/>
-              <a:t>2020-01-22</a:t>
+              <a:t>2020-01-28</a:t>
             </a:fld>
             <a:endParaRPr lang="ko-KR" altLang="en-US"/>
           </a:p>
@@ -7867,7 +8019,7 @@
           <a:p>
             <a:fld id="{55BA1CCD-F074-427C-A04B-96D67DB3D6B3}" type="datetime1">
               <a:rPr lang="ko-KR" altLang="en-US" smtClean="0"/>
-              <a:t>2020-01-22</a:t>
+              <a:t>2020-01-28</a:t>
             </a:fld>
             <a:endParaRPr lang="ko-KR" altLang="en-US"/>
           </a:p>
@@ -8131,7 +8283,7 @@
           <a:p>
             <a:fld id="{7F166A92-59E5-4011-9BD6-597E888A2283}" type="datetime1">
               <a:rPr lang="ko-KR" altLang="en-US" smtClean="0"/>
-              <a:t>2020-01-22</a:t>
+              <a:t>2020-01-28</a:t>
             </a:fld>
             <a:endParaRPr lang="ko-KR" altLang="en-US"/>
           </a:p>
@@ -8305,7 +8457,7 @@
           <a:p>
             <a:fld id="{25F8A7E2-916D-4390-9042-65AED9BE76F9}" type="datetime1">
               <a:rPr lang="ko-KR" altLang="en-US" smtClean="0"/>
-              <a:t>2020-01-22</a:t>
+              <a:t>2020-01-28</a:t>
             </a:fld>
             <a:endParaRPr lang="ko-KR" altLang="en-US"/>
           </a:p>
@@ -8489,7 +8641,7 @@
           <a:p>
             <a:fld id="{7635224A-573A-45E2-8CB5-F9B139B6195F}" type="datetime1">
               <a:rPr lang="ko-KR" altLang="en-US" smtClean="0"/>
-              <a:t>2020-01-22</a:t>
+              <a:t>2020-01-28</a:t>
             </a:fld>
             <a:endParaRPr lang="ko-KR" altLang="en-US"/>
           </a:p>
@@ -8678,7 +8830,7 @@
           <a:p>
             <a:fld id="{3B3A31F0-DC5C-45F6-BF16-81D1F0F2C2F7}" type="datetime1">
               <a:rPr lang="ko-KR" altLang="en-US" smtClean="0"/>
-              <a:t>2020-01-22</a:t>
+              <a:t>2020-01-28</a:t>
             </a:fld>
             <a:endParaRPr lang="ko-KR" altLang="en-US"/>
           </a:p>
@@ -8905,7 +9057,7 @@
           <a:p>
             <a:fld id="{3B3A31F0-DC5C-45F6-BF16-81D1F0F2C2F7}" type="datetime1">
               <a:rPr lang="ko-KR" altLang="en-US" smtClean="0"/>
-              <a:t>2020-01-22</a:t>
+              <a:t>2020-01-28</a:t>
             </a:fld>
             <a:endParaRPr lang="ko-KR" altLang="en-US"/>
           </a:p>
@@ -9211,7 +9363,7 @@
           <a:p>
             <a:fld id="{68C9B244-343C-4531-81F5-6EE4B6B9D173}" type="datetime1">
               <a:rPr lang="ko-KR" altLang="en-US" smtClean="0"/>
-              <a:t>2020-01-22</a:t>
+              <a:t>2020-01-28</a:t>
             </a:fld>
             <a:endParaRPr lang="ko-KR" altLang="en-US"/>
           </a:p>
@@ -9454,7 +9606,7 @@
           <a:p>
             <a:fld id="{31103400-27FA-4D61-B0B9-3F1A8B5C5006}" type="datetime1">
               <a:rPr lang="ko-KR" altLang="en-US" smtClean="0"/>
-              <a:t>2020-01-22</a:t>
+              <a:t>2020-01-28</a:t>
             </a:fld>
             <a:endParaRPr lang="ko-KR" altLang="en-US"/>
           </a:p>
@@ -9832,7 +9984,7 @@
           <a:p>
             <a:fld id="{10F34082-45DD-4904-96B5-0C79FAC13806}" type="datetime1">
               <a:rPr lang="ko-KR" altLang="en-US" smtClean="0"/>
-              <a:t>2020-01-22</a:t>
+              <a:t>2020-01-28</a:t>
             </a:fld>
             <a:endParaRPr lang="ko-KR" altLang="en-US"/>
           </a:p>
@@ -9954,7 +10106,7 @@
           <a:p>
             <a:fld id="{1BAA8F34-E616-4AB3-8687-320DA4E177D5}" type="datetime1">
               <a:rPr lang="ko-KR" altLang="en-US" smtClean="0"/>
-              <a:t>2020-01-22</a:t>
+              <a:t>2020-01-28</a:t>
             </a:fld>
             <a:endParaRPr lang="ko-KR" altLang="en-US"/>
           </a:p>
@@ -10053,7 +10205,7 @@
           <a:p>
             <a:fld id="{196D0E64-111E-4035-B499-C5BC1A212A70}" type="datetime1">
               <a:rPr lang="ko-KR" altLang="en-US" smtClean="0"/>
-              <a:t>2020-01-22</a:t>
+              <a:t>2020-01-28</a:t>
             </a:fld>
             <a:endParaRPr lang="ko-KR" altLang="en-US"/>
           </a:p>
@@ -10334,7 +10486,7 @@
           <a:p>
             <a:fld id="{D5EE91AD-36CD-4A4C-BEC1-A287AFEE31A7}" type="datetime1">
               <a:rPr lang="ko-KR" altLang="en-US" smtClean="0"/>
-              <a:t>2020-01-22</a:t>
+              <a:t>2020-01-28</a:t>
             </a:fld>
             <a:endParaRPr lang="ko-KR" altLang="en-US"/>
           </a:p>
@@ -10551,7 +10703,7 @@
           <a:p>
             <a:fld id="{16402353-221A-4326-A5EB-68864CD9DD83}" type="datetime1">
               <a:rPr lang="ko-KR" altLang="en-US" smtClean="0"/>
-              <a:t>2020-01-22</a:t>
+              <a:t>2020-01-28</a:t>
             </a:fld>
             <a:endParaRPr lang="ko-KR" altLang="en-US"/>
           </a:p>
@@ -11086,7 +11238,7 @@
           <a:p>
             <a:fld id="{65C2ACD4-451B-4063-8127-CBF3A2444CC7}" type="datetime1">
               <a:rPr lang="ko-KR" altLang="en-US" smtClean="0"/>
-              <a:t>2020-01-22</a:t>
+              <a:t>2020-01-28</a:t>
             </a:fld>
             <a:endParaRPr lang="ko-KR" altLang="en-US"/>
           </a:p>
@@ -11402,7 +11554,7 @@
           <a:p>
             <a:fld id="{3B3A31F0-DC5C-45F6-BF16-81D1F0F2C2F7}" type="datetime1">
               <a:rPr lang="ko-KR" altLang="en-US" smtClean="0"/>
-              <a:t>2020-01-22</a:t>
+              <a:t>2020-01-28</a:t>
             </a:fld>
             <a:endParaRPr lang="ko-KR" altLang="en-US"/>
           </a:p>
@@ -11536,11 +11688,7 @@
             </a:r>
             <a:r>
               <a:rPr lang="en-US" altLang="ko-KR" dirty="0" smtClean="0"/>
-              <a:t>(Focus</a:t>
-            </a:r>
-            <a:r>
-              <a:rPr lang="en-US" altLang="ko-KR" dirty="0" smtClean="0"/>
-              <a:t>)</a:t>
+              <a:t>(Focus)</a:t>
             </a:r>
           </a:p>
           <a:p>
@@ -11549,7 +11697,6 @@
               <a:rPr lang="en-US" altLang="ko-KR" dirty="0" smtClean="0"/>
               <a:t>concept</a:t>
             </a:r>
-            <a:endParaRPr lang="en-US" altLang="ko-KR" dirty="0" smtClean="0"/>
           </a:p>
           <a:p>
             <a:r>
@@ -11582,13 +11729,8 @@
             </a:r>
             <a:r>
               <a:rPr lang="en-US" altLang="ko-KR" dirty="0" smtClean="0"/>
-              <a:t>(System spec</a:t>
-            </a:r>
-            <a:r>
-              <a:rPr lang="en-US" altLang="ko-KR" dirty="0" smtClean="0"/>
-              <a:t>.)</a:t>
-            </a:r>
-            <a:endParaRPr lang="en-US" altLang="ko-KR" dirty="0" smtClean="0"/>
+              <a:t>(System spec.)</a:t>
+            </a:r>
           </a:p>
         </p:txBody>
       </p:sp>
@@ -11655,7 +11797,7 @@
           <a:p>
             <a:fld id="{069378C6-BE6B-4503-80E5-96D1D44FB257}" type="datetime1">
               <a:rPr lang="ko-KR" altLang="en-US" smtClean="0"/>
-              <a:t>2020-01-22</a:t>
+              <a:t>2020-01-28</a:t>
             </a:fld>
             <a:endParaRPr lang="ko-KR" altLang="en-US"/>
           </a:p>
@@ -11781,19 +11923,11 @@
             </a:r>
             <a:r>
               <a:rPr lang="ko-KR" altLang="en-US" sz="2000" dirty="0" smtClean="0"/>
-              <a:t> </a:t>
-            </a:r>
-            <a:r>
-              <a:rPr lang="ko-KR" altLang="en-US" sz="2000" dirty="0" smtClean="0"/>
-              <a:t>표현</a:t>
+              <a:t> 표현</a:t>
             </a:r>
             <a:r>
               <a:rPr lang="ko-KR" altLang="en-US" sz="2000" b="0" dirty="0" smtClean="0"/>
-              <a:t>을 </a:t>
-            </a:r>
-            <a:r>
-              <a:rPr lang="ko-KR" altLang="en-US" sz="2000" b="0" dirty="0" smtClean="0"/>
-              <a:t>한다</a:t>
+              <a:t>을 한다</a:t>
             </a:r>
             <a:r>
               <a:rPr lang="en-US" altLang="ko-KR" sz="2000" b="0" dirty="0" smtClean="0"/>
@@ -11905,11 +12039,7 @@
             </a:r>
             <a:r>
               <a:rPr lang="ko-KR" altLang="en-US" sz="2000" b="0" dirty="0" smtClean="0"/>
-              <a:t> </a:t>
-            </a:r>
-            <a:r>
-              <a:rPr lang="ko-KR" altLang="en-US" sz="2000" b="0" dirty="0" smtClean="0"/>
-              <a:t>부활하거나 잠자기를 선택하면 하루가 종료되고 다음날 </a:t>
+              <a:t> 부활하거나 잠자기를 선택하면 하루가 종료되고 다음날 </a:t>
             </a:r>
             <a:r>
               <a:rPr lang="en-US" altLang="ko-KR" sz="2000" b="0" dirty="0" smtClean="0"/>
@@ -11935,11 +12065,7 @@
             </a:r>
             <a:r>
               <a:rPr lang="ko-KR" altLang="en-US" sz="2000" b="0" dirty="0" err="1" smtClean="0"/>
-              <a:t>방어스킬</a:t>
-            </a:r>
-            <a:r>
-              <a:rPr lang="ko-KR" altLang="en-US" sz="2000" b="0" dirty="0" err="1" smtClean="0"/>
-              <a:t>등은</a:t>
+              <a:t>방어스킬등은</a:t>
             </a:r>
             <a:r>
               <a:rPr lang="ko-KR" altLang="en-US" sz="2000" b="0" dirty="0" smtClean="0"/>
@@ -11973,7 +12099,6 @@
               <a:rPr lang="en-US" altLang="ko-KR" sz="2000" b="0" dirty="0" smtClean="0"/>
               <a:t>.</a:t>
             </a:r>
-            <a:endParaRPr lang="en-US" altLang="ko-KR" sz="2000" b="0" dirty="0" smtClean="0"/>
           </a:p>
           <a:p>
             <a:r>
@@ -12055,7 +12180,7 @@
           <a:p>
             <a:fld id="{3B3A31F0-DC5C-45F6-BF16-81D1F0F2C2F7}" type="datetime1">
               <a:rPr lang="ko-KR" altLang="en-US" smtClean="0"/>
-              <a:t>2020-01-22</a:t>
+              <a:t>2020-01-28</a:t>
             </a:fld>
             <a:endParaRPr lang="ko-KR" altLang="en-US"/>
           </a:p>
@@ -12197,7 +12322,7 @@
           <a:p>
             <a:fld id="{3B3A31F0-DC5C-45F6-BF16-81D1F0F2C2F7}" type="datetime1">
               <a:rPr lang="ko-KR" altLang="en-US" smtClean="0"/>
-              <a:t>2020-01-22</a:t>
+              <a:t>2020-01-28</a:t>
             </a:fld>
             <a:endParaRPr lang="ko-KR" altLang="en-US"/>
           </a:p>
@@ -13419,7 +13544,7 @@
           <a:p>
             <a:fld id="{3B3A31F0-DC5C-45F6-BF16-81D1F0F2C2F7}" type="datetime1">
               <a:rPr lang="ko-KR" altLang="en-US" smtClean="0"/>
-              <a:t>2020-01-22</a:t>
+              <a:t>2020-01-28</a:t>
             </a:fld>
             <a:endParaRPr lang="ko-KR" altLang="en-US"/>
           </a:p>
@@ -13475,6 +13600,53 @@
               <a:rPr lang="ko-KR" altLang="en-US" smtClean="0"/>
               <a:t>6</a:t>
             </a:fld>
+            <a:endParaRPr lang="ko-KR" altLang="en-US"/>
+          </a:p>
+        </p:txBody>
+      </p:sp>
+      <p:sp>
+        <p:nvSpPr>
+          <p:cNvPr id="3" name="직사각형 2"/>
+          <p:cNvSpPr/>
+          <p:nvPr/>
+        </p:nvSpPr>
+        <p:spPr>
+          <a:xfrm>
+            <a:off x="9190892" y="4736123"/>
+            <a:ext cx="1910862" cy="1620227"/>
+          </a:xfrm>
+          <a:prstGeom prst="rect">
+            <a:avLst/>
+          </a:prstGeom>
+          <a:noFill/>
+          <a:ln>
+            <a:solidFill>
+              <a:srgbClr val="FF0000"/>
+            </a:solidFill>
+            <a:prstDash val="dash"/>
+          </a:ln>
+        </p:spPr>
+        <p:style>
+          <a:lnRef idx="2">
+            <a:schemeClr val="accent1">
+              <a:shade val="50000"/>
+            </a:schemeClr>
+          </a:lnRef>
+          <a:fillRef idx="1">
+            <a:schemeClr val="accent1"/>
+          </a:fillRef>
+          <a:effectRef idx="0">
+            <a:schemeClr val="accent1"/>
+          </a:effectRef>
+          <a:fontRef idx="minor">
+            <a:schemeClr val="lt1"/>
+          </a:fontRef>
+        </p:style>
+        <p:txBody>
+          <a:bodyPr rtlCol="0" anchor="ctr"/>
+          <a:lstStyle/>
+          <a:p>
+            <a:pPr algn="ctr"/>
             <a:endParaRPr lang="ko-KR" altLang="en-US"/>
           </a:p>
         </p:txBody>
@@ -13539,11 +13711,7 @@
             </a:r>
             <a:r>
               <a:rPr lang="en-US" altLang="ko-KR" dirty="0" smtClean="0"/>
-              <a:t>(</a:t>
-            </a:r>
-            <a:r>
-              <a:rPr lang="en-US" altLang="ko-KR" dirty="0" smtClean="0"/>
-              <a:t>Policy)</a:t>
+              <a:t>(Policy)</a:t>
             </a:r>
             <a:endParaRPr lang="ko-KR" altLang="en-US" dirty="0"/>
           </a:p>
@@ -13763,7 +13931,7 @@
           <a:p>
             <a:fld id="{3B3A31F0-DC5C-45F6-BF16-81D1F0F2C2F7}" type="datetime1">
               <a:rPr lang="ko-KR" altLang="en-US" smtClean="0"/>
-              <a:t>2020-01-22</a:t>
+              <a:t>2020-01-28</a:t>
             </a:fld>
             <a:endParaRPr lang="ko-KR" altLang="en-US"/>
           </a:p>
@@ -13905,11 +14073,7 @@
             </a:r>
             <a:r>
               <a:rPr lang="en-US" altLang="ko-KR" dirty="0" smtClean="0"/>
-              <a:t>(</a:t>
-            </a:r>
-            <a:r>
-              <a:rPr lang="en-US" altLang="ko-KR" dirty="0" smtClean="0"/>
-              <a:t>Policy)</a:t>
+              <a:t>(Policy)</a:t>
             </a:r>
             <a:endParaRPr lang="ko-KR" altLang="en-US" dirty="0"/>
           </a:p>
@@ -13991,11 +14155,7 @@
             </a:r>
             <a:r>
               <a:rPr lang="en-US" altLang="ko-KR" sz="2200" b="0" dirty="0" smtClean="0"/>
-              <a:t>PC/</a:t>
-            </a:r>
-            <a:r>
-              <a:rPr lang="en-US" altLang="ko-KR" sz="2200" b="0" dirty="0" smtClean="0"/>
-              <a:t>NPC </a:t>
+              <a:t>PC/NPC </a:t>
             </a:r>
             <a:r>
               <a:rPr lang="ko-KR" altLang="en-US" sz="2200" b="0" dirty="0" smtClean="0"/>
@@ -14142,7 +14302,7 @@
           <a:p>
             <a:fld id="{3B3A31F0-DC5C-45F6-BF16-81D1F0F2C2F7}" type="datetime1">
               <a:rPr lang="ko-KR" altLang="en-US" smtClean="0"/>
-              <a:t>2020-01-22</a:t>
+              <a:t>2020-01-28</a:t>
             </a:fld>
             <a:endParaRPr lang="ko-KR" altLang="en-US"/>
           </a:p>
@@ -14324,7 +14484,7 @@
           <a:p>
             <a:fld id="{3B3A31F0-DC5C-45F6-BF16-81D1F0F2C2F7}" type="datetime1">
               <a:rPr lang="ko-KR" altLang="en-US" smtClean="0"/>
-              <a:t>2020-01-22</a:t>
+              <a:t>2020-01-28</a:t>
             </a:fld>
             <a:endParaRPr lang="ko-KR" altLang="en-US"/>
           </a:p>
